--- a/PPT/DeepLearning08-MLP.pptx
+++ b/PPT/DeepLearning08-MLP.pptx
@@ -3966,6 +3966,13 @@
   <p:clrMapOvr>
     <a:masterClrMapping/>
   </p:clrMapOvr>
+  <p:timing>
+    <p:tnLst>
+      <p:par>
+        <p:cTn id="1" dur="indefinite" restart="never" nodeType="tmRoot"/>
+      </p:par>
+    </p:tnLst>
+  </p:timing>
 </p:sld>
 </file>
 
@@ -4983,6 +4990,13 @@
   <p:clrMapOvr>
     <a:masterClrMapping/>
   </p:clrMapOvr>
+  <p:timing>
+    <p:tnLst>
+      <p:par>
+        <p:cTn id="1" dur="indefinite" restart="never" nodeType="tmRoot"/>
+      </p:par>
+    </p:tnLst>
+  </p:timing>
 </p:sld>
 </file>
 
@@ -5107,6 +5121,13 @@
   <p:clrMapOvr>
     <a:masterClrMapping/>
   </p:clrMapOvr>
+  <p:timing>
+    <p:tnLst>
+      <p:par>
+        <p:cTn id="1" dur="indefinite" restart="never" nodeType="tmRoot"/>
+      </p:par>
+    </p:tnLst>
+  </p:timing>
 </p:sld>
 </file>
 
@@ -5203,6 +5224,13 @@
   <p:clrMapOvr>
     <a:masterClrMapping/>
   </p:clrMapOvr>
+  <p:timing>
+    <p:tnLst>
+      <p:par>
+        <p:cTn id="1" dur="indefinite" restart="never" nodeType="tmRoot"/>
+      </p:par>
+    </p:tnLst>
+  </p:timing>
 </p:sld>
 </file>
 
@@ -5394,6 +5422,13 @@
   <p:clrMapOvr>
     <a:masterClrMapping/>
   </p:clrMapOvr>
+  <p:timing>
+    <p:tnLst>
+      <p:par>
+        <p:cTn id="1" dur="indefinite" restart="never" nodeType="tmRoot"/>
+      </p:par>
+    </p:tnLst>
+  </p:timing>
 </p:sld>
 </file>
 
@@ -5488,6 +5523,13 @@
   <p:clrMapOvr>
     <a:masterClrMapping/>
   </p:clrMapOvr>
+  <p:timing>
+    <p:tnLst>
+      <p:par>
+        <p:cTn id="1" dur="indefinite" restart="never" nodeType="tmRoot"/>
+      </p:par>
+    </p:tnLst>
+  </p:timing>
 </p:sld>
 </file>
 
@@ -5576,7 +5618,7 @@
             </a:r>
             <a:r>
               <a:rPr lang="fr-FR" dirty="0" err="1" smtClean="0"/>
-              <a:t>mae</a:t>
+              <a:t>mse</a:t>
             </a:r>
             <a:r>
               <a:rPr lang="fr-FR" dirty="0" smtClean="0"/>
@@ -5603,6 +5645,13 @@
   <p:clrMapOvr>
     <a:masterClrMapping/>
   </p:clrMapOvr>
+  <p:timing>
+    <p:tnLst>
+      <p:par>
+        <p:cTn id="1" dur="indefinite" restart="never" nodeType="tmRoot"/>
+      </p:par>
+    </p:tnLst>
+  </p:timing>
 </p:sld>
 </file>
 
@@ -5833,6 +5882,13 @@
   <p:clrMapOvr>
     <a:masterClrMapping/>
   </p:clrMapOvr>
+  <p:timing>
+    <p:tnLst>
+      <p:par>
+        <p:cTn id="1" dur="indefinite" restart="never" nodeType="tmRoot"/>
+      </p:par>
+    </p:tnLst>
+  </p:timing>
 </p:sld>
 </file>
 
@@ -6121,6 +6177,13 @@
   <p:clrMapOvr>
     <a:masterClrMapping/>
   </p:clrMapOvr>
+  <p:timing>
+    <p:tnLst>
+      <p:par>
+        <p:cTn id="1" dur="indefinite" restart="never" nodeType="tmRoot"/>
+      </p:par>
+    </p:tnLst>
+  </p:timing>
 </p:sld>
 </file>
 
@@ -6286,6 +6349,13 @@
   <p:clrMapOvr>
     <a:masterClrMapping/>
   </p:clrMapOvr>
+  <p:timing>
+    <p:tnLst>
+      <p:par>
+        <p:cTn id="1" dur="indefinite" restart="never" nodeType="tmRoot"/>
+      </p:par>
+    </p:tnLst>
+  </p:timing>
 </p:sld>
 </file>
 
@@ -6762,6 +6832,13 @@
   <p:clrMapOvr>
     <a:masterClrMapping/>
   </p:clrMapOvr>
+  <p:timing>
+    <p:tnLst>
+      <p:par>
+        <p:cTn id="1" dur="indefinite" restart="never" nodeType="tmRoot"/>
+      </p:par>
+    </p:tnLst>
+  </p:timing>
 </p:sld>
 </file>
 
@@ -6879,6 +6956,13 @@
   <p:clrMapOvr>
     <a:masterClrMapping/>
   </p:clrMapOvr>
+  <p:timing>
+    <p:tnLst>
+      <p:par>
+        <p:cTn id="1" dur="indefinite" restart="never" nodeType="tmRoot"/>
+      </p:par>
+    </p:tnLst>
+  </p:timing>
 </p:sld>
 </file>
 
@@ -7014,6 +7098,13 @@
   <p:clrMapOvr>
     <a:masterClrMapping/>
   </p:clrMapOvr>
+  <p:timing>
+    <p:tnLst>
+      <p:par>
+        <p:cTn id="1" dur="indefinite" restart="never" nodeType="tmRoot"/>
+      </p:par>
+    </p:tnLst>
+  </p:timing>
 </p:sld>
 </file>
 
@@ -7190,21 +7281,11 @@
             <a:pPr lvl="1"/>
             <a:r>
               <a:rPr lang="fr-FR" dirty="0" smtClean="0"/>
-              <a:t>Au moins 100 pour un petit MLP</a:t>
-            </a:r>
-          </a:p>
-          <a:p>
-            <a:pPr lvl="1"/>
-            <a:r>
-              <a:rPr lang="fr-FR" dirty="0" smtClean="0"/>
-              <a:t>Au moins 1000 pour un MLP classique</a:t>
-            </a:r>
-          </a:p>
-          <a:p>
-            <a:pPr lvl="1"/>
-            <a:r>
-              <a:rPr lang="fr-FR" dirty="0" smtClean="0"/>
-              <a:t>Pas de goulot d’étranglement</a:t>
+              <a:t>Pas </a:t>
+            </a:r>
+            <a:r>
+              <a:rPr lang="fr-FR" dirty="0" smtClean="0"/>
+              <a:t>de goulot d’étranglement</a:t>
             </a:r>
           </a:p>
           <a:p>
@@ -7225,12 +7306,20 @@
           <a:p>
             <a:pPr lvl="1"/>
             <a:r>
-              <a:rPr lang="fr-FR" dirty="0" smtClean="0"/>
-              <a:t>Rarement plus de </a:t>
-            </a:r>
-            <a:r>
-              <a:rPr lang="fr-FR" smtClean="0"/>
-              <a:t>5 Denses</a:t>
+              <a:rPr lang="fr-FR" dirty="0" err="1" smtClean="0"/>
+              <a:t>Nb_max_hidden_layer</a:t>
+            </a:r>
+            <a:r>
+              <a:rPr lang="fr-FR" dirty="0" smtClean="0"/>
+              <a:t> ~= log(</a:t>
+            </a:r>
+            <a:r>
+              <a:rPr lang="fr-FR" dirty="0" err="1" smtClean="0"/>
+              <a:t>len</a:t>
+            </a:r>
+            <a:r>
+              <a:rPr lang="fr-FR" dirty="0" smtClean="0"/>
+              <a:t>(dataset))</a:t>
             </a:r>
             <a:endParaRPr lang="fr-FR" dirty="0" smtClean="0"/>
           </a:p>
@@ -7246,6 +7335,13 @@
   <p:clrMapOvr>
     <a:masterClrMapping/>
   </p:clrMapOvr>
+  <p:timing>
+    <p:tnLst>
+      <p:par>
+        <p:cTn id="1" dur="indefinite" restart="never" nodeType="tmRoot"/>
+      </p:par>
+    </p:tnLst>
+  </p:timing>
 </p:sld>
 </file>
 
@@ -7365,6 +7461,13 @@
   <p:clrMapOvr>
     <a:masterClrMapping/>
   </p:clrMapOvr>
+  <p:timing>
+    <p:tnLst>
+      <p:par>
+        <p:cTn id="1" dur="indefinite" restart="never" nodeType="tmRoot"/>
+      </p:par>
+    </p:tnLst>
+  </p:timing>
 </p:sld>
 </file>
 
@@ -7498,6 +7601,13 @@
   <p:clrMapOvr>
     <a:masterClrMapping/>
   </p:clrMapOvr>
+  <p:timing>
+    <p:tnLst>
+      <p:par>
+        <p:cTn id="1" dur="indefinite" restart="never" nodeType="tmRoot"/>
+      </p:par>
+    </p:tnLst>
+  </p:timing>
 </p:sld>
 </file>
 
@@ -8181,6 +8291,13 @@
   <p:clrMapOvr>
     <a:masterClrMapping/>
   </p:clrMapOvr>
+  <p:timing>
+    <p:tnLst>
+      <p:par>
+        <p:cTn id="1" dur="indefinite" restart="never" nodeType="tmRoot"/>
+      </p:par>
+    </p:tnLst>
+  </p:timing>
 </p:sld>
 </file>
 
@@ -8483,6 +8600,13 @@
   <p:clrMapOvr>
     <a:masterClrMapping/>
   </p:clrMapOvr>
+  <p:timing>
+    <p:tnLst>
+      <p:par>
+        <p:cTn id="1" dur="indefinite" restart="never" nodeType="tmRoot"/>
+      </p:par>
+    </p:tnLst>
+  </p:timing>
 </p:sld>
 </file>
 
@@ -8575,6 +8699,13 @@
   <p:clrMapOvr>
     <a:masterClrMapping/>
   </p:clrMapOvr>
+  <p:timing>
+    <p:tnLst>
+      <p:par>
+        <p:cTn id="1" dur="indefinite" restart="never" nodeType="tmRoot"/>
+      </p:par>
+    </p:tnLst>
+  </p:timing>
 </p:sld>
 </file>
 

--- a/PPT/DeepLearning08-MLP.pptx
+++ b/PPT/DeepLearning08-MLP.pptx
@@ -5,10 +5,10 @@
     <p:sldMasterId id="2147483653" r:id="rId1"/>
   </p:sldMasterIdLst>
   <p:notesMasterIdLst>
-    <p:notesMasterId r:id="rId29"/>
+    <p:notesMasterId r:id="rId30"/>
   </p:notesMasterIdLst>
   <p:handoutMasterIdLst>
-    <p:handoutMasterId r:id="rId30"/>
+    <p:handoutMasterId r:id="rId31"/>
   </p:handoutMasterIdLst>
   <p:sldIdLst>
     <p:sldId id="264" r:id="rId2"/>
@@ -29,15 +29,16 @@
     <p:sldId id="319" r:id="rId17"/>
     <p:sldId id="329" r:id="rId18"/>
     <p:sldId id="320" r:id="rId19"/>
-    <p:sldId id="321" r:id="rId20"/>
-    <p:sldId id="323" r:id="rId21"/>
-    <p:sldId id="324" r:id="rId22"/>
-    <p:sldId id="326" r:id="rId23"/>
-    <p:sldId id="322" r:id="rId24"/>
-    <p:sldId id="318" r:id="rId25"/>
-    <p:sldId id="331" r:id="rId26"/>
-    <p:sldId id="333" r:id="rId27"/>
-    <p:sldId id="332" r:id="rId28"/>
+    <p:sldId id="334" r:id="rId20"/>
+    <p:sldId id="321" r:id="rId21"/>
+    <p:sldId id="323" r:id="rId22"/>
+    <p:sldId id="324" r:id="rId23"/>
+    <p:sldId id="326" r:id="rId24"/>
+    <p:sldId id="322" r:id="rId25"/>
+    <p:sldId id="318" r:id="rId26"/>
+    <p:sldId id="331" r:id="rId27"/>
+    <p:sldId id="333" r:id="rId28"/>
+    <p:sldId id="332" r:id="rId29"/>
   </p:sldIdLst>
   <p:sldSz cx="9144000" cy="6858000" type="screen4x3"/>
   <p:notesSz cx="6648450" cy="9782175"/>
@@ -630,35 +631,35 @@
           <a:p>
             <a:pPr lvl="0"/>
             <a:r>
-              <a:rPr lang="fr-FR" noProof="0" smtClean="0"/>
+              <a:rPr lang="fr-FR" noProof="0"/>
               <a:t>Cliquez pour modifier les styles du texte du masque</a:t>
             </a:r>
           </a:p>
           <a:p>
             <a:pPr lvl="1"/>
             <a:r>
-              <a:rPr lang="fr-FR" noProof="0" smtClean="0"/>
+              <a:rPr lang="fr-FR" noProof="0"/>
               <a:t>Deuxième niveau</a:t>
             </a:r>
           </a:p>
           <a:p>
             <a:pPr lvl="2"/>
             <a:r>
-              <a:rPr lang="fr-FR" noProof="0" smtClean="0"/>
+              <a:rPr lang="fr-FR" noProof="0"/>
               <a:t>Troisième niveau</a:t>
             </a:r>
           </a:p>
           <a:p>
             <a:pPr lvl="3"/>
             <a:r>
-              <a:rPr lang="fr-FR" noProof="0" smtClean="0"/>
+              <a:rPr lang="fr-FR" noProof="0"/>
               <a:t>Quatrième niveau</a:t>
             </a:r>
           </a:p>
           <a:p>
             <a:pPr lvl="4"/>
             <a:r>
-              <a:rPr lang="fr-FR" noProof="0" smtClean="0"/>
+              <a:rPr lang="fr-FR" noProof="0"/>
               <a:t>Cinquième niveau</a:t>
             </a:r>
           </a:p>
@@ -946,10 +947,9 @@
           <a:lstStyle/>
           <a:p>
             <a:r>
-              <a:rPr lang="fr-FR" smtClean="0"/>
+              <a:rPr lang="fr-FR"/>
               <a:t>Cliquez pour modifier le style du titre</a:t>
             </a:r>
-            <a:endParaRPr lang="fr-FR"/>
           </a:p>
         </p:txBody>
       </p:sp>
@@ -1011,10 +1011,9 @@
           </a:lstStyle>
           <a:p>
             <a:r>
-              <a:rPr lang="fr-FR" smtClean="0"/>
+              <a:rPr lang="fr-FR"/>
               <a:t>Cliquez pour modifier le style des sous-titres du masque</a:t>
             </a:r>
-            <a:endParaRPr lang="fr-FR"/>
           </a:p>
         </p:txBody>
       </p:sp>
@@ -1069,10 +1068,9 @@
           <a:lstStyle/>
           <a:p>
             <a:r>
-              <a:rPr lang="fr-FR" smtClean="0"/>
+              <a:rPr lang="fr-FR"/>
               <a:t>Cliquez pour modifier le style du titre</a:t>
             </a:r>
-            <a:endParaRPr lang="fr-FR"/>
           </a:p>
         </p:txBody>
       </p:sp>
@@ -1098,38 +1096,37 @@
           <a:p>
             <a:pPr lvl="0"/>
             <a:r>
-              <a:rPr lang="fr-FR" smtClean="0"/>
+              <a:rPr lang="fr-FR"/>
               <a:t>Cliquez pour modifier les styles du texte du masque</a:t>
             </a:r>
           </a:p>
           <a:p>
             <a:pPr lvl="1"/>
             <a:r>
-              <a:rPr lang="fr-FR" smtClean="0"/>
+              <a:rPr lang="fr-FR"/>
               <a:t>Deuxième niveau</a:t>
             </a:r>
           </a:p>
           <a:p>
             <a:pPr lvl="2"/>
             <a:r>
-              <a:rPr lang="fr-FR" smtClean="0"/>
+              <a:rPr lang="fr-FR"/>
               <a:t>Troisième niveau</a:t>
             </a:r>
           </a:p>
           <a:p>
             <a:pPr lvl="3"/>
             <a:r>
-              <a:rPr lang="fr-FR" smtClean="0"/>
+              <a:rPr lang="fr-FR"/>
               <a:t>Quatrième niveau</a:t>
             </a:r>
           </a:p>
           <a:p>
             <a:pPr lvl="4"/>
             <a:r>
-              <a:rPr lang="fr-FR" smtClean="0"/>
+              <a:rPr lang="fr-FR"/>
               <a:t>Cinquième niveau</a:t>
             </a:r>
-            <a:endParaRPr lang="fr-FR"/>
           </a:p>
         </p:txBody>
       </p:sp>
@@ -1188,10 +1185,9 @@
           </a:lstStyle>
           <a:p>
             <a:r>
-              <a:rPr lang="fr-FR" dirty="0" smtClean="0"/>
+              <a:rPr lang="fr-FR" dirty="0"/>
               <a:t>Cliquez pour modifier le style du titre</a:t>
             </a:r>
-            <a:endParaRPr lang="fr-FR" dirty="0"/>
           </a:p>
         </p:txBody>
       </p:sp>
@@ -1217,38 +1213,37 @@
           <a:p>
             <a:pPr lvl="0"/>
             <a:r>
-              <a:rPr lang="fr-FR" dirty="0" smtClean="0"/>
+              <a:rPr lang="fr-FR" dirty="0"/>
               <a:t>Cliquez pour modifier les styles du texte du masque</a:t>
             </a:r>
           </a:p>
           <a:p>
             <a:pPr lvl="1"/>
             <a:r>
-              <a:rPr lang="fr-FR" dirty="0" smtClean="0"/>
+              <a:rPr lang="fr-FR" dirty="0"/>
               <a:t>Deuxième niveau</a:t>
             </a:r>
           </a:p>
           <a:p>
             <a:pPr lvl="2"/>
             <a:r>
-              <a:rPr lang="fr-FR" dirty="0" smtClean="0"/>
+              <a:rPr lang="fr-FR" dirty="0"/>
               <a:t>Troisième niveau</a:t>
             </a:r>
           </a:p>
           <a:p>
             <a:pPr lvl="3"/>
             <a:r>
-              <a:rPr lang="fr-FR" dirty="0" smtClean="0"/>
+              <a:rPr lang="fr-FR" dirty="0"/>
               <a:t>Quatrième niveau</a:t>
             </a:r>
           </a:p>
           <a:p>
             <a:pPr lvl="4"/>
             <a:r>
-              <a:rPr lang="fr-FR" dirty="0" smtClean="0"/>
+              <a:rPr lang="fr-FR" dirty="0"/>
               <a:t>Cinquième niveau</a:t>
             </a:r>
-            <a:endParaRPr lang="fr-FR" dirty="0"/>
           </a:p>
         </p:txBody>
       </p:sp>
@@ -1298,10 +1293,9 @@
           <a:lstStyle/>
           <a:p>
             <a:r>
-              <a:rPr lang="fr-FR" smtClean="0"/>
+              <a:rPr lang="fr-FR"/>
               <a:t>Cliquez pour modifier le style du titre</a:t>
             </a:r>
-            <a:endParaRPr lang="fr-FR"/>
           </a:p>
         </p:txBody>
       </p:sp>
@@ -1355,38 +1349,37 @@
           <a:p>
             <a:pPr lvl="0"/>
             <a:r>
-              <a:rPr lang="fr-FR" smtClean="0"/>
+              <a:rPr lang="fr-FR"/>
               <a:t>Cliquez pour modifier les styles du texte du masque</a:t>
             </a:r>
           </a:p>
           <a:p>
             <a:pPr lvl="1"/>
             <a:r>
-              <a:rPr lang="fr-FR" smtClean="0"/>
+              <a:rPr lang="fr-FR"/>
               <a:t>Deuxième niveau</a:t>
             </a:r>
           </a:p>
           <a:p>
             <a:pPr lvl="2"/>
             <a:r>
-              <a:rPr lang="fr-FR" smtClean="0"/>
+              <a:rPr lang="fr-FR"/>
               <a:t>Troisième niveau</a:t>
             </a:r>
           </a:p>
           <a:p>
             <a:pPr lvl="3"/>
             <a:r>
-              <a:rPr lang="fr-FR" smtClean="0"/>
+              <a:rPr lang="fr-FR"/>
               <a:t>Quatrième niveau</a:t>
             </a:r>
           </a:p>
           <a:p>
             <a:pPr lvl="4"/>
             <a:r>
-              <a:rPr lang="fr-FR" smtClean="0"/>
+              <a:rPr lang="fr-FR"/>
               <a:t>Cinquième niveau</a:t>
             </a:r>
-            <a:endParaRPr lang="fr-FR"/>
           </a:p>
         </p:txBody>
       </p:sp>
@@ -1440,38 +1433,37 @@
           <a:p>
             <a:pPr lvl="0"/>
             <a:r>
-              <a:rPr lang="fr-FR" smtClean="0"/>
+              <a:rPr lang="fr-FR"/>
               <a:t>Cliquez pour modifier les styles du texte du masque</a:t>
             </a:r>
           </a:p>
           <a:p>
             <a:pPr lvl="1"/>
             <a:r>
-              <a:rPr lang="fr-FR" smtClean="0"/>
+              <a:rPr lang="fr-FR"/>
               <a:t>Deuxième niveau</a:t>
             </a:r>
           </a:p>
           <a:p>
             <a:pPr lvl="2"/>
             <a:r>
-              <a:rPr lang="fr-FR" smtClean="0"/>
+              <a:rPr lang="fr-FR"/>
               <a:t>Troisième niveau</a:t>
             </a:r>
           </a:p>
           <a:p>
             <a:pPr lvl="3"/>
             <a:r>
-              <a:rPr lang="fr-FR" smtClean="0"/>
+              <a:rPr lang="fr-FR"/>
               <a:t>Quatrième niveau</a:t>
             </a:r>
           </a:p>
           <a:p>
             <a:pPr lvl="4"/>
             <a:r>
-              <a:rPr lang="fr-FR" smtClean="0"/>
+              <a:rPr lang="fr-FR"/>
               <a:t>Cinquième niveau</a:t>
             </a:r>
-            <a:endParaRPr lang="fr-FR"/>
           </a:p>
         </p:txBody>
       </p:sp>
@@ -1530,10 +1522,9 @@
           </a:lstStyle>
           <a:p>
             <a:r>
-              <a:rPr lang="fr-FR" smtClean="0"/>
+              <a:rPr lang="fr-FR"/>
               <a:t>Cliquez pour modifier le style du titre</a:t>
             </a:r>
-            <a:endParaRPr lang="fr-FR"/>
           </a:p>
         </p:txBody>
       </p:sp>
@@ -1596,7 +1587,7 @@
           <a:p>
             <a:pPr lvl="0"/>
             <a:r>
-              <a:rPr lang="fr-FR" smtClean="0"/>
+              <a:rPr lang="fr-FR"/>
               <a:t>Cliquez pour modifier les styles du texte du masque</a:t>
             </a:r>
           </a:p>
@@ -1652,38 +1643,37 @@
           <a:p>
             <a:pPr lvl="0"/>
             <a:r>
-              <a:rPr lang="fr-FR" smtClean="0"/>
+              <a:rPr lang="fr-FR"/>
               <a:t>Cliquez pour modifier les styles du texte du masque</a:t>
             </a:r>
           </a:p>
           <a:p>
             <a:pPr lvl="1"/>
             <a:r>
-              <a:rPr lang="fr-FR" smtClean="0"/>
+              <a:rPr lang="fr-FR"/>
               <a:t>Deuxième niveau</a:t>
             </a:r>
           </a:p>
           <a:p>
             <a:pPr lvl="2"/>
             <a:r>
-              <a:rPr lang="fr-FR" smtClean="0"/>
+              <a:rPr lang="fr-FR"/>
               <a:t>Troisième niveau</a:t>
             </a:r>
           </a:p>
           <a:p>
             <a:pPr lvl="3"/>
             <a:r>
-              <a:rPr lang="fr-FR" smtClean="0"/>
+              <a:rPr lang="fr-FR"/>
               <a:t>Quatrième niveau</a:t>
             </a:r>
           </a:p>
           <a:p>
             <a:pPr lvl="4"/>
             <a:r>
-              <a:rPr lang="fr-FR" smtClean="0"/>
+              <a:rPr lang="fr-FR"/>
               <a:t>Cinquième niveau</a:t>
             </a:r>
-            <a:endParaRPr lang="fr-FR"/>
           </a:p>
         </p:txBody>
       </p:sp>
@@ -1746,7 +1736,7 @@
           <a:p>
             <a:pPr lvl="0"/>
             <a:r>
-              <a:rPr lang="fr-FR" smtClean="0"/>
+              <a:rPr lang="fr-FR"/>
               <a:t>Cliquez pour modifier les styles du texte du masque</a:t>
             </a:r>
           </a:p>
@@ -1802,38 +1792,37 @@
           <a:p>
             <a:pPr lvl="0"/>
             <a:r>
-              <a:rPr lang="fr-FR" smtClean="0"/>
+              <a:rPr lang="fr-FR"/>
               <a:t>Cliquez pour modifier les styles du texte du masque</a:t>
             </a:r>
           </a:p>
           <a:p>
             <a:pPr lvl="1"/>
             <a:r>
-              <a:rPr lang="fr-FR" smtClean="0"/>
+              <a:rPr lang="fr-FR"/>
               <a:t>Deuxième niveau</a:t>
             </a:r>
           </a:p>
           <a:p>
             <a:pPr lvl="2"/>
             <a:r>
-              <a:rPr lang="fr-FR" smtClean="0"/>
+              <a:rPr lang="fr-FR"/>
               <a:t>Troisième niveau</a:t>
             </a:r>
           </a:p>
           <a:p>
             <a:pPr lvl="3"/>
             <a:r>
-              <a:rPr lang="fr-FR" smtClean="0"/>
+              <a:rPr lang="fr-FR"/>
               <a:t>Quatrième niveau</a:t>
             </a:r>
           </a:p>
           <a:p>
             <a:pPr lvl="4"/>
             <a:r>
-              <a:rPr lang="fr-FR" smtClean="0"/>
+              <a:rPr lang="fr-FR"/>
               <a:t>Cinquième niveau</a:t>
             </a:r>
-            <a:endParaRPr lang="fr-FR"/>
           </a:p>
         </p:txBody>
       </p:sp>
@@ -1883,10 +1872,9 @@
           <a:lstStyle/>
           <a:p>
             <a:r>
-              <a:rPr lang="fr-FR" smtClean="0"/>
+              <a:rPr lang="fr-FR"/>
               <a:t>Cliquez pour modifier le style du titre</a:t>
             </a:r>
-            <a:endParaRPr lang="fr-FR"/>
           </a:p>
         </p:txBody>
       </p:sp>
@@ -1975,10 +1963,9 @@
           </a:lstStyle>
           <a:p>
             <a:r>
-              <a:rPr lang="fr-FR" smtClean="0"/>
+              <a:rPr lang="fr-FR"/>
               <a:t>Cliquez pour modifier le style du titre</a:t>
             </a:r>
-            <a:endParaRPr lang="fr-FR"/>
           </a:p>
         </p:txBody>
       </p:sp>
@@ -2032,38 +2019,37 @@
           <a:p>
             <a:pPr lvl="0"/>
             <a:r>
-              <a:rPr lang="fr-FR" smtClean="0"/>
+              <a:rPr lang="fr-FR"/>
               <a:t>Cliquez pour modifier les styles du texte du masque</a:t>
             </a:r>
           </a:p>
           <a:p>
             <a:pPr lvl="1"/>
             <a:r>
-              <a:rPr lang="fr-FR" smtClean="0"/>
+              <a:rPr lang="fr-FR"/>
               <a:t>Deuxième niveau</a:t>
             </a:r>
           </a:p>
           <a:p>
             <a:pPr lvl="2"/>
             <a:r>
-              <a:rPr lang="fr-FR" smtClean="0"/>
+              <a:rPr lang="fr-FR"/>
               <a:t>Troisième niveau</a:t>
             </a:r>
           </a:p>
           <a:p>
             <a:pPr lvl="3"/>
             <a:r>
-              <a:rPr lang="fr-FR" smtClean="0"/>
+              <a:rPr lang="fr-FR"/>
               <a:t>Quatrième niveau</a:t>
             </a:r>
           </a:p>
           <a:p>
             <a:pPr lvl="4"/>
             <a:r>
-              <a:rPr lang="fr-FR" smtClean="0"/>
+              <a:rPr lang="fr-FR"/>
               <a:t>Cinquième niveau</a:t>
             </a:r>
-            <a:endParaRPr lang="fr-FR"/>
           </a:p>
         </p:txBody>
       </p:sp>
@@ -2126,7 +2112,7 @@
           <a:p>
             <a:pPr lvl="0"/>
             <a:r>
-              <a:rPr lang="fr-FR" smtClean="0"/>
+              <a:rPr lang="fr-FR"/>
               <a:t>Cliquez pour modifier les styles du texte du masque</a:t>
             </a:r>
           </a:p>
@@ -2187,10 +2173,9 @@
           </a:lstStyle>
           <a:p>
             <a:r>
-              <a:rPr lang="fr-FR" smtClean="0"/>
+              <a:rPr lang="fr-FR"/>
               <a:t>Cliquez pour modifier le style du titre</a:t>
             </a:r>
-            <a:endParaRPr lang="fr-FR"/>
           </a:p>
         </p:txBody>
       </p:sp>
@@ -2252,7 +2237,7 @@
           </a:lstStyle>
           <a:p>
             <a:pPr lvl="0"/>
-            <a:endParaRPr lang="fr-FR" noProof="0" smtClean="0"/>
+            <a:endParaRPr lang="fr-FR" noProof="0"/>
           </a:p>
         </p:txBody>
       </p:sp>
@@ -2315,7 +2300,7 @@
           <a:p>
             <a:pPr lvl="0"/>
             <a:r>
-              <a:rPr lang="fr-FR" smtClean="0"/>
+              <a:rPr lang="fr-FR"/>
               <a:t>Cliquez pour modifier les styles du texte du masque</a:t>
             </a:r>
           </a:p>
@@ -2367,10 +2352,9 @@
           <a:lstStyle/>
           <a:p>
             <a:r>
-              <a:rPr lang="fr-FR" smtClean="0"/>
+              <a:rPr lang="fr-FR"/>
               <a:t>Cliquez pour modifier le style du titre</a:t>
             </a:r>
-            <a:endParaRPr lang="fr-FR"/>
           </a:p>
         </p:txBody>
       </p:sp>
@@ -2391,38 +2375,37 @@
           <a:p>
             <a:pPr lvl="0"/>
             <a:r>
-              <a:rPr lang="fr-FR" smtClean="0"/>
+              <a:rPr lang="fr-FR"/>
               <a:t>Cliquez pour modifier les styles du texte du masque</a:t>
             </a:r>
           </a:p>
           <a:p>
             <a:pPr lvl="1"/>
             <a:r>
-              <a:rPr lang="fr-FR" smtClean="0"/>
+              <a:rPr lang="fr-FR"/>
               <a:t>Deuxième niveau</a:t>
             </a:r>
           </a:p>
           <a:p>
             <a:pPr lvl="2"/>
             <a:r>
-              <a:rPr lang="fr-FR" smtClean="0"/>
+              <a:rPr lang="fr-FR"/>
               <a:t>Troisième niveau</a:t>
             </a:r>
           </a:p>
           <a:p>
             <a:pPr lvl="3"/>
             <a:r>
-              <a:rPr lang="fr-FR" smtClean="0"/>
+              <a:rPr lang="fr-FR"/>
               <a:t>Quatrième niveau</a:t>
             </a:r>
           </a:p>
           <a:p>
             <a:pPr lvl="4"/>
             <a:r>
-              <a:rPr lang="fr-FR" smtClean="0"/>
+              <a:rPr lang="fr-FR"/>
               <a:t>Cinquième niveau</a:t>
             </a:r>
-            <a:endParaRPr lang="fr-FR"/>
           </a:p>
         </p:txBody>
       </p:sp>
@@ -2603,7 +2586,7 @@
             <a:pPr eaLnBrk="1" hangingPunct="1">
               <a:defRPr/>
             </a:pPr>
-            <a:endParaRPr lang="fr-FR" altLang="fr-FR" smtClean="0"/>
+            <a:endParaRPr lang="fr-FR" altLang="fr-FR"/>
           </a:p>
         </p:txBody>
       </p:sp>
@@ -2757,7 +2740,7 @@
               <a:defRPr/>
             </a:pPr>
             <a:r>
-              <a:rPr lang="fr-FR" sz="1200" dirty="0" smtClean="0"/>
+              <a:rPr lang="fr-FR" sz="1200" dirty="0"/>
               <a:t>Page </a:t>
             </a:r>
             <a:fld id="{E218E9B1-FD08-4C80-902E-210BA2967D0D}" type="slidenum">
@@ -2770,7 +2753,7 @@
               </a:pPr>
               <a:t>‹N°›</a:t>
             </a:fld>
-            <a:endParaRPr lang="fr-FR" dirty="0" smtClean="0">
+            <a:endParaRPr lang="fr-FR" dirty="0">
               <a:latin typeface="Times New Roman" pitchFamily="18" charset="0"/>
             </a:endParaRPr>
           </a:p>
@@ -2926,10 +2909,10 @@
               <a:defRPr/>
             </a:pPr>
             <a:r>
-              <a:rPr lang="fr-FR" sz="1600" dirty="0" smtClean="0"/>
+              <a:rPr lang="fr-FR" sz="1600" dirty="0"/>
               <a:t>Python</a:t>
             </a:r>
-            <a:endParaRPr lang="fr-FR" dirty="0" smtClean="0">
+            <a:endParaRPr lang="fr-FR" dirty="0">
               <a:latin typeface="Times New Roman" pitchFamily="18" charset="0"/>
             </a:endParaRPr>
           </a:p>
@@ -2987,7 +2970,7 @@
           <a:p>
             <a:pPr lvl="0"/>
             <a:r>
-              <a:rPr lang="fr-FR" altLang="fr-FR" smtClean="0"/>
+              <a:rPr lang="fr-FR" altLang="fr-FR"/>
               <a:t>Cliquez pour modifier le style du titre du masque</a:t>
             </a:r>
           </a:p>
@@ -3045,35 +3028,35 @@
           <a:p>
             <a:pPr lvl="0"/>
             <a:r>
-              <a:rPr lang="fr-FR" altLang="fr-FR" smtClean="0"/>
+              <a:rPr lang="fr-FR" altLang="fr-FR"/>
               <a:t>Cliquez pour modifier les styles du texte du masque</a:t>
             </a:r>
           </a:p>
           <a:p>
             <a:pPr lvl="1"/>
             <a:r>
-              <a:rPr lang="fr-FR" altLang="fr-FR" smtClean="0"/>
+              <a:rPr lang="fr-FR" altLang="fr-FR"/>
               <a:t>Deuxième niveau</a:t>
             </a:r>
           </a:p>
           <a:p>
             <a:pPr lvl="2"/>
             <a:r>
-              <a:rPr lang="fr-FR" altLang="fr-FR" smtClean="0"/>
+              <a:rPr lang="fr-FR" altLang="fr-FR"/>
               <a:t>Troisième niveau</a:t>
             </a:r>
           </a:p>
           <a:p>
             <a:pPr lvl="3"/>
             <a:r>
-              <a:rPr lang="fr-FR" altLang="fr-FR" smtClean="0"/>
+              <a:rPr lang="fr-FR" altLang="fr-FR"/>
               <a:t>Quatrième niveau</a:t>
             </a:r>
           </a:p>
           <a:p>
             <a:pPr lvl="4"/>
             <a:r>
-              <a:rPr lang="fr-FR" altLang="fr-FR" smtClean="0"/>
+              <a:rPr lang="fr-FR" altLang="fr-FR"/>
               <a:t>Cinquième niveau</a:t>
             </a:r>
           </a:p>
@@ -3229,10 +3212,10 @@
               <a:defRPr/>
             </a:pPr>
             <a:r>
-              <a:rPr lang="fr-FR" sz="1200" smtClean="0"/>
+              <a:rPr lang="fr-FR" sz="1200"/>
               <a:t>© Cyril Vincent Conseil</a:t>
             </a:r>
-            <a:endParaRPr lang="fr-FR" smtClean="0">
+            <a:endParaRPr lang="fr-FR">
               <a:latin typeface="Times New Roman" pitchFamily="18" charset="0"/>
             </a:endParaRPr>
           </a:p>
@@ -3714,19 +3697,14 @@
           <a:p>
             <a:pPr eaLnBrk="1" hangingPunct="1"/>
             <a:r>
-              <a:rPr lang="fr-FR" altLang="fr-FR" dirty="0" smtClean="0"/>
-              <a:t>Chapitre </a:t>
-            </a:r>
-            <a:r>
               <a:rPr lang="fr-FR" altLang="fr-FR" dirty="0"/>
-              <a:t>8</a:t>
-            </a:r>
-            <a:endParaRPr lang="fr-FR" altLang="fr-FR" dirty="0" smtClean="0"/>
+              <a:t>Chapitre 8</a:t>
+            </a:r>
           </a:p>
           <a:p>
             <a:pPr eaLnBrk="1" hangingPunct="1"/>
             <a:r>
-              <a:rPr lang="fr-FR" altLang="fr-FR" dirty="0" smtClean="0"/>
+              <a:rPr lang="fr-FR" altLang="fr-FR" dirty="0"/>
               <a:t>Multi Layer Perceptron</a:t>
             </a:r>
           </a:p>
@@ -3779,11 +3757,11 @@
           <a:lstStyle/>
           <a:p>
             <a:r>
-              <a:rPr lang="fr-FR" sz="3600" dirty="0" err="1" smtClean="0"/>
+              <a:rPr lang="fr-FR" sz="3600" dirty="0" err="1"/>
               <a:t>Deep</a:t>
             </a:r>
             <a:r>
-              <a:rPr lang="fr-FR" sz="3600" dirty="0" smtClean="0"/>
+              <a:rPr lang="fr-FR" sz="3600" dirty="0"/>
               <a:t> Learning</a:t>
             </a:r>
           </a:p>
@@ -3794,13 +3772,6 @@
   <p:clrMapOvr>
     <a:masterClrMapping/>
   </p:clrMapOvr>
-  <p:timing>
-    <p:tnLst>
-      <p:par>
-        <p:cTn id="1" dur="indefinite" restart="never" nodeType="tmRoot"/>
-      </p:par>
-    </p:tnLst>
-  </p:timing>
 </p:sld>
 </file>
 
@@ -3837,7 +3808,7 @@
           <a:lstStyle/>
           <a:p>
             <a:r>
-              <a:rPr lang="fr-FR" dirty="0" err="1" smtClean="0"/>
+              <a:rPr lang="fr-FR" dirty="0" err="1"/>
               <a:t>Softmax</a:t>
             </a:r>
             <a:endParaRPr lang="fr-FR" dirty="0"/>
@@ -3860,11 +3831,11 @@
           <a:lstStyle/>
           <a:p>
             <a:r>
-              <a:rPr lang="fr-FR" dirty="0" err="1" smtClean="0"/>
+              <a:rPr lang="fr-FR" dirty="0" err="1"/>
               <a:t>Softmax</a:t>
             </a:r>
             <a:r>
-              <a:rPr lang="fr-FR" dirty="0" smtClean="0"/>
+              <a:rPr lang="fr-FR" dirty="0"/>
               <a:t> une fonction d’activation qui est une régression logistique</a:t>
             </a:r>
           </a:p>
@@ -3872,18 +3843,18 @@
             <a:endParaRPr lang="fr-FR" dirty="0"/>
           </a:p>
           <a:p>
-            <a:endParaRPr lang="fr-FR" dirty="0" smtClean="0"/>
+            <a:endParaRPr lang="fr-FR" dirty="0"/>
           </a:p>
           <a:p>
             <a:pPr lvl="1"/>
             <a:r>
-              <a:rPr lang="fr-FR" dirty="0" smtClean="0"/>
+              <a:rPr lang="fr-FR" dirty="0"/>
               <a:t>Elle a comme particularité que son intégrale de 0 à k = 1</a:t>
             </a:r>
           </a:p>
           <a:p>
             <a:r>
-              <a:rPr lang="fr-FR" dirty="0" smtClean="0"/>
+              <a:rPr lang="fr-FR" dirty="0"/>
               <a:t>Exemple :</a:t>
             </a:r>
           </a:p>
@@ -3891,17 +3862,17 @@
             <a:endParaRPr lang="fr-FR" dirty="0"/>
           </a:p>
           <a:p>
-            <a:endParaRPr lang="fr-FR" dirty="0" smtClean="0"/>
+            <a:endParaRPr lang="fr-FR" dirty="0"/>
           </a:p>
           <a:p>
             <a:pPr marL="0" indent="0">
               <a:buNone/>
             </a:pPr>
-            <a:endParaRPr lang="fr-FR" dirty="0" smtClean="0"/>
+            <a:endParaRPr lang="fr-FR" dirty="0"/>
           </a:p>
           <a:p>
             <a:pPr lvl="1"/>
-            <a:endParaRPr lang="fr-FR" dirty="0" smtClean="0"/>
+            <a:endParaRPr lang="fr-FR" dirty="0"/>
           </a:p>
           <a:p>
             <a:endParaRPr lang="fr-FR" dirty="0"/>
@@ -3966,13 +3937,6 @@
   <p:clrMapOvr>
     <a:masterClrMapping/>
   </p:clrMapOvr>
-  <p:timing>
-    <p:tnLst>
-      <p:par>
-        <p:cTn id="1" dur="indefinite" restart="never" nodeType="tmRoot"/>
-      </p:par>
-    </p:tnLst>
-  </p:timing>
 </p:sld>
 </file>
 
@@ -4009,7 +3973,7 @@
           <a:lstStyle/>
           <a:p>
             <a:r>
-              <a:rPr lang="fr-FR" dirty="0" err="1" smtClean="0"/>
+              <a:rPr lang="fr-FR" dirty="0" err="1"/>
               <a:t>Layers</a:t>
             </a:r>
             <a:endParaRPr lang="fr-FR" dirty="0"/>
@@ -4037,7 +4001,7 @@
           <a:lstStyle/>
           <a:p>
             <a:r>
-              <a:rPr lang="fr-FR" dirty="0" smtClean="0"/>
+              <a:rPr lang="fr-FR" dirty="0"/>
               <a:t>Les perceptrons peuvent être mis en couche</a:t>
             </a:r>
           </a:p>
@@ -4117,7 +4081,7 @@
               <a:tabLst/>
             </a:pPr>
             <a:r>
-              <a:rPr kumimoji="0" lang="fr-FR" altLang="fr-FR" sz="1000" b="1" i="0" u="none" strike="noStrike" cap="none" normalizeH="0" baseline="0" dirty="0" smtClean="0">
+              <a:rPr kumimoji="0" lang="fr-FR" altLang="fr-FR" sz="1000" b="1" i="0" u="none" strike="noStrike" cap="none" normalizeH="0" baseline="0" dirty="0">
                 <a:ln>
                   <a:noFill/>
                 </a:ln>
@@ -4130,7 +4094,7 @@
               <a:t>class </a:t>
             </a:r>
             <a:r>
-              <a:rPr kumimoji="0" lang="fr-FR" altLang="fr-FR" sz="1000" b="0" i="0" u="none" strike="noStrike" cap="none" normalizeH="0" baseline="0" dirty="0" smtClean="0">
+              <a:rPr kumimoji="0" lang="fr-FR" altLang="fr-FR" sz="1000" b="0" i="0" u="none" strike="noStrike" cap="none" normalizeH="0" baseline="0" dirty="0">
                 <a:ln>
                   <a:noFill/>
                 </a:ln>
@@ -4143,7 +4107,7 @@
               <a:t>Layer:</a:t>
             </a:r>
             <a:br>
-              <a:rPr kumimoji="0" lang="fr-FR" altLang="fr-FR" sz="1000" b="0" i="0" u="none" strike="noStrike" cap="none" normalizeH="0" baseline="0" dirty="0" smtClean="0">
+              <a:rPr kumimoji="0" lang="fr-FR" altLang="fr-FR" sz="1000" b="0" i="0" u="none" strike="noStrike" cap="none" normalizeH="0" baseline="0" dirty="0">
                 <a:ln>
                   <a:noFill/>
                 </a:ln>
@@ -4154,8 +4118,8 @@
                 <a:latin typeface="Consolas" panose="020B0609020204030204" pitchFamily="49" charset="0"/>
               </a:rPr>
             </a:br>
-            <a:r>
-              <a:rPr kumimoji="0" lang="fr-FR" altLang="fr-FR" sz="1000" b="0" i="0" u="none" strike="noStrike" cap="none" normalizeH="0" baseline="0" dirty="0" smtClean="0">
+            <a:br>
+              <a:rPr kumimoji="0" lang="fr-FR" altLang="fr-FR" sz="1000" b="0" i="0" u="none" strike="noStrike" cap="none" normalizeH="0" baseline="0" dirty="0">
                 <a:ln>
                   <a:noFill/>
                 </a:ln>
@@ -4165,10 +4129,9 @@
                 <a:effectLst/>
                 <a:latin typeface="Consolas" panose="020B0609020204030204" pitchFamily="49" charset="0"/>
               </a:rPr>
-              <a:t/>
-            </a:r>
-            <a:br>
-              <a:rPr kumimoji="0" lang="fr-FR" altLang="fr-FR" sz="1000" b="0" i="0" u="none" strike="noStrike" cap="none" normalizeH="0" baseline="0" dirty="0" smtClean="0">
+            </a:br>
+            <a:r>
+              <a:rPr kumimoji="0" lang="fr-FR" altLang="fr-FR" sz="1000" b="0" i="0" u="none" strike="noStrike" cap="none" normalizeH="0" baseline="0" dirty="0">
                 <a:ln>
                   <a:noFill/>
                 </a:ln>
@@ -4178,22 +4141,23 @@
                 <a:effectLst/>
                 <a:latin typeface="Consolas" panose="020B0609020204030204" pitchFamily="49" charset="0"/>
               </a:rPr>
-            </a:br>
-            <a:r>
-              <a:rPr kumimoji="0" lang="fr-FR" altLang="fr-FR" sz="1000" b="0" i="0" u="none" strike="noStrike" cap="none" normalizeH="0" baseline="0" dirty="0" smtClean="0">
+              <a:t>    </a:t>
+            </a:r>
+            <a:r>
+              <a:rPr kumimoji="0" lang="fr-FR" altLang="fr-FR" sz="1000" b="1" i="0" u="none" strike="noStrike" cap="none" normalizeH="0" baseline="0" dirty="0" err="1">
                 <a:ln>
                   <a:noFill/>
                 </a:ln>
                 <a:solidFill>
-                  <a:srgbClr val="000000"/>
+                  <a:srgbClr val="000080"/>
                 </a:solidFill>
                 <a:effectLst/>
                 <a:latin typeface="Consolas" panose="020B0609020204030204" pitchFamily="49" charset="0"/>
               </a:rPr>
-              <a:t>    </a:t>
-            </a:r>
-            <a:r>
-              <a:rPr kumimoji="0" lang="fr-FR" altLang="fr-FR" sz="1000" b="1" i="0" u="none" strike="noStrike" cap="none" normalizeH="0" baseline="0" dirty="0" err="1" smtClean="0">
+              <a:t>def</a:t>
+            </a:r>
+            <a:r>
+              <a:rPr kumimoji="0" lang="fr-FR" altLang="fr-FR" sz="1000" b="1" i="0" u="none" strike="noStrike" cap="none" normalizeH="0" baseline="0" dirty="0">
                 <a:ln>
                   <a:noFill/>
                 </a:ln>
@@ -4203,23 +4167,23 @@
                 <a:effectLst/>
                 <a:latin typeface="Consolas" panose="020B0609020204030204" pitchFamily="49" charset="0"/>
               </a:rPr>
-              <a:t>def</a:t>
-            </a:r>
-            <a:r>
-              <a:rPr kumimoji="0" lang="fr-FR" altLang="fr-FR" sz="1000" b="1" i="0" u="none" strike="noStrike" cap="none" normalizeH="0" baseline="0" dirty="0" smtClean="0">
+              <a:t> </a:t>
+            </a:r>
+            <a:r>
+              <a:rPr kumimoji="0" lang="fr-FR" altLang="fr-FR" sz="1000" b="0" i="0" u="none" strike="noStrike" cap="none" normalizeH="0" baseline="0" dirty="0">
                 <a:ln>
                   <a:noFill/>
                 </a:ln>
                 <a:solidFill>
-                  <a:srgbClr val="000080"/>
+                  <a:srgbClr val="B200B2"/>
                 </a:solidFill>
                 <a:effectLst/>
                 <a:latin typeface="Consolas" panose="020B0609020204030204" pitchFamily="49" charset="0"/>
               </a:rPr>
-              <a:t> </a:t>
-            </a:r>
-            <a:r>
-              <a:rPr kumimoji="0" lang="fr-FR" altLang="fr-FR" sz="1000" b="0" i="0" u="none" strike="noStrike" cap="none" normalizeH="0" baseline="0" dirty="0" smtClean="0">
+              <a:t>__</a:t>
+            </a:r>
+            <a:r>
+              <a:rPr kumimoji="0" lang="fr-FR" altLang="fr-FR" sz="1000" b="0" i="0" u="none" strike="noStrike" cap="none" normalizeH="0" baseline="0" dirty="0" err="1">
                 <a:ln>
                   <a:noFill/>
                 </a:ln>
@@ -4229,10 +4193,10 @@
                 <a:effectLst/>
                 <a:latin typeface="Consolas" panose="020B0609020204030204" pitchFamily="49" charset="0"/>
               </a:rPr>
-              <a:t>__</a:t>
-            </a:r>
-            <a:r>
-              <a:rPr kumimoji="0" lang="fr-FR" altLang="fr-FR" sz="1000" b="0" i="0" u="none" strike="noStrike" cap="none" normalizeH="0" baseline="0" dirty="0" err="1" smtClean="0">
+              <a:t>init</a:t>
+            </a:r>
+            <a:r>
+              <a:rPr kumimoji="0" lang="fr-FR" altLang="fr-FR" sz="1000" b="0" i="0" u="none" strike="noStrike" cap="none" normalizeH="0" baseline="0" dirty="0">
                 <a:ln>
                   <a:noFill/>
                 </a:ln>
@@ -4242,49 +4206,49 @@
                 <a:effectLst/>
                 <a:latin typeface="Consolas" panose="020B0609020204030204" pitchFamily="49" charset="0"/>
               </a:rPr>
-              <a:t>init</a:t>
-            </a:r>
-            <a:r>
-              <a:rPr kumimoji="0" lang="fr-FR" altLang="fr-FR" sz="1000" b="0" i="0" u="none" strike="noStrike" cap="none" normalizeH="0" baseline="0" dirty="0" smtClean="0">
+              <a:t>__</a:t>
+            </a:r>
+            <a:r>
+              <a:rPr kumimoji="0" lang="fr-FR" altLang="fr-FR" sz="1000" b="0" i="0" u="none" strike="noStrike" cap="none" normalizeH="0" baseline="0" dirty="0">
                 <a:ln>
                   <a:noFill/>
                 </a:ln>
                 <a:solidFill>
-                  <a:srgbClr val="B200B2"/>
+                  <a:srgbClr val="000000"/>
                 </a:solidFill>
                 <a:effectLst/>
                 <a:latin typeface="Consolas" panose="020B0609020204030204" pitchFamily="49" charset="0"/>
               </a:rPr>
-              <a:t>__</a:t>
-            </a:r>
-            <a:r>
-              <a:rPr kumimoji="0" lang="fr-FR" altLang="fr-FR" sz="1000" b="0" i="0" u="none" strike="noStrike" cap="none" normalizeH="0" baseline="0" dirty="0" smtClean="0">
+              <a:t>(</a:t>
+            </a:r>
+            <a:r>
+              <a:rPr kumimoji="0" lang="fr-FR" altLang="fr-FR" sz="1000" b="0" i="0" u="none" strike="noStrike" cap="none" normalizeH="0" baseline="0" dirty="0">
                 <a:ln>
                   <a:noFill/>
                 </a:ln>
                 <a:solidFill>
-                  <a:srgbClr val="000000"/>
+                  <a:srgbClr val="94558D"/>
                 </a:solidFill>
                 <a:effectLst/>
                 <a:latin typeface="Consolas" panose="020B0609020204030204" pitchFamily="49" charset="0"/>
               </a:rPr>
-              <a:t>(</a:t>
-            </a:r>
-            <a:r>
-              <a:rPr kumimoji="0" lang="fr-FR" altLang="fr-FR" sz="1000" b="0" i="0" u="none" strike="noStrike" cap="none" normalizeH="0" baseline="0" dirty="0" smtClean="0">
+              <a:t>self</a:t>
+            </a:r>
+            <a:r>
+              <a:rPr kumimoji="0" lang="fr-FR" altLang="fr-FR" sz="1000" b="0" i="0" u="none" strike="noStrike" cap="none" normalizeH="0" baseline="0" dirty="0">
                 <a:ln>
                   <a:noFill/>
                 </a:ln>
                 <a:solidFill>
-                  <a:srgbClr val="94558D"/>
+                  <a:srgbClr val="000000"/>
                 </a:solidFill>
                 <a:effectLst/>
                 <a:latin typeface="Consolas" panose="020B0609020204030204" pitchFamily="49" charset="0"/>
               </a:rPr>
-              <a:t>self</a:t>
-            </a:r>
-            <a:r>
-              <a:rPr kumimoji="0" lang="fr-FR" altLang="fr-FR" sz="1000" b="0" i="0" u="none" strike="noStrike" cap="none" normalizeH="0" baseline="0" dirty="0" smtClean="0">
+              <a:t>, </a:t>
+            </a:r>
+            <a:r>
+              <a:rPr kumimoji="0" lang="fr-FR" altLang="fr-FR" sz="1000" b="0" i="0" u="none" strike="noStrike" cap="none" normalizeH="0" baseline="0" dirty="0" err="1">
                 <a:ln>
                   <a:noFill/>
                 </a:ln>
@@ -4294,36 +4258,36 @@
                 <a:effectLst/>
                 <a:latin typeface="Consolas" panose="020B0609020204030204" pitchFamily="49" charset="0"/>
               </a:rPr>
-              <a:t>, </a:t>
-            </a:r>
-            <a:r>
-              <a:rPr kumimoji="0" lang="fr-FR" altLang="fr-FR" sz="1000" b="0" i="0" u="none" strike="noStrike" cap="none" normalizeH="0" baseline="0" dirty="0" err="1" smtClean="0">
+              <a:t>id:</a:t>
+            </a:r>
+            <a:r>
+              <a:rPr kumimoji="0" lang="fr-FR" altLang="fr-FR" sz="1000" b="0" i="0" u="none" strike="noStrike" cap="none" normalizeH="0" baseline="0" dirty="0" err="1">
                 <a:ln>
                   <a:noFill/>
                 </a:ln>
                 <a:solidFill>
-                  <a:srgbClr val="000000"/>
+                  <a:srgbClr val="000080"/>
                 </a:solidFill>
                 <a:effectLst/>
                 <a:latin typeface="Consolas" panose="020B0609020204030204" pitchFamily="49" charset="0"/>
               </a:rPr>
-              <a:t>id:</a:t>
-            </a:r>
-            <a:r>
-              <a:rPr kumimoji="0" lang="fr-FR" altLang="fr-FR" sz="1000" b="0" i="0" u="none" strike="noStrike" cap="none" normalizeH="0" baseline="0" dirty="0" err="1" smtClean="0">
+              <a:t>str</a:t>
+            </a:r>
+            <a:r>
+              <a:rPr kumimoji="0" lang="fr-FR" altLang="fr-FR" sz="1000" b="0" i="0" u="none" strike="noStrike" cap="none" normalizeH="0" baseline="0" dirty="0">
                 <a:ln>
                   <a:noFill/>
                 </a:ln>
                 <a:solidFill>
-                  <a:srgbClr val="000080"/>
+                  <a:srgbClr val="000000"/>
                 </a:solidFill>
                 <a:effectLst/>
                 <a:latin typeface="Consolas" panose="020B0609020204030204" pitchFamily="49" charset="0"/>
               </a:rPr>
-              <a:t>str</a:t>
-            </a:r>
-            <a:r>
-              <a:rPr kumimoji="0" lang="fr-FR" altLang="fr-FR" sz="1000" b="0" i="0" u="none" strike="noStrike" cap="none" normalizeH="0" baseline="0" dirty="0" smtClean="0">
+              <a:t>, </a:t>
+            </a:r>
+            <a:r>
+              <a:rPr kumimoji="0" lang="fr-FR" altLang="fr-FR" sz="1000" b="0" i="0" u="none" strike="noStrike" cap="none" normalizeH="0" baseline="0" dirty="0" err="1">
                 <a:ln>
                   <a:noFill/>
                 </a:ln>
@@ -4333,23 +4297,23 @@
                 <a:effectLst/>
                 <a:latin typeface="Consolas" panose="020B0609020204030204" pitchFamily="49" charset="0"/>
               </a:rPr>
-              <a:t>, </a:t>
-            </a:r>
-            <a:r>
-              <a:rPr kumimoji="0" lang="fr-FR" altLang="fr-FR" sz="1000" b="0" i="0" u="none" strike="noStrike" cap="none" normalizeH="0" baseline="0" dirty="0" err="1" smtClean="0">
+              <a:t>nbPerceptron:</a:t>
+            </a:r>
+            <a:r>
+              <a:rPr kumimoji="0" lang="fr-FR" altLang="fr-FR" sz="1000" b="0" i="0" u="none" strike="noStrike" cap="none" normalizeH="0" baseline="0" dirty="0" err="1">
                 <a:ln>
                   <a:noFill/>
                 </a:ln>
                 <a:solidFill>
-                  <a:srgbClr val="000000"/>
+                  <a:srgbClr val="000080"/>
                 </a:solidFill>
                 <a:effectLst/>
                 <a:latin typeface="Consolas" panose="020B0609020204030204" pitchFamily="49" charset="0"/>
               </a:rPr>
-              <a:t>nbPerceptron:</a:t>
-            </a:r>
-            <a:r>
-              <a:rPr kumimoji="0" lang="fr-FR" altLang="fr-FR" sz="1000" b="0" i="0" u="none" strike="noStrike" cap="none" normalizeH="0" baseline="0" dirty="0" err="1" smtClean="0">
+              <a:t>int</a:t>
+            </a:r>
+            <a:r>
+              <a:rPr kumimoji="0" lang="fr-FR" altLang="fr-FR" sz="1000" b="0" i="0" u="none" strike="noStrike" cap="none" normalizeH="0" baseline="0" dirty="0">
                 <a:ln>
                   <a:noFill/>
                 </a:ln>
@@ -4359,49 +4323,49 @@
                 <a:effectLst/>
                 <a:latin typeface="Consolas" panose="020B0609020204030204" pitchFamily="49" charset="0"/>
               </a:rPr>
-              <a:t>int</a:t>
-            </a:r>
-            <a:r>
-              <a:rPr kumimoji="0" lang="fr-FR" altLang="fr-FR" sz="1000" b="0" i="0" u="none" strike="noStrike" cap="none" normalizeH="0" baseline="0" dirty="0" smtClean="0">
+              <a:t> </a:t>
+            </a:r>
+            <a:r>
+              <a:rPr kumimoji="0" lang="fr-FR" altLang="fr-FR" sz="1000" b="0" i="0" u="none" strike="noStrike" cap="none" normalizeH="0" baseline="0" dirty="0">
                 <a:ln>
                   <a:noFill/>
                 </a:ln>
                 <a:solidFill>
-                  <a:srgbClr val="000080"/>
+                  <a:srgbClr val="000000"/>
                 </a:solidFill>
                 <a:effectLst/>
                 <a:latin typeface="Consolas" panose="020B0609020204030204" pitchFamily="49" charset="0"/>
               </a:rPr>
-              <a:t> </a:t>
-            </a:r>
-            <a:r>
-              <a:rPr kumimoji="0" lang="fr-FR" altLang="fr-FR" sz="1000" b="0" i="0" u="none" strike="noStrike" cap="none" normalizeH="0" baseline="0" dirty="0" smtClean="0">
+              <a:t>= </a:t>
+            </a:r>
+            <a:r>
+              <a:rPr kumimoji="0" lang="fr-FR" altLang="fr-FR" sz="1000" b="0" i="0" u="none" strike="noStrike" cap="none" normalizeH="0" baseline="0" dirty="0">
                 <a:ln>
                   <a:noFill/>
                 </a:ln>
                 <a:solidFill>
-                  <a:srgbClr val="000000"/>
+                  <a:srgbClr val="0000FF"/>
                 </a:solidFill>
                 <a:effectLst/>
                 <a:latin typeface="Consolas" panose="020B0609020204030204" pitchFamily="49" charset="0"/>
               </a:rPr>
-              <a:t>= </a:t>
-            </a:r>
-            <a:r>
-              <a:rPr kumimoji="0" lang="fr-FR" altLang="fr-FR" sz="1000" b="0" i="0" u="none" strike="noStrike" cap="none" normalizeH="0" baseline="0" dirty="0" smtClean="0">
+              <a:t>0</a:t>
+            </a:r>
+            <a:r>
+              <a:rPr kumimoji="0" lang="fr-FR" altLang="fr-FR" sz="1000" b="0" i="0" u="none" strike="noStrike" cap="none" normalizeH="0" baseline="0" dirty="0">
                 <a:ln>
                   <a:noFill/>
                 </a:ln>
                 <a:solidFill>
-                  <a:srgbClr val="0000FF"/>
+                  <a:srgbClr val="000000"/>
                 </a:solidFill>
                 <a:effectLst/>
                 <a:latin typeface="Consolas" panose="020B0609020204030204" pitchFamily="49" charset="0"/>
               </a:rPr>
-              <a:t>0</a:t>
-            </a:r>
-            <a:r>
-              <a:rPr kumimoji="0" lang="fr-FR" altLang="fr-FR" sz="1000" b="0" i="0" u="none" strike="noStrike" cap="none" normalizeH="0" baseline="0" dirty="0" smtClean="0">
+              <a:t>, </a:t>
+            </a:r>
+            <a:r>
+              <a:rPr kumimoji="0" lang="fr-FR" altLang="fr-FR" sz="1000" b="0" i="0" u="none" strike="noStrike" cap="none" normalizeH="0" baseline="0" dirty="0" err="1">
                 <a:ln>
                   <a:noFill/>
                 </a:ln>
@@ -4411,10 +4375,10 @@
                 <a:effectLst/>
                 <a:latin typeface="Consolas" panose="020B0609020204030204" pitchFamily="49" charset="0"/>
               </a:rPr>
-              <a:t>, </a:t>
-            </a:r>
-            <a:r>
-              <a:rPr kumimoji="0" lang="fr-FR" altLang="fr-FR" sz="1000" b="0" i="0" u="none" strike="noStrike" cap="none" normalizeH="0" baseline="0" dirty="0" err="1" smtClean="0">
+              <a:t>activationFn</a:t>
+            </a:r>
+            <a:r>
+              <a:rPr kumimoji="0" lang="fr-FR" altLang="fr-FR" sz="1000" b="0" i="0" u="none" strike="noStrike" cap="none" normalizeH="0" baseline="0" dirty="0">
                 <a:ln>
                   <a:noFill/>
                 </a:ln>
@@ -4424,10 +4388,10 @@
                 <a:effectLst/>
                 <a:latin typeface="Consolas" panose="020B0609020204030204" pitchFamily="49" charset="0"/>
               </a:rPr>
-              <a:t>activationFn</a:t>
-            </a:r>
-            <a:r>
-              <a:rPr kumimoji="0" lang="fr-FR" altLang="fr-FR" sz="1000" b="0" i="0" u="none" strike="noStrike" cap="none" normalizeH="0" baseline="0" dirty="0" smtClean="0">
+              <a:t> = </a:t>
+            </a:r>
+            <a:r>
+              <a:rPr kumimoji="0" lang="fr-FR" altLang="fr-FR" sz="1000" b="0" i="0" u="none" strike="noStrike" cap="none" normalizeH="0" baseline="0" dirty="0" err="1">
                 <a:ln>
                   <a:noFill/>
                 </a:ln>
@@ -4437,10 +4401,10 @@
                 <a:effectLst/>
                 <a:latin typeface="Consolas" panose="020B0609020204030204" pitchFamily="49" charset="0"/>
               </a:rPr>
-              <a:t> = </a:t>
-            </a:r>
-            <a:r>
-              <a:rPr kumimoji="0" lang="fr-FR" altLang="fr-FR" sz="1000" b="0" i="0" u="none" strike="noStrike" cap="none" normalizeH="0" baseline="0" dirty="0" err="1" smtClean="0">
+              <a:t>reluFn</a:t>
+            </a:r>
+            <a:r>
+              <a:rPr kumimoji="0" lang="fr-FR" altLang="fr-FR" sz="1000" b="0" i="0" u="none" strike="noStrike" cap="none" normalizeH="0" baseline="0" dirty="0">
                 <a:ln>
                   <a:noFill/>
                 </a:ln>
@@ -4450,10 +4414,10 @@
                 <a:effectLst/>
                 <a:latin typeface="Consolas" panose="020B0609020204030204" pitchFamily="49" charset="0"/>
               </a:rPr>
-              <a:t>reluFn</a:t>
-            </a:r>
-            <a:r>
-              <a:rPr kumimoji="0" lang="fr-FR" altLang="fr-FR" sz="1000" b="0" i="0" u="none" strike="noStrike" cap="none" normalizeH="0" baseline="0" dirty="0" smtClean="0">
+              <a:t>):</a:t>
+            </a:r>
+            <a:br>
+              <a:rPr kumimoji="0" lang="fr-FR" altLang="fr-FR" sz="1000" b="0" i="0" u="none" strike="noStrike" cap="none" normalizeH="0" baseline="0" dirty="0">
                 <a:ln>
                   <a:noFill/>
                 </a:ln>
@@ -4463,10 +4427,9 @@
                 <a:effectLst/>
                 <a:latin typeface="Consolas" panose="020B0609020204030204" pitchFamily="49" charset="0"/>
               </a:rPr>
-              <a:t>):</a:t>
-            </a:r>
-            <a:br>
-              <a:rPr kumimoji="0" lang="fr-FR" altLang="fr-FR" sz="1000" b="0" i="0" u="none" strike="noStrike" cap="none" normalizeH="0" baseline="0" dirty="0" smtClean="0">
+            </a:br>
+            <a:r>
+              <a:rPr kumimoji="0" lang="fr-FR" altLang="fr-FR" sz="1000" b="0" i="0" u="none" strike="noStrike" cap="none" normalizeH="0" baseline="0" dirty="0">
                 <a:ln>
                   <a:noFill/>
                 </a:ln>
@@ -4476,35 +4439,36 @@
                 <a:effectLst/>
                 <a:latin typeface="Consolas" panose="020B0609020204030204" pitchFamily="49" charset="0"/>
               </a:rPr>
-            </a:br>
-            <a:r>
-              <a:rPr kumimoji="0" lang="fr-FR" altLang="fr-FR" sz="1000" b="0" i="0" u="none" strike="noStrike" cap="none" normalizeH="0" baseline="0" dirty="0" smtClean="0">
+              <a:t>        </a:t>
+            </a:r>
+            <a:r>
+              <a:rPr kumimoji="0" lang="fr-FR" altLang="fr-FR" sz="1000" b="0" i="0" u="none" strike="noStrike" cap="none" normalizeH="0" baseline="0" dirty="0">
                 <a:ln>
                   <a:noFill/>
                 </a:ln>
                 <a:solidFill>
-                  <a:srgbClr val="000000"/>
+                  <a:srgbClr val="94558D"/>
                 </a:solidFill>
                 <a:effectLst/>
                 <a:latin typeface="Consolas" panose="020B0609020204030204" pitchFamily="49" charset="0"/>
               </a:rPr>
-              <a:t>        </a:t>
-            </a:r>
-            <a:r>
-              <a:rPr kumimoji="0" lang="fr-FR" altLang="fr-FR" sz="1000" b="0" i="0" u="none" strike="noStrike" cap="none" normalizeH="0" baseline="0" dirty="0" smtClean="0">
+              <a:t>self</a:t>
+            </a:r>
+            <a:r>
+              <a:rPr kumimoji="0" lang="fr-FR" altLang="fr-FR" sz="1000" b="0" i="0" u="none" strike="noStrike" cap="none" normalizeH="0" baseline="0" dirty="0">
                 <a:ln>
                   <a:noFill/>
                 </a:ln>
                 <a:solidFill>
-                  <a:srgbClr val="94558D"/>
+                  <a:srgbClr val="000000"/>
                 </a:solidFill>
                 <a:effectLst/>
                 <a:latin typeface="Consolas" panose="020B0609020204030204" pitchFamily="49" charset="0"/>
               </a:rPr>
-              <a:t>self</a:t>
-            </a:r>
-            <a:r>
-              <a:rPr kumimoji="0" lang="fr-FR" altLang="fr-FR" sz="1000" b="0" i="0" u="none" strike="noStrike" cap="none" normalizeH="0" baseline="0" dirty="0" smtClean="0">
+              <a:t>.id = id</a:t>
+            </a:r>
+            <a:br>
+              <a:rPr kumimoji="0" lang="fr-FR" altLang="fr-FR" sz="1000" b="0" i="0" u="none" strike="noStrike" cap="none" normalizeH="0" baseline="0" dirty="0">
                 <a:ln>
                   <a:noFill/>
                 </a:ln>
@@ -4514,10 +4478,9 @@
                 <a:effectLst/>
                 <a:latin typeface="Consolas" panose="020B0609020204030204" pitchFamily="49" charset="0"/>
               </a:rPr>
-              <a:t>.id = id</a:t>
-            </a:r>
-            <a:br>
-              <a:rPr kumimoji="0" lang="fr-FR" altLang="fr-FR" sz="1000" b="0" i="0" u="none" strike="noStrike" cap="none" normalizeH="0" baseline="0" dirty="0" smtClean="0">
+            </a:br>
+            <a:r>
+              <a:rPr kumimoji="0" lang="fr-FR" altLang="fr-FR" sz="1000" b="0" i="0" u="none" strike="noStrike" cap="none" normalizeH="0" baseline="0" dirty="0">
                 <a:ln>
                   <a:noFill/>
                 </a:ln>
@@ -4527,35 +4490,36 @@
                 <a:effectLst/>
                 <a:latin typeface="Consolas" panose="020B0609020204030204" pitchFamily="49" charset="0"/>
               </a:rPr>
-            </a:br>
-            <a:r>
-              <a:rPr kumimoji="0" lang="fr-FR" altLang="fr-FR" sz="1000" b="0" i="0" u="none" strike="noStrike" cap="none" normalizeH="0" baseline="0" dirty="0" smtClean="0">
+              <a:t>        </a:t>
+            </a:r>
+            <a:r>
+              <a:rPr kumimoji="0" lang="fr-FR" altLang="fr-FR" sz="1000" b="0" i="0" u="none" strike="noStrike" cap="none" normalizeH="0" baseline="0" dirty="0" err="1">
                 <a:ln>
                   <a:noFill/>
                 </a:ln>
                 <a:solidFill>
-                  <a:srgbClr val="000000"/>
+                  <a:srgbClr val="94558D"/>
                 </a:solidFill>
                 <a:effectLst/>
                 <a:latin typeface="Consolas" panose="020B0609020204030204" pitchFamily="49" charset="0"/>
               </a:rPr>
-              <a:t>        </a:t>
-            </a:r>
-            <a:r>
-              <a:rPr kumimoji="0" lang="fr-FR" altLang="fr-FR" sz="1000" b="0" i="0" u="none" strike="noStrike" cap="none" normalizeH="0" baseline="0" dirty="0" err="1" smtClean="0">
+              <a:t>self</a:t>
+            </a:r>
+            <a:r>
+              <a:rPr kumimoji="0" lang="fr-FR" altLang="fr-FR" sz="1000" b="0" i="0" u="none" strike="noStrike" cap="none" normalizeH="0" baseline="0" dirty="0" err="1">
                 <a:ln>
                   <a:noFill/>
                 </a:ln>
                 <a:solidFill>
-                  <a:srgbClr val="94558D"/>
+                  <a:srgbClr val="000000"/>
                 </a:solidFill>
                 <a:effectLst/>
                 <a:latin typeface="Consolas" panose="020B0609020204030204" pitchFamily="49" charset="0"/>
               </a:rPr>
-              <a:t>self</a:t>
-            </a:r>
-            <a:r>
-              <a:rPr kumimoji="0" lang="fr-FR" altLang="fr-FR" sz="1000" b="0" i="0" u="none" strike="noStrike" cap="none" normalizeH="0" baseline="0" dirty="0" err="1" smtClean="0">
+              <a:t>.perceptrons</a:t>
+            </a:r>
+            <a:r>
+              <a:rPr kumimoji="0" lang="fr-FR" altLang="fr-FR" sz="1000" b="0" i="0" u="none" strike="noStrike" cap="none" normalizeH="0" baseline="0" dirty="0">
                 <a:ln>
                   <a:noFill/>
                 </a:ln>
@@ -4565,10 +4529,10 @@
                 <a:effectLst/>
                 <a:latin typeface="Consolas" panose="020B0609020204030204" pitchFamily="49" charset="0"/>
               </a:rPr>
-              <a:t>.perceptrons</a:t>
-            </a:r>
-            <a:r>
-              <a:rPr kumimoji="0" lang="fr-FR" altLang="fr-FR" sz="1000" b="0" i="0" u="none" strike="noStrike" cap="none" normalizeH="0" baseline="0" dirty="0" smtClean="0">
+              <a:t>: List[Perceptron] = []</a:t>
+            </a:r>
+            <a:br>
+              <a:rPr kumimoji="0" lang="fr-FR" altLang="fr-FR" sz="1000" b="0" i="0" u="none" strike="noStrike" cap="none" normalizeH="0" baseline="0" dirty="0">
                 <a:ln>
                   <a:noFill/>
                 </a:ln>
@@ -4578,10 +4542,9 @@
                 <a:effectLst/>
                 <a:latin typeface="Consolas" panose="020B0609020204030204" pitchFamily="49" charset="0"/>
               </a:rPr>
-              <a:t>: List[Perceptron] = []</a:t>
-            </a:r>
-            <a:br>
-              <a:rPr kumimoji="0" lang="fr-FR" altLang="fr-FR" sz="1000" b="0" i="0" u="none" strike="noStrike" cap="none" normalizeH="0" baseline="0" dirty="0" smtClean="0">
+            </a:br>
+            <a:r>
+              <a:rPr kumimoji="0" lang="fr-FR" altLang="fr-FR" sz="1000" b="0" i="0" u="none" strike="noStrike" cap="none" normalizeH="0" baseline="0" dirty="0">
                 <a:ln>
                   <a:noFill/>
                 </a:ln>
@@ -4591,48 +4554,49 @@
                 <a:effectLst/>
                 <a:latin typeface="Consolas" panose="020B0609020204030204" pitchFamily="49" charset="0"/>
               </a:rPr>
-            </a:br>
-            <a:r>
-              <a:rPr kumimoji="0" lang="fr-FR" altLang="fr-FR" sz="1000" b="0" i="0" u="none" strike="noStrike" cap="none" normalizeH="0" baseline="0" dirty="0" smtClean="0">
+              <a:t>        </a:t>
+            </a:r>
+            <a:r>
+              <a:rPr kumimoji="0" lang="fr-FR" altLang="fr-FR" sz="1000" b="1" i="0" u="none" strike="noStrike" cap="none" normalizeH="0" baseline="0" dirty="0">
                 <a:ln>
                   <a:noFill/>
                 </a:ln>
                 <a:solidFill>
-                  <a:srgbClr val="000000"/>
+                  <a:srgbClr val="000080"/>
                 </a:solidFill>
                 <a:effectLst/>
                 <a:latin typeface="Consolas" panose="020B0609020204030204" pitchFamily="49" charset="0"/>
               </a:rPr>
-              <a:t>        </a:t>
-            </a:r>
-            <a:r>
-              <a:rPr kumimoji="0" lang="fr-FR" altLang="fr-FR" sz="1000" b="1" i="0" u="none" strike="noStrike" cap="none" normalizeH="0" baseline="0" dirty="0" smtClean="0">
+              <a:t>for </a:t>
+            </a:r>
+            <a:r>
+              <a:rPr kumimoji="0" lang="fr-FR" altLang="fr-FR" sz="1000" b="0" i="0" u="none" strike="noStrike" cap="none" normalizeH="0" baseline="0" dirty="0">
                 <a:ln>
                   <a:noFill/>
                 </a:ln>
                 <a:solidFill>
-                  <a:srgbClr val="000080"/>
+                  <a:srgbClr val="000000"/>
                 </a:solidFill>
                 <a:effectLst/>
                 <a:latin typeface="Consolas" panose="020B0609020204030204" pitchFamily="49" charset="0"/>
               </a:rPr>
-              <a:t>for </a:t>
-            </a:r>
-            <a:r>
-              <a:rPr kumimoji="0" lang="fr-FR" altLang="fr-FR" sz="1000" b="0" i="0" u="none" strike="noStrike" cap="none" normalizeH="0" baseline="0" dirty="0" smtClean="0">
+              <a:t>i </a:t>
+            </a:r>
+            <a:r>
+              <a:rPr kumimoji="0" lang="fr-FR" altLang="fr-FR" sz="1000" b="1" i="0" u="none" strike="noStrike" cap="none" normalizeH="0" baseline="0" dirty="0">
                 <a:ln>
                   <a:noFill/>
                 </a:ln>
                 <a:solidFill>
-                  <a:srgbClr val="000000"/>
+                  <a:srgbClr val="000080"/>
                 </a:solidFill>
                 <a:effectLst/>
                 <a:latin typeface="Consolas" panose="020B0609020204030204" pitchFamily="49" charset="0"/>
               </a:rPr>
-              <a:t>i </a:t>
-            </a:r>
-            <a:r>
-              <a:rPr kumimoji="0" lang="fr-FR" altLang="fr-FR" sz="1000" b="1" i="0" u="none" strike="noStrike" cap="none" normalizeH="0" baseline="0" dirty="0" smtClean="0">
+              <a:t>in </a:t>
+            </a:r>
+            <a:r>
+              <a:rPr kumimoji="0" lang="fr-FR" altLang="fr-FR" sz="1000" b="0" i="0" u="none" strike="noStrike" cap="none" normalizeH="0" baseline="0" dirty="0">
                 <a:ln>
                   <a:noFill/>
                 </a:ln>
@@ -4642,23 +4606,23 @@
                 <a:effectLst/>
                 <a:latin typeface="Consolas" panose="020B0609020204030204" pitchFamily="49" charset="0"/>
               </a:rPr>
-              <a:t>in </a:t>
-            </a:r>
-            <a:r>
-              <a:rPr kumimoji="0" lang="fr-FR" altLang="fr-FR" sz="1000" b="0" i="0" u="none" strike="noStrike" cap="none" normalizeH="0" baseline="0" dirty="0" smtClean="0">
+              <a:t>range</a:t>
+            </a:r>
+            <a:r>
+              <a:rPr kumimoji="0" lang="fr-FR" altLang="fr-FR" sz="1000" b="0" i="0" u="none" strike="noStrike" cap="none" normalizeH="0" baseline="0" dirty="0">
                 <a:ln>
                   <a:noFill/>
                 </a:ln>
                 <a:solidFill>
-                  <a:srgbClr val="000080"/>
+                  <a:srgbClr val="000000"/>
                 </a:solidFill>
                 <a:effectLst/>
                 <a:latin typeface="Consolas" panose="020B0609020204030204" pitchFamily="49" charset="0"/>
               </a:rPr>
-              <a:t>range</a:t>
-            </a:r>
-            <a:r>
-              <a:rPr kumimoji="0" lang="fr-FR" altLang="fr-FR" sz="1000" b="0" i="0" u="none" strike="noStrike" cap="none" normalizeH="0" baseline="0" dirty="0" smtClean="0">
+              <a:t>(</a:t>
+            </a:r>
+            <a:r>
+              <a:rPr kumimoji="0" lang="fr-FR" altLang="fr-FR" sz="1000" b="0" i="0" u="none" strike="noStrike" cap="none" normalizeH="0" baseline="0" dirty="0" err="1">
                 <a:ln>
                   <a:noFill/>
                 </a:ln>
@@ -4668,10 +4632,10 @@
                 <a:effectLst/>
                 <a:latin typeface="Consolas" panose="020B0609020204030204" pitchFamily="49" charset="0"/>
               </a:rPr>
-              <a:t>(</a:t>
-            </a:r>
-            <a:r>
-              <a:rPr kumimoji="0" lang="fr-FR" altLang="fr-FR" sz="1000" b="0" i="0" u="none" strike="noStrike" cap="none" normalizeH="0" baseline="0" dirty="0" err="1" smtClean="0">
+              <a:t>nbPerceptron</a:t>
+            </a:r>
+            <a:r>
+              <a:rPr kumimoji="0" lang="fr-FR" altLang="fr-FR" sz="1000" b="0" i="0" u="none" strike="noStrike" cap="none" normalizeH="0" baseline="0" dirty="0">
                 <a:ln>
                   <a:noFill/>
                 </a:ln>
@@ -4681,10 +4645,10 @@
                 <a:effectLst/>
                 <a:latin typeface="Consolas" panose="020B0609020204030204" pitchFamily="49" charset="0"/>
               </a:rPr>
-              <a:t>nbPerceptron</a:t>
-            </a:r>
-            <a:r>
-              <a:rPr kumimoji="0" lang="fr-FR" altLang="fr-FR" sz="1000" b="0" i="0" u="none" strike="noStrike" cap="none" normalizeH="0" baseline="0" dirty="0" smtClean="0">
+              <a:t>):</a:t>
+            </a:r>
+            <a:br>
+              <a:rPr kumimoji="0" lang="fr-FR" altLang="fr-FR" sz="1000" b="0" i="0" u="none" strike="noStrike" cap="none" normalizeH="0" baseline="0" dirty="0">
                 <a:ln>
                   <a:noFill/>
                 </a:ln>
@@ -4694,10 +4658,9 @@
                 <a:effectLst/>
                 <a:latin typeface="Consolas" panose="020B0609020204030204" pitchFamily="49" charset="0"/>
               </a:rPr>
-              <a:t>):</a:t>
-            </a:r>
-            <a:br>
-              <a:rPr kumimoji="0" lang="fr-FR" altLang="fr-FR" sz="1000" b="0" i="0" u="none" strike="noStrike" cap="none" normalizeH="0" baseline="0" dirty="0" smtClean="0">
+            </a:br>
+            <a:r>
+              <a:rPr kumimoji="0" lang="fr-FR" altLang="fr-FR" sz="1000" b="0" i="0" u="none" strike="noStrike" cap="none" normalizeH="0" baseline="0" dirty="0">
                 <a:ln>
                   <a:noFill/>
                 </a:ln>
@@ -4707,165 +4670,166 @@
                 <a:effectLst/>
                 <a:latin typeface="Consolas" panose="020B0609020204030204" pitchFamily="49" charset="0"/>
               </a:rPr>
-            </a:br>
-            <a:r>
-              <a:rPr kumimoji="0" lang="fr-FR" altLang="fr-FR" sz="1000" b="0" i="0" u="none" strike="noStrike" cap="none" normalizeH="0" baseline="0" dirty="0" smtClean="0">
+              <a:t>            p = Perceptron(</a:t>
+            </a:r>
+            <a:r>
+              <a:rPr kumimoji="0" lang="fr-FR" altLang="fr-FR" sz="1000" b="1" i="0" u="none" strike="noStrike" cap="none" normalizeH="0" baseline="0" dirty="0">
                 <a:ln>
                   <a:noFill/>
                 </a:ln>
                 <a:solidFill>
-                  <a:srgbClr val="000000"/>
+                  <a:srgbClr val="008080"/>
                 </a:solidFill>
                 <a:effectLst/>
                 <a:latin typeface="Consolas" panose="020B0609020204030204" pitchFamily="49" charset="0"/>
               </a:rPr>
-              <a:t>            p = Perceptron(</a:t>
-            </a:r>
-            <a:r>
-              <a:rPr kumimoji="0" lang="fr-FR" altLang="fr-FR" sz="1000" b="1" i="0" u="none" strike="noStrike" cap="none" normalizeH="0" baseline="0" dirty="0" smtClean="0">
+              <a:t>f"</a:t>
+            </a:r>
+            <a:r>
+              <a:rPr kumimoji="0" lang="fr-FR" altLang="fr-FR" sz="1000" b="1" i="0" u="none" strike="noStrike" cap="none" normalizeH="0" baseline="0" dirty="0">
                 <a:ln>
                   <a:noFill/>
                 </a:ln>
                 <a:solidFill>
-                  <a:srgbClr val="008080"/>
+                  <a:srgbClr val="000080"/>
                 </a:solidFill>
                 <a:effectLst/>
                 <a:latin typeface="Consolas" panose="020B0609020204030204" pitchFamily="49" charset="0"/>
               </a:rPr>
-              <a:t>f"</a:t>
-            </a:r>
-            <a:r>
-              <a:rPr kumimoji="0" lang="fr-FR" altLang="fr-FR" sz="1000" b="1" i="0" u="none" strike="noStrike" cap="none" normalizeH="0" baseline="0" dirty="0" smtClean="0">
+              <a:t>{</a:t>
+            </a:r>
+            <a:r>
+              <a:rPr kumimoji="0" lang="fr-FR" altLang="fr-FR" sz="1000" b="0" i="0" u="none" strike="noStrike" cap="none" normalizeH="0" baseline="0" dirty="0">
                 <a:ln>
                   <a:noFill/>
                 </a:ln>
                 <a:solidFill>
-                  <a:srgbClr val="000080"/>
+                  <a:srgbClr val="000000"/>
                 </a:solidFill>
                 <a:effectLst/>
                 <a:latin typeface="Consolas" panose="020B0609020204030204" pitchFamily="49" charset="0"/>
               </a:rPr>
-              <a:t>{</a:t>
-            </a:r>
-            <a:r>
-              <a:rPr kumimoji="0" lang="fr-FR" altLang="fr-FR" sz="1000" b="0" i="0" u="none" strike="noStrike" cap="none" normalizeH="0" baseline="0" dirty="0" smtClean="0">
+              <a:t>id</a:t>
+            </a:r>
+            <a:r>
+              <a:rPr kumimoji="0" lang="fr-FR" altLang="fr-FR" sz="1000" b="1" i="0" u="none" strike="noStrike" cap="none" normalizeH="0" baseline="0" dirty="0">
                 <a:ln>
                   <a:noFill/>
                 </a:ln>
                 <a:solidFill>
-                  <a:srgbClr val="000000"/>
+                  <a:srgbClr val="000080"/>
                 </a:solidFill>
                 <a:effectLst/>
                 <a:latin typeface="Consolas" panose="020B0609020204030204" pitchFamily="49" charset="0"/>
               </a:rPr>
-              <a:t>id</a:t>
-            </a:r>
-            <a:r>
-              <a:rPr kumimoji="0" lang="fr-FR" altLang="fr-FR" sz="1000" b="1" i="0" u="none" strike="noStrike" cap="none" normalizeH="0" baseline="0" dirty="0" smtClean="0">
+              <a:t>}</a:t>
+            </a:r>
+            <a:r>
+              <a:rPr kumimoji="0" lang="fr-FR" altLang="fr-FR" sz="1000" b="1" i="0" u="none" strike="noStrike" cap="none" normalizeH="0" baseline="0" dirty="0">
                 <a:ln>
                   <a:noFill/>
                 </a:ln>
                 <a:solidFill>
-                  <a:srgbClr val="000080"/>
+                  <a:srgbClr val="008080"/>
                 </a:solidFill>
                 <a:effectLst/>
                 <a:latin typeface="Consolas" panose="020B0609020204030204" pitchFamily="49" charset="0"/>
               </a:rPr>
-              <a:t>}</a:t>
-            </a:r>
-            <a:r>
-              <a:rPr kumimoji="0" lang="fr-FR" altLang="fr-FR" sz="1000" b="1" i="0" u="none" strike="noStrike" cap="none" normalizeH="0" baseline="0" dirty="0" smtClean="0">
+              <a:t>-</a:t>
+            </a:r>
+            <a:r>
+              <a:rPr kumimoji="0" lang="fr-FR" altLang="fr-FR" sz="1000" b="1" i="0" u="none" strike="noStrike" cap="none" normalizeH="0" baseline="0" dirty="0">
                 <a:ln>
                   <a:noFill/>
                 </a:ln>
                 <a:solidFill>
-                  <a:srgbClr val="008080"/>
+                  <a:srgbClr val="000080"/>
                 </a:solidFill>
                 <a:effectLst/>
                 <a:latin typeface="Consolas" panose="020B0609020204030204" pitchFamily="49" charset="0"/>
               </a:rPr>
-              <a:t>-</a:t>
-            </a:r>
-            <a:r>
-              <a:rPr kumimoji="0" lang="fr-FR" altLang="fr-FR" sz="1000" b="1" i="0" u="none" strike="noStrike" cap="none" normalizeH="0" baseline="0" dirty="0" smtClean="0">
+              <a:t>{</a:t>
+            </a:r>
+            <a:r>
+              <a:rPr kumimoji="0" lang="fr-FR" altLang="fr-FR" sz="1000" b="0" i="0" u="none" strike="noStrike" cap="none" normalizeH="0" baseline="0" dirty="0">
                 <a:ln>
                   <a:noFill/>
                 </a:ln>
                 <a:solidFill>
-                  <a:srgbClr val="000080"/>
+                  <a:srgbClr val="000000"/>
                 </a:solidFill>
                 <a:effectLst/>
                 <a:latin typeface="Consolas" panose="020B0609020204030204" pitchFamily="49" charset="0"/>
               </a:rPr>
-              <a:t>{</a:t>
-            </a:r>
-            <a:r>
-              <a:rPr kumimoji="0" lang="fr-FR" altLang="fr-FR" sz="1000" b="0" i="0" u="none" strike="noStrike" cap="none" normalizeH="0" baseline="0" dirty="0" smtClean="0">
+              <a:t>i</a:t>
+            </a:r>
+            <a:r>
+              <a:rPr kumimoji="0" lang="fr-FR" altLang="fr-FR" sz="1000" b="1" i="0" u="none" strike="noStrike" cap="none" normalizeH="0" baseline="0" dirty="0">
                 <a:ln>
                   <a:noFill/>
                 </a:ln>
                 <a:solidFill>
-                  <a:srgbClr val="000000"/>
+                  <a:srgbClr val="000080"/>
                 </a:solidFill>
                 <a:effectLst/>
                 <a:latin typeface="Consolas" panose="020B0609020204030204" pitchFamily="49" charset="0"/>
               </a:rPr>
-              <a:t>i</a:t>
-            </a:r>
-            <a:r>
-              <a:rPr kumimoji="0" lang="fr-FR" altLang="fr-FR" sz="1000" b="1" i="0" u="none" strike="noStrike" cap="none" normalizeH="0" baseline="0" dirty="0" smtClean="0">
+              <a:t>}</a:t>
+            </a:r>
+            <a:r>
+              <a:rPr kumimoji="0" lang="fr-FR" altLang="fr-FR" sz="1000" b="1" i="0" u="none" strike="noStrike" cap="none" normalizeH="0" baseline="0" dirty="0">
                 <a:ln>
                   <a:noFill/>
                 </a:ln>
                 <a:solidFill>
-                  <a:srgbClr val="000080"/>
+                  <a:srgbClr val="008080"/>
                 </a:solidFill>
                 <a:effectLst/>
                 <a:latin typeface="Consolas" panose="020B0609020204030204" pitchFamily="49" charset="0"/>
               </a:rPr>
-              <a:t>}</a:t>
-            </a:r>
-            <a:r>
-              <a:rPr kumimoji="0" lang="fr-FR" altLang="fr-FR" sz="1000" b="1" i="0" u="none" strike="noStrike" cap="none" normalizeH="0" baseline="0" dirty="0" smtClean="0">
+              <a:t>"</a:t>
+            </a:r>
+            <a:r>
+              <a:rPr kumimoji="0" lang="fr-FR" altLang="fr-FR" sz="1000" b="0" i="0" u="none" strike="noStrike" cap="none" normalizeH="0" baseline="0" dirty="0">
                 <a:ln>
                   <a:noFill/>
                 </a:ln>
                 <a:solidFill>
-                  <a:srgbClr val="008080"/>
+                  <a:srgbClr val="000000"/>
                 </a:solidFill>
                 <a:effectLst/>
                 <a:latin typeface="Consolas" panose="020B0609020204030204" pitchFamily="49" charset="0"/>
               </a:rPr>
-              <a:t>"</a:t>
-            </a:r>
-            <a:r>
-              <a:rPr kumimoji="0" lang="fr-FR" altLang="fr-FR" sz="1000" b="0" i="0" u="none" strike="noStrike" cap="none" normalizeH="0" baseline="0" dirty="0" smtClean="0">
+              <a:t>, </a:t>
+            </a:r>
+            <a:r>
+              <a:rPr kumimoji="0" lang="fr-FR" altLang="fr-FR" sz="1000" b="1" i="0" u="none" strike="noStrike" cap="none" normalizeH="0" baseline="0" dirty="0">
                 <a:ln>
                   <a:noFill/>
                 </a:ln>
                 <a:solidFill>
-                  <a:srgbClr val="000000"/>
+                  <a:srgbClr val="000080"/>
                 </a:solidFill>
                 <a:effectLst/>
                 <a:latin typeface="Consolas" panose="020B0609020204030204" pitchFamily="49" charset="0"/>
               </a:rPr>
-              <a:t>, </a:t>
-            </a:r>
-            <a:r>
-              <a:rPr kumimoji="0" lang="fr-FR" altLang="fr-FR" sz="1000" b="1" i="0" u="none" strike="noStrike" cap="none" normalizeH="0" baseline="0" dirty="0" smtClean="0">
+              <a:t>None</a:t>
+            </a:r>
+            <a:r>
+              <a:rPr kumimoji="0" lang="fr-FR" altLang="fr-FR" sz="1000" b="0" i="0" u="none" strike="noStrike" cap="none" normalizeH="0" baseline="0" dirty="0">
                 <a:ln>
                   <a:noFill/>
                 </a:ln>
                 <a:solidFill>
-                  <a:srgbClr val="000080"/>
+                  <a:srgbClr val="000000"/>
                 </a:solidFill>
                 <a:effectLst/>
                 <a:latin typeface="Consolas" panose="020B0609020204030204" pitchFamily="49" charset="0"/>
               </a:rPr>
-              <a:t>None</a:t>
-            </a:r>
-            <a:r>
-              <a:rPr kumimoji="0" lang="fr-FR" altLang="fr-FR" sz="1000" b="0" i="0" u="none" strike="noStrike" cap="none" normalizeH="0" baseline="0" dirty="0" smtClean="0">
+              <a:t>, </a:t>
+            </a:r>
+            <a:r>
+              <a:rPr kumimoji="0" lang="fr-FR" altLang="fr-FR" sz="1000" b="0" i="0" u="none" strike="noStrike" cap="none" normalizeH="0" baseline="0" dirty="0" err="1">
                 <a:ln>
                   <a:noFill/>
                 </a:ln>
@@ -4875,10 +4839,10 @@
                 <a:effectLst/>
                 <a:latin typeface="Consolas" panose="020B0609020204030204" pitchFamily="49" charset="0"/>
               </a:rPr>
-              <a:t>, </a:t>
-            </a:r>
-            <a:r>
-              <a:rPr kumimoji="0" lang="fr-FR" altLang="fr-FR" sz="1000" b="0" i="0" u="none" strike="noStrike" cap="none" normalizeH="0" baseline="0" dirty="0" err="1" smtClean="0">
+              <a:t>activationFn</a:t>
+            </a:r>
+            <a:r>
+              <a:rPr kumimoji="0" lang="fr-FR" altLang="fr-FR" sz="1000" b="0" i="0" u="none" strike="noStrike" cap="none" normalizeH="0" baseline="0" dirty="0">
                 <a:ln>
                   <a:noFill/>
                 </a:ln>
@@ -4888,10 +4852,10 @@
                 <a:effectLst/>
                 <a:latin typeface="Consolas" panose="020B0609020204030204" pitchFamily="49" charset="0"/>
               </a:rPr>
-              <a:t>activationFn</a:t>
-            </a:r>
-            <a:r>
-              <a:rPr kumimoji="0" lang="fr-FR" altLang="fr-FR" sz="1000" b="0" i="0" u="none" strike="noStrike" cap="none" normalizeH="0" baseline="0" dirty="0" smtClean="0">
+              <a:t>)</a:t>
+            </a:r>
+            <a:br>
+              <a:rPr kumimoji="0" lang="fr-FR" altLang="fr-FR" sz="1000" b="0" i="0" u="none" strike="noStrike" cap="none" normalizeH="0" baseline="0" dirty="0">
                 <a:ln>
                   <a:noFill/>
                 </a:ln>
@@ -4901,10 +4865,9 @@
                 <a:effectLst/>
                 <a:latin typeface="Consolas" panose="020B0609020204030204" pitchFamily="49" charset="0"/>
               </a:rPr>
-              <a:t>)</a:t>
-            </a:r>
-            <a:br>
-              <a:rPr kumimoji="0" lang="fr-FR" altLang="fr-FR" sz="1000" b="0" i="0" u="none" strike="noStrike" cap="none" normalizeH="0" baseline="0" dirty="0" smtClean="0">
+            </a:br>
+            <a:r>
+              <a:rPr kumimoji="0" lang="fr-FR" altLang="fr-FR" sz="1000" b="0" i="0" u="none" strike="noStrike" cap="none" normalizeH="0" baseline="0" dirty="0">
                 <a:ln>
                   <a:noFill/>
                 </a:ln>
@@ -4914,35 +4877,36 @@
                 <a:effectLst/>
                 <a:latin typeface="Consolas" panose="020B0609020204030204" pitchFamily="49" charset="0"/>
               </a:rPr>
-            </a:br>
-            <a:r>
-              <a:rPr kumimoji="0" lang="fr-FR" altLang="fr-FR" sz="1000" b="0" i="0" u="none" strike="noStrike" cap="none" normalizeH="0" baseline="0" dirty="0" smtClean="0">
+              <a:t>            </a:t>
+            </a:r>
+            <a:r>
+              <a:rPr kumimoji="0" lang="fr-FR" altLang="fr-FR" sz="1000" b="0" i="0" u="none" strike="noStrike" cap="none" normalizeH="0" baseline="0" dirty="0" err="1">
                 <a:ln>
                   <a:noFill/>
                 </a:ln>
                 <a:solidFill>
-                  <a:srgbClr val="000000"/>
+                  <a:srgbClr val="94558D"/>
                 </a:solidFill>
                 <a:effectLst/>
                 <a:latin typeface="Consolas" panose="020B0609020204030204" pitchFamily="49" charset="0"/>
               </a:rPr>
-              <a:t>            </a:t>
-            </a:r>
-            <a:r>
-              <a:rPr kumimoji="0" lang="fr-FR" altLang="fr-FR" sz="1000" b="0" i="0" u="none" strike="noStrike" cap="none" normalizeH="0" baseline="0" dirty="0" err="1" smtClean="0">
+              <a:t>self</a:t>
+            </a:r>
+            <a:r>
+              <a:rPr kumimoji="0" lang="fr-FR" altLang="fr-FR" sz="1000" b="0" i="0" u="none" strike="noStrike" cap="none" normalizeH="0" baseline="0" dirty="0" err="1">
                 <a:ln>
                   <a:noFill/>
                 </a:ln>
                 <a:solidFill>
-                  <a:srgbClr val="94558D"/>
+                  <a:srgbClr val="000000"/>
                 </a:solidFill>
                 <a:effectLst/>
                 <a:latin typeface="Consolas" panose="020B0609020204030204" pitchFamily="49" charset="0"/>
               </a:rPr>
-              <a:t>self</a:t>
-            </a:r>
-            <a:r>
-              <a:rPr kumimoji="0" lang="fr-FR" altLang="fr-FR" sz="1000" b="0" i="0" u="none" strike="noStrike" cap="none" normalizeH="0" baseline="0" dirty="0" err="1" smtClean="0">
+              <a:t>.perceptrons.append</a:t>
+            </a:r>
+            <a:r>
+              <a:rPr kumimoji="0" lang="fr-FR" altLang="fr-FR" sz="1000" b="0" i="0" u="none" strike="noStrike" cap="none" normalizeH="0" baseline="0" dirty="0">
                 <a:ln>
                   <a:noFill/>
                 </a:ln>
@@ -4952,22 +4916,9 @@
                 <a:effectLst/>
                 <a:latin typeface="Consolas" panose="020B0609020204030204" pitchFamily="49" charset="0"/>
               </a:rPr>
-              <a:t>.perceptrons.append</a:t>
-            </a:r>
-            <a:r>
-              <a:rPr kumimoji="0" lang="fr-FR" altLang="fr-FR" sz="1000" b="0" i="0" u="none" strike="noStrike" cap="none" normalizeH="0" baseline="0" dirty="0" smtClean="0">
-                <a:ln>
-                  <a:noFill/>
-                </a:ln>
-                <a:solidFill>
-                  <a:srgbClr val="000000"/>
-                </a:solidFill>
-                <a:effectLst/>
-                <a:latin typeface="Consolas" panose="020B0609020204030204" pitchFamily="49" charset="0"/>
-              </a:rPr>
               <a:t>(p)</a:t>
             </a:r>
-            <a:endParaRPr kumimoji="0" lang="fr-FR" altLang="fr-FR" sz="1800" b="0" i="0" u="none" strike="noStrike" cap="none" normalizeH="0" baseline="0" dirty="0" smtClean="0">
+            <a:endParaRPr kumimoji="0" lang="fr-FR" altLang="fr-FR" sz="1800" b="0" i="0" u="none" strike="noStrike" cap="none" normalizeH="0" baseline="0" dirty="0">
               <a:ln>
                 <a:noFill/>
               </a:ln>
@@ -4990,13 +4941,6 @@
   <p:clrMapOvr>
     <a:masterClrMapping/>
   </p:clrMapOvr>
-  <p:timing>
-    <p:tnLst>
-      <p:par>
-        <p:cTn id="1" dur="indefinite" restart="never" nodeType="tmRoot"/>
-      </p:par>
-    </p:tnLst>
-  </p:timing>
 </p:sld>
 </file>
 
@@ -5033,10 +4977,9 @@
           <a:lstStyle/>
           <a:p>
             <a:r>
-              <a:rPr lang="fr-FR" dirty="0" smtClean="0"/>
+              <a:rPr lang="fr-FR" dirty="0"/>
               <a:t>MLP</a:t>
             </a:r>
-            <a:endParaRPr lang="fr-FR" dirty="0"/>
           </a:p>
         </p:txBody>
       </p:sp>
@@ -5056,17 +4999,16 @@
           <a:lstStyle/>
           <a:p>
             <a:r>
-              <a:rPr lang="fr-FR" dirty="0" smtClean="0"/>
+              <a:rPr lang="fr-FR" dirty="0"/>
               <a:t>Multi Layer Perceptron</a:t>
             </a:r>
           </a:p>
           <a:p>
             <a:pPr lvl="1"/>
             <a:r>
-              <a:rPr lang="fr-FR" dirty="0" smtClean="0"/>
+              <a:rPr lang="fr-FR" dirty="0"/>
               <a:t>Les perceptrons sont mis dans un graphe acyclique</a:t>
             </a:r>
-            <a:endParaRPr lang="fr-FR" dirty="0"/>
           </a:p>
         </p:txBody>
       </p:sp>
@@ -5121,13 +5063,6 @@
   <p:clrMapOvr>
     <a:masterClrMapping/>
   </p:clrMapOvr>
-  <p:timing>
-    <p:tnLst>
-      <p:par>
-        <p:cTn id="1" dur="indefinite" restart="never" nodeType="tmRoot"/>
-      </p:par>
-    </p:tnLst>
-  </p:timing>
 </p:sld>
 </file>
 
@@ -5164,10 +5099,9 @@
           <a:lstStyle/>
           <a:p>
             <a:r>
-              <a:rPr lang="fr-FR" dirty="0" smtClean="0"/>
+              <a:rPr lang="fr-FR" dirty="0"/>
               <a:t>Exemple 2x2x2</a:t>
             </a:r>
-            <a:endParaRPr lang="fr-FR" dirty="0"/>
           </a:p>
         </p:txBody>
       </p:sp>
@@ -5224,13 +5158,6 @@
   <p:clrMapOvr>
     <a:masterClrMapping/>
   </p:clrMapOvr>
-  <p:timing>
-    <p:tnLst>
-      <p:par>
-        <p:cTn id="1" dur="indefinite" restart="never" nodeType="tmRoot"/>
-      </p:par>
-    </p:tnLst>
-  </p:timing>
 </p:sld>
 </file>
 
@@ -5267,10 +5194,9 @@
           <a:lstStyle/>
           <a:p>
             <a:r>
-              <a:rPr lang="fr-FR" dirty="0" smtClean="0"/>
+              <a:rPr lang="fr-FR" dirty="0"/>
               <a:t>Exemple simple</a:t>
             </a:r>
-            <a:endParaRPr lang="fr-FR" dirty="0"/>
           </a:p>
         </p:txBody>
       </p:sp>
@@ -5290,84 +5216,83 @@
           <a:lstStyle/>
           <a:p>
             <a:r>
-              <a:rPr lang="fr-FR" dirty="0" smtClean="0"/>
+              <a:rPr lang="fr-FR" dirty="0"/>
               <a:t>Réseau (2,2,2)</a:t>
             </a:r>
           </a:p>
           <a:p>
             <a:pPr lvl="1"/>
             <a:r>
-              <a:rPr lang="fr-FR" dirty="0" smtClean="0"/>
+              <a:rPr lang="fr-FR" dirty="0"/>
               <a:t>2 inputs</a:t>
             </a:r>
           </a:p>
           <a:p>
             <a:pPr lvl="1"/>
             <a:r>
-              <a:rPr lang="fr-FR" dirty="0" smtClean="0"/>
+              <a:rPr lang="fr-FR" dirty="0"/>
               <a:t>2 </a:t>
             </a:r>
             <a:r>
-              <a:rPr lang="fr-FR" dirty="0" err="1" smtClean="0"/>
+              <a:rPr lang="fr-FR" dirty="0" err="1"/>
               <a:t>hiddens</a:t>
             </a:r>
-            <a:endParaRPr lang="fr-FR" dirty="0" smtClean="0"/>
+            <a:endParaRPr lang="fr-FR" dirty="0"/>
           </a:p>
           <a:p>
             <a:pPr lvl="1"/>
             <a:r>
-              <a:rPr lang="fr-FR" dirty="0" smtClean="0"/>
+              <a:rPr lang="fr-FR" dirty="0"/>
               <a:t>2 outputs</a:t>
             </a:r>
           </a:p>
           <a:p>
             <a:r>
-              <a:rPr lang="fr-FR" dirty="0" smtClean="0"/>
+              <a:rPr lang="fr-FR" dirty="0"/>
               <a:t>Input [0.05, 0.1]</a:t>
             </a:r>
           </a:p>
           <a:p>
             <a:r>
-              <a:rPr lang="fr-FR" dirty="0" smtClean="0"/>
+              <a:rPr lang="fr-FR" dirty="0"/>
               <a:t>Output </a:t>
             </a:r>
             <a:r>
-              <a:rPr lang="fr-FR" dirty="0" err="1" smtClean="0"/>
+              <a:rPr lang="fr-FR" dirty="0" err="1"/>
               <a:t>target</a:t>
             </a:r>
             <a:r>
-              <a:rPr lang="fr-FR" dirty="0" smtClean="0"/>
+              <a:rPr lang="fr-FR" dirty="0"/>
               <a:t> [0.01, 0.99]</a:t>
             </a:r>
           </a:p>
           <a:p>
             <a:r>
-              <a:rPr lang="fr-FR" dirty="0" err="1" smtClean="0"/>
+              <a:rPr lang="fr-FR" dirty="0" err="1"/>
               <a:t>wx</a:t>
             </a:r>
             <a:r>
-              <a:rPr lang="fr-FR" dirty="0" smtClean="0"/>
+              <a:rPr lang="fr-FR" dirty="0"/>
               <a:t> = Poids</a:t>
             </a:r>
           </a:p>
           <a:p>
             <a:r>
-              <a:rPr lang="fr-FR" dirty="0" err="1" smtClean="0"/>
+              <a:rPr lang="fr-FR" dirty="0" err="1"/>
               <a:t>bx</a:t>
             </a:r>
             <a:r>
-              <a:rPr lang="fr-FR" dirty="0" smtClean="0"/>
+              <a:rPr lang="fr-FR" dirty="0"/>
               <a:t> = </a:t>
             </a:r>
             <a:r>
-              <a:rPr lang="fr-FR" dirty="0" err="1" smtClean="0"/>
+              <a:rPr lang="fr-FR" dirty="0" err="1"/>
               <a:t>Bias</a:t>
             </a:r>
             <a:r>
-              <a:rPr lang="fr-FR" dirty="0" smtClean="0"/>
+              <a:rPr lang="fr-FR" dirty="0"/>
               <a:t> (seuils)</a:t>
             </a:r>
-            <a:endParaRPr lang="fr-FR" dirty="0"/>
           </a:p>
         </p:txBody>
       </p:sp>
@@ -5422,13 +5347,6 @@
   <p:clrMapOvr>
     <a:masterClrMapping/>
   </p:clrMapOvr>
-  <p:timing>
-    <p:tnLst>
-      <p:par>
-        <p:cTn id="1" dur="indefinite" restart="never" nodeType="tmRoot"/>
-      </p:par>
-    </p:tnLst>
-  </p:timing>
 </p:sld>
 </file>
 
@@ -5465,10 +5383,9 @@
           <a:lstStyle/>
           <a:p>
             <a:r>
-              <a:rPr lang="fr-FR" dirty="0" smtClean="0"/>
+              <a:rPr lang="fr-FR" dirty="0"/>
               <a:t>Inférence</a:t>
             </a:r>
-            <a:endParaRPr lang="fr-FR" dirty="0"/>
           </a:p>
         </p:txBody>
       </p:sp>
@@ -5523,13 +5440,6 @@
   <p:clrMapOvr>
     <a:masterClrMapping/>
   </p:clrMapOvr>
-  <p:timing>
-    <p:tnLst>
-      <p:par>
-        <p:cTn id="1" dur="indefinite" restart="never" nodeType="tmRoot"/>
-      </p:par>
-    </p:tnLst>
-  </p:timing>
 </p:sld>
 </file>
 
@@ -5566,11 +5476,11 @@
           <a:lstStyle/>
           <a:p>
             <a:r>
-              <a:rPr lang="fr-FR" dirty="0" smtClean="0"/>
+              <a:rPr lang="fr-FR" dirty="0"/>
               <a:t>Calcul du </a:t>
             </a:r>
             <a:r>
-              <a:rPr lang="fr-FR" dirty="0" err="1" smtClean="0"/>
+              <a:rPr lang="fr-FR" dirty="0" err="1"/>
               <a:t>loss</a:t>
             </a:r>
             <a:endParaRPr lang="fr-FR" dirty="0"/>
@@ -5593,45 +5503,44 @@
           <a:lstStyle/>
           <a:p>
             <a:r>
-              <a:rPr lang="fr-FR" dirty="0" smtClean="0"/>
+              <a:rPr lang="fr-FR" dirty="0"/>
               <a:t>Les résultats obtenus sont 0.75 et 0.77</a:t>
             </a:r>
           </a:p>
           <a:p>
             <a:r>
-              <a:rPr lang="fr-FR" dirty="0" smtClean="0"/>
+              <a:rPr lang="fr-FR" dirty="0"/>
               <a:t>Le résultat attendu est 0.01 et 0.99</a:t>
             </a:r>
           </a:p>
           <a:p>
             <a:r>
-              <a:rPr lang="fr-FR" dirty="0" smtClean="0"/>
+              <a:rPr lang="fr-FR" dirty="0"/>
               <a:t>Le </a:t>
             </a:r>
             <a:r>
-              <a:rPr lang="fr-FR" dirty="0" err="1" smtClean="0"/>
+              <a:rPr lang="fr-FR" dirty="0" err="1"/>
               <a:t>loss</a:t>
             </a:r>
             <a:r>
-              <a:rPr lang="fr-FR" dirty="0" smtClean="0"/>
+              <a:rPr lang="fr-FR" dirty="0"/>
               <a:t> (</a:t>
             </a:r>
             <a:r>
-              <a:rPr lang="fr-FR" dirty="0" err="1" smtClean="0"/>
+              <a:rPr lang="fr-FR" dirty="0" err="1"/>
               <a:t>mse</a:t>
             </a:r>
             <a:r>
-              <a:rPr lang="fr-FR" dirty="0" smtClean="0"/>
+              <a:rPr lang="fr-FR" dirty="0"/>
               <a:t>) est l’erreur quadratique soit</a:t>
             </a:r>
           </a:p>
           <a:p>
             <a:pPr lvl="1"/>
             <a:r>
-              <a:rPr lang="fr-FR" dirty="0" smtClean="0"/>
+              <a:rPr lang="fr-FR" dirty="0"/>
               <a:t>(0.75-0.01)**2 + (0.77-0.99)**2 = 0.51</a:t>
             </a:r>
-            <a:endParaRPr lang="fr-FR" dirty="0"/>
           </a:p>
         </p:txBody>
       </p:sp>
@@ -5645,13 +5554,6 @@
   <p:clrMapOvr>
     <a:masterClrMapping/>
   </p:clrMapOvr>
-  <p:timing>
-    <p:tnLst>
-      <p:par>
-        <p:cTn id="1" dur="indefinite" restart="never" nodeType="tmRoot"/>
-      </p:par>
-    </p:tnLst>
-  </p:timing>
 </p:sld>
 </file>
 
@@ -5688,7 +5590,7 @@
           <a:lstStyle/>
           <a:p>
             <a:r>
-              <a:rPr lang="fr-FR" dirty="0" err="1" smtClean="0"/>
+              <a:rPr lang="fr-FR" dirty="0" err="1"/>
               <a:t>Backpropagation</a:t>
             </a:r>
             <a:endParaRPr lang="fr-FR" dirty="0"/>
@@ -5711,31 +5613,31 @@
           <a:lstStyle/>
           <a:p>
             <a:r>
-              <a:rPr lang="fr-FR" dirty="0" smtClean="0"/>
+              <a:rPr lang="fr-FR" dirty="0"/>
               <a:t>Les réseaux de neurones sont souvent supervisé</a:t>
             </a:r>
           </a:p>
           <a:p>
             <a:pPr lvl="1"/>
             <a:r>
-              <a:rPr lang="fr-FR" dirty="0" smtClean="0"/>
+              <a:rPr lang="fr-FR" dirty="0"/>
               <a:t>Présence d’un feedback pour indiquer si le calcul est bon</a:t>
             </a:r>
           </a:p>
           <a:p>
             <a:r>
-              <a:rPr lang="fr-FR" dirty="0" smtClean="0"/>
+              <a:rPr lang="fr-FR" dirty="0"/>
               <a:t>Si le feedback est bon, le neurone se fige un peu plus</a:t>
             </a:r>
           </a:p>
           <a:p>
             <a:r>
-              <a:rPr lang="fr-FR" dirty="0" smtClean="0"/>
+              <a:rPr lang="fr-FR" dirty="0"/>
               <a:t>Sinon, le seuil et les poids changent un peu</a:t>
             </a:r>
           </a:p>
           <a:p>
-            <a:endParaRPr lang="fr-FR" dirty="0" smtClean="0"/>
+            <a:endParaRPr lang="fr-FR" dirty="0"/>
           </a:p>
           <a:p>
             <a:endParaRPr lang="fr-FR" dirty="0"/>
@@ -5752,13 +5654,6 @@
   <p:clrMapOvr>
     <a:masterClrMapping/>
   </p:clrMapOvr>
-  <p:timing>
-    <p:tnLst>
-      <p:par>
-        <p:cTn id="1" dur="indefinite" restart="never" nodeType="tmRoot"/>
-      </p:par>
-    </p:tnLst>
-  </p:timing>
 </p:sld>
 </file>
 
@@ -5795,10 +5690,9 @@
           <a:lstStyle/>
           <a:p>
             <a:r>
-              <a:rPr lang="fr-FR" dirty="0" smtClean="0"/>
+              <a:rPr lang="fr-FR" dirty="0"/>
               <a:t>Gradient d’erreur</a:t>
             </a:r>
-            <a:endParaRPr lang="fr-FR" dirty="0"/>
           </a:p>
         </p:txBody>
       </p:sp>
@@ -5818,16 +5712,15 @@
           <a:lstStyle/>
           <a:p>
             <a:r>
-              <a:rPr lang="fr-FR" dirty="0" smtClean="0"/>
+              <a:rPr lang="fr-FR" dirty="0"/>
               <a:t>L’erreur est reportée à la couche précédente en fonction des poids</a:t>
             </a:r>
           </a:p>
           <a:p>
             <a:r>
-              <a:rPr lang="fr-FR" dirty="0" smtClean="0"/>
+              <a:rPr lang="fr-FR" dirty="0"/>
               <a:t>Plus le poids est important plus il est responsable de l’erreur</a:t>
             </a:r>
-            <a:endParaRPr lang="fr-FR" dirty="0"/>
           </a:p>
         </p:txBody>
       </p:sp>
@@ -5882,17 +5775,156 @@
   <p:clrMapOvr>
     <a:masterClrMapping/>
   </p:clrMapOvr>
-  <p:timing>
-    <p:tnLst>
-      <p:par>
-        <p:cTn id="1" dur="indefinite" restart="never" nodeType="tmRoot"/>
-      </p:par>
-    </p:tnLst>
-  </p:timing>
 </p:sld>
 </file>
 
 <file path=ppt/slides/slide19.xml><?xml version="1.0" encoding="utf-8"?>
+<p:sld xmlns:a="http://schemas.openxmlformats.org/drawingml/2006/main" xmlns:r="http://schemas.openxmlformats.org/officeDocument/2006/relationships" xmlns:p="http://schemas.openxmlformats.org/presentationml/2006/main">
+  <p:cSld>
+    <p:spTree>
+      <p:nvGrpSpPr>
+        <p:cNvPr id="1" name=""/>
+        <p:cNvGrpSpPr/>
+        <p:nvPr/>
+      </p:nvGrpSpPr>
+      <p:grpSpPr>
+        <a:xfrm>
+          <a:off x="0" y="0"/>
+          <a:ext cx="0" cy="0"/>
+          <a:chOff x="0" y="0"/>
+          <a:chExt cx="0" cy="0"/>
+        </a:xfrm>
+      </p:grpSpPr>
+      <p:sp>
+        <p:nvSpPr>
+          <p:cNvPr id="2" name="Titre 1">
+            <a:extLst>
+              <a:ext uri="{FF2B5EF4-FFF2-40B4-BE49-F238E27FC236}">
+                <a16:creationId xmlns:a16="http://schemas.microsoft.com/office/drawing/2014/main" id="{ECFEC4C4-87EA-450C-B88A-6D762C879A24}"/>
+              </a:ext>
+            </a:extLst>
+          </p:cNvPr>
+          <p:cNvSpPr>
+            <a:spLocks noGrp="1"/>
+          </p:cNvSpPr>
+          <p:nvPr>
+            <p:ph type="title"/>
+          </p:nvPr>
+        </p:nvSpPr>
+        <p:spPr/>
+        <p:txBody>
+          <a:bodyPr/>
+          <a:lstStyle/>
+          <a:p>
+            <a:r>
+              <a:rPr lang="fr-FR" dirty="0" err="1"/>
+              <a:t>dW</a:t>
+            </a:r>
+            <a:endParaRPr lang="fr-FR" dirty="0"/>
+          </a:p>
+        </p:txBody>
+      </p:sp>
+      <p:sp>
+        <p:nvSpPr>
+          <p:cNvPr id="3" name="Espace réservé du contenu 2">
+            <a:extLst>
+              <a:ext uri="{FF2B5EF4-FFF2-40B4-BE49-F238E27FC236}">
+                <a16:creationId xmlns:a16="http://schemas.microsoft.com/office/drawing/2014/main" id="{7E8D1F86-3366-4C45-B5B1-F655AD1FDE6E}"/>
+              </a:ext>
+            </a:extLst>
+          </p:cNvPr>
+          <p:cNvSpPr>
+            <a:spLocks noGrp="1"/>
+          </p:cNvSpPr>
+          <p:nvPr>
+            <p:ph idx="1"/>
+          </p:nvPr>
+        </p:nvSpPr>
+        <p:spPr/>
+        <p:txBody>
+          <a:bodyPr/>
+          <a:lstStyle/>
+          <a:p>
+            <a:endParaRPr lang="fr-FR" dirty="0"/>
+          </a:p>
+          <a:p>
+            <a:endParaRPr lang="fr-FR" dirty="0"/>
+          </a:p>
+          <a:p>
+            <a:r>
+              <a:rPr lang="fr-FR" dirty="0"/>
+              <a:t>Neurone inputs (0.1 0.9) output = grosse erreur</a:t>
+            </a:r>
+          </a:p>
+          <a:p>
+            <a:endParaRPr lang="fr-FR" dirty="0"/>
+          </a:p>
+          <a:p>
+            <a:r>
+              <a:rPr lang="fr-FR" dirty="0" err="1"/>
+              <a:t>fdW</a:t>
+            </a:r>
+            <a:r>
+              <a:rPr lang="fr-FR" dirty="0"/>
+              <a:t> = (</a:t>
+            </a:r>
+            <a:r>
+              <a:rPr lang="fr-FR" dirty="0" err="1"/>
+              <a:t>loss</a:t>
+            </a:r>
+            <a:r>
+              <a:rPr lang="fr-FR" dirty="0"/>
+              <a:t> * </a:t>
+            </a:r>
+            <a:r>
+              <a:rPr lang="fr-FR" dirty="0" err="1"/>
+              <a:t>wi</a:t>
+            </a:r>
+            <a:r>
+              <a:rPr lang="fr-FR" dirty="0"/>
+              <a:t> * </a:t>
+            </a:r>
+            <a:r>
+              <a:rPr lang="fr-FR" dirty="0" err="1"/>
+              <a:t>learningrate</a:t>
+            </a:r>
+            <a:r>
+              <a:rPr lang="fr-FR" dirty="0"/>
+              <a:t>) / (</a:t>
+            </a:r>
+            <a:r>
+              <a:rPr lang="fr-FR" dirty="0" err="1"/>
+              <a:t>fdeceleration</a:t>
+            </a:r>
+            <a:r>
+              <a:rPr lang="fr-FR" dirty="0"/>
+              <a:t>(</a:t>
+            </a:r>
+            <a:r>
+              <a:rPr lang="fr-FR" dirty="0" err="1"/>
+              <a:t>momentum</a:t>
+            </a:r>
+            <a:r>
+              <a:rPr lang="fr-FR" dirty="0"/>
+              <a:t>) + </a:t>
+            </a:r>
+          </a:p>
+        </p:txBody>
+      </p:sp>
+    </p:spTree>
+    <p:extLst>
+      <p:ext uri="{BB962C8B-B14F-4D97-AF65-F5344CB8AC3E}">
+        <p14:creationId xmlns:p14="http://schemas.microsoft.com/office/powerpoint/2010/main" val="1665010655"/>
+      </p:ext>
+    </p:extLst>
+  </p:cSld>
+  <p:clrMapOvr>
+    <a:masterClrMapping/>
+  </p:clrMapOvr>
+</p:sld>
+</file>
+
+<file path=ppt/slides/slide2.xml><?xml version="1.0" encoding="utf-8"?>
 <p:sld xmlns:a="http://schemas.openxmlformats.org/drawingml/2006/main" xmlns:r="http://schemas.openxmlformats.org/officeDocument/2006/relationships" xmlns:p="http://schemas.openxmlformats.org/presentationml/2006/main">
   <p:cSld>
     <p:spTree>
@@ -5925,10 +5957,9 @@
           <a:lstStyle/>
           <a:p>
             <a:r>
-              <a:rPr lang="fr-FR" dirty="0" smtClean="0"/>
-              <a:t>Changement du poids</a:t>
-            </a:r>
-            <a:endParaRPr lang="fr-FR" dirty="0"/>
+              <a:rPr lang="fr-FR"/>
+              <a:t>Neurone</a:t>
+            </a:r>
           </a:p>
         </p:txBody>
       </p:sp>
@@ -5948,14 +5979,139 @@
           <a:lstStyle/>
           <a:p>
             <a:r>
-              <a:rPr lang="fr-FR" dirty="0" smtClean="0"/>
+              <a:rPr lang="fr-FR" dirty="0"/>
+              <a:t>En biologie un neurone est une cellule connecté à d’autre neurones qui a la faculté de laisser passer ou non un courant électrique</a:t>
+            </a:r>
+          </a:p>
+          <a:p>
+            <a:pPr lvl="1"/>
+            <a:r>
+              <a:rPr lang="fr-FR" dirty="0"/>
+              <a:t>Sa modélisation mathématique est appelé perceptron</a:t>
+            </a:r>
+          </a:p>
+          <a:p>
+            <a:endParaRPr lang="fr-FR" dirty="0"/>
+          </a:p>
+        </p:txBody>
+      </p:sp>
+      <p:pic>
+        <p:nvPicPr>
+          <p:cNvPr id="6146" name="Picture 2" descr="RÃ©sultat de recherche d'images pour &quot;neurone&quot;"/>
+          <p:cNvPicPr>
+            <a:picLocks noChangeAspect="1" noChangeArrowheads="1"/>
+          </p:cNvPicPr>
+          <p:nvPr/>
+        </p:nvPicPr>
+        <p:blipFill>
+          <a:blip r:embed="rId2">
+            <a:extLst>
+              <a:ext uri="{28A0092B-C50C-407E-A947-70E740481C1C}">
+                <a14:useLocalDpi xmlns:a14="http://schemas.microsoft.com/office/drawing/2010/main" val="0"/>
+              </a:ext>
+            </a:extLst>
+          </a:blip>
+          <a:srcRect/>
+          <a:stretch>
+            <a:fillRect/>
+          </a:stretch>
+        </p:blipFill>
+        <p:spPr bwMode="auto">
+          <a:xfrm>
+            <a:off x="395536" y="3356992"/>
+            <a:ext cx="5184576" cy="2912774"/>
+          </a:xfrm>
+          <a:prstGeom prst="rect">
+            <a:avLst/>
+          </a:prstGeom>
+          <a:noFill/>
+          <a:extLst>
+            <a:ext uri="{909E8E84-426E-40DD-AFC4-6F175D3DCCD1}">
+              <a14:hiddenFill xmlns:a14="http://schemas.microsoft.com/office/drawing/2010/main">
+                <a:solidFill>
+                  <a:srgbClr val="FFFFFF"/>
+                </a:solidFill>
+              </a14:hiddenFill>
+            </a:ext>
+          </a:extLst>
+        </p:spPr>
+      </p:pic>
+    </p:spTree>
+    <p:extLst>
+      <p:ext uri="{BB962C8B-B14F-4D97-AF65-F5344CB8AC3E}">
+        <p14:creationId xmlns:p14="http://schemas.microsoft.com/office/powerpoint/2010/main" val="548719315"/>
+      </p:ext>
+    </p:extLst>
+  </p:cSld>
+  <p:clrMapOvr>
+    <a:masterClrMapping/>
+  </p:clrMapOvr>
+</p:sld>
+</file>
+
+<file path=ppt/slides/slide20.xml><?xml version="1.0" encoding="utf-8"?>
+<p:sld xmlns:a="http://schemas.openxmlformats.org/drawingml/2006/main" xmlns:r="http://schemas.openxmlformats.org/officeDocument/2006/relationships" xmlns:p="http://schemas.openxmlformats.org/presentationml/2006/main">
+  <p:cSld>
+    <p:spTree>
+      <p:nvGrpSpPr>
+        <p:cNvPr id="1" name=""/>
+        <p:cNvGrpSpPr/>
+        <p:nvPr/>
+      </p:nvGrpSpPr>
+      <p:grpSpPr>
+        <a:xfrm>
+          <a:off x="0" y="0"/>
+          <a:ext cx="0" cy="0"/>
+          <a:chOff x="0" y="0"/>
+          <a:chExt cx="0" cy="0"/>
+        </a:xfrm>
+      </p:grpSpPr>
+      <p:sp>
+        <p:nvSpPr>
+          <p:cNvPr id="2" name="Titre 1"/>
+          <p:cNvSpPr>
+            <a:spLocks noGrp="1"/>
+          </p:cNvSpPr>
+          <p:nvPr>
+            <p:ph type="title"/>
+          </p:nvPr>
+        </p:nvSpPr>
+        <p:spPr/>
+        <p:txBody>
+          <a:bodyPr/>
+          <a:lstStyle/>
+          <a:p>
+            <a:r>
+              <a:rPr lang="fr-FR" dirty="0"/>
               <a:t>Changement du poids</a:t>
             </a:r>
           </a:p>
+        </p:txBody>
+      </p:sp>
+      <p:sp>
+        <p:nvSpPr>
+          <p:cNvPr id="3" name="Espace réservé du contenu 2"/>
+          <p:cNvSpPr>
+            <a:spLocks noGrp="1"/>
+          </p:cNvSpPr>
+          <p:nvPr>
+            <p:ph idx="1"/>
+          </p:nvPr>
+        </p:nvSpPr>
+        <p:spPr/>
+        <p:txBody>
+          <a:bodyPr/>
+          <a:lstStyle/>
+          <a:p>
+            <a:r>
+              <a:rPr lang="fr-FR" dirty="0"/>
+              <a:t>Changement du poids</a:t>
+            </a:r>
+          </a:p>
           <a:p>
             <a:pPr lvl="1"/>
             <a:r>
-              <a:rPr lang="fr-FR" dirty="0" smtClean="0"/>
+              <a:rPr lang="fr-FR" dirty="0"/>
               <a:t>Algorithme RMS</a:t>
             </a:r>
           </a:p>
@@ -5963,33 +6119,28 @@
             <a:pPr lvl="1"/>
             <a:r>
               <a:rPr lang="fr-FR" dirty="0" err="1"/>
-              <a:t>d</a:t>
-            </a:r>
-            <a:r>
-              <a:rPr lang="fr-FR" dirty="0" err="1" smtClean="0"/>
-              <a:t>W</a:t>
-            </a:r>
-            <a:r>
-              <a:rPr lang="fr-FR" dirty="0" smtClean="0"/>
+              <a:t>dW</a:t>
+            </a:r>
+            <a:r>
+              <a:rPr lang="fr-FR" dirty="0"/>
               <a:t> = </a:t>
             </a:r>
             <a:r>
-              <a:rPr lang="fr-FR" dirty="0" err="1" smtClean="0"/>
+              <a:rPr lang="fr-FR" dirty="0" err="1"/>
               <a:t>learningrate</a:t>
             </a:r>
             <a:r>
-              <a:rPr lang="fr-FR" dirty="0" smtClean="0"/>
+              <a:rPr lang="fr-FR" dirty="0"/>
               <a:t> * gradient(</a:t>
             </a:r>
             <a:r>
-              <a:rPr lang="fr-FR" dirty="0" err="1" smtClean="0"/>
+              <a:rPr lang="fr-FR" dirty="0" err="1"/>
               <a:t>loss</a:t>
             </a:r>
             <a:r>
-              <a:rPr lang="fr-FR" dirty="0" smtClean="0"/>
+              <a:rPr lang="fr-FR" dirty="0"/>
               <a:t>)</a:t>
             </a:r>
-            <a:endParaRPr lang="fr-FR" dirty="0"/>
           </a:p>
         </p:txBody>
       </p:sp>
@@ -6044,17 +6195,10 @@
   <p:clrMapOvr>
     <a:masterClrMapping/>
   </p:clrMapOvr>
-  <p:timing>
-    <p:tnLst>
-      <p:par>
-        <p:cTn id="1" dur="indefinite" restart="never" nodeType="tmRoot"/>
-      </p:par>
-    </p:tnLst>
-  </p:timing>
 </p:sld>
 </file>
 
-<file path=ppt/slides/slide2.xml><?xml version="1.0" encoding="utf-8"?>
+<file path=ppt/slides/slide21.xml><?xml version="1.0" encoding="utf-8"?>
 <p:sld xmlns:a="http://schemas.openxmlformats.org/drawingml/2006/main" xmlns:r="http://schemas.openxmlformats.org/officeDocument/2006/relationships" xmlns:p="http://schemas.openxmlformats.org/presentationml/2006/main">
   <p:cSld>
     <p:spTree>
@@ -6087,10 +6231,9 @@
           <a:lstStyle/>
           <a:p>
             <a:r>
-              <a:rPr lang="fr-FR" smtClean="0"/>
-              <a:t>Neurone</a:t>
-            </a:r>
-            <a:endParaRPr lang="fr-FR"/>
+              <a:rPr lang="fr-FR" dirty="0"/>
+              <a:t>Learning rate</a:t>
+            </a:r>
           </a:p>
         </p:txBody>
       </p:sp>
@@ -6110,150 +6253,16 @@
           <a:lstStyle/>
           <a:p>
             <a:r>
-              <a:rPr lang="fr-FR" dirty="0" smtClean="0"/>
-              <a:t>En biologie un neurone est une cellule connecté à d’autre neurones qui a la faculté de laisser passer ou non un courant électrique</a:t>
+              <a:rPr lang="fr-FR" dirty="0"/>
+              <a:t>Le taux d’apprentissage résout le problème des minimums locaux</a:t>
             </a:r>
           </a:p>
           <a:p>
             <a:pPr lvl="1"/>
             <a:r>
-              <a:rPr lang="fr-FR" dirty="0" smtClean="0"/>
-              <a:t>Sa modélisation mathématique est appelé perceptron</a:t>
-            </a:r>
-          </a:p>
-          <a:p>
-            <a:endParaRPr lang="fr-FR" dirty="0"/>
-          </a:p>
-        </p:txBody>
-      </p:sp>
-      <p:pic>
-        <p:nvPicPr>
-          <p:cNvPr id="6146" name="Picture 2" descr="RÃ©sultat de recherche d'images pour &quot;neurone&quot;"/>
-          <p:cNvPicPr>
-            <a:picLocks noChangeAspect="1" noChangeArrowheads="1"/>
-          </p:cNvPicPr>
-          <p:nvPr/>
-        </p:nvPicPr>
-        <p:blipFill>
-          <a:blip r:embed="rId2">
-            <a:extLst>
-              <a:ext uri="{28A0092B-C50C-407E-A947-70E740481C1C}">
-                <a14:useLocalDpi xmlns:a14="http://schemas.microsoft.com/office/drawing/2010/main" val="0"/>
-              </a:ext>
-            </a:extLst>
-          </a:blip>
-          <a:srcRect/>
-          <a:stretch>
-            <a:fillRect/>
-          </a:stretch>
-        </p:blipFill>
-        <p:spPr bwMode="auto">
-          <a:xfrm>
-            <a:off x="395536" y="3356992"/>
-            <a:ext cx="5184576" cy="2912774"/>
-          </a:xfrm>
-          <a:prstGeom prst="rect">
-            <a:avLst/>
-          </a:prstGeom>
-          <a:noFill/>
-          <a:extLst>
-            <a:ext uri="{909E8E84-426E-40DD-AFC4-6F175D3DCCD1}">
-              <a14:hiddenFill xmlns:a14="http://schemas.microsoft.com/office/drawing/2010/main">
-                <a:solidFill>
-                  <a:srgbClr val="FFFFFF"/>
-                </a:solidFill>
-              </a14:hiddenFill>
-            </a:ext>
-          </a:extLst>
-        </p:spPr>
-      </p:pic>
-    </p:spTree>
-    <p:extLst>
-      <p:ext uri="{BB962C8B-B14F-4D97-AF65-F5344CB8AC3E}">
-        <p14:creationId xmlns:p14="http://schemas.microsoft.com/office/powerpoint/2010/main" val="548719315"/>
-      </p:ext>
-    </p:extLst>
-  </p:cSld>
-  <p:clrMapOvr>
-    <a:masterClrMapping/>
-  </p:clrMapOvr>
-  <p:timing>
-    <p:tnLst>
-      <p:par>
-        <p:cTn id="1" dur="indefinite" restart="never" nodeType="tmRoot"/>
-      </p:par>
-    </p:tnLst>
-  </p:timing>
-</p:sld>
-</file>
-
-<file path=ppt/slides/slide20.xml><?xml version="1.0" encoding="utf-8"?>
-<p:sld xmlns:a="http://schemas.openxmlformats.org/drawingml/2006/main" xmlns:r="http://schemas.openxmlformats.org/officeDocument/2006/relationships" xmlns:p="http://schemas.openxmlformats.org/presentationml/2006/main">
-  <p:cSld>
-    <p:spTree>
-      <p:nvGrpSpPr>
-        <p:cNvPr id="1" name=""/>
-        <p:cNvGrpSpPr/>
-        <p:nvPr/>
-      </p:nvGrpSpPr>
-      <p:grpSpPr>
-        <a:xfrm>
-          <a:off x="0" y="0"/>
-          <a:ext cx="0" cy="0"/>
-          <a:chOff x="0" y="0"/>
-          <a:chExt cx="0" cy="0"/>
-        </a:xfrm>
-      </p:grpSpPr>
-      <p:sp>
-        <p:nvSpPr>
-          <p:cNvPr id="2" name="Titre 1"/>
-          <p:cNvSpPr>
-            <a:spLocks noGrp="1"/>
-          </p:cNvSpPr>
-          <p:nvPr>
-            <p:ph type="title"/>
-          </p:nvPr>
-        </p:nvSpPr>
-        <p:spPr/>
-        <p:txBody>
-          <a:bodyPr/>
-          <a:lstStyle/>
-          <a:p>
-            <a:r>
-              <a:rPr lang="fr-FR" dirty="0" smtClean="0"/>
-              <a:t>Learning rate</a:t>
-            </a:r>
-            <a:endParaRPr lang="fr-FR" dirty="0"/>
-          </a:p>
-        </p:txBody>
-      </p:sp>
-      <p:sp>
-        <p:nvSpPr>
-          <p:cNvPr id="3" name="Espace réservé du contenu 2"/>
-          <p:cNvSpPr>
-            <a:spLocks noGrp="1"/>
-          </p:cNvSpPr>
-          <p:nvPr>
-            <p:ph idx="1"/>
-          </p:nvPr>
-        </p:nvSpPr>
-        <p:spPr/>
-        <p:txBody>
-          <a:bodyPr/>
-          <a:lstStyle/>
-          <a:p>
-            <a:r>
-              <a:rPr lang="fr-FR" dirty="0" smtClean="0"/>
-              <a:t>Le taux d’apprentissage résout le problème des minimums locaux</a:t>
-            </a:r>
-          </a:p>
-          <a:p>
-            <a:pPr lvl="1"/>
-            <a:r>
-              <a:rPr lang="fr-FR" dirty="0" smtClean="0"/>
-              <a:t>Entre 0.01 et 0.0001</a:t>
-            </a:r>
-            <a:endParaRPr lang="fr-FR" dirty="0"/>
+              <a:rPr lang="fr-FR" dirty="0"/>
+              <a:t>Entre 0.01 et 0.00001</a:t>
+            </a:r>
           </a:p>
         </p:txBody>
       </p:sp>
@@ -6349,17 +6358,10 @@
   <p:clrMapOvr>
     <a:masterClrMapping/>
   </p:clrMapOvr>
-  <p:timing>
-    <p:tnLst>
-      <p:par>
-        <p:cTn id="1" dur="indefinite" restart="never" nodeType="tmRoot"/>
-      </p:par>
-    </p:tnLst>
-  </p:timing>
 </p:sld>
 </file>
 
-<file path=ppt/slides/slide21.xml><?xml version="1.0" encoding="utf-8"?>
+<file path=ppt/slides/slide22.xml><?xml version="1.0" encoding="utf-8"?>
 <p:sld xmlns:a="http://schemas.openxmlformats.org/drawingml/2006/main" xmlns:r="http://schemas.openxmlformats.org/officeDocument/2006/relationships" xmlns:p="http://schemas.openxmlformats.org/presentationml/2006/main">
   <p:cSld>
     <p:spTree>
@@ -6392,10 +6394,9 @@
           <a:lstStyle/>
           <a:p>
             <a:r>
-              <a:rPr lang="fr-FR" dirty="0" smtClean="0"/>
+              <a:rPr lang="fr-FR" dirty="0"/>
               <a:t>La descente du gradient</a:t>
             </a:r>
-            <a:endParaRPr lang="fr-FR" dirty="0"/>
           </a:p>
         </p:txBody>
       </p:sp>
@@ -6415,21 +6416,21 @@
           <a:lstStyle/>
           <a:p>
             <a:r>
-              <a:rPr lang="fr-FR" dirty="0" smtClean="0"/>
+              <a:rPr lang="fr-FR" dirty="0"/>
               <a:t>La descente du gradient</a:t>
             </a:r>
           </a:p>
           <a:p>
             <a:pPr lvl="1"/>
             <a:r>
-              <a:rPr lang="fr-FR" dirty="0" smtClean="0"/>
+              <a:rPr lang="fr-FR" dirty="0"/>
               <a:t>Le changement de poids est alors effectué en remontant le réseaux</a:t>
             </a:r>
           </a:p>
           <a:p>
             <a:pPr lvl="1"/>
             <a:r>
-              <a:rPr lang="fr-FR" dirty="0" err="1" smtClean="0"/>
+              <a:rPr lang="fr-FR" dirty="0" err="1"/>
               <a:t>Backpropagation</a:t>
             </a:r>
             <a:endParaRPr lang="fr-FR" dirty="0"/>
@@ -6528,17 +6529,10 @@
   <p:clrMapOvr>
     <a:masterClrMapping/>
   </p:clrMapOvr>
-  <p:timing>
-    <p:tnLst>
-      <p:par>
-        <p:cTn id="1" dur="indefinite" restart="never" nodeType="tmRoot"/>
-      </p:par>
-    </p:tnLst>
-  </p:timing>
 </p:sld>
 </file>
 
-<file path=ppt/slides/slide22.xml><?xml version="1.0" encoding="utf-8"?>
+<file path=ppt/slides/slide23.xml><?xml version="1.0" encoding="utf-8"?>
 <p:sld xmlns:a="http://schemas.openxmlformats.org/drawingml/2006/main" xmlns:r="http://schemas.openxmlformats.org/officeDocument/2006/relationships" xmlns:p="http://schemas.openxmlformats.org/presentationml/2006/main">
   <p:cSld>
     <p:spTree>
@@ -6571,7 +6565,7 @@
           <a:lstStyle/>
           <a:p>
             <a:r>
-              <a:rPr lang="fr-FR" dirty="0" err="1" smtClean="0"/>
+              <a:rPr lang="fr-FR" dirty="0" err="1"/>
               <a:t>Backpropagation</a:t>
             </a:r>
             <a:endParaRPr lang="fr-FR" dirty="0"/>
@@ -6631,17 +6625,10 @@
   <p:clrMapOvr>
     <a:masterClrMapping/>
   </p:clrMapOvr>
-  <p:timing>
-    <p:tnLst>
-      <p:par>
-        <p:cTn id="1" dur="indefinite" restart="never" nodeType="tmRoot"/>
-      </p:par>
-    </p:tnLst>
-  </p:timing>
 </p:sld>
 </file>
 
-<file path=ppt/slides/slide23.xml><?xml version="1.0" encoding="utf-8"?>
+<file path=ppt/slides/slide24.xml><?xml version="1.0" encoding="utf-8"?>
 <p:sld xmlns:a="http://schemas.openxmlformats.org/drawingml/2006/main" xmlns:r="http://schemas.openxmlformats.org/officeDocument/2006/relationships" xmlns:p="http://schemas.openxmlformats.org/presentationml/2006/main">
   <p:cSld>
     <p:spTree>
@@ -6674,23 +6661,23 @@
           <a:lstStyle/>
           <a:p>
             <a:r>
-              <a:rPr lang="fr-FR" dirty="0" err="1" smtClean="0"/>
+              <a:rPr lang="fr-FR" dirty="0" err="1"/>
               <a:t>Stochastic</a:t>
             </a:r>
             <a:r>
-              <a:rPr lang="fr-FR" dirty="0" smtClean="0"/>
+              <a:rPr lang="fr-FR" dirty="0"/>
               <a:t> Gradient </a:t>
             </a:r>
             <a:r>
-              <a:rPr lang="fr-FR" dirty="0" err="1" smtClean="0"/>
+              <a:rPr lang="fr-FR" dirty="0" err="1"/>
               <a:t>Based</a:t>
             </a:r>
             <a:r>
-              <a:rPr lang="fr-FR" dirty="0" smtClean="0"/>
+              <a:rPr lang="fr-FR" dirty="0"/>
               <a:t> </a:t>
             </a:r>
             <a:r>
-              <a:rPr lang="fr-FR" dirty="0" err="1" smtClean="0"/>
+              <a:rPr lang="fr-FR" dirty="0" err="1"/>
               <a:t>Optimizer</a:t>
             </a:r>
             <a:endParaRPr lang="fr-FR" dirty="0"/>
@@ -6713,58 +6700,57 @@
           <a:lstStyle/>
           <a:p>
             <a:r>
-              <a:rPr lang="fr-FR" dirty="0" smtClean="0"/>
+              <a:rPr lang="fr-FR" dirty="0"/>
               <a:t>Ajout d’un moment et de la dérivé de la fonction d’activation dans le calcul de </a:t>
             </a:r>
             <a:r>
-              <a:rPr lang="fr-FR" dirty="0" err="1" smtClean="0"/>
+              <a:rPr lang="fr-FR" dirty="0" err="1"/>
               <a:t>dW</a:t>
             </a:r>
-            <a:endParaRPr lang="fr-FR" dirty="0" smtClean="0"/>
+            <a:endParaRPr lang="fr-FR" dirty="0"/>
           </a:p>
           <a:p>
             <a:pPr lvl="1"/>
             <a:r>
-              <a:rPr lang="fr-FR" dirty="0" err="1" smtClean="0"/>
+              <a:rPr lang="fr-FR" dirty="0" err="1"/>
               <a:t>dW</a:t>
             </a:r>
             <a:r>
-              <a:rPr lang="fr-FR" dirty="0" smtClean="0"/>
+              <a:rPr lang="fr-FR" dirty="0"/>
               <a:t> = (</a:t>
             </a:r>
             <a:r>
-              <a:rPr lang="fr-FR" dirty="0" err="1" smtClean="0"/>
+              <a:rPr lang="fr-FR" dirty="0" err="1"/>
               <a:t>learningrate</a:t>
             </a:r>
             <a:r>
-              <a:rPr lang="fr-FR" dirty="0" smtClean="0"/>
+              <a:rPr lang="fr-FR" dirty="0"/>
               <a:t> * gradient(</a:t>
             </a:r>
             <a:r>
-              <a:rPr lang="fr-FR" dirty="0" err="1" smtClean="0"/>
+              <a:rPr lang="fr-FR" dirty="0" err="1"/>
               <a:t>loss</a:t>
             </a:r>
             <a:r>
-              <a:rPr lang="fr-FR" dirty="0" smtClean="0"/>
+              <a:rPr lang="fr-FR" dirty="0"/>
               <a:t>)) / (</a:t>
             </a:r>
             <a:r>
-              <a:rPr lang="fr-FR" dirty="0" err="1" smtClean="0"/>
+              <a:rPr lang="fr-FR" dirty="0" err="1"/>
               <a:t>df</a:t>
             </a:r>
             <a:r>
-              <a:rPr lang="fr-FR" dirty="0" smtClean="0"/>
+              <a:rPr lang="fr-FR" dirty="0"/>
               <a:t>(x) * </a:t>
             </a:r>
             <a:r>
-              <a:rPr lang="fr-FR" dirty="0" err="1" smtClean="0"/>
+              <a:rPr lang="fr-FR" dirty="0" err="1"/>
               <a:t>momentum</a:t>
             </a:r>
             <a:r>
-              <a:rPr lang="fr-FR" dirty="0" smtClean="0"/>
+              <a:rPr lang="fr-FR" dirty="0"/>
               <a:t>)</a:t>
             </a:r>
-            <a:endParaRPr lang="fr-FR" dirty="0"/>
           </a:p>
         </p:txBody>
       </p:sp>
@@ -6832,17 +6818,10 @@
   <p:clrMapOvr>
     <a:masterClrMapping/>
   </p:clrMapOvr>
-  <p:timing>
-    <p:tnLst>
-      <p:par>
-        <p:cTn id="1" dur="indefinite" restart="never" nodeType="tmRoot"/>
-      </p:par>
-    </p:tnLst>
-  </p:timing>
 </p:sld>
 </file>
 
-<file path=ppt/slides/slide24.xml><?xml version="1.0" encoding="utf-8"?>
+<file path=ppt/slides/slide25.xml><?xml version="1.0" encoding="utf-8"?>
 <p:sld xmlns:a="http://schemas.openxmlformats.org/drawingml/2006/main" xmlns:r="http://schemas.openxmlformats.org/officeDocument/2006/relationships" xmlns:p="http://schemas.openxmlformats.org/presentationml/2006/main">
   <p:cSld>
     <p:spTree>
@@ -6875,10 +6854,9 @@
           <a:lstStyle/>
           <a:p>
             <a:r>
-              <a:rPr lang="fr-FR" dirty="0" smtClean="0"/>
+              <a:rPr lang="fr-FR" dirty="0"/>
               <a:t>MLP Complexes</a:t>
             </a:r>
-            <a:endParaRPr lang="fr-FR" dirty="0"/>
           </a:p>
         </p:txBody>
       </p:sp>
@@ -6898,10 +6876,9 @@
           <a:lstStyle/>
           <a:p>
             <a:r>
-              <a:rPr lang="fr-FR" dirty="0" smtClean="0"/>
+              <a:rPr lang="fr-FR" dirty="0"/>
               <a:t>Les réseaux peuvent être complexes</a:t>
             </a:r>
-            <a:endParaRPr lang="fr-FR" dirty="0"/>
           </a:p>
         </p:txBody>
       </p:sp>
@@ -6956,17 +6933,10 @@
   <p:clrMapOvr>
     <a:masterClrMapping/>
   </p:clrMapOvr>
-  <p:timing>
-    <p:tnLst>
-      <p:par>
-        <p:cTn id="1" dur="indefinite" restart="never" nodeType="tmRoot"/>
-      </p:par>
-    </p:tnLst>
-  </p:timing>
 </p:sld>
 </file>
 
-<file path=ppt/slides/slide25.xml><?xml version="1.0" encoding="utf-8"?>
+<file path=ppt/slides/slide26.xml><?xml version="1.0" encoding="utf-8"?>
 <p:sld xmlns:a="http://schemas.openxmlformats.org/drawingml/2006/main" xmlns:r="http://schemas.openxmlformats.org/officeDocument/2006/relationships" xmlns:p="http://schemas.openxmlformats.org/presentationml/2006/main">
   <p:cSld>
     <p:spTree>
@@ -6999,10 +6969,9 @@
           <a:lstStyle/>
           <a:p>
             <a:r>
-              <a:rPr lang="fr-FR" dirty="0" smtClean="0"/>
+              <a:rPr lang="fr-FR" dirty="0"/>
               <a:t>Coût</a:t>
             </a:r>
-            <a:endParaRPr lang="fr-FR" dirty="0"/>
           </a:p>
         </p:txBody>
       </p:sp>
@@ -7027,21 +6996,21 @@
           <a:lstStyle/>
           <a:p>
             <a:r>
-              <a:rPr lang="fr-FR" dirty="0" smtClean="0"/>
+              <a:rPr lang="fr-FR" dirty="0"/>
               <a:t>Très couteux</a:t>
             </a:r>
           </a:p>
           <a:p>
             <a:pPr lvl="1"/>
             <a:r>
-              <a:rPr lang="fr-FR" dirty="0" smtClean="0"/>
+              <a:rPr lang="fr-FR" dirty="0"/>
               <a:t>Mais donne de très bon résultats</a:t>
             </a:r>
           </a:p>
           <a:p>
             <a:pPr lvl="1"/>
             <a:r>
-              <a:rPr lang="fr-FR" dirty="0" smtClean="0"/>
+              <a:rPr lang="fr-FR" dirty="0"/>
               <a:t>Maitrise l’addition sur 4 bits avec 145 neurones et 100 itérations</a:t>
             </a:r>
           </a:p>
@@ -7098,122 +7067,6 @@
   <p:clrMapOvr>
     <a:masterClrMapping/>
   </p:clrMapOvr>
-  <p:timing>
-    <p:tnLst>
-      <p:par>
-        <p:cTn id="1" dur="indefinite" restart="never" nodeType="tmRoot"/>
-      </p:par>
-    </p:tnLst>
-  </p:timing>
-</p:sld>
-</file>
-
-<file path=ppt/slides/slide26.xml><?xml version="1.0" encoding="utf-8"?>
-<p:sld xmlns:a="http://schemas.openxmlformats.org/drawingml/2006/main" xmlns:r="http://schemas.openxmlformats.org/officeDocument/2006/relationships" xmlns:p="http://schemas.openxmlformats.org/presentationml/2006/main">
-  <p:cSld>
-    <p:spTree>
-      <p:nvGrpSpPr>
-        <p:cNvPr id="1" name=""/>
-        <p:cNvGrpSpPr/>
-        <p:nvPr/>
-      </p:nvGrpSpPr>
-      <p:grpSpPr>
-        <a:xfrm>
-          <a:off x="0" y="0"/>
-          <a:ext cx="0" cy="0"/>
-          <a:chOff x="0" y="0"/>
-          <a:chExt cx="0" cy="0"/>
-        </a:xfrm>
-      </p:grpSpPr>
-      <p:sp>
-        <p:nvSpPr>
-          <p:cNvPr id="2" name="Titre 1"/>
-          <p:cNvSpPr>
-            <a:spLocks noGrp="1"/>
-          </p:cNvSpPr>
-          <p:nvPr>
-            <p:ph type="title"/>
-          </p:nvPr>
-        </p:nvSpPr>
-        <p:spPr/>
-        <p:txBody>
-          <a:bodyPr/>
-          <a:lstStyle/>
-          <a:p>
-            <a:r>
-              <a:rPr lang="fr-FR" dirty="0" smtClean="0"/>
-              <a:t>Asymétrie</a:t>
-            </a:r>
-            <a:endParaRPr lang="fr-FR" dirty="0"/>
-          </a:p>
-        </p:txBody>
-      </p:sp>
-      <p:sp>
-        <p:nvSpPr>
-          <p:cNvPr id="3" name="Espace réservé du contenu 2"/>
-          <p:cNvSpPr>
-            <a:spLocks noGrp="1"/>
-          </p:cNvSpPr>
-          <p:nvPr>
-            <p:ph idx="1"/>
-          </p:nvPr>
-        </p:nvSpPr>
-        <p:spPr/>
-        <p:txBody>
-          <a:bodyPr/>
-          <a:lstStyle/>
-          <a:p>
-            <a:r>
-              <a:rPr lang="fr-FR" dirty="0" smtClean="0"/>
-              <a:t>Les réseaux neuronaux sont </a:t>
-            </a:r>
-            <a:r>
-              <a:rPr lang="fr-FR" smtClean="0"/>
-              <a:t>des modèles asymétriques</a:t>
-            </a:r>
-            <a:endParaRPr lang="fr-FR" dirty="0" smtClean="0"/>
-          </a:p>
-          <a:p>
-            <a:pPr lvl="1"/>
-            <a:r>
-              <a:rPr lang="fr-FR" dirty="0" smtClean="0"/>
-              <a:t>Apprentissage couteux</a:t>
-            </a:r>
-          </a:p>
-          <a:p>
-            <a:pPr lvl="1"/>
-            <a:r>
-              <a:rPr lang="fr-FR" dirty="0" smtClean="0"/>
-              <a:t>Prédiction rapide</a:t>
-            </a:r>
-          </a:p>
-          <a:p>
-            <a:pPr lvl="1"/>
-            <a:r>
-              <a:rPr lang="fr-FR" dirty="0" smtClean="0"/>
-              <a:t>Très utile</a:t>
-            </a:r>
-            <a:endParaRPr lang="fr-FR" dirty="0"/>
-          </a:p>
-        </p:txBody>
-      </p:sp>
-    </p:spTree>
-    <p:extLst>
-      <p:ext uri="{BB962C8B-B14F-4D97-AF65-F5344CB8AC3E}">
-        <p14:creationId xmlns:p14="http://schemas.microsoft.com/office/powerpoint/2010/main" val="1946835064"/>
-      </p:ext>
-    </p:extLst>
-  </p:cSld>
-  <p:clrMapOvr>
-    <a:masterClrMapping/>
-  </p:clrMapOvr>
-  <p:timing>
-    <p:tnLst>
-      <p:par>
-        <p:cTn id="1" dur="indefinite" restart="never" nodeType="tmRoot"/>
-      </p:par>
-    </p:tnLst>
-  </p:timing>
 </p:sld>
 </file>
 
@@ -7250,10 +7103,9 @@
           <a:lstStyle/>
           <a:p>
             <a:r>
-              <a:rPr lang="fr-FR" dirty="0" smtClean="0"/>
-              <a:t>Topologie</a:t>
-            </a:r>
-            <a:endParaRPr lang="fr-FR" dirty="0"/>
+              <a:rPr lang="fr-FR" dirty="0"/>
+              <a:t>Asymétrie</a:t>
+            </a:r>
           </a:p>
         </p:txBody>
       </p:sp>
@@ -7273,55 +7125,150 @@
           <a:lstStyle/>
           <a:p>
             <a:r>
-              <a:rPr lang="fr-FR" dirty="0" smtClean="0"/>
+              <a:rPr lang="fr-FR" dirty="0"/>
+              <a:t>Les réseaux neuronaux sont </a:t>
+            </a:r>
+            <a:r>
+              <a:rPr lang="fr-FR"/>
+              <a:t>des modèles asymétriques</a:t>
+            </a:r>
+            <a:endParaRPr lang="fr-FR" dirty="0"/>
+          </a:p>
+          <a:p>
+            <a:pPr lvl="1"/>
+            <a:r>
+              <a:rPr lang="fr-FR" dirty="0"/>
+              <a:t>Apprentissage couteux</a:t>
+            </a:r>
+          </a:p>
+          <a:p>
+            <a:pPr lvl="1"/>
+            <a:r>
+              <a:rPr lang="fr-FR" dirty="0"/>
+              <a:t>Prédiction rapide</a:t>
+            </a:r>
+          </a:p>
+          <a:p>
+            <a:pPr lvl="1"/>
+            <a:r>
+              <a:rPr lang="fr-FR" dirty="0"/>
+              <a:t>Très utile</a:t>
+            </a:r>
+          </a:p>
+        </p:txBody>
+      </p:sp>
+    </p:spTree>
+    <p:extLst>
+      <p:ext uri="{BB962C8B-B14F-4D97-AF65-F5344CB8AC3E}">
+        <p14:creationId xmlns:p14="http://schemas.microsoft.com/office/powerpoint/2010/main" val="1946835064"/>
+      </p:ext>
+    </p:extLst>
+  </p:cSld>
+  <p:clrMapOvr>
+    <a:masterClrMapping/>
+  </p:clrMapOvr>
+</p:sld>
+</file>
+
+<file path=ppt/slides/slide28.xml><?xml version="1.0" encoding="utf-8"?>
+<p:sld xmlns:a="http://schemas.openxmlformats.org/drawingml/2006/main" xmlns:r="http://schemas.openxmlformats.org/officeDocument/2006/relationships" xmlns:p="http://schemas.openxmlformats.org/presentationml/2006/main">
+  <p:cSld>
+    <p:spTree>
+      <p:nvGrpSpPr>
+        <p:cNvPr id="1" name=""/>
+        <p:cNvGrpSpPr/>
+        <p:nvPr/>
+      </p:nvGrpSpPr>
+      <p:grpSpPr>
+        <a:xfrm>
+          <a:off x="0" y="0"/>
+          <a:ext cx="0" cy="0"/>
+          <a:chOff x="0" y="0"/>
+          <a:chExt cx="0" cy="0"/>
+        </a:xfrm>
+      </p:grpSpPr>
+      <p:sp>
+        <p:nvSpPr>
+          <p:cNvPr id="2" name="Titre 1"/>
+          <p:cNvSpPr>
+            <a:spLocks noGrp="1"/>
+          </p:cNvSpPr>
+          <p:nvPr>
+            <p:ph type="title"/>
+          </p:nvPr>
+        </p:nvSpPr>
+        <p:spPr/>
+        <p:txBody>
+          <a:bodyPr/>
+          <a:lstStyle/>
+          <a:p>
+            <a:r>
+              <a:rPr lang="fr-FR" dirty="0"/>
+              <a:t>Topologie</a:t>
+            </a:r>
+          </a:p>
+        </p:txBody>
+      </p:sp>
+      <p:sp>
+        <p:nvSpPr>
+          <p:cNvPr id="3" name="Espace réservé du contenu 2"/>
+          <p:cNvSpPr>
+            <a:spLocks noGrp="1"/>
+          </p:cNvSpPr>
+          <p:nvPr>
+            <p:ph idx="1"/>
+          </p:nvPr>
+        </p:nvSpPr>
+        <p:spPr/>
+        <p:txBody>
+          <a:bodyPr/>
+          <a:lstStyle/>
+          <a:p>
+            <a:r>
+              <a:rPr lang="fr-FR" dirty="0"/>
               <a:t>Plus réseau est profond plus il nécessite de données</a:t>
             </a:r>
           </a:p>
           <a:p>
             <a:pPr lvl="1"/>
             <a:r>
-              <a:rPr lang="fr-FR" dirty="0" smtClean="0"/>
-              <a:t>Pas </a:t>
-            </a:r>
-            <a:r>
-              <a:rPr lang="fr-FR" dirty="0" smtClean="0"/>
-              <a:t>de goulot d’étranglement</a:t>
+              <a:rPr lang="fr-FR" dirty="0"/>
+              <a:t>Pas de goulot d’étranglement</a:t>
             </a:r>
           </a:p>
           <a:p>
             <a:pPr lvl="1"/>
             <a:r>
-              <a:rPr lang="fr-FR" dirty="0" smtClean="0"/>
+              <a:rPr lang="fr-FR" dirty="0"/>
               <a:t>Largeur inférieur aux inputs et outputs (sauf </a:t>
             </a:r>
             <a:r>
-              <a:rPr lang="fr-FR" dirty="0" err="1" smtClean="0"/>
+              <a:rPr lang="fr-FR" dirty="0" err="1"/>
               <a:t>DropOut</a:t>
             </a:r>
             <a:r>
-              <a:rPr lang="fr-FR" dirty="0" smtClean="0"/>
+              <a:rPr lang="fr-FR" dirty="0"/>
               <a:t>)</a:t>
             </a:r>
           </a:p>
           <a:p>
             <a:pPr lvl="1"/>
             <a:r>
-              <a:rPr lang="fr-FR" dirty="0" err="1" smtClean="0"/>
+              <a:rPr lang="fr-FR" dirty="0" err="1"/>
               <a:t>Nb_max_hidden_layer</a:t>
             </a:r>
             <a:r>
-              <a:rPr lang="fr-FR" dirty="0" smtClean="0"/>
+              <a:rPr lang="fr-FR" dirty="0"/>
               <a:t> ~= log(</a:t>
             </a:r>
             <a:r>
-              <a:rPr lang="fr-FR" dirty="0" err="1" smtClean="0"/>
+              <a:rPr lang="fr-FR" dirty="0" err="1"/>
               <a:t>len</a:t>
             </a:r>
             <a:r>
-              <a:rPr lang="fr-FR" dirty="0" smtClean="0"/>
+              <a:rPr lang="fr-FR" dirty="0"/>
               <a:t>(dataset))</a:t>
             </a:r>
-            <a:endParaRPr lang="fr-FR" dirty="0" smtClean="0"/>
           </a:p>
         </p:txBody>
       </p:sp>
@@ -7335,13 +7282,6 @@
   <p:clrMapOvr>
     <a:masterClrMapping/>
   </p:clrMapOvr>
-  <p:timing>
-    <p:tnLst>
-      <p:par>
-        <p:cTn id="1" dur="indefinite" restart="never" nodeType="tmRoot"/>
-      </p:par>
-    </p:tnLst>
-  </p:timing>
 </p:sld>
 </file>
 
@@ -7378,10 +7318,9 @@
           <a:lstStyle/>
           <a:p>
             <a:r>
-              <a:rPr lang="fr-FR" dirty="0" smtClean="0"/>
+              <a:rPr lang="fr-FR" dirty="0"/>
               <a:t>Synapse</a:t>
             </a:r>
-            <a:endParaRPr lang="fr-FR" dirty="0"/>
           </a:p>
         </p:txBody>
       </p:sp>
@@ -7401,7 +7340,7 @@
           <a:lstStyle/>
           <a:p>
             <a:r>
-              <a:rPr lang="fr-FR" dirty="0" smtClean="0"/>
+              <a:rPr lang="fr-FR" dirty="0"/>
               <a:t>La liaison synaptique s’effectue par des neurotransmetteurs</a:t>
             </a:r>
           </a:p>
@@ -7461,13 +7400,6 @@
   <p:clrMapOvr>
     <a:masterClrMapping/>
   </p:clrMapOvr>
-  <p:timing>
-    <p:tnLst>
-      <p:par>
-        <p:cTn id="1" dur="indefinite" restart="never" nodeType="tmRoot"/>
-      </p:par>
-    </p:tnLst>
-  </p:timing>
 </p:sld>
 </file>
 
@@ -7504,10 +7436,9 @@
           <a:lstStyle/>
           <a:p>
             <a:r>
-              <a:rPr lang="fr-FR" dirty="0" smtClean="0"/>
+              <a:rPr lang="fr-FR" dirty="0"/>
               <a:t>Perceptron</a:t>
             </a:r>
-            <a:endParaRPr lang="fr-FR" dirty="0"/>
           </a:p>
         </p:txBody>
       </p:sp>
@@ -7527,21 +7458,21 @@
           <a:lstStyle/>
           <a:p>
             <a:r>
-              <a:rPr lang="fr-FR" dirty="0" smtClean="0"/>
+              <a:rPr lang="fr-FR" dirty="0"/>
               <a:t>Un neurone possède plusieurs entrées (ix), une sortie (o), un seuil et une fonction d’activation (f)</a:t>
             </a:r>
           </a:p>
           <a:p>
             <a:r>
-              <a:rPr lang="fr-FR" dirty="0" smtClean="0"/>
+              <a:rPr lang="fr-FR" dirty="0"/>
               <a:t>Chaque entrée possède un poids (</a:t>
             </a:r>
             <a:r>
-              <a:rPr lang="fr-FR" dirty="0" err="1" smtClean="0"/>
+              <a:rPr lang="fr-FR" dirty="0" err="1"/>
               <a:t>Wx</a:t>
             </a:r>
             <a:r>
-              <a:rPr lang="fr-FR" dirty="0" smtClean="0"/>
+              <a:rPr lang="fr-FR" dirty="0"/>
               <a:t>)</a:t>
             </a:r>
           </a:p>
@@ -7601,13 +7532,6 @@
   <p:clrMapOvr>
     <a:masterClrMapping/>
   </p:clrMapOvr>
-  <p:timing>
-    <p:tnLst>
-      <p:par>
-        <p:cTn id="1" dur="indefinite" restart="never" nodeType="tmRoot"/>
-      </p:par>
-    </p:tnLst>
-  </p:timing>
 </p:sld>
 </file>
 
@@ -7644,10 +7568,9 @@
           <a:lstStyle/>
           <a:p>
             <a:r>
-              <a:rPr lang="fr-FR" dirty="0" smtClean="0"/>
+              <a:rPr lang="fr-FR" dirty="0"/>
               <a:t>Signal synaptique</a:t>
             </a:r>
-            <a:endParaRPr lang="fr-FR" dirty="0"/>
           </a:p>
         </p:txBody>
       </p:sp>
@@ -7667,25 +7590,21 @@
           <a:lstStyle/>
           <a:p>
             <a:r>
-              <a:rPr lang="fr-FR" dirty="0" smtClean="0"/>
+              <a:rPr lang="fr-FR" dirty="0"/>
               <a:t>L’ensemble des entrées sont multipliés à leurs poids puis sommés</a:t>
             </a:r>
           </a:p>
           <a:p>
             <a:r>
               <a:rPr lang="fr-FR" dirty="0"/>
-              <a:t>s</a:t>
-            </a:r>
-            <a:r>
-              <a:rPr lang="fr-FR" dirty="0" smtClean="0"/>
-              <a:t>ignal = </a:t>
-            </a:r>
-            <a:r>
-              <a:rPr lang="fr-FR" dirty="0" err="1" smtClean="0"/>
+              <a:t>signal = </a:t>
+            </a:r>
+            <a:r>
+              <a:rPr lang="fr-FR" dirty="0" err="1"/>
               <a:t>sum</a:t>
             </a:r>
             <a:r>
-              <a:rPr lang="fr-FR" dirty="0" smtClean="0"/>
+              <a:rPr lang="fr-FR" dirty="0"/>
               <a:t>(i[x]*W[x])</a:t>
             </a:r>
           </a:p>
@@ -7701,13 +7620,6 @@
   <p:clrMapOvr>
     <a:masterClrMapping/>
   </p:clrMapOvr>
-  <p:timing>
-    <p:tnLst>
-      <p:par>
-        <p:cTn id="1" dur="indefinite" restart="never" nodeType="tmRoot"/>
-      </p:par>
-    </p:tnLst>
-  </p:timing>
 </p:sld>
 </file>
 
@@ -7744,10 +7656,9 @@
           <a:lstStyle/>
           <a:p>
             <a:r>
-              <a:rPr lang="fr-FR" dirty="0" smtClean="0"/>
+              <a:rPr lang="fr-FR" dirty="0"/>
               <a:t>Perceptron</a:t>
             </a:r>
-            <a:endParaRPr lang="fr-FR" dirty="0"/>
           </a:p>
         </p:txBody>
       </p:sp>
@@ -7840,46 +7751,105 @@
               <a:t>, </a:t>
             </a:r>
             <a:r>
-              <a:rPr lang="fr-FR" sz="1400" dirty="0" err="1" smtClean="0">
+              <a:rPr lang="fr-FR" sz="1400" dirty="0" err="1">
                 <a:latin typeface="Courier New" panose="02070309020205020404" pitchFamily="49" charset="0"/>
                 <a:cs typeface="Courier New" panose="02070309020205020404" pitchFamily="49" charset="0"/>
               </a:rPr>
               <a:t>weigths:List</a:t>
             </a:r>
             <a:r>
-              <a:rPr lang="fr-FR" sz="1400" dirty="0" smtClean="0">
+              <a:rPr lang="fr-FR" sz="1400" dirty="0">
                 <a:latin typeface="Courier New" panose="02070309020205020404" pitchFamily="49" charset="0"/>
                 <a:cs typeface="Courier New" panose="02070309020205020404" pitchFamily="49" charset="0"/>
               </a:rPr>
               <a:t>[</a:t>
             </a:r>
             <a:r>
-              <a:rPr lang="fr-FR" sz="1400" dirty="0" err="1" smtClean="0">
+              <a:rPr lang="fr-FR" sz="1400" dirty="0" err="1">
                 <a:latin typeface="Courier New" panose="02070309020205020404" pitchFamily="49" charset="0"/>
                 <a:cs typeface="Courier New" panose="02070309020205020404" pitchFamily="49" charset="0"/>
               </a:rPr>
               <a:t>float</a:t>
             </a:r>
             <a:r>
-              <a:rPr lang="fr-FR" sz="1400" dirty="0" smtClean="0">
+              <a:rPr lang="fr-FR" sz="1400" dirty="0">
                 <a:latin typeface="Courier New" panose="02070309020205020404" pitchFamily="49" charset="0"/>
                 <a:cs typeface="Courier New" panose="02070309020205020404" pitchFamily="49" charset="0"/>
               </a:rPr>
               <a:t>], </a:t>
             </a:r>
             <a:r>
-              <a:rPr lang="fr-FR" sz="1400" dirty="0" err="1" smtClean="0">
+              <a:rPr lang="fr-FR" sz="1400" dirty="0" err="1">
                 <a:latin typeface="Courier New" panose="02070309020205020404" pitchFamily="49" charset="0"/>
                 <a:cs typeface="Courier New" panose="02070309020205020404" pitchFamily="49" charset="0"/>
               </a:rPr>
               <a:t>activationFn</a:t>
             </a:r>
             <a:r>
-              <a:rPr lang="fr-FR" sz="1400" dirty="0" smtClean="0">
+              <a:rPr lang="fr-FR" sz="1400" dirty="0">
                 <a:latin typeface="Courier New" panose="02070309020205020404" pitchFamily="49" charset="0"/>
                 <a:cs typeface="Courier New" panose="02070309020205020404" pitchFamily="49" charset="0"/>
               </a:rPr>
               <a:t>):</a:t>
+            </a:r>
+          </a:p>
+          <a:p>
+            <a:pPr marL="0" indent="0">
+              <a:buNone/>
+            </a:pPr>
+            <a:r>
+              <a:rPr lang="fr-FR" sz="1400" dirty="0">
+                <a:latin typeface="Courier New" panose="02070309020205020404" pitchFamily="49" charset="0"/>
+                <a:cs typeface="Courier New" panose="02070309020205020404" pitchFamily="49" charset="0"/>
+              </a:rPr>
+              <a:t>        self.id = id</a:t>
+            </a:r>
+          </a:p>
+          <a:p>
+            <a:pPr marL="0" indent="0">
+              <a:buNone/>
+            </a:pPr>
+            <a:r>
+              <a:rPr lang="fr-FR" sz="1400" dirty="0">
+                <a:latin typeface="Courier New" panose="02070309020205020404" pitchFamily="49" charset="0"/>
+                <a:cs typeface="Courier New" panose="02070309020205020404" pitchFamily="49" charset="0"/>
+              </a:rPr>
+              <a:t>        </a:t>
+            </a:r>
+            <a:r>
+              <a:rPr lang="fr-FR" sz="1400" dirty="0" err="1">
+                <a:latin typeface="Courier New" panose="02070309020205020404" pitchFamily="49" charset="0"/>
+                <a:cs typeface="Courier New" panose="02070309020205020404" pitchFamily="49" charset="0"/>
+              </a:rPr>
+              <a:t>self.weigths:List</a:t>
+            </a:r>
+            <a:r>
+              <a:rPr lang="fr-FR" sz="1400" dirty="0">
+                <a:latin typeface="Courier New" panose="02070309020205020404" pitchFamily="49" charset="0"/>
+                <a:cs typeface="Courier New" panose="02070309020205020404" pitchFamily="49" charset="0"/>
+              </a:rPr>
+              <a:t>[</a:t>
+            </a:r>
+            <a:r>
+              <a:rPr lang="fr-FR" sz="1400" dirty="0" err="1">
+                <a:latin typeface="Courier New" panose="02070309020205020404" pitchFamily="49" charset="0"/>
+                <a:cs typeface="Courier New" panose="02070309020205020404" pitchFamily="49" charset="0"/>
+              </a:rPr>
+              <a:t>float</a:t>
+            </a:r>
+            <a:r>
+              <a:rPr lang="fr-FR" sz="1400" dirty="0">
+                <a:latin typeface="Courier New" panose="02070309020205020404" pitchFamily="49" charset="0"/>
+                <a:cs typeface="Courier New" panose="02070309020205020404" pitchFamily="49" charset="0"/>
+              </a:rPr>
+              <a:t>] = </a:t>
+            </a:r>
+            <a:r>
+              <a:rPr lang="fr-FR" sz="1400" dirty="0" err="1">
+                <a:latin typeface="Courier New" panose="02070309020205020404" pitchFamily="49" charset="0"/>
+                <a:cs typeface="Courier New" panose="02070309020205020404" pitchFamily="49" charset="0"/>
+              </a:rPr>
+              <a:t>weigths</a:t>
             </a:r>
             <a:endParaRPr lang="fr-FR" sz="1400" dirty="0">
               <a:latin typeface="Courier New" panose="02070309020205020404" pitchFamily="49" charset="0"/>
@@ -7895,54 +7865,28 @@
                 <a:latin typeface="Courier New" panose="02070309020205020404" pitchFamily="49" charset="0"/>
                 <a:cs typeface="Courier New" panose="02070309020205020404" pitchFamily="49" charset="0"/>
               </a:rPr>
-              <a:t>        self.id = id</a:t>
-            </a:r>
-          </a:p>
-          <a:p>
-            <a:pPr marL="0" indent="0">
-              <a:buNone/>
-            </a:pPr>
+              <a:t>        </a:t>
+            </a:r>
+            <a:r>
+              <a:rPr lang="fr-FR" sz="1400" dirty="0" err="1">
+                <a:latin typeface="Courier New" panose="02070309020205020404" pitchFamily="49" charset="0"/>
+                <a:cs typeface="Courier New" panose="02070309020205020404" pitchFamily="49" charset="0"/>
+              </a:rPr>
+              <a:t>self.activationFn</a:t>
+            </a:r>
             <a:r>
               <a:rPr lang="fr-FR" sz="1400" dirty="0">
                 <a:latin typeface="Courier New" panose="02070309020205020404" pitchFamily="49" charset="0"/>
                 <a:cs typeface="Courier New" panose="02070309020205020404" pitchFamily="49" charset="0"/>
               </a:rPr>
-              <a:t>        </a:t>
+              <a:t> = </a:t>
             </a:r>
             <a:r>
               <a:rPr lang="fr-FR" sz="1400" dirty="0" err="1">
                 <a:latin typeface="Courier New" panose="02070309020205020404" pitchFamily="49" charset="0"/>
                 <a:cs typeface="Courier New" panose="02070309020205020404" pitchFamily="49" charset="0"/>
               </a:rPr>
-              <a:t>self.weigths:List</a:t>
-            </a:r>
-            <a:r>
-              <a:rPr lang="fr-FR" sz="1400" dirty="0">
-                <a:latin typeface="Courier New" panose="02070309020205020404" pitchFamily="49" charset="0"/>
-                <a:cs typeface="Courier New" panose="02070309020205020404" pitchFamily="49" charset="0"/>
-              </a:rPr>
-              <a:t>[</a:t>
-            </a:r>
-            <a:r>
-              <a:rPr lang="fr-FR" sz="1400" dirty="0" err="1">
-                <a:latin typeface="Courier New" panose="02070309020205020404" pitchFamily="49" charset="0"/>
-                <a:cs typeface="Courier New" panose="02070309020205020404" pitchFamily="49" charset="0"/>
-              </a:rPr>
-              <a:t>float</a:t>
-            </a:r>
-            <a:r>
-              <a:rPr lang="fr-FR" sz="1400" dirty="0">
-                <a:latin typeface="Courier New" panose="02070309020205020404" pitchFamily="49" charset="0"/>
-                <a:cs typeface="Courier New" panose="02070309020205020404" pitchFamily="49" charset="0"/>
-              </a:rPr>
-              <a:t>] = </a:t>
-            </a:r>
-            <a:r>
-              <a:rPr lang="fr-FR" sz="1400" dirty="0" err="1">
-                <a:latin typeface="Courier New" panose="02070309020205020404" pitchFamily="49" charset="0"/>
-                <a:cs typeface="Courier New" panose="02070309020205020404" pitchFamily="49" charset="0"/>
-              </a:rPr>
-              <a:t>weigths</a:t>
+              <a:t>activationFn</a:t>
             </a:r>
             <a:endParaRPr lang="fr-FR" sz="1400" dirty="0">
               <a:latin typeface="Courier New" panose="02070309020205020404" pitchFamily="49" charset="0"/>
@@ -7965,113 +7909,69 @@
                 <a:latin typeface="Courier New" panose="02070309020205020404" pitchFamily="49" charset="0"/>
                 <a:cs typeface="Courier New" panose="02070309020205020404" pitchFamily="49" charset="0"/>
               </a:rPr>
-              <a:t>self.activationFn</a:t>
+              <a:t>self.output:float</a:t>
             </a:r>
             <a:r>
               <a:rPr lang="fr-FR" sz="1400" dirty="0">
                 <a:latin typeface="Courier New" panose="02070309020205020404" pitchFamily="49" charset="0"/>
                 <a:cs typeface="Courier New" panose="02070309020205020404" pitchFamily="49" charset="0"/>
               </a:rPr>
-              <a:t> = </a:t>
+              <a:t> = None</a:t>
+            </a:r>
+          </a:p>
+          <a:p>
+            <a:pPr marL="0" indent="0">
+              <a:buNone/>
+            </a:pPr>
+            <a:r>
+              <a:rPr lang="fr-FR" sz="1400" dirty="0">
+                <a:latin typeface="Courier New" panose="02070309020205020404" pitchFamily="49" charset="0"/>
+                <a:cs typeface="Courier New" panose="02070309020205020404" pitchFamily="49" charset="0"/>
+              </a:rPr>
+              <a:t>        </a:t>
             </a:r>
             <a:r>
               <a:rPr lang="fr-FR" sz="1400" dirty="0" err="1">
                 <a:latin typeface="Courier New" panose="02070309020205020404" pitchFamily="49" charset="0"/>
                 <a:cs typeface="Courier New" panose="02070309020205020404" pitchFamily="49" charset="0"/>
               </a:rPr>
-              <a:t>activationFn</a:t>
-            </a:r>
-            <a:endParaRPr lang="fr-FR" sz="1400" dirty="0">
-              <a:latin typeface="Courier New" panose="02070309020205020404" pitchFamily="49" charset="0"/>
-              <a:cs typeface="Courier New" panose="02070309020205020404" pitchFamily="49" charset="0"/>
-            </a:endParaRPr>
+              <a:t>self.inputs:List</a:t>
+            </a:r>
+            <a:r>
+              <a:rPr lang="fr-FR" sz="1400" dirty="0">
+                <a:latin typeface="Courier New" panose="02070309020205020404" pitchFamily="49" charset="0"/>
+                <a:cs typeface="Courier New" panose="02070309020205020404" pitchFamily="49" charset="0"/>
+              </a:rPr>
+              <a:t>[</a:t>
+            </a:r>
+            <a:r>
+              <a:rPr lang="fr-FR" sz="1400" dirty="0" err="1">
+                <a:latin typeface="Courier New" panose="02070309020205020404" pitchFamily="49" charset="0"/>
+                <a:cs typeface="Courier New" panose="02070309020205020404" pitchFamily="49" charset="0"/>
+              </a:rPr>
+              <a:t>float</a:t>
+            </a:r>
+            <a:r>
+              <a:rPr lang="fr-FR" sz="1400" dirty="0">
+                <a:latin typeface="Courier New" panose="02070309020205020404" pitchFamily="49" charset="0"/>
+                <a:cs typeface="Courier New" panose="02070309020205020404" pitchFamily="49" charset="0"/>
+              </a:rPr>
+              <a:t>] = []</a:t>
+            </a:r>
           </a:p>
           <a:p>
             <a:pPr marL="0" indent="0">
               <a:buNone/>
             </a:pPr>
             <a:r>
-              <a:rPr lang="fr-FR" sz="1400" dirty="0" smtClean="0">
-                <a:latin typeface="Courier New" panose="02070309020205020404" pitchFamily="49" charset="0"/>
-                <a:cs typeface="Courier New" panose="02070309020205020404" pitchFamily="49" charset="0"/>
-              </a:rPr>
-              <a:t>        </a:t>
-            </a:r>
-            <a:r>
-              <a:rPr lang="fr-FR" sz="1400" dirty="0" err="1" smtClean="0">
-                <a:latin typeface="Courier New" panose="02070309020205020404" pitchFamily="49" charset="0"/>
-                <a:cs typeface="Courier New" panose="02070309020205020404" pitchFamily="49" charset="0"/>
-              </a:rPr>
-              <a:t>self.output:float</a:t>
-            </a:r>
-            <a:r>
-              <a:rPr lang="fr-FR" sz="1400" dirty="0" smtClean="0">
-                <a:latin typeface="Courier New" panose="02070309020205020404" pitchFamily="49" charset="0"/>
-                <a:cs typeface="Courier New" panose="02070309020205020404" pitchFamily="49" charset="0"/>
-              </a:rPr>
-              <a:t> </a:t>
-            </a:r>
-            <a:r>
               <a:rPr lang="fr-FR" sz="1400" dirty="0">
                 <a:latin typeface="Courier New" panose="02070309020205020404" pitchFamily="49" charset="0"/>
                 <a:cs typeface="Courier New" panose="02070309020205020404" pitchFamily="49" charset="0"/>
               </a:rPr>
-              <a:t>= None</a:t>
-            </a:r>
-          </a:p>
-          <a:p>
-            <a:pPr marL="0" indent="0">
-              <a:buNone/>
-            </a:pPr>
-            <a:r>
-              <a:rPr lang="fr-FR" sz="1400" dirty="0">
-                <a:latin typeface="Courier New" panose="02070309020205020404" pitchFamily="49" charset="0"/>
-                <a:cs typeface="Courier New" panose="02070309020205020404" pitchFamily="49" charset="0"/>
-              </a:rPr>
               <a:t>        </a:t>
             </a:r>
             <a:r>
               <a:rPr lang="fr-FR" sz="1400" dirty="0" err="1">
-                <a:latin typeface="Courier New" panose="02070309020205020404" pitchFamily="49" charset="0"/>
-                <a:cs typeface="Courier New" panose="02070309020205020404" pitchFamily="49" charset="0"/>
-              </a:rPr>
-              <a:t>self.inputs:List</a:t>
-            </a:r>
-            <a:r>
-              <a:rPr lang="fr-FR" sz="1400" dirty="0">
-                <a:latin typeface="Courier New" panose="02070309020205020404" pitchFamily="49" charset="0"/>
-                <a:cs typeface="Courier New" panose="02070309020205020404" pitchFamily="49" charset="0"/>
-              </a:rPr>
-              <a:t>[</a:t>
-            </a:r>
-            <a:r>
-              <a:rPr lang="fr-FR" sz="1400" dirty="0" err="1">
-                <a:latin typeface="Courier New" panose="02070309020205020404" pitchFamily="49" charset="0"/>
-                <a:cs typeface="Courier New" panose="02070309020205020404" pitchFamily="49" charset="0"/>
-              </a:rPr>
-              <a:t>float</a:t>
-            </a:r>
-            <a:r>
-              <a:rPr lang="fr-FR" sz="1400" dirty="0">
-                <a:latin typeface="Courier New" panose="02070309020205020404" pitchFamily="49" charset="0"/>
-                <a:cs typeface="Courier New" panose="02070309020205020404" pitchFamily="49" charset="0"/>
-              </a:rPr>
-              <a:t>] = []</a:t>
-            </a:r>
-          </a:p>
-          <a:p>
-            <a:pPr marL="0" indent="0">
-              <a:buNone/>
-            </a:pPr>
-            <a:r>
-              <a:rPr lang="fr-FR" sz="1400" dirty="0" smtClean="0">
-                <a:latin typeface="Courier New" panose="02070309020205020404" pitchFamily="49" charset="0"/>
-                <a:cs typeface="Courier New" panose="02070309020205020404" pitchFamily="49" charset="0"/>
-              </a:rPr>
-              <a:t>        </a:t>
-            </a:r>
-            <a:r>
-              <a:rPr lang="fr-FR" sz="1400" dirty="0" err="1" smtClean="0">
                 <a:latin typeface="Courier New" panose="02070309020205020404" pitchFamily="49" charset="0"/>
                 <a:cs typeface="Courier New" panose="02070309020205020404" pitchFamily="49" charset="0"/>
               </a:rPr>
@@ -8176,18 +8076,11 @@
               <a:buNone/>
             </a:pPr>
             <a:r>
-              <a:rPr lang="fr-FR" sz="1400" dirty="0" smtClean="0">
-                <a:latin typeface="Courier New" panose="02070309020205020404" pitchFamily="49" charset="0"/>
-                <a:cs typeface="Courier New" panose="02070309020205020404" pitchFamily="49" charset="0"/>
-              </a:rPr>
-              <a:t>	total </a:t>
-            </a:r>
-            <a:r>
               <a:rPr lang="fr-FR" sz="1400" dirty="0">
                 <a:latin typeface="Courier New" panose="02070309020205020404" pitchFamily="49" charset="0"/>
                 <a:cs typeface="Courier New" panose="02070309020205020404" pitchFamily="49" charset="0"/>
               </a:rPr>
-              <a:t>= </a:t>
+              <a:t>	total = </a:t>
             </a:r>
             <a:r>
               <a:rPr lang="fr-FR" sz="1400" dirty="0" err="1">
@@ -8265,18 +8158,11 @@
               <a:buNone/>
             </a:pPr>
             <a:r>
-              <a:rPr lang="fr-FR" sz="1400" dirty="0" smtClean="0">
-                <a:latin typeface="Courier New" panose="02070309020205020404" pitchFamily="49" charset="0"/>
-                <a:cs typeface="Courier New" panose="02070309020205020404" pitchFamily="49" charset="0"/>
-              </a:rPr>
-              <a:t>	return </a:t>
-            </a:r>
-            <a:r>
               <a:rPr lang="fr-FR" sz="1400" dirty="0">
                 <a:latin typeface="Courier New" panose="02070309020205020404" pitchFamily="49" charset="0"/>
                 <a:cs typeface="Courier New" panose="02070309020205020404" pitchFamily="49" charset="0"/>
               </a:rPr>
-              <a:t>total</a:t>
+              <a:t>	return total</a:t>
             </a:r>
           </a:p>
         </p:txBody>
@@ -8291,13 +8177,6 @@
   <p:clrMapOvr>
     <a:masterClrMapping/>
   </p:clrMapOvr>
-  <p:timing>
-    <p:tnLst>
-      <p:par>
-        <p:cTn id="1" dur="indefinite" restart="never" nodeType="tmRoot"/>
-      </p:par>
-    </p:tnLst>
-  </p:timing>
 </p:sld>
 </file>
 
@@ -8334,10 +8213,9 @@
           <a:lstStyle/>
           <a:p>
             <a:r>
-              <a:rPr lang="fr-FR" dirty="0" smtClean="0"/>
+              <a:rPr lang="fr-FR" dirty="0"/>
               <a:t>Activation</a:t>
             </a:r>
-            <a:endParaRPr lang="fr-FR" dirty="0"/>
           </a:p>
         </p:txBody>
       </p:sp>
@@ -8357,38 +8235,38 @@
           <a:lstStyle/>
           <a:p>
             <a:r>
-              <a:rPr lang="fr-FR" dirty="0" smtClean="0"/>
+              <a:rPr lang="fr-FR" dirty="0"/>
               <a:t>signal = </a:t>
             </a:r>
             <a:r>
-              <a:rPr lang="fr-FR" dirty="0" err="1" smtClean="0"/>
+              <a:rPr lang="fr-FR" dirty="0" err="1"/>
               <a:t>sum</a:t>
             </a:r>
             <a:r>
-              <a:rPr lang="fr-FR" dirty="0" smtClean="0"/>
+              <a:rPr lang="fr-FR" dirty="0"/>
               <a:t>(i[x]*W[x])</a:t>
             </a:r>
           </a:p>
           <a:p>
             <a:r>
-              <a:rPr lang="fr-FR" dirty="0" smtClean="0"/>
+              <a:rPr lang="fr-FR" dirty="0"/>
               <a:t>Si f(signal) &gt; seuil (ou biais) alors le signal passe dans le sortie</a:t>
             </a:r>
           </a:p>
           <a:p>
             <a:r>
-              <a:rPr lang="fr-FR" dirty="0" smtClean="0"/>
+              <a:rPr lang="fr-FR" dirty="0"/>
               <a:t>f est souvent une tangente hyperbolique ou une sigmoïde</a:t>
             </a:r>
           </a:p>
           <a:p>
             <a:pPr lvl="1"/>
             <a:r>
-              <a:rPr lang="fr-FR" dirty="0" smtClean="0"/>
+              <a:rPr lang="fr-FR" dirty="0"/>
               <a:t>F = </a:t>
             </a:r>
             <a:r>
-              <a:rPr lang="fr-FR" dirty="0" err="1" smtClean="0"/>
+              <a:rPr lang="fr-FR" dirty="0" err="1"/>
               <a:t>math.tanh</a:t>
             </a:r>
             <a:endParaRPr lang="fr-FR" dirty="0"/>
@@ -8446,13 +8324,6 @@
   <p:clrMapOvr>
     <a:masterClrMapping/>
   </p:clrMapOvr>
-  <p:timing>
-    <p:tnLst>
-      <p:par>
-        <p:cTn id="1" dur="indefinite" restart="never" nodeType="tmRoot"/>
-      </p:par>
-    </p:tnLst>
-  </p:timing>
 </p:sld>
 </file>
 
@@ -8489,10 +8360,9 @@
           <a:lstStyle/>
           <a:p>
             <a:r>
-              <a:rPr lang="fr-FR" dirty="0" smtClean="0"/>
+              <a:rPr lang="fr-FR" dirty="0"/>
               <a:t>Les fonctions d’activation</a:t>
             </a:r>
-            <a:endParaRPr lang="fr-FR" dirty="0"/>
           </a:p>
         </p:txBody>
       </p:sp>
@@ -8512,57 +8382,57 @@
           <a:lstStyle/>
           <a:p>
             <a:r>
-              <a:rPr lang="fr-FR" sz="2400" dirty="0" smtClean="0"/>
+              <a:rPr lang="fr-FR" sz="2400" dirty="0"/>
               <a:t>Elles permettent de déterminer si le signal passe ou non</a:t>
             </a:r>
           </a:p>
           <a:p>
             <a:pPr lvl="1"/>
             <a:r>
-              <a:rPr lang="fr-FR" sz="2000" dirty="0" smtClean="0"/>
+              <a:rPr lang="fr-FR" sz="2000" dirty="0"/>
               <a:t>Relu (</a:t>
             </a:r>
             <a:r>
-              <a:rPr lang="fr-FR" sz="2000" dirty="0" err="1" smtClean="0"/>
+              <a:rPr lang="fr-FR" sz="2000" dirty="0" err="1"/>
               <a:t>Rectified</a:t>
             </a:r>
             <a:r>
-              <a:rPr lang="fr-FR" sz="2000" dirty="0" smtClean="0"/>
+              <a:rPr lang="fr-FR" sz="2000" dirty="0"/>
               <a:t> Liner Unit), </a:t>
             </a:r>
             <a:r>
-              <a:rPr lang="fr-FR" sz="2000" dirty="0" err="1" smtClean="0"/>
+              <a:rPr lang="fr-FR" sz="2000" dirty="0" err="1"/>
               <a:t>LeakyRelu</a:t>
             </a:r>
-            <a:endParaRPr lang="fr-FR" sz="2000" dirty="0" smtClean="0"/>
+            <a:endParaRPr lang="fr-FR" sz="2000" dirty="0"/>
           </a:p>
           <a:p>
             <a:pPr lvl="1"/>
             <a:r>
-              <a:rPr lang="fr-FR" sz="2000" dirty="0" err="1" smtClean="0"/>
+              <a:rPr lang="fr-FR" sz="2000" dirty="0" err="1"/>
               <a:t>Sigmoid</a:t>
             </a:r>
             <a:r>
-              <a:rPr lang="fr-FR" sz="2000" dirty="0" smtClean="0"/>
+              <a:rPr lang="fr-FR" sz="2000" dirty="0"/>
               <a:t>, Hard </a:t>
             </a:r>
             <a:r>
-              <a:rPr lang="fr-FR" sz="2000" dirty="0" err="1" smtClean="0"/>
+              <a:rPr lang="fr-FR" sz="2000" dirty="0" err="1"/>
               <a:t>Sigmoid</a:t>
             </a:r>
             <a:r>
-              <a:rPr lang="fr-FR" sz="2000" dirty="0" smtClean="0"/>
+              <a:rPr lang="fr-FR" sz="2000" dirty="0"/>
               <a:t>, </a:t>
             </a:r>
             <a:r>
-              <a:rPr lang="fr-FR" sz="2000" dirty="0" err="1" smtClean="0"/>
+              <a:rPr lang="fr-FR" sz="2000" dirty="0" err="1"/>
               <a:t>Tanh</a:t>
             </a:r>
-            <a:endParaRPr lang="fr-FR" sz="2000" dirty="0" smtClean="0"/>
+            <a:endParaRPr lang="fr-FR" sz="2000" dirty="0"/>
           </a:p>
           <a:p>
             <a:pPr lvl="1"/>
-            <a:endParaRPr lang="fr-FR" sz="2000" dirty="0" smtClean="0"/>
+            <a:endParaRPr lang="fr-FR" sz="2000" dirty="0"/>
           </a:p>
         </p:txBody>
       </p:sp>
@@ -8600,13 +8470,6 @@
   <p:clrMapOvr>
     <a:masterClrMapping/>
   </p:clrMapOvr>
-  <p:timing>
-    <p:tnLst>
-      <p:par>
-        <p:cTn id="1" dur="indefinite" restart="never" nodeType="tmRoot"/>
-      </p:par>
-    </p:tnLst>
-  </p:timing>
 </p:sld>
 </file>
 
@@ -8643,7 +8506,7 @@
           <a:lstStyle/>
           <a:p>
             <a:r>
-              <a:rPr lang="fr-FR" dirty="0" err="1" smtClean="0"/>
+              <a:rPr lang="fr-FR" dirty="0" err="1"/>
               <a:t>Bias</a:t>
             </a:r>
             <a:endParaRPr lang="fr-FR" dirty="0"/>
@@ -8666,21 +8529,21 @@
           <a:lstStyle/>
           <a:p>
             <a:r>
-              <a:rPr lang="fr-FR" dirty="0" smtClean="0"/>
+              <a:rPr lang="fr-FR" dirty="0"/>
               <a:t>Présence ou non d’un seuil</a:t>
             </a:r>
           </a:p>
           <a:p>
             <a:pPr lvl="1"/>
             <a:r>
-              <a:rPr lang="fr-FR" dirty="0" smtClean="0"/>
+              <a:rPr lang="fr-FR" dirty="0"/>
               <a:t>Seuil à 0</a:t>
             </a:r>
           </a:p>
           <a:p>
             <a:pPr lvl="1"/>
             <a:r>
-              <a:rPr lang="fr-FR" dirty="0" smtClean="0">
+              <a:rPr lang="fr-FR" dirty="0">
                 <a:sym typeface="Wingdings" panose="05000000000000000000" pitchFamily="2" charset="2"/>
               </a:rPr>
               <a:t>Ou équivalent à un poids avec une entrée à 1</a:t>
@@ -8699,13 +8562,6 @@
   <p:clrMapOvr>
     <a:masterClrMapping/>
   </p:clrMapOvr>
-  <p:timing>
-    <p:tnLst>
-      <p:par>
-        <p:cTn id="1" dur="indefinite" restart="never" nodeType="tmRoot"/>
-      </p:par>
-    </p:tnLst>
-  </p:timing>
 </p:sld>
 </file>
 

--- a/PPT/DeepLearning08-MLP.pptx
+++ b/PPT/DeepLearning08-MLP.pptx
@@ -5053,6 +5053,59 @@
           </a:extLst>
         </p:spPr>
       </p:pic>
+      <p:sp>
+        <p:nvSpPr>
+          <p:cNvPr id="5" name="ZoneTexte 4">
+            <a:extLst>
+              <a:ext uri="{FF2B5EF4-FFF2-40B4-BE49-F238E27FC236}">
+                <a16:creationId xmlns:a16="http://schemas.microsoft.com/office/drawing/2014/main" id="{A993503B-2ED5-4061-88B8-420B4BF6AFFF}"/>
+              </a:ext>
+            </a:extLst>
+          </p:cNvPr>
+          <p:cNvSpPr txBox="1"/>
+          <p:nvPr/>
+        </p:nvSpPr>
+        <p:spPr>
+          <a:xfrm>
+            <a:off x="1043608" y="3356992"/>
+            <a:ext cx="869149" cy="1938992"/>
+          </a:xfrm>
+          <a:prstGeom prst="rect">
+            <a:avLst/>
+          </a:prstGeom>
+          <a:noFill/>
+        </p:spPr>
+        <p:txBody>
+          <a:bodyPr wrap="none" rtlCol="0">
+            <a:spAutoFit/>
+          </a:bodyPr>
+          <a:lstStyle/>
+          <a:p>
+            <a:r>
+              <a:rPr lang="fr-FR" dirty="0"/>
+              <a:t>1 4 7</a:t>
+            </a:r>
+          </a:p>
+          <a:p>
+            <a:endParaRPr lang="fr-FR" dirty="0"/>
+          </a:p>
+          <a:p>
+            <a:r>
+              <a:rPr lang="fr-FR" dirty="0"/>
+              <a:t>2 5 8</a:t>
+            </a:r>
+          </a:p>
+          <a:p>
+            <a:endParaRPr lang="fr-FR" dirty="0"/>
+          </a:p>
+          <a:p>
+            <a:r>
+              <a:rPr lang="fr-FR" dirty="0"/>
+              <a:t>3 6 9</a:t>
+            </a:r>
+          </a:p>
+        </p:txBody>
+      </p:sp>
     </p:spTree>
     <p:extLst>
       <p:ext uri="{BB962C8B-B14F-4D97-AF65-F5344CB8AC3E}">

--- a/PPT/DeepLearning08-MLP.pptx
+++ b/PPT/DeepLearning08-MLP.pptx
@@ -5,10 +5,10 @@
     <p:sldMasterId id="2147483653" r:id="rId1"/>
   </p:sldMasterIdLst>
   <p:notesMasterIdLst>
-    <p:notesMasterId r:id="rId30"/>
+    <p:notesMasterId r:id="rId31"/>
   </p:notesMasterIdLst>
   <p:handoutMasterIdLst>
-    <p:handoutMasterId r:id="rId31"/>
+    <p:handoutMasterId r:id="rId32"/>
   </p:handoutMasterIdLst>
   <p:sldIdLst>
     <p:sldId id="264" r:id="rId2"/>
@@ -19,26 +19,27 @@
     <p:sldId id="308" r:id="rId7"/>
     <p:sldId id="328" r:id="rId8"/>
     <p:sldId id="310" r:id="rId9"/>
-    <p:sldId id="313" r:id="rId10"/>
-    <p:sldId id="330" r:id="rId11"/>
-    <p:sldId id="314" r:id="rId12"/>
-    <p:sldId id="315" r:id="rId13"/>
-    <p:sldId id="316" r:id="rId14"/>
-    <p:sldId id="325" r:id="rId15"/>
-    <p:sldId id="317" r:id="rId16"/>
-    <p:sldId id="319" r:id="rId17"/>
-    <p:sldId id="329" r:id="rId18"/>
-    <p:sldId id="320" r:id="rId19"/>
-    <p:sldId id="334" r:id="rId20"/>
-    <p:sldId id="321" r:id="rId21"/>
-    <p:sldId id="323" r:id="rId22"/>
-    <p:sldId id="324" r:id="rId23"/>
-    <p:sldId id="326" r:id="rId24"/>
-    <p:sldId id="322" r:id="rId25"/>
-    <p:sldId id="318" r:id="rId26"/>
-    <p:sldId id="331" r:id="rId27"/>
-    <p:sldId id="333" r:id="rId28"/>
-    <p:sldId id="332" r:id="rId29"/>
+    <p:sldId id="335" r:id="rId10"/>
+    <p:sldId id="313" r:id="rId11"/>
+    <p:sldId id="330" r:id="rId12"/>
+    <p:sldId id="314" r:id="rId13"/>
+    <p:sldId id="315" r:id="rId14"/>
+    <p:sldId id="316" r:id="rId15"/>
+    <p:sldId id="325" r:id="rId16"/>
+    <p:sldId id="317" r:id="rId17"/>
+    <p:sldId id="319" r:id="rId18"/>
+    <p:sldId id="329" r:id="rId19"/>
+    <p:sldId id="320" r:id="rId20"/>
+    <p:sldId id="334" r:id="rId21"/>
+    <p:sldId id="321" r:id="rId22"/>
+    <p:sldId id="323" r:id="rId23"/>
+    <p:sldId id="324" r:id="rId24"/>
+    <p:sldId id="326" r:id="rId25"/>
+    <p:sldId id="322" r:id="rId26"/>
+    <p:sldId id="318" r:id="rId27"/>
+    <p:sldId id="331" r:id="rId28"/>
+    <p:sldId id="333" r:id="rId29"/>
+    <p:sldId id="332" r:id="rId30"/>
   </p:sldIdLst>
   <p:sldSz cx="9144000" cy="6858000" type="screen4x3"/>
   <p:notesSz cx="6648450" cy="9782175"/>
@@ -907,6 +908,130 @@
     </a:lvl9pPr>
   </p:notesStyle>
 </p:notesMaster>
+</file>
+
+<file path=ppt/notesSlides/notesSlide1.xml><?xml version="1.0" encoding="utf-8"?>
+<p:notes xmlns:a="http://schemas.openxmlformats.org/drawingml/2006/main" xmlns:r="http://schemas.openxmlformats.org/officeDocument/2006/relationships" xmlns:p="http://schemas.openxmlformats.org/presentationml/2006/main">
+  <p:cSld>
+    <p:spTree>
+      <p:nvGrpSpPr>
+        <p:cNvPr id="1" name=""/>
+        <p:cNvGrpSpPr/>
+        <p:nvPr/>
+      </p:nvGrpSpPr>
+      <p:grpSpPr>
+        <a:xfrm>
+          <a:off x="0" y="0"/>
+          <a:ext cx="0" cy="0"/>
+          <a:chOff x="0" y="0"/>
+          <a:chExt cx="0" cy="0"/>
+        </a:xfrm>
+      </p:grpSpPr>
+      <p:sp>
+        <p:nvSpPr>
+          <p:cNvPr id="2" name="Espace réservé de l'image des diapositives 1"/>
+          <p:cNvSpPr>
+            <a:spLocks noGrp="1" noRot="1" noChangeAspect="1"/>
+          </p:cNvSpPr>
+          <p:nvPr>
+            <p:ph type="sldImg"/>
+          </p:nvPr>
+        </p:nvSpPr>
+        <p:spPr>
+          <a:xfrm>
+            <a:off x="877888" y="733425"/>
+            <a:ext cx="4892675" cy="3670300"/>
+          </a:xfrm>
+        </p:spPr>
+      </p:sp>
+      <p:sp>
+        <p:nvSpPr>
+          <p:cNvPr id="3" name="Espace réservé des notes 2"/>
+          <p:cNvSpPr>
+            <a:spLocks noGrp="1"/>
+          </p:cNvSpPr>
+          <p:nvPr>
+            <p:ph type="body" idx="1"/>
+          </p:nvPr>
+        </p:nvSpPr>
+        <p:spPr/>
+        <p:txBody>
+          <a:bodyPr/>
+          <a:lstStyle/>
+          <a:p>
+            <a:endParaRPr lang="fr-FR" dirty="0"/>
+          </a:p>
+        </p:txBody>
+      </p:sp>
+      <p:sp>
+        <p:nvSpPr>
+          <p:cNvPr id="4" name="Espace réservé du pied de page 3"/>
+          <p:cNvSpPr>
+            <a:spLocks noGrp="1"/>
+          </p:cNvSpPr>
+          <p:nvPr>
+            <p:ph type="ftr" sz="quarter" idx="4"/>
+          </p:nvPr>
+        </p:nvSpPr>
+        <p:spPr/>
+        <p:txBody>
+          <a:bodyPr/>
+          <a:lstStyle/>
+          <a:p>
+            <a:pPr>
+              <a:defRPr/>
+            </a:pPr>
+            <a:r>
+              <a:rPr lang="fr-FR"/>
+              <a:t>© HANDSHAKE - Philippe MASINA</a:t>
+            </a:r>
+          </a:p>
+        </p:txBody>
+      </p:sp>
+      <p:sp>
+        <p:nvSpPr>
+          <p:cNvPr id="5" name="Espace réservé du numéro de diapositive 4"/>
+          <p:cNvSpPr>
+            <a:spLocks noGrp="1"/>
+          </p:cNvSpPr>
+          <p:nvPr>
+            <p:ph type="sldNum" sz="quarter" idx="5"/>
+          </p:nvPr>
+        </p:nvSpPr>
+        <p:spPr/>
+        <p:txBody>
+          <a:bodyPr/>
+          <a:lstStyle/>
+          <a:p>
+            <a:pPr>
+              <a:defRPr/>
+            </a:pPr>
+            <a:r>
+              <a:rPr lang="fr-FR"/>
+              <a:t>I-</a:t>
+            </a:r>
+            <a:fld id="{88B410AF-14E7-4D87-8C8E-6E377E0C2388}" type="slidenum">
+              <a:rPr lang="fr-FR" smtClean="0"/>
+              <a:pPr>
+                <a:defRPr/>
+              </a:pPr>
+              <a:t>13</a:t>
+            </a:fld>
+            <a:endParaRPr lang="fr-FR"/>
+          </a:p>
+        </p:txBody>
+      </p:sp>
+    </p:spTree>
+    <p:extLst>
+      <p:ext uri="{BB962C8B-B14F-4D97-AF65-F5344CB8AC3E}">
+        <p14:creationId xmlns:p14="http://schemas.microsoft.com/office/powerpoint/2010/main" val="1097996959"/>
+      </p:ext>
+    </p:extLst>
+  </p:cSld>
+  <p:clrMapOvr>
+    <a:masterClrMapping/>
+  </p:clrMapOvr>
+</p:notes>
 </file>
 
 <file path=ppt/slideLayouts/slideLayout1.xml><?xml version="1.0" encoding="utf-8"?>
@@ -3809,6 +3934,98 @@
           <a:p>
             <a:r>
               <a:rPr lang="fr-FR" dirty="0" err="1"/>
+              <a:t>Bias</a:t>
+            </a:r>
+            <a:endParaRPr lang="fr-FR" dirty="0"/>
+          </a:p>
+        </p:txBody>
+      </p:sp>
+      <p:sp>
+        <p:nvSpPr>
+          <p:cNvPr id="3" name="Espace réservé du contenu 2"/>
+          <p:cNvSpPr>
+            <a:spLocks noGrp="1"/>
+          </p:cNvSpPr>
+          <p:nvPr>
+            <p:ph idx="1"/>
+          </p:nvPr>
+        </p:nvSpPr>
+        <p:spPr/>
+        <p:txBody>
+          <a:bodyPr/>
+          <a:lstStyle/>
+          <a:p>
+            <a:r>
+              <a:rPr lang="fr-FR" dirty="0"/>
+              <a:t>Présence ou non d’un seuil</a:t>
+            </a:r>
+          </a:p>
+          <a:p>
+            <a:pPr lvl="1"/>
+            <a:r>
+              <a:rPr lang="fr-FR" dirty="0"/>
+              <a:t>Seuil à 0</a:t>
+            </a:r>
+          </a:p>
+          <a:p>
+            <a:pPr lvl="1"/>
+            <a:r>
+              <a:rPr lang="fr-FR" dirty="0">
+                <a:sym typeface="Wingdings" panose="05000000000000000000" pitchFamily="2" charset="2"/>
+              </a:rPr>
+              <a:t>Ou équivalent à un poids avec une entrée à 1</a:t>
+            </a:r>
+            <a:endParaRPr lang="fr-FR" dirty="0"/>
+          </a:p>
+        </p:txBody>
+      </p:sp>
+    </p:spTree>
+    <p:extLst>
+      <p:ext uri="{BB962C8B-B14F-4D97-AF65-F5344CB8AC3E}">
+        <p14:creationId xmlns:p14="http://schemas.microsoft.com/office/powerpoint/2010/main" val="3568667684"/>
+      </p:ext>
+    </p:extLst>
+  </p:cSld>
+  <p:clrMapOvr>
+    <a:masterClrMapping/>
+  </p:clrMapOvr>
+</p:sld>
+</file>
+
+<file path=ppt/slides/slide11.xml><?xml version="1.0" encoding="utf-8"?>
+<p:sld xmlns:a="http://schemas.openxmlformats.org/drawingml/2006/main" xmlns:r="http://schemas.openxmlformats.org/officeDocument/2006/relationships" xmlns:p="http://schemas.openxmlformats.org/presentationml/2006/main">
+  <p:cSld>
+    <p:spTree>
+      <p:nvGrpSpPr>
+        <p:cNvPr id="1" name=""/>
+        <p:cNvGrpSpPr/>
+        <p:nvPr/>
+      </p:nvGrpSpPr>
+      <p:grpSpPr>
+        <a:xfrm>
+          <a:off x="0" y="0"/>
+          <a:ext cx="0" cy="0"/>
+          <a:chOff x="0" y="0"/>
+          <a:chExt cx="0" cy="0"/>
+        </a:xfrm>
+      </p:grpSpPr>
+      <p:sp>
+        <p:nvSpPr>
+          <p:cNvPr id="2" name="Titre 1"/>
+          <p:cNvSpPr>
+            <a:spLocks noGrp="1"/>
+          </p:cNvSpPr>
+          <p:nvPr>
+            <p:ph type="title"/>
+          </p:nvPr>
+        </p:nvSpPr>
+        <p:spPr/>
+        <p:txBody>
+          <a:bodyPr/>
+          <a:lstStyle/>
+          <a:p>
+            <a:r>
+              <a:rPr lang="fr-FR" dirty="0" err="1"/>
               <a:t>Softmax</a:t>
             </a:r>
             <a:endParaRPr lang="fr-FR" dirty="0"/>
@@ -3940,1010 +4157,6 @@
 </p:sld>
 </file>
 
-<file path=ppt/slides/slide11.xml><?xml version="1.0" encoding="utf-8"?>
-<p:sld xmlns:a="http://schemas.openxmlformats.org/drawingml/2006/main" xmlns:r="http://schemas.openxmlformats.org/officeDocument/2006/relationships" xmlns:p="http://schemas.openxmlformats.org/presentationml/2006/main">
-  <p:cSld>
-    <p:spTree>
-      <p:nvGrpSpPr>
-        <p:cNvPr id="1" name=""/>
-        <p:cNvGrpSpPr/>
-        <p:nvPr/>
-      </p:nvGrpSpPr>
-      <p:grpSpPr>
-        <a:xfrm>
-          <a:off x="0" y="0"/>
-          <a:ext cx="0" cy="0"/>
-          <a:chOff x="0" y="0"/>
-          <a:chExt cx="0" cy="0"/>
-        </a:xfrm>
-      </p:grpSpPr>
-      <p:sp>
-        <p:nvSpPr>
-          <p:cNvPr id="2" name="Titre 1"/>
-          <p:cNvSpPr>
-            <a:spLocks noGrp="1"/>
-          </p:cNvSpPr>
-          <p:nvPr>
-            <p:ph type="title"/>
-          </p:nvPr>
-        </p:nvSpPr>
-        <p:spPr/>
-        <p:txBody>
-          <a:bodyPr/>
-          <a:lstStyle/>
-          <a:p>
-            <a:r>
-              <a:rPr lang="fr-FR" dirty="0" err="1"/>
-              <a:t>Layers</a:t>
-            </a:r>
-            <a:endParaRPr lang="fr-FR" dirty="0"/>
-          </a:p>
-        </p:txBody>
-      </p:sp>
-      <p:sp>
-        <p:nvSpPr>
-          <p:cNvPr id="3" name="Espace réservé du contenu 2"/>
-          <p:cNvSpPr>
-            <a:spLocks noGrp="1"/>
-          </p:cNvSpPr>
-          <p:nvPr>
-            <p:ph idx="1"/>
-          </p:nvPr>
-        </p:nvSpPr>
-        <p:spPr>
-          <a:xfrm>
-            <a:off x="105621" y="1412776"/>
-            <a:ext cx="8766051" cy="5040560"/>
-          </a:xfrm>
-        </p:spPr>
-        <p:txBody>
-          <a:bodyPr/>
-          <a:lstStyle/>
-          <a:p>
-            <a:r>
-              <a:rPr lang="fr-FR" dirty="0"/>
-              <a:t>Les perceptrons peuvent être mis en couche</a:t>
-            </a:r>
-          </a:p>
-          <a:p>
-            <a:endParaRPr lang="fr-FR" dirty="0"/>
-          </a:p>
-        </p:txBody>
-      </p:sp>
-      <p:sp>
-        <p:nvSpPr>
-          <p:cNvPr id="5" name="Rectangle 2"/>
-          <p:cNvSpPr>
-            <a:spLocks noChangeArrowheads="1"/>
-          </p:cNvSpPr>
-          <p:nvPr/>
-        </p:nvSpPr>
-        <p:spPr bwMode="auto">
-          <a:xfrm>
-            <a:off x="1621555" y="2852936"/>
-            <a:ext cx="5830765" cy="1323439"/>
-          </a:xfrm>
-          <a:prstGeom prst="rect">
-            <a:avLst/>
-          </a:prstGeom>
-          <a:solidFill>
-            <a:srgbClr val="FFFFFF"/>
-          </a:solidFill>
-          <a:ln>
-            <a:noFill/>
-          </a:ln>
-          <a:effectLst/>
-          <a:extLst>
-            <a:ext uri="{91240B29-F687-4F45-9708-019B960494DF}">
-              <a14:hiddenLine xmlns:a14="http://schemas.microsoft.com/office/drawing/2010/main" w="9525">
-                <a:solidFill>
-                  <a:schemeClr val="tx1"/>
-                </a:solidFill>
-                <a:miter lim="800000"/>
-                <a:headEnd/>
-                <a:tailEnd/>
-              </a14:hiddenLine>
-            </a:ext>
-            <a:ext uri="{AF507438-7753-43E0-B8FC-AC1667EBCBE1}">
-              <a14:hiddenEffects xmlns:a14="http://schemas.microsoft.com/office/drawing/2010/main">
-                <a:effectLst>
-                  <a:outerShdw dist="35921" dir="2700000" algn="ctr" rotWithShape="0">
-                    <a:schemeClr val="bg2"/>
-                  </a:outerShdw>
-                </a:effectLst>
-              </a14:hiddenEffects>
-            </a:ext>
-          </a:extLst>
-        </p:spPr>
-        <p:txBody>
-          <a:bodyPr vert="horz" wrap="square" lIns="91440" tIns="45720" rIns="91440" bIns="45720" numCol="1" anchor="ctr" anchorCtr="0" compatLnSpc="1">
-            <a:prstTxWarp prst="textNoShape">
-              <a:avLst/>
-            </a:prstTxWarp>
-            <a:spAutoFit/>
-          </a:bodyPr>
-          <a:lstStyle/>
-          <a:p>
-            <a:pPr marL="0" marR="0" lvl="0" indent="0" algn="l" defTabSz="914400" rtl="0" eaLnBrk="0" fontAlgn="base" latinLnBrk="0" hangingPunct="0">
-              <a:lnSpc>
-                <a:spcPct val="100000"/>
-              </a:lnSpc>
-              <a:spcBef>
-                <a:spcPct val="0"/>
-              </a:spcBef>
-              <a:spcAft>
-                <a:spcPct val="0"/>
-              </a:spcAft>
-              <a:buClrTx/>
-              <a:buSzTx/>
-              <a:buFontTx/>
-              <a:buNone/>
-              <a:tabLst/>
-            </a:pPr>
-            <a:r>
-              <a:rPr kumimoji="0" lang="fr-FR" altLang="fr-FR" sz="1000" b="1" i="0" u="none" strike="noStrike" cap="none" normalizeH="0" baseline="0" dirty="0">
-                <a:ln>
-                  <a:noFill/>
-                </a:ln>
-                <a:solidFill>
-                  <a:srgbClr val="000080"/>
-                </a:solidFill>
-                <a:effectLst/>
-                <a:latin typeface="Consolas" panose="020B0609020204030204" pitchFamily="49" charset="0"/>
-              </a:rPr>
-              <a:t>class </a:t>
-            </a:r>
-            <a:r>
-              <a:rPr kumimoji="0" lang="fr-FR" altLang="fr-FR" sz="1000" b="0" i="0" u="none" strike="noStrike" cap="none" normalizeH="0" baseline="0" dirty="0">
-                <a:ln>
-                  <a:noFill/>
-                </a:ln>
-                <a:solidFill>
-                  <a:srgbClr val="000000"/>
-                </a:solidFill>
-                <a:effectLst/>
-                <a:latin typeface="Consolas" panose="020B0609020204030204" pitchFamily="49" charset="0"/>
-              </a:rPr>
-              <a:t>Layer:</a:t>
-            </a:r>
-            <a:br>
-              <a:rPr kumimoji="0" lang="fr-FR" altLang="fr-FR" sz="1000" b="0" i="0" u="none" strike="noStrike" cap="none" normalizeH="0" baseline="0" dirty="0">
-                <a:ln>
-                  <a:noFill/>
-                </a:ln>
-                <a:solidFill>
-                  <a:srgbClr val="000000"/>
-                </a:solidFill>
-                <a:effectLst/>
-                <a:latin typeface="Consolas" panose="020B0609020204030204" pitchFamily="49" charset="0"/>
-              </a:rPr>
-            </a:br>
-            <a:br>
-              <a:rPr kumimoji="0" lang="fr-FR" altLang="fr-FR" sz="1000" b="0" i="0" u="none" strike="noStrike" cap="none" normalizeH="0" baseline="0" dirty="0">
-                <a:ln>
-                  <a:noFill/>
-                </a:ln>
-                <a:solidFill>
-                  <a:srgbClr val="000000"/>
-                </a:solidFill>
-                <a:effectLst/>
-                <a:latin typeface="Consolas" panose="020B0609020204030204" pitchFamily="49" charset="0"/>
-              </a:rPr>
-            </a:br>
-            <a:r>
-              <a:rPr kumimoji="0" lang="fr-FR" altLang="fr-FR" sz="1000" b="0" i="0" u="none" strike="noStrike" cap="none" normalizeH="0" baseline="0" dirty="0">
-                <a:ln>
-                  <a:noFill/>
-                </a:ln>
-                <a:solidFill>
-                  <a:srgbClr val="000000"/>
-                </a:solidFill>
-                <a:effectLst/>
-                <a:latin typeface="Consolas" panose="020B0609020204030204" pitchFamily="49" charset="0"/>
-              </a:rPr>
-              <a:t>    </a:t>
-            </a:r>
-            <a:r>
-              <a:rPr kumimoji="0" lang="fr-FR" altLang="fr-FR" sz="1000" b="1" i="0" u="none" strike="noStrike" cap="none" normalizeH="0" baseline="0" dirty="0" err="1">
-                <a:ln>
-                  <a:noFill/>
-                </a:ln>
-                <a:solidFill>
-                  <a:srgbClr val="000080"/>
-                </a:solidFill>
-                <a:effectLst/>
-                <a:latin typeface="Consolas" panose="020B0609020204030204" pitchFamily="49" charset="0"/>
-              </a:rPr>
-              <a:t>def</a:t>
-            </a:r>
-            <a:r>
-              <a:rPr kumimoji="0" lang="fr-FR" altLang="fr-FR" sz="1000" b="1" i="0" u="none" strike="noStrike" cap="none" normalizeH="0" baseline="0" dirty="0">
-                <a:ln>
-                  <a:noFill/>
-                </a:ln>
-                <a:solidFill>
-                  <a:srgbClr val="000080"/>
-                </a:solidFill>
-                <a:effectLst/>
-                <a:latin typeface="Consolas" panose="020B0609020204030204" pitchFamily="49" charset="0"/>
-              </a:rPr>
-              <a:t> </a:t>
-            </a:r>
-            <a:r>
-              <a:rPr kumimoji="0" lang="fr-FR" altLang="fr-FR" sz="1000" b="0" i="0" u="none" strike="noStrike" cap="none" normalizeH="0" baseline="0" dirty="0">
-                <a:ln>
-                  <a:noFill/>
-                </a:ln>
-                <a:solidFill>
-                  <a:srgbClr val="B200B2"/>
-                </a:solidFill>
-                <a:effectLst/>
-                <a:latin typeface="Consolas" panose="020B0609020204030204" pitchFamily="49" charset="0"/>
-              </a:rPr>
-              <a:t>__</a:t>
-            </a:r>
-            <a:r>
-              <a:rPr kumimoji="0" lang="fr-FR" altLang="fr-FR" sz="1000" b="0" i="0" u="none" strike="noStrike" cap="none" normalizeH="0" baseline="0" dirty="0" err="1">
-                <a:ln>
-                  <a:noFill/>
-                </a:ln>
-                <a:solidFill>
-                  <a:srgbClr val="B200B2"/>
-                </a:solidFill>
-                <a:effectLst/>
-                <a:latin typeface="Consolas" panose="020B0609020204030204" pitchFamily="49" charset="0"/>
-              </a:rPr>
-              <a:t>init</a:t>
-            </a:r>
-            <a:r>
-              <a:rPr kumimoji="0" lang="fr-FR" altLang="fr-FR" sz="1000" b="0" i="0" u="none" strike="noStrike" cap="none" normalizeH="0" baseline="0" dirty="0">
-                <a:ln>
-                  <a:noFill/>
-                </a:ln>
-                <a:solidFill>
-                  <a:srgbClr val="B200B2"/>
-                </a:solidFill>
-                <a:effectLst/>
-                <a:latin typeface="Consolas" panose="020B0609020204030204" pitchFamily="49" charset="0"/>
-              </a:rPr>
-              <a:t>__</a:t>
-            </a:r>
-            <a:r>
-              <a:rPr kumimoji="0" lang="fr-FR" altLang="fr-FR" sz="1000" b="0" i="0" u="none" strike="noStrike" cap="none" normalizeH="0" baseline="0" dirty="0">
-                <a:ln>
-                  <a:noFill/>
-                </a:ln>
-                <a:solidFill>
-                  <a:srgbClr val="000000"/>
-                </a:solidFill>
-                <a:effectLst/>
-                <a:latin typeface="Consolas" panose="020B0609020204030204" pitchFamily="49" charset="0"/>
-              </a:rPr>
-              <a:t>(</a:t>
-            </a:r>
-            <a:r>
-              <a:rPr kumimoji="0" lang="fr-FR" altLang="fr-FR" sz="1000" b="0" i="0" u="none" strike="noStrike" cap="none" normalizeH="0" baseline="0" dirty="0">
-                <a:ln>
-                  <a:noFill/>
-                </a:ln>
-                <a:solidFill>
-                  <a:srgbClr val="94558D"/>
-                </a:solidFill>
-                <a:effectLst/>
-                <a:latin typeface="Consolas" panose="020B0609020204030204" pitchFamily="49" charset="0"/>
-              </a:rPr>
-              <a:t>self</a:t>
-            </a:r>
-            <a:r>
-              <a:rPr kumimoji="0" lang="fr-FR" altLang="fr-FR" sz="1000" b="0" i="0" u="none" strike="noStrike" cap="none" normalizeH="0" baseline="0" dirty="0">
-                <a:ln>
-                  <a:noFill/>
-                </a:ln>
-                <a:solidFill>
-                  <a:srgbClr val="000000"/>
-                </a:solidFill>
-                <a:effectLst/>
-                <a:latin typeface="Consolas" panose="020B0609020204030204" pitchFamily="49" charset="0"/>
-              </a:rPr>
-              <a:t>, </a:t>
-            </a:r>
-            <a:r>
-              <a:rPr kumimoji="0" lang="fr-FR" altLang="fr-FR" sz="1000" b="0" i="0" u="none" strike="noStrike" cap="none" normalizeH="0" baseline="0" dirty="0" err="1">
-                <a:ln>
-                  <a:noFill/>
-                </a:ln>
-                <a:solidFill>
-                  <a:srgbClr val="000000"/>
-                </a:solidFill>
-                <a:effectLst/>
-                <a:latin typeface="Consolas" panose="020B0609020204030204" pitchFamily="49" charset="0"/>
-              </a:rPr>
-              <a:t>id:</a:t>
-            </a:r>
-            <a:r>
-              <a:rPr kumimoji="0" lang="fr-FR" altLang="fr-FR" sz="1000" b="0" i="0" u="none" strike="noStrike" cap="none" normalizeH="0" baseline="0" dirty="0" err="1">
-                <a:ln>
-                  <a:noFill/>
-                </a:ln>
-                <a:solidFill>
-                  <a:srgbClr val="000080"/>
-                </a:solidFill>
-                <a:effectLst/>
-                <a:latin typeface="Consolas" panose="020B0609020204030204" pitchFamily="49" charset="0"/>
-              </a:rPr>
-              <a:t>str</a:t>
-            </a:r>
-            <a:r>
-              <a:rPr kumimoji="0" lang="fr-FR" altLang="fr-FR" sz="1000" b="0" i="0" u="none" strike="noStrike" cap="none" normalizeH="0" baseline="0" dirty="0">
-                <a:ln>
-                  <a:noFill/>
-                </a:ln>
-                <a:solidFill>
-                  <a:srgbClr val="000000"/>
-                </a:solidFill>
-                <a:effectLst/>
-                <a:latin typeface="Consolas" panose="020B0609020204030204" pitchFamily="49" charset="0"/>
-              </a:rPr>
-              <a:t>, </a:t>
-            </a:r>
-            <a:r>
-              <a:rPr kumimoji="0" lang="fr-FR" altLang="fr-FR" sz="1000" b="0" i="0" u="none" strike="noStrike" cap="none" normalizeH="0" baseline="0" dirty="0" err="1">
-                <a:ln>
-                  <a:noFill/>
-                </a:ln>
-                <a:solidFill>
-                  <a:srgbClr val="000000"/>
-                </a:solidFill>
-                <a:effectLst/>
-                <a:latin typeface="Consolas" panose="020B0609020204030204" pitchFamily="49" charset="0"/>
-              </a:rPr>
-              <a:t>nbPerceptron:</a:t>
-            </a:r>
-            <a:r>
-              <a:rPr kumimoji="0" lang="fr-FR" altLang="fr-FR" sz="1000" b="0" i="0" u="none" strike="noStrike" cap="none" normalizeH="0" baseline="0" dirty="0" err="1">
-                <a:ln>
-                  <a:noFill/>
-                </a:ln>
-                <a:solidFill>
-                  <a:srgbClr val="000080"/>
-                </a:solidFill>
-                <a:effectLst/>
-                <a:latin typeface="Consolas" panose="020B0609020204030204" pitchFamily="49" charset="0"/>
-              </a:rPr>
-              <a:t>int</a:t>
-            </a:r>
-            <a:r>
-              <a:rPr kumimoji="0" lang="fr-FR" altLang="fr-FR" sz="1000" b="0" i="0" u="none" strike="noStrike" cap="none" normalizeH="0" baseline="0" dirty="0">
-                <a:ln>
-                  <a:noFill/>
-                </a:ln>
-                <a:solidFill>
-                  <a:srgbClr val="000080"/>
-                </a:solidFill>
-                <a:effectLst/>
-                <a:latin typeface="Consolas" panose="020B0609020204030204" pitchFamily="49" charset="0"/>
-              </a:rPr>
-              <a:t> </a:t>
-            </a:r>
-            <a:r>
-              <a:rPr kumimoji="0" lang="fr-FR" altLang="fr-FR" sz="1000" b="0" i="0" u="none" strike="noStrike" cap="none" normalizeH="0" baseline="0" dirty="0">
-                <a:ln>
-                  <a:noFill/>
-                </a:ln>
-                <a:solidFill>
-                  <a:srgbClr val="000000"/>
-                </a:solidFill>
-                <a:effectLst/>
-                <a:latin typeface="Consolas" panose="020B0609020204030204" pitchFamily="49" charset="0"/>
-              </a:rPr>
-              <a:t>= </a:t>
-            </a:r>
-            <a:r>
-              <a:rPr kumimoji="0" lang="fr-FR" altLang="fr-FR" sz="1000" b="0" i="0" u="none" strike="noStrike" cap="none" normalizeH="0" baseline="0" dirty="0">
-                <a:ln>
-                  <a:noFill/>
-                </a:ln>
-                <a:solidFill>
-                  <a:srgbClr val="0000FF"/>
-                </a:solidFill>
-                <a:effectLst/>
-                <a:latin typeface="Consolas" panose="020B0609020204030204" pitchFamily="49" charset="0"/>
-              </a:rPr>
-              <a:t>0</a:t>
-            </a:r>
-            <a:r>
-              <a:rPr kumimoji="0" lang="fr-FR" altLang="fr-FR" sz="1000" b="0" i="0" u="none" strike="noStrike" cap="none" normalizeH="0" baseline="0" dirty="0">
-                <a:ln>
-                  <a:noFill/>
-                </a:ln>
-                <a:solidFill>
-                  <a:srgbClr val="000000"/>
-                </a:solidFill>
-                <a:effectLst/>
-                <a:latin typeface="Consolas" panose="020B0609020204030204" pitchFamily="49" charset="0"/>
-              </a:rPr>
-              <a:t>, </a:t>
-            </a:r>
-            <a:r>
-              <a:rPr kumimoji="0" lang="fr-FR" altLang="fr-FR" sz="1000" b="0" i="0" u="none" strike="noStrike" cap="none" normalizeH="0" baseline="0" dirty="0" err="1">
-                <a:ln>
-                  <a:noFill/>
-                </a:ln>
-                <a:solidFill>
-                  <a:srgbClr val="000000"/>
-                </a:solidFill>
-                <a:effectLst/>
-                <a:latin typeface="Consolas" panose="020B0609020204030204" pitchFamily="49" charset="0"/>
-              </a:rPr>
-              <a:t>activationFn</a:t>
-            </a:r>
-            <a:r>
-              <a:rPr kumimoji="0" lang="fr-FR" altLang="fr-FR" sz="1000" b="0" i="0" u="none" strike="noStrike" cap="none" normalizeH="0" baseline="0" dirty="0">
-                <a:ln>
-                  <a:noFill/>
-                </a:ln>
-                <a:solidFill>
-                  <a:srgbClr val="000000"/>
-                </a:solidFill>
-                <a:effectLst/>
-                <a:latin typeface="Consolas" panose="020B0609020204030204" pitchFamily="49" charset="0"/>
-              </a:rPr>
-              <a:t> = </a:t>
-            </a:r>
-            <a:r>
-              <a:rPr kumimoji="0" lang="fr-FR" altLang="fr-FR" sz="1000" b="0" i="0" u="none" strike="noStrike" cap="none" normalizeH="0" baseline="0" dirty="0" err="1">
-                <a:ln>
-                  <a:noFill/>
-                </a:ln>
-                <a:solidFill>
-                  <a:srgbClr val="000000"/>
-                </a:solidFill>
-                <a:effectLst/>
-                <a:latin typeface="Consolas" panose="020B0609020204030204" pitchFamily="49" charset="0"/>
-              </a:rPr>
-              <a:t>reluFn</a:t>
-            </a:r>
-            <a:r>
-              <a:rPr kumimoji="0" lang="fr-FR" altLang="fr-FR" sz="1000" b="0" i="0" u="none" strike="noStrike" cap="none" normalizeH="0" baseline="0" dirty="0">
-                <a:ln>
-                  <a:noFill/>
-                </a:ln>
-                <a:solidFill>
-                  <a:srgbClr val="000000"/>
-                </a:solidFill>
-                <a:effectLst/>
-                <a:latin typeface="Consolas" panose="020B0609020204030204" pitchFamily="49" charset="0"/>
-              </a:rPr>
-              <a:t>):</a:t>
-            </a:r>
-            <a:br>
-              <a:rPr kumimoji="0" lang="fr-FR" altLang="fr-FR" sz="1000" b="0" i="0" u="none" strike="noStrike" cap="none" normalizeH="0" baseline="0" dirty="0">
-                <a:ln>
-                  <a:noFill/>
-                </a:ln>
-                <a:solidFill>
-                  <a:srgbClr val="000000"/>
-                </a:solidFill>
-                <a:effectLst/>
-                <a:latin typeface="Consolas" panose="020B0609020204030204" pitchFamily="49" charset="0"/>
-              </a:rPr>
-            </a:br>
-            <a:r>
-              <a:rPr kumimoji="0" lang="fr-FR" altLang="fr-FR" sz="1000" b="0" i="0" u="none" strike="noStrike" cap="none" normalizeH="0" baseline="0" dirty="0">
-                <a:ln>
-                  <a:noFill/>
-                </a:ln>
-                <a:solidFill>
-                  <a:srgbClr val="000000"/>
-                </a:solidFill>
-                <a:effectLst/>
-                <a:latin typeface="Consolas" panose="020B0609020204030204" pitchFamily="49" charset="0"/>
-              </a:rPr>
-              <a:t>        </a:t>
-            </a:r>
-            <a:r>
-              <a:rPr kumimoji="0" lang="fr-FR" altLang="fr-FR" sz="1000" b="0" i="0" u="none" strike="noStrike" cap="none" normalizeH="0" baseline="0" dirty="0">
-                <a:ln>
-                  <a:noFill/>
-                </a:ln>
-                <a:solidFill>
-                  <a:srgbClr val="94558D"/>
-                </a:solidFill>
-                <a:effectLst/>
-                <a:latin typeface="Consolas" panose="020B0609020204030204" pitchFamily="49" charset="0"/>
-              </a:rPr>
-              <a:t>self</a:t>
-            </a:r>
-            <a:r>
-              <a:rPr kumimoji="0" lang="fr-FR" altLang="fr-FR" sz="1000" b="0" i="0" u="none" strike="noStrike" cap="none" normalizeH="0" baseline="0" dirty="0">
-                <a:ln>
-                  <a:noFill/>
-                </a:ln>
-                <a:solidFill>
-                  <a:srgbClr val="000000"/>
-                </a:solidFill>
-                <a:effectLst/>
-                <a:latin typeface="Consolas" panose="020B0609020204030204" pitchFamily="49" charset="0"/>
-              </a:rPr>
-              <a:t>.id = id</a:t>
-            </a:r>
-            <a:br>
-              <a:rPr kumimoji="0" lang="fr-FR" altLang="fr-FR" sz="1000" b="0" i="0" u="none" strike="noStrike" cap="none" normalizeH="0" baseline="0" dirty="0">
-                <a:ln>
-                  <a:noFill/>
-                </a:ln>
-                <a:solidFill>
-                  <a:srgbClr val="000000"/>
-                </a:solidFill>
-                <a:effectLst/>
-                <a:latin typeface="Consolas" panose="020B0609020204030204" pitchFamily="49" charset="0"/>
-              </a:rPr>
-            </a:br>
-            <a:r>
-              <a:rPr kumimoji="0" lang="fr-FR" altLang="fr-FR" sz="1000" b="0" i="0" u="none" strike="noStrike" cap="none" normalizeH="0" baseline="0" dirty="0">
-                <a:ln>
-                  <a:noFill/>
-                </a:ln>
-                <a:solidFill>
-                  <a:srgbClr val="000000"/>
-                </a:solidFill>
-                <a:effectLst/>
-                <a:latin typeface="Consolas" panose="020B0609020204030204" pitchFamily="49" charset="0"/>
-              </a:rPr>
-              <a:t>        </a:t>
-            </a:r>
-            <a:r>
-              <a:rPr kumimoji="0" lang="fr-FR" altLang="fr-FR" sz="1000" b="0" i="0" u="none" strike="noStrike" cap="none" normalizeH="0" baseline="0" dirty="0" err="1">
-                <a:ln>
-                  <a:noFill/>
-                </a:ln>
-                <a:solidFill>
-                  <a:srgbClr val="94558D"/>
-                </a:solidFill>
-                <a:effectLst/>
-                <a:latin typeface="Consolas" panose="020B0609020204030204" pitchFamily="49" charset="0"/>
-              </a:rPr>
-              <a:t>self</a:t>
-            </a:r>
-            <a:r>
-              <a:rPr kumimoji="0" lang="fr-FR" altLang="fr-FR" sz="1000" b="0" i="0" u="none" strike="noStrike" cap="none" normalizeH="0" baseline="0" dirty="0" err="1">
-                <a:ln>
-                  <a:noFill/>
-                </a:ln>
-                <a:solidFill>
-                  <a:srgbClr val="000000"/>
-                </a:solidFill>
-                <a:effectLst/>
-                <a:latin typeface="Consolas" panose="020B0609020204030204" pitchFamily="49" charset="0"/>
-              </a:rPr>
-              <a:t>.perceptrons</a:t>
-            </a:r>
-            <a:r>
-              <a:rPr kumimoji="0" lang="fr-FR" altLang="fr-FR" sz="1000" b="0" i="0" u="none" strike="noStrike" cap="none" normalizeH="0" baseline="0" dirty="0">
-                <a:ln>
-                  <a:noFill/>
-                </a:ln>
-                <a:solidFill>
-                  <a:srgbClr val="000000"/>
-                </a:solidFill>
-                <a:effectLst/>
-                <a:latin typeface="Consolas" panose="020B0609020204030204" pitchFamily="49" charset="0"/>
-              </a:rPr>
-              <a:t>: List[Perceptron] = []</a:t>
-            </a:r>
-            <a:br>
-              <a:rPr kumimoji="0" lang="fr-FR" altLang="fr-FR" sz="1000" b="0" i="0" u="none" strike="noStrike" cap="none" normalizeH="0" baseline="0" dirty="0">
-                <a:ln>
-                  <a:noFill/>
-                </a:ln>
-                <a:solidFill>
-                  <a:srgbClr val="000000"/>
-                </a:solidFill>
-                <a:effectLst/>
-                <a:latin typeface="Consolas" panose="020B0609020204030204" pitchFamily="49" charset="0"/>
-              </a:rPr>
-            </a:br>
-            <a:r>
-              <a:rPr kumimoji="0" lang="fr-FR" altLang="fr-FR" sz="1000" b="0" i="0" u="none" strike="noStrike" cap="none" normalizeH="0" baseline="0" dirty="0">
-                <a:ln>
-                  <a:noFill/>
-                </a:ln>
-                <a:solidFill>
-                  <a:srgbClr val="000000"/>
-                </a:solidFill>
-                <a:effectLst/>
-                <a:latin typeface="Consolas" panose="020B0609020204030204" pitchFamily="49" charset="0"/>
-              </a:rPr>
-              <a:t>        </a:t>
-            </a:r>
-            <a:r>
-              <a:rPr kumimoji="0" lang="fr-FR" altLang="fr-FR" sz="1000" b="1" i="0" u="none" strike="noStrike" cap="none" normalizeH="0" baseline="0" dirty="0">
-                <a:ln>
-                  <a:noFill/>
-                </a:ln>
-                <a:solidFill>
-                  <a:srgbClr val="000080"/>
-                </a:solidFill>
-                <a:effectLst/>
-                <a:latin typeface="Consolas" panose="020B0609020204030204" pitchFamily="49" charset="0"/>
-              </a:rPr>
-              <a:t>for </a:t>
-            </a:r>
-            <a:r>
-              <a:rPr kumimoji="0" lang="fr-FR" altLang="fr-FR" sz="1000" b="0" i="0" u="none" strike="noStrike" cap="none" normalizeH="0" baseline="0" dirty="0">
-                <a:ln>
-                  <a:noFill/>
-                </a:ln>
-                <a:solidFill>
-                  <a:srgbClr val="000000"/>
-                </a:solidFill>
-                <a:effectLst/>
-                <a:latin typeface="Consolas" panose="020B0609020204030204" pitchFamily="49" charset="0"/>
-              </a:rPr>
-              <a:t>i </a:t>
-            </a:r>
-            <a:r>
-              <a:rPr kumimoji="0" lang="fr-FR" altLang="fr-FR" sz="1000" b="1" i="0" u="none" strike="noStrike" cap="none" normalizeH="0" baseline="0" dirty="0">
-                <a:ln>
-                  <a:noFill/>
-                </a:ln>
-                <a:solidFill>
-                  <a:srgbClr val="000080"/>
-                </a:solidFill>
-                <a:effectLst/>
-                <a:latin typeface="Consolas" panose="020B0609020204030204" pitchFamily="49" charset="0"/>
-              </a:rPr>
-              <a:t>in </a:t>
-            </a:r>
-            <a:r>
-              <a:rPr kumimoji="0" lang="fr-FR" altLang="fr-FR" sz="1000" b="0" i="0" u="none" strike="noStrike" cap="none" normalizeH="0" baseline="0" dirty="0">
-                <a:ln>
-                  <a:noFill/>
-                </a:ln>
-                <a:solidFill>
-                  <a:srgbClr val="000080"/>
-                </a:solidFill>
-                <a:effectLst/>
-                <a:latin typeface="Consolas" panose="020B0609020204030204" pitchFamily="49" charset="0"/>
-              </a:rPr>
-              <a:t>range</a:t>
-            </a:r>
-            <a:r>
-              <a:rPr kumimoji="0" lang="fr-FR" altLang="fr-FR" sz="1000" b="0" i="0" u="none" strike="noStrike" cap="none" normalizeH="0" baseline="0" dirty="0">
-                <a:ln>
-                  <a:noFill/>
-                </a:ln>
-                <a:solidFill>
-                  <a:srgbClr val="000000"/>
-                </a:solidFill>
-                <a:effectLst/>
-                <a:latin typeface="Consolas" panose="020B0609020204030204" pitchFamily="49" charset="0"/>
-              </a:rPr>
-              <a:t>(</a:t>
-            </a:r>
-            <a:r>
-              <a:rPr kumimoji="0" lang="fr-FR" altLang="fr-FR" sz="1000" b="0" i="0" u="none" strike="noStrike" cap="none" normalizeH="0" baseline="0" dirty="0" err="1">
-                <a:ln>
-                  <a:noFill/>
-                </a:ln>
-                <a:solidFill>
-                  <a:srgbClr val="000000"/>
-                </a:solidFill>
-                <a:effectLst/>
-                <a:latin typeface="Consolas" panose="020B0609020204030204" pitchFamily="49" charset="0"/>
-              </a:rPr>
-              <a:t>nbPerceptron</a:t>
-            </a:r>
-            <a:r>
-              <a:rPr kumimoji="0" lang="fr-FR" altLang="fr-FR" sz="1000" b="0" i="0" u="none" strike="noStrike" cap="none" normalizeH="0" baseline="0" dirty="0">
-                <a:ln>
-                  <a:noFill/>
-                </a:ln>
-                <a:solidFill>
-                  <a:srgbClr val="000000"/>
-                </a:solidFill>
-                <a:effectLst/>
-                <a:latin typeface="Consolas" panose="020B0609020204030204" pitchFamily="49" charset="0"/>
-              </a:rPr>
-              <a:t>):</a:t>
-            </a:r>
-            <a:br>
-              <a:rPr kumimoji="0" lang="fr-FR" altLang="fr-FR" sz="1000" b="0" i="0" u="none" strike="noStrike" cap="none" normalizeH="0" baseline="0" dirty="0">
-                <a:ln>
-                  <a:noFill/>
-                </a:ln>
-                <a:solidFill>
-                  <a:srgbClr val="000000"/>
-                </a:solidFill>
-                <a:effectLst/>
-                <a:latin typeface="Consolas" panose="020B0609020204030204" pitchFamily="49" charset="0"/>
-              </a:rPr>
-            </a:br>
-            <a:r>
-              <a:rPr kumimoji="0" lang="fr-FR" altLang="fr-FR" sz="1000" b="0" i="0" u="none" strike="noStrike" cap="none" normalizeH="0" baseline="0" dirty="0">
-                <a:ln>
-                  <a:noFill/>
-                </a:ln>
-                <a:solidFill>
-                  <a:srgbClr val="000000"/>
-                </a:solidFill>
-                <a:effectLst/>
-                <a:latin typeface="Consolas" panose="020B0609020204030204" pitchFamily="49" charset="0"/>
-              </a:rPr>
-              <a:t>            p = Perceptron(</a:t>
-            </a:r>
-            <a:r>
-              <a:rPr kumimoji="0" lang="fr-FR" altLang="fr-FR" sz="1000" b="1" i="0" u="none" strike="noStrike" cap="none" normalizeH="0" baseline="0" dirty="0">
-                <a:ln>
-                  <a:noFill/>
-                </a:ln>
-                <a:solidFill>
-                  <a:srgbClr val="008080"/>
-                </a:solidFill>
-                <a:effectLst/>
-                <a:latin typeface="Consolas" panose="020B0609020204030204" pitchFamily="49" charset="0"/>
-              </a:rPr>
-              <a:t>f"</a:t>
-            </a:r>
-            <a:r>
-              <a:rPr kumimoji="0" lang="fr-FR" altLang="fr-FR" sz="1000" b="1" i="0" u="none" strike="noStrike" cap="none" normalizeH="0" baseline="0" dirty="0">
-                <a:ln>
-                  <a:noFill/>
-                </a:ln>
-                <a:solidFill>
-                  <a:srgbClr val="000080"/>
-                </a:solidFill>
-                <a:effectLst/>
-                <a:latin typeface="Consolas" panose="020B0609020204030204" pitchFamily="49" charset="0"/>
-              </a:rPr>
-              <a:t>{</a:t>
-            </a:r>
-            <a:r>
-              <a:rPr kumimoji="0" lang="fr-FR" altLang="fr-FR" sz="1000" b="0" i="0" u="none" strike="noStrike" cap="none" normalizeH="0" baseline="0" dirty="0">
-                <a:ln>
-                  <a:noFill/>
-                </a:ln>
-                <a:solidFill>
-                  <a:srgbClr val="000000"/>
-                </a:solidFill>
-                <a:effectLst/>
-                <a:latin typeface="Consolas" panose="020B0609020204030204" pitchFamily="49" charset="0"/>
-              </a:rPr>
-              <a:t>id</a:t>
-            </a:r>
-            <a:r>
-              <a:rPr kumimoji="0" lang="fr-FR" altLang="fr-FR" sz="1000" b="1" i="0" u="none" strike="noStrike" cap="none" normalizeH="0" baseline="0" dirty="0">
-                <a:ln>
-                  <a:noFill/>
-                </a:ln>
-                <a:solidFill>
-                  <a:srgbClr val="000080"/>
-                </a:solidFill>
-                <a:effectLst/>
-                <a:latin typeface="Consolas" panose="020B0609020204030204" pitchFamily="49" charset="0"/>
-              </a:rPr>
-              <a:t>}</a:t>
-            </a:r>
-            <a:r>
-              <a:rPr kumimoji="0" lang="fr-FR" altLang="fr-FR" sz="1000" b="1" i="0" u="none" strike="noStrike" cap="none" normalizeH="0" baseline="0" dirty="0">
-                <a:ln>
-                  <a:noFill/>
-                </a:ln>
-                <a:solidFill>
-                  <a:srgbClr val="008080"/>
-                </a:solidFill>
-                <a:effectLst/>
-                <a:latin typeface="Consolas" panose="020B0609020204030204" pitchFamily="49" charset="0"/>
-              </a:rPr>
-              <a:t>-</a:t>
-            </a:r>
-            <a:r>
-              <a:rPr kumimoji="0" lang="fr-FR" altLang="fr-FR" sz="1000" b="1" i="0" u="none" strike="noStrike" cap="none" normalizeH="0" baseline="0" dirty="0">
-                <a:ln>
-                  <a:noFill/>
-                </a:ln>
-                <a:solidFill>
-                  <a:srgbClr val="000080"/>
-                </a:solidFill>
-                <a:effectLst/>
-                <a:latin typeface="Consolas" panose="020B0609020204030204" pitchFamily="49" charset="0"/>
-              </a:rPr>
-              <a:t>{</a:t>
-            </a:r>
-            <a:r>
-              <a:rPr kumimoji="0" lang="fr-FR" altLang="fr-FR" sz="1000" b="0" i="0" u="none" strike="noStrike" cap="none" normalizeH="0" baseline="0" dirty="0">
-                <a:ln>
-                  <a:noFill/>
-                </a:ln>
-                <a:solidFill>
-                  <a:srgbClr val="000000"/>
-                </a:solidFill>
-                <a:effectLst/>
-                <a:latin typeface="Consolas" panose="020B0609020204030204" pitchFamily="49" charset="0"/>
-              </a:rPr>
-              <a:t>i</a:t>
-            </a:r>
-            <a:r>
-              <a:rPr kumimoji="0" lang="fr-FR" altLang="fr-FR" sz="1000" b="1" i="0" u="none" strike="noStrike" cap="none" normalizeH="0" baseline="0" dirty="0">
-                <a:ln>
-                  <a:noFill/>
-                </a:ln>
-                <a:solidFill>
-                  <a:srgbClr val="000080"/>
-                </a:solidFill>
-                <a:effectLst/>
-                <a:latin typeface="Consolas" panose="020B0609020204030204" pitchFamily="49" charset="0"/>
-              </a:rPr>
-              <a:t>}</a:t>
-            </a:r>
-            <a:r>
-              <a:rPr kumimoji="0" lang="fr-FR" altLang="fr-FR" sz="1000" b="1" i="0" u="none" strike="noStrike" cap="none" normalizeH="0" baseline="0" dirty="0">
-                <a:ln>
-                  <a:noFill/>
-                </a:ln>
-                <a:solidFill>
-                  <a:srgbClr val="008080"/>
-                </a:solidFill>
-                <a:effectLst/>
-                <a:latin typeface="Consolas" panose="020B0609020204030204" pitchFamily="49" charset="0"/>
-              </a:rPr>
-              <a:t>"</a:t>
-            </a:r>
-            <a:r>
-              <a:rPr kumimoji="0" lang="fr-FR" altLang="fr-FR" sz="1000" b="0" i="0" u="none" strike="noStrike" cap="none" normalizeH="0" baseline="0" dirty="0">
-                <a:ln>
-                  <a:noFill/>
-                </a:ln>
-                <a:solidFill>
-                  <a:srgbClr val="000000"/>
-                </a:solidFill>
-                <a:effectLst/>
-                <a:latin typeface="Consolas" panose="020B0609020204030204" pitchFamily="49" charset="0"/>
-              </a:rPr>
-              <a:t>, </a:t>
-            </a:r>
-            <a:r>
-              <a:rPr kumimoji="0" lang="fr-FR" altLang="fr-FR" sz="1000" b="1" i="0" u="none" strike="noStrike" cap="none" normalizeH="0" baseline="0" dirty="0">
-                <a:ln>
-                  <a:noFill/>
-                </a:ln>
-                <a:solidFill>
-                  <a:srgbClr val="000080"/>
-                </a:solidFill>
-                <a:effectLst/>
-                <a:latin typeface="Consolas" panose="020B0609020204030204" pitchFamily="49" charset="0"/>
-              </a:rPr>
-              <a:t>None</a:t>
-            </a:r>
-            <a:r>
-              <a:rPr kumimoji="0" lang="fr-FR" altLang="fr-FR" sz="1000" b="0" i="0" u="none" strike="noStrike" cap="none" normalizeH="0" baseline="0" dirty="0">
-                <a:ln>
-                  <a:noFill/>
-                </a:ln>
-                <a:solidFill>
-                  <a:srgbClr val="000000"/>
-                </a:solidFill>
-                <a:effectLst/>
-                <a:latin typeface="Consolas" panose="020B0609020204030204" pitchFamily="49" charset="0"/>
-              </a:rPr>
-              <a:t>, </a:t>
-            </a:r>
-            <a:r>
-              <a:rPr kumimoji="0" lang="fr-FR" altLang="fr-FR" sz="1000" b="0" i="0" u="none" strike="noStrike" cap="none" normalizeH="0" baseline="0" dirty="0" err="1">
-                <a:ln>
-                  <a:noFill/>
-                </a:ln>
-                <a:solidFill>
-                  <a:srgbClr val="000000"/>
-                </a:solidFill>
-                <a:effectLst/>
-                <a:latin typeface="Consolas" panose="020B0609020204030204" pitchFamily="49" charset="0"/>
-              </a:rPr>
-              <a:t>activationFn</a:t>
-            </a:r>
-            <a:r>
-              <a:rPr kumimoji="0" lang="fr-FR" altLang="fr-FR" sz="1000" b="0" i="0" u="none" strike="noStrike" cap="none" normalizeH="0" baseline="0" dirty="0">
-                <a:ln>
-                  <a:noFill/>
-                </a:ln>
-                <a:solidFill>
-                  <a:srgbClr val="000000"/>
-                </a:solidFill>
-                <a:effectLst/>
-                <a:latin typeface="Consolas" panose="020B0609020204030204" pitchFamily="49" charset="0"/>
-              </a:rPr>
-              <a:t>)</a:t>
-            </a:r>
-            <a:br>
-              <a:rPr kumimoji="0" lang="fr-FR" altLang="fr-FR" sz="1000" b="0" i="0" u="none" strike="noStrike" cap="none" normalizeH="0" baseline="0" dirty="0">
-                <a:ln>
-                  <a:noFill/>
-                </a:ln>
-                <a:solidFill>
-                  <a:srgbClr val="000000"/>
-                </a:solidFill>
-                <a:effectLst/>
-                <a:latin typeface="Consolas" panose="020B0609020204030204" pitchFamily="49" charset="0"/>
-              </a:rPr>
-            </a:br>
-            <a:r>
-              <a:rPr kumimoji="0" lang="fr-FR" altLang="fr-FR" sz="1000" b="0" i="0" u="none" strike="noStrike" cap="none" normalizeH="0" baseline="0" dirty="0">
-                <a:ln>
-                  <a:noFill/>
-                </a:ln>
-                <a:solidFill>
-                  <a:srgbClr val="000000"/>
-                </a:solidFill>
-                <a:effectLst/>
-                <a:latin typeface="Consolas" panose="020B0609020204030204" pitchFamily="49" charset="0"/>
-              </a:rPr>
-              <a:t>            </a:t>
-            </a:r>
-            <a:r>
-              <a:rPr kumimoji="0" lang="fr-FR" altLang="fr-FR" sz="1000" b="0" i="0" u="none" strike="noStrike" cap="none" normalizeH="0" baseline="0" dirty="0" err="1">
-                <a:ln>
-                  <a:noFill/>
-                </a:ln>
-                <a:solidFill>
-                  <a:srgbClr val="94558D"/>
-                </a:solidFill>
-                <a:effectLst/>
-                <a:latin typeface="Consolas" panose="020B0609020204030204" pitchFamily="49" charset="0"/>
-              </a:rPr>
-              <a:t>self</a:t>
-            </a:r>
-            <a:r>
-              <a:rPr kumimoji="0" lang="fr-FR" altLang="fr-FR" sz="1000" b="0" i="0" u="none" strike="noStrike" cap="none" normalizeH="0" baseline="0" dirty="0" err="1">
-                <a:ln>
-                  <a:noFill/>
-                </a:ln>
-                <a:solidFill>
-                  <a:srgbClr val="000000"/>
-                </a:solidFill>
-                <a:effectLst/>
-                <a:latin typeface="Consolas" panose="020B0609020204030204" pitchFamily="49" charset="0"/>
-              </a:rPr>
-              <a:t>.perceptrons.append</a:t>
-            </a:r>
-            <a:r>
-              <a:rPr kumimoji="0" lang="fr-FR" altLang="fr-FR" sz="1000" b="0" i="0" u="none" strike="noStrike" cap="none" normalizeH="0" baseline="0" dirty="0">
-                <a:ln>
-                  <a:noFill/>
-                </a:ln>
-                <a:solidFill>
-                  <a:srgbClr val="000000"/>
-                </a:solidFill>
-                <a:effectLst/>
-                <a:latin typeface="Consolas" panose="020B0609020204030204" pitchFamily="49" charset="0"/>
-              </a:rPr>
-              <a:t>(p)</a:t>
-            </a:r>
-            <a:endParaRPr kumimoji="0" lang="fr-FR" altLang="fr-FR" sz="1800" b="0" i="0" u="none" strike="noStrike" cap="none" normalizeH="0" baseline="0" dirty="0">
-              <a:ln>
-                <a:noFill/>
-              </a:ln>
-              <a:solidFill>
-                <a:schemeClr val="tx1"/>
-              </a:solidFill>
-              <a:effectLst/>
-              <a:latin typeface="Arial" panose="020B0604020202020204" pitchFamily="34" charset="0"/>
-            </a:endParaRPr>
-          </a:p>
-        </p:txBody>
-      </p:sp>
-    </p:spTree>
-    <p:extLst>
-      <p:ext uri="{BB962C8B-B14F-4D97-AF65-F5344CB8AC3E}">
-        <p14:creationId xmlns:p14="http://schemas.microsoft.com/office/powerpoint/2010/main" val="654712396"/>
-      </p:ext>
-    </p:extLst>
-  </p:cSld>
-  <p:clrMapOvr>
-    <a:masterClrMapping/>
-  </p:clrMapOvr>
-</p:sld>
-</file>
-
 <file path=ppt/slides/slide12.xml><?xml version="1.0" encoding="utf-8"?>
 <p:sld xmlns:a="http://schemas.openxmlformats.org/drawingml/2006/main" xmlns:r="http://schemas.openxmlformats.org/officeDocument/2006/relationships" xmlns:p="http://schemas.openxmlformats.org/presentationml/2006/main">
   <p:cSld>
@@ -4977,9 +4190,10 @@
           <a:lstStyle/>
           <a:p>
             <a:r>
-              <a:rPr lang="fr-FR" dirty="0"/>
-              <a:t>MLP</a:t>
-            </a:r>
+              <a:rPr lang="fr-FR" dirty="0" err="1"/>
+              <a:t>Layers</a:t>
+            </a:r>
+            <a:endParaRPr lang="fr-FR" dirty="0"/>
           </a:p>
         </p:txBody>
       </p:sp>
@@ -4993,123 +4207,951 @@
             <p:ph idx="1"/>
           </p:nvPr>
         </p:nvSpPr>
-        <p:spPr/>
+        <p:spPr>
+          <a:xfrm>
+            <a:off x="105621" y="1412776"/>
+            <a:ext cx="8766051" cy="5040560"/>
+          </a:xfrm>
+        </p:spPr>
         <p:txBody>
           <a:bodyPr/>
           <a:lstStyle/>
           <a:p>
             <a:r>
               <a:rPr lang="fr-FR" dirty="0"/>
-              <a:t>Multi Layer Perceptron</a:t>
-            </a:r>
-          </a:p>
-          <a:p>
-            <a:pPr lvl="1"/>
-            <a:r>
-              <a:rPr lang="fr-FR" dirty="0"/>
-              <a:t>Les perceptrons sont mis dans un graphe acyclique</a:t>
-            </a:r>
+              <a:t>Les perceptrons peuvent être mis en couche</a:t>
+            </a:r>
+          </a:p>
+          <a:p>
+            <a:endParaRPr lang="fr-FR" dirty="0"/>
           </a:p>
         </p:txBody>
       </p:sp>
-      <p:pic>
-        <p:nvPicPr>
-          <p:cNvPr id="4" name="Picture 12" descr="Résultat de recherche d'images pour &quot;mlp inference&quot;"/>
-          <p:cNvPicPr>
-            <a:picLocks noChangeAspect="1" noChangeArrowheads="1"/>
-          </p:cNvPicPr>
+      <p:sp>
+        <p:nvSpPr>
+          <p:cNvPr id="5" name="Rectangle 2"/>
+          <p:cNvSpPr>
+            <a:spLocks noChangeArrowheads="1"/>
+          </p:cNvSpPr>
           <p:nvPr/>
-        </p:nvPicPr>
-        <p:blipFill>
-          <a:blip r:embed="rId2" cstate="print">
-            <a:extLst>
-              <a:ext uri="{28A0092B-C50C-407E-A947-70E740481C1C}">
-                <a14:useLocalDpi xmlns:a14="http://schemas.microsoft.com/office/drawing/2010/main" val="0"/>
-              </a:ext>
-            </a:extLst>
-          </a:blip>
-          <a:srcRect/>
-          <a:stretch>
-            <a:fillRect/>
-          </a:stretch>
-        </p:blipFill>
+        </p:nvSpPr>
         <p:spPr bwMode="auto">
           <a:xfrm>
-            <a:off x="2051720" y="2852936"/>
-            <a:ext cx="4804506" cy="3164895"/>
+            <a:off x="1621555" y="2852936"/>
+            <a:ext cx="5830765" cy="1323439"/>
           </a:xfrm>
           <a:prstGeom prst="rect">
             <a:avLst/>
           </a:prstGeom>
-          <a:noFill/>
+          <a:solidFill>
+            <a:srgbClr val="FFFFFF"/>
+          </a:solidFill>
+          <a:ln>
+            <a:noFill/>
+          </a:ln>
+          <a:effectLst/>
           <a:extLst>
-            <a:ext uri="{909E8E84-426E-40DD-AFC4-6F175D3DCCD1}">
-              <a14:hiddenFill xmlns:a14="http://schemas.microsoft.com/office/drawing/2010/main">
-                <a:solidFill>
-                  <a:srgbClr val="FFFFFF"/>
-                </a:solidFill>
-              </a14:hiddenFill>
+            <a:ext uri="{91240B29-F687-4F45-9708-019B960494DF}">
+              <a14:hiddenLine xmlns:a14="http://schemas.microsoft.com/office/drawing/2010/main" w="9525">
+                <a:solidFill>
+                  <a:schemeClr val="tx1"/>
+                </a:solidFill>
+                <a:miter lim="800000"/>
+                <a:headEnd/>
+                <a:tailEnd/>
+              </a14:hiddenLine>
+            </a:ext>
+            <a:ext uri="{AF507438-7753-43E0-B8FC-AC1667EBCBE1}">
+              <a14:hiddenEffects xmlns:a14="http://schemas.microsoft.com/office/drawing/2010/main">
+                <a:effectLst>
+                  <a:outerShdw dist="35921" dir="2700000" algn="ctr" rotWithShape="0">
+                    <a:schemeClr val="bg2"/>
+                  </a:outerShdw>
+                </a:effectLst>
+              </a14:hiddenEffects>
             </a:ext>
           </a:extLst>
         </p:spPr>
-      </p:pic>
-      <p:sp>
-        <p:nvSpPr>
-          <p:cNvPr id="5" name="ZoneTexte 4">
-            <a:extLst>
-              <a:ext uri="{FF2B5EF4-FFF2-40B4-BE49-F238E27FC236}">
-                <a16:creationId xmlns:a16="http://schemas.microsoft.com/office/drawing/2014/main" id="{A993503B-2ED5-4061-88B8-420B4BF6AFFF}"/>
-              </a:ext>
-            </a:extLst>
-          </p:cNvPr>
-          <p:cNvSpPr txBox="1"/>
-          <p:nvPr/>
-        </p:nvSpPr>
-        <p:spPr>
-          <a:xfrm>
-            <a:off x="1043608" y="3356992"/>
-            <a:ext cx="869149" cy="1938992"/>
-          </a:xfrm>
-          <a:prstGeom prst="rect">
-            <a:avLst/>
-          </a:prstGeom>
-          <a:noFill/>
-        </p:spPr>
         <p:txBody>
-          <a:bodyPr wrap="none" rtlCol="0">
+          <a:bodyPr vert="horz" wrap="square" lIns="91440" tIns="45720" rIns="91440" bIns="45720" numCol="1" anchor="ctr" anchorCtr="0" compatLnSpc="1">
+            <a:prstTxWarp prst="textNoShape">
+              <a:avLst/>
+            </a:prstTxWarp>
             <a:spAutoFit/>
           </a:bodyPr>
           <a:lstStyle/>
           <a:p>
-            <a:r>
-              <a:rPr lang="fr-FR" dirty="0"/>
-              <a:t>1 4 7</a:t>
-            </a:r>
-          </a:p>
-          <a:p>
-            <a:endParaRPr lang="fr-FR" dirty="0"/>
-          </a:p>
-          <a:p>
-            <a:r>
-              <a:rPr lang="fr-FR" dirty="0"/>
-              <a:t>2 5 8</a:t>
-            </a:r>
-          </a:p>
-          <a:p>
-            <a:endParaRPr lang="fr-FR" dirty="0"/>
-          </a:p>
-          <a:p>
-            <a:r>
-              <a:rPr lang="fr-FR" dirty="0"/>
-              <a:t>3 6 9</a:t>
-            </a:r>
+            <a:pPr marL="0" marR="0" lvl="0" indent="0" algn="l" defTabSz="914400" rtl="0" eaLnBrk="0" fontAlgn="base" latinLnBrk="0" hangingPunct="0">
+              <a:lnSpc>
+                <a:spcPct val="100000"/>
+              </a:lnSpc>
+              <a:spcBef>
+                <a:spcPct val="0"/>
+              </a:spcBef>
+              <a:spcAft>
+                <a:spcPct val="0"/>
+              </a:spcAft>
+              <a:buClrTx/>
+              <a:buSzTx/>
+              <a:buFontTx/>
+              <a:buNone/>
+              <a:tabLst/>
+            </a:pPr>
+            <a:r>
+              <a:rPr kumimoji="0" lang="fr-FR" altLang="fr-FR" sz="1000" b="1" i="0" u="none" strike="noStrike" cap="none" normalizeH="0" baseline="0" dirty="0">
+                <a:ln>
+                  <a:noFill/>
+                </a:ln>
+                <a:solidFill>
+                  <a:srgbClr val="000080"/>
+                </a:solidFill>
+                <a:effectLst/>
+                <a:latin typeface="Consolas" panose="020B0609020204030204" pitchFamily="49" charset="0"/>
+              </a:rPr>
+              <a:t>class </a:t>
+            </a:r>
+            <a:r>
+              <a:rPr kumimoji="0" lang="fr-FR" altLang="fr-FR" sz="1000" b="0" i="0" u="none" strike="noStrike" cap="none" normalizeH="0" baseline="0" dirty="0">
+                <a:ln>
+                  <a:noFill/>
+                </a:ln>
+                <a:solidFill>
+                  <a:srgbClr val="000000"/>
+                </a:solidFill>
+                <a:effectLst/>
+                <a:latin typeface="Consolas" panose="020B0609020204030204" pitchFamily="49" charset="0"/>
+              </a:rPr>
+              <a:t>Layer:</a:t>
+            </a:r>
+            <a:br>
+              <a:rPr kumimoji="0" lang="fr-FR" altLang="fr-FR" sz="1000" b="0" i="0" u="none" strike="noStrike" cap="none" normalizeH="0" baseline="0" dirty="0">
+                <a:ln>
+                  <a:noFill/>
+                </a:ln>
+                <a:solidFill>
+                  <a:srgbClr val="000000"/>
+                </a:solidFill>
+                <a:effectLst/>
+                <a:latin typeface="Consolas" panose="020B0609020204030204" pitchFamily="49" charset="0"/>
+              </a:rPr>
+            </a:br>
+            <a:br>
+              <a:rPr kumimoji="0" lang="fr-FR" altLang="fr-FR" sz="1000" b="0" i="0" u="none" strike="noStrike" cap="none" normalizeH="0" baseline="0" dirty="0">
+                <a:ln>
+                  <a:noFill/>
+                </a:ln>
+                <a:solidFill>
+                  <a:srgbClr val="000000"/>
+                </a:solidFill>
+                <a:effectLst/>
+                <a:latin typeface="Consolas" panose="020B0609020204030204" pitchFamily="49" charset="0"/>
+              </a:rPr>
+            </a:br>
+            <a:r>
+              <a:rPr kumimoji="0" lang="fr-FR" altLang="fr-FR" sz="1000" b="0" i="0" u="none" strike="noStrike" cap="none" normalizeH="0" baseline="0" dirty="0">
+                <a:ln>
+                  <a:noFill/>
+                </a:ln>
+                <a:solidFill>
+                  <a:srgbClr val="000000"/>
+                </a:solidFill>
+                <a:effectLst/>
+                <a:latin typeface="Consolas" panose="020B0609020204030204" pitchFamily="49" charset="0"/>
+              </a:rPr>
+              <a:t>    </a:t>
+            </a:r>
+            <a:r>
+              <a:rPr kumimoji="0" lang="fr-FR" altLang="fr-FR" sz="1000" b="1" i="0" u="none" strike="noStrike" cap="none" normalizeH="0" baseline="0" dirty="0" err="1">
+                <a:ln>
+                  <a:noFill/>
+                </a:ln>
+                <a:solidFill>
+                  <a:srgbClr val="000080"/>
+                </a:solidFill>
+                <a:effectLst/>
+                <a:latin typeface="Consolas" panose="020B0609020204030204" pitchFamily="49" charset="0"/>
+              </a:rPr>
+              <a:t>def</a:t>
+            </a:r>
+            <a:r>
+              <a:rPr kumimoji="0" lang="fr-FR" altLang="fr-FR" sz="1000" b="1" i="0" u="none" strike="noStrike" cap="none" normalizeH="0" baseline="0" dirty="0">
+                <a:ln>
+                  <a:noFill/>
+                </a:ln>
+                <a:solidFill>
+                  <a:srgbClr val="000080"/>
+                </a:solidFill>
+                <a:effectLst/>
+                <a:latin typeface="Consolas" panose="020B0609020204030204" pitchFamily="49" charset="0"/>
+              </a:rPr>
+              <a:t> </a:t>
+            </a:r>
+            <a:r>
+              <a:rPr kumimoji="0" lang="fr-FR" altLang="fr-FR" sz="1000" b="0" i="0" u="none" strike="noStrike" cap="none" normalizeH="0" baseline="0" dirty="0">
+                <a:ln>
+                  <a:noFill/>
+                </a:ln>
+                <a:solidFill>
+                  <a:srgbClr val="B200B2"/>
+                </a:solidFill>
+                <a:effectLst/>
+                <a:latin typeface="Consolas" panose="020B0609020204030204" pitchFamily="49" charset="0"/>
+              </a:rPr>
+              <a:t>__</a:t>
+            </a:r>
+            <a:r>
+              <a:rPr kumimoji="0" lang="fr-FR" altLang="fr-FR" sz="1000" b="0" i="0" u="none" strike="noStrike" cap="none" normalizeH="0" baseline="0" dirty="0" err="1">
+                <a:ln>
+                  <a:noFill/>
+                </a:ln>
+                <a:solidFill>
+                  <a:srgbClr val="B200B2"/>
+                </a:solidFill>
+                <a:effectLst/>
+                <a:latin typeface="Consolas" panose="020B0609020204030204" pitchFamily="49" charset="0"/>
+              </a:rPr>
+              <a:t>init</a:t>
+            </a:r>
+            <a:r>
+              <a:rPr kumimoji="0" lang="fr-FR" altLang="fr-FR" sz="1000" b="0" i="0" u="none" strike="noStrike" cap="none" normalizeH="0" baseline="0" dirty="0">
+                <a:ln>
+                  <a:noFill/>
+                </a:ln>
+                <a:solidFill>
+                  <a:srgbClr val="B200B2"/>
+                </a:solidFill>
+                <a:effectLst/>
+                <a:latin typeface="Consolas" panose="020B0609020204030204" pitchFamily="49" charset="0"/>
+              </a:rPr>
+              <a:t>__</a:t>
+            </a:r>
+            <a:r>
+              <a:rPr kumimoji="0" lang="fr-FR" altLang="fr-FR" sz="1000" b="0" i="0" u="none" strike="noStrike" cap="none" normalizeH="0" baseline="0" dirty="0">
+                <a:ln>
+                  <a:noFill/>
+                </a:ln>
+                <a:solidFill>
+                  <a:srgbClr val="000000"/>
+                </a:solidFill>
+                <a:effectLst/>
+                <a:latin typeface="Consolas" panose="020B0609020204030204" pitchFamily="49" charset="0"/>
+              </a:rPr>
+              <a:t>(</a:t>
+            </a:r>
+            <a:r>
+              <a:rPr kumimoji="0" lang="fr-FR" altLang="fr-FR" sz="1000" b="0" i="0" u="none" strike="noStrike" cap="none" normalizeH="0" baseline="0" dirty="0">
+                <a:ln>
+                  <a:noFill/>
+                </a:ln>
+                <a:solidFill>
+                  <a:srgbClr val="94558D"/>
+                </a:solidFill>
+                <a:effectLst/>
+                <a:latin typeface="Consolas" panose="020B0609020204030204" pitchFamily="49" charset="0"/>
+              </a:rPr>
+              <a:t>self</a:t>
+            </a:r>
+            <a:r>
+              <a:rPr kumimoji="0" lang="fr-FR" altLang="fr-FR" sz="1000" b="0" i="0" u="none" strike="noStrike" cap="none" normalizeH="0" baseline="0" dirty="0">
+                <a:ln>
+                  <a:noFill/>
+                </a:ln>
+                <a:solidFill>
+                  <a:srgbClr val="000000"/>
+                </a:solidFill>
+                <a:effectLst/>
+                <a:latin typeface="Consolas" panose="020B0609020204030204" pitchFamily="49" charset="0"/>
+              </a:rPr>
+              <a:t>, </a:t>
+            </a:r>
+            <a:r>
+              <a:rPr kumimoji="0" lang="fr-FR" altLang="fr-FR" sz="1000" b="0" i="0" u="none" strike="noStrike" cap="none" normalizeH="0" baseline="0" dirty="0" err="1">
+                <a:ln>
+                  <a:noFill/>
+                </a:ln>
+                <a:solidFill>
+                  <a:srgbClr val="000000"/>
+                </a:solidFill>
+                <a:effectLst/>
+                <a:latin typeface="Consolas" panose="020B0609020204030204" pitchFamily="49" charset="0"/>
+              </a:rPr>
+              <a:t>id:</a:t>
+            </a:r>
+            <a:r>
+              <a:rPr kumimoji="0" lang="fr-FR" altLang="fr-FR" sz="1000" b="0" i="0" u="none" strike="noStrike" cap="none" normalizeH="0" baseline="0" dirty="0" err="1">
+                <a:ln>
+                  <a:noFill/>
+                </a:ln>
+                <a:solidFill>
+                  <a:srgbClr val="000080"/>
+                </a:solidFill>
+                <a:effectLst/>
+                <a:latin typeface="Consolas" panose="020B0609020204030204" pitchFamily="49" charset="0"/>
+              </a:rPr>
+              <a:t>str</a:t>
+            </a:r>
+            <a:r>
+              <a:rPr kumimoji="0" lang="fr-FR" altLang="fr-FR" sz="1000" b="0" i="0" u="none" strike="noStrike" cap="none" normalizeH="0" baseline="0" dirty="0">
+                <a:ln>
+                  <a:noFill/>
+                </a:ln>
+                <a:solidFill>
+                  <a:srgbClr val="000000"/>
+                </a:solidFill>
+                <a:effectLst/>
+                <a:latin typeface="Consolas" panose="020B0609020204030204" pitchFamily="49" charset="0"/>
+              </a:rPr>
+              <a:t>, </a:t>
+            </a:r>
+            <a:r>
+              <a:rPr kumimoji="0" lang="fr-FR" altLang="fr-FR" sz="1000" b="0" i="0" u="none" strike="noStrike" cap="none" normalizeH="0" baseline="0" dirty="0" err="1">
+                <a:ln>
+                  <a:noFill/>
+                </a:ln>
+                <a:solidFill>
+                  <a:srgbClr val="000000"/>
+                </a:solidFill>
+                <a:effectLst/>
+                <a:latin typeface="Consolas" panose="020B0609020204030204" pitchFamily="49" charset="0"/>
+              </a:rPr>
+              <a:t>nbPerceptron:</a:t>
+            </a:r>
+            <a:r>
+              <a:rPr kumimoji="0" lang="fr-FR" altLang="fr-FR" sz="1000" b="0" i="0" u="none" strike="noStrike" cap="none" normalizeH="0" baseline="0" dirty="0" err="1">
+                <a:ln>
+                  <a:noFill/>
+                </a:ln>
+                <a:solidFill>
+                  <a:srgbClr val="000080"/>
+                </a:solidFill>
+                <a:effectLst/>
+                <a:latin typeface="Consolas" panose="020B0609020204030204" pitchFamily="49" charset="0"/>
+              </a:rPr>
+              <a:t>int</a:t>
+            </a:r>
+            <a:r>
+              <a:rPr kumimoji="0" lang="fr-FR" altLang="fr-FR" sz="1000" b="0" i="0" u="none" strike="noStrike" cap="none" normalizeH="0" baseline="0" dirty="0">
+                <a:ln>
+                  <a:noFill/>
+                </a:ln>
+                <a:solidFill>
+                  <a:srgbClr val="000080"/>
+                </a:solidFill>
+                <a:effectLst/>
+                <a:latin typeface="Consolas" panose="020B0609020204030204" pitchFamily="49" charset="0"/>
+              </a:rPr>
+              <a:t> </a:t>
+            </a:r>
+            <a:r>
+              <a:rPr kumimoji="0" lang="fr-FR" altLang="fr-FR" sz="1000" b="0" i="0" u="none" strike="noStrike" cap="none" normalizeH="0" baseline="0" dirty="0">
+                <a:ln>
+                  <a:noFill/>
+                </a:ln>
+                <a:solidFill>
+                  <a:srgbClr val="000000"/>
+                </a:solidFill>
+                <a:effectLst/>
+                <a:latin typeface="Consolas" panose="020B0609020204030204" pitchFamily="49" charset="0"/>
+              </a:rPr>
+              <a:t>= </a:t>
+            </a:r>
+            <a:r>
+              <a:rPr kumimoji="0" lang="fr-FR" altLang="fr-FR" sz="1000" b="0" i="0" u="none" strike="noStrike" cap="none" normalizeH="0" baseline="0" dirty="0">
+                <a:ln>
+                  <a:noFill/>
+                </a:ln>
+                <a:solidFill>
+                  <a:srgbClr val="0000FF"/>
+                </a:solidFill>
+                <a:effectLst/>
+                <a:latin typeface="Consolas" panose="020B0609020204030204" pitchFamily="49" charset="0"/>
+              </a:rPr>
+              <a:t>0</a:t>
+            </a:r>
+            <a:r>
+              <a:rPr kumimoji="0" lang="fr-FR" altLang="fr-FR" sz="1000" b="0" i="0" u="none" strike="noStrike" cap="none" normalizeH="0" baseline="0" dirty="0">
+                <a:ln>
+                  <a:noFill/>
+                </a:ln>
+                <a:solidFill>
+                  <a:srgbClr val="000000"/>
+                </a:solidFill>
+                <a:effectLst/>
+                <a:latin typeface="Consolas" panose="020B0609020204030204" pitchFamily="49" charset="0"/>
+              </a:rPr>
+              <a:t>, </a:t>
+            </a:r>
+            <a:r>
+              <a:rPr kumimoji="0" lang="fr-FR" altLang="fr-FR" sz="1000" b="0" i="0" u="none" strike="noStrike" cap="none" normalizeH="0" baseline="0" dirty="0" err="1">
+                <a:ln>
+                  <a:noFill/>
+                </a:ln>
+                <a:solidFill>
+                  <a:srgbClr val="000000"/>
+                </a:solidFill>
+                <a:effectLst/>
+                <a:latin typeface="Consolas" panose="020B0609020204030204" pitchFamily="49" charset="0"/>
+              </a:rPr>
+              <a:t>activationFn</a:t>
+            </a:r>
+            <a:r>
+              <a:rPr kumimoji="0" lang="fr-FR" altLang="fr-FR" sz="1000" b="0" i="0" u="none" strike="noStrike" cap="none" normalizeH="0" baseline="0" dirty="0">
+                <a:ln>
+                  <a:noFill/>
+                </a:ln>
+                <a:solidFill>
+                  <a:srgbClr val="000000"/>
+                </a:solidFill>
+                <a:effectLst/>
+                <a:latin typeface="Consolas" panose="020B0609020204030204" pitchFamily="49" charset="0"/>
+              </a:rPr>
+              <a:t> = </a:t>
+            </a:r>
+            <a:r>
+              <a:rPr kumimoji="0" lang="fr-FR" altLang="fr-FR" sz="1000" b="0" i="0" u="none" strike="noStrike" cap="none" normalizeH="0" baseline="0" dirty="0" err="1">
+                <a:ln>
+                  <a:noFill/>
+                </a:ln>
+                <a:solidFill>
+                  <a:srgbClr val="000000"/>
+                </a:solidFill>
+                <a:effectLst/>
+                <a:latin typeface="Consolas" panose="020B0609020204030204" pitchFamily="49" charset="0"/>
+              </a:rPr>
+              <a:t>reluFn</a:t>
+            </a:r>
+            <a:r>
+              <a:rPr kumimoji="0" lang="fr-FR" altLang="fr-FR" sz="1000" b="0" i="0" u="none" strike="noStrike" cap="none" normalizeH="0" baseline="0" dirty="0">
+                <a:ln>
+                  <a:noFill/>
+                </a:ln>
+                <a:solidFill>
+                  <a:srgbClr val="000000"/>
+                </a:solidFill>
+                <a:effectLst/>
+                <a:latin typeface="Consolas" panose="020B0609020204030204" pitchFamily="49" charset="0"/>
+              </a:rPr>
+              <a:t>):</a:t>
+            </a:r>
+            <a:br>
+              <a:rPr kumimoji="0" lang="fr-FR" altLang="fr-FR" sz="1000" b="0" i="0" u="none" strike="noStrike" cap="none" normalizeH="0" baseline="0" dirty="0">
+                <a:ln>
+                  <a:noFill/>
+                </a:ln>
+                <a:solidFill>
+                  <a:srgbClr val="000000"/>
+                </a:solidFill>
+                <a:effectLst/>
+                <a:latin typeface="Consolas" panose="020B0609020204030204" pitchFamily="49" charset="0"/>
+              </a:rPr>
+            </a:br>
+            <a:r>
+              <a:rPr kumimoji="0" lang="fr-FR" altLang="fr-FR" sz="1000" b="0" i="0" u="none" strike="noStrike" cap="none" normalizeH="0" baseline="0" dirty="0">
+                <a:ln>
+                  <a:noFill/>
+                </a:ln>
+                <a:solidFill>
+                  <a:srgbClr val="000000"/>
+                </a:solidFill>
+                <a:effectLst/>
+                <a:latin typeface="Consolas" panose="020B0609020204030204" pitchFamily="49" charset="0"/>
+              </a:rPr>
+              <a:t>        </a:t>
+            </a:r>
+            <a:r>
+              <a:rPr kumimoji="0" lang="fr-FR" altLang="fr-FR" sz="1000" b="0" i="0" u="none" strike="noStrike" cap="none" normalizeH="0" baseline="0" dirty="0">
+                <a:ln>
+                  <a:noFill/>
+                </a:ln>
+                <a:solidFill>
+                  <a:srgbClr val="94558D"/>
+                </a:solidFill>
+                <a:effectLst/>
+                <a:latin typeface="Consolas" panose="020B0609020204030204" pitchFamily="49" charset="0"/>
+              </a:rPr>
+              <a:t>self</a:t>
+            </a:r>
+            <a:r>
+              <a:rPr kumimoji="0" lang="fr-FR" altLang="fr-FR" sz="1000" b="0" i="0" u="none" strike="noStrike" cap="none" normalizeH="0" baseline="0" dirty="0">
+                <a:ln>
+                  <a:noFill/>
+                </a:ln>
+                <a:solidFill>
+                  <a:srgbClr val="000000"/>
+                </a:solidFill>
+                <a:effectLst/>
+                <a:latin typeface="Consolas" panose="020B0609020204030204" pitchFamily="49" charset="0"/>
+              </a:rPr>
+              <a:t>.id = id</a:t>
+            </a:r>
+            <a:br>
+              <a:rPr kumimoji="0" lang="fr-FR" altLang="fr-FR" sz="1000" b="0" i="0" u="none" strike="noStrike" cap="none" normalizeH="0" baseline="0" dirty="0">
+                <a:ln>
+                  <a:noFill/>
+                </a:ln>
+                <a:solidFill>
+                  <a:srgbClr val="000000"/>
+                </a:solidFill>
+                <a:effectLst/>
+                <a:latin typeface="Consolas" panose="020B0609020204030204" pitchFamily="49" charset="0"/>
+              </a:rPr>
+            </a:br>
+            <a:r>
+              <a:rPr kumimoji="0" lang="fr-FR" altLang="fr-FR" sz="1000" b="0" i="0" u="none" strike="noStrike" cap="none" normalizeH="0" baseline="0" dirty="0">
+                <a:ln>
+                  <a:noFill/>
+                </a:ln>
+                <a:solidFill>
+                  <a:srgbClr val="000000"/>
+                </a:solidFill>
+                <a:effectLst/>
+                <a:latin typeface="Consolas" panose="020B0609020204030204" pitchFamily="49" charset="0"/>
+              </a:rPr>
+              <a:t>        </a:t>
+            </a:r>
+            <a:r>
+              <a:rPr kumimoji="0" lang="fr-FR" altLang="fr-FR" sz="1000" b="0" i="0" u="none" strike="noStrike" cap="none" normalizeH="0" baseline="0" dirty="0" err="1">
+                <a:ln>
+                  <a:noFill/>
+                </a:ln>
+                <a:solidFill>
+                  <a:srgbClr val="94558D"/>
+                </a:solidFill>
+                <a:effectLst/>
+                <a:latin typeface="Consolas" panose="020B0609020204030204" pitchFamily="49" charset="0"/>
+              </a:rPr>
+              <a:t>self</a:t>
+            </a:r>
+            <a:r>
+              <a:rPr kumimoji="0" lang="fr-FR" altLang="fr-FR" sz="1000" b="0" i="0" u="none" strike="noStrike" cap="none" normalizeH="0" baseline="0" dirty="0" err="1">
+                <a:ln>
+                  <a:noFill/>
+                </a:ln>
+                <a:solidFill>
+                  <a:srgbClr val="000000"/>
+                </a:solidFill>
+                <a:effectLst/>
+                <a:latin typeface="Consolas" panose="020B0609020204030204" pitchFamily="49" charset="0"/>
+              </a:rPr>
+              <a:t>.perceptrons</a:t>
+            </a:r>
+            <a:r>
+              <a:rPr kumimoji="0" lang="fr-FR" altLang="fr-FR" sz="1000" b="0" i="0" u="none" strike="noStrike" cap="none" normalizeH="0" baseline="0" dirty="0">
+                <a:ln>
+                  <a:noFill/>
+                </a:ln>
+                <a:solidFill>
+                  <a:srgbClr val="000000"/>
+                </a:solidFill>
+                <a:effectLst/>
+                <a:latin typeface="Consolas" panose="020B0609020204030204" pitchFamily="49" charset="0"/>
+              </a:rPr>
+              <a:t>: List[Perceptron] = []</a:t>
+            </a:r>
+            <a:br>
+              <a:rPr kumimoji="0" lang="fr-FR" altLang="fr-FR" sz="1000" b="0" i="0" u="none" strike="noStrike" cap="none" normalizeH="0" baseline="0" dirty="0">
+                <a:ln>
+                  <a:noFill/>
+                </a:ln>
+                <a:solidFill>
+                  <a:srgbClr val="000000"/>
+                </a:solidFill>
+                <a:effectLst/>
+                <a:latin typeface="Consolas" panose="020B0609020204030204" pitchFamily="49" charset="0"/>
+              </a:rPr>
+            </a:br>
+            <a:r>
+              <a:rPr kumimoji="0" lang="fr-FR" altLang="fr-FR" sz="1000" b="0" i="0" u="none" strike="noStrike" cap="none" normalizeH="0" baseline="0" dirty="0">
+                <a:ln>
+                  <a:noFill/>
+                </a:ln>
+                <a:solidFill>
+                  <a:srgbClr val="000000"/>
+                </a:solidFill>
+                <a:effectLst/>
+                <a:latin typeface="Consolas" panose="020B0609020204030204" pitchFamily="49" charset="0"/>
+              </a:rPr>
+              <a:t>        </a:t>
+            </a:r>
+            <a:r>
+              <a:rPr kumimoji="0" lang="fr-FR" altLang="fr-FR" sz="1000" b="1" i="0" u="none" strike="noStrike" cap="none" normalizeH="0" baseline="0" dirty="0">
+                <a:ln>
+                  <a:noFill/>
+                </a:ln>
+                <a:solidFill>
+                  <a:srgbClr val="000080"/>
+                </a:solidFill>
+                <a:effectLst/>
+                <a:latin typeface="Consolas" panose="020B0609020204030204" pitchFamily="49" charset="0"/>
+              </a:rPr>
+              <a:t>for </a:t>
+            </a:r>
+            <a:r>
+              <a:rPr kumimoji="0" lang="fr-FR" altLang="fr-FR" sz="1000" b="0" i="0" u="none" strike="noStrike" cap="none" normalizeH="0" baseline="0" dirty="0">
+                <a:ln>
+                  <a:noFill/>
+                </a:ln>
+                <a:solidFill>
+                  <a:srgbClr val="000000"/>
+                </a:solidFill>
+                <a:effectLst/>
+                <a:latin typeface="Consolas" panose="020B0609020204030204" pitchFamily="49" charset="0"/>
+              </a:rPr>
+              <a:t>i </a:t>
+            </a:r>
+            <a:r>
+              <a:rPr kumimoji="0" lang="fr-FR" altLang="fr-FR" sz="1000" b="1" i="0" u="none" strike="noStrike" cap="none" normalizeH="0" baseline="0" dirty="0">
+                <a:ln>
+                  <a:noFill/>
+                </a:ln>
+                <a:solidFill>
+                  <a:srgbClr val="000080"/>
+                </a:solidFill>
+                <a:effectLst/>
+                <a:latin typeface="Consolas" panose="020B0609020204030204" pitchFamily="49" charset="0"/>
+              </a:rPr>
+              <a:t>in </a:t>
+            </a:r>
+            <a:r>
+              <a:rPr kumimoji="0" lang="fr-FR" altLang="fr-FR" sz="1000" b="0" i="0" u="none" strike="noStrike" cap="none" normalizeH="0" baseline="0" dirty="0">
+                <a:ln>
+                  <a:noFill/>
+                </a:ln>
+                <a:solidFill>
+                  <a:srgbClr val="000080"/>
+                </a:solidFill>
+                <a:effectLst/>
+                <a:latin typeface="Consolas" panose="020B0609020204030204" pitchFamily="49" charset="0"/>
+              </a:rPr>
+              <a:t>range</a:t>
+            </a:r>
+            <a:r>
+              <a:rPr kumimoji="0" lang="fr-FR" altLang="fr-FR" sz="1000" b="0" i="0" u="none" strike="noStrike" cap="none" normalizeH="0" baseline="0" dirty="0">
+                <a:ln>
+                  <a:noFill/>
+                </a:ln>
+                <a:solidFill>
+                  <a:srgbClr val="000000"/>
+                </a:solidFill>
+                <a:effectLst/>
+                <a:latin typeface="Consolas" panose="020B0609020204030204" pitchFamily="49" charset="0"/>
+              </a:rPr>
+              <a:t>(</a:t>
+            </a:r>
+            <a:r>
+              <a:rPr kumimoji="0" lang="fr-FR" altLang="fr-FR" sz="1000" b="0" i="0" u="none" strike="noStrike" cap="none" normalizeH="0" baseline="0" dirty="0" err="1">
+                <a:ln>
+                  <a:noFill/>
+                </a:ln>
+                <a:solidFill>
+                  <a:srgbClr val="000000"/>
+                </a:solidFill>
+                <a:effectLst/>
+                <a:latin typeface="Consolas" panose="020B0609020204030204" pitchFamily="49" charset="0"/>
+              </a:rPr>
+              <a:t>nbPerceptron</a:t>
+            </a:r>
+            <a:r>
+              <a:rPr kumimoji="0" lang="fr-FR" altLang="fr-FR" sz="1000" b="0" i="0" u="none" strike="noStrike" cap="none" normalizeH="0" baseline="0" dirty="0">
+                <a:ln>
+                  <a:noFill/>
+                </a:ln>
+                <a:solidFill>
+                  <a:srgbClr val="000000"/>
+                </a:solidFill>
+                <a:effectLst/>
+                <a:latin typeface="Consolas" panose="020B0609020204030204" pitchFamily="49" charset="0"/>
+              </a:rPr>
+              <a:t>):</a:t>
+            </a:r>
+            <a:br>
+              <a:rPr kumimoji="0" lang="fr-FR" altLang="fr-FR" sz="1000" b="0" i="0" u="none" strike="noStrike" cap="none" normalizeH="0" baseline="0" dirty="0">
+                <a:ln>
+                  <a:noFill/>
+                </a:ln>
+                <a:solidFill>
+                  <a:srgbClr val="000000"/>
+                </a:solidFill>
+                <a:effectLst/>
+                <a:latin typeface="Consolas" panose="020B0609020204030204" pitchFamily="49" charset="0"/>
+              </a:rPr>
+            </a:br>
+            <a:r>
+              <a:rPr kumimoji="0" lang="fr-FR" altLang="fr-FR" sz="1000" b="0" i="0" u="none" strike="noStrike" cap="none" normalizeH="0" baseline="0" dirty="0">
+                <a:ln>
+                  <a:noFill/>
+                </a:ln>
+                <a:solidFill>
+                  <a:srgbClr val="000000"/>
+                </a:solidFill>
+                <a:effectLst/>
+                <a:latin typeface="Consolas" panose="020B0609020204030204" pitchFamily="49" charset="0"/>
+              </a:rPr>
+              <a:t>            p = Perceptron(</a:t>
+            </a:r>
+            <a:r>
+              <a:rPr kumimoji="0" lang="fr-FR" altLang="fr-FR" sz="1000" b="1" i="0" u="none" strike="noStrike" cap="none" normalizeH="0" baseline="0" dirty="0">
+                <a:ln>
+                  <a:noFill/>
+                </a:ln>
+                <a:solidFill>
+                  <a:srgbClr val="008080"/>
+                </a:solidFill>
+                <a:effectLst/>
+                <a:latin typeface="Consolas" panose="020B0609020204030204" pitchFamily="49" charset="0"/>
+              </a:rPr>
+              <a:t>f"</a:t>
+            </a:r>
+            <a:r>
+              <a:rPr kumimoji="0" lang="fr-FR" altLang="fr-FR" sz="1000" b="1" i="0" u="none" strike="noStrike" cap="none" normalizeH="0" baseline="0" dirty="0">
+                <a:ln>
+                  <a:noFill/>
+                </a:ln>
+                <a:solidFill>
+                  <a:srgbClr val="000080"/>
+                </a:solidFill>
+                <a:effectLst/>
+                <a:latin typeface="Consolas" panose="020B0609020204030204" pitchFamily="49" charset="0"/>
+              </a:rPr>
+              <a:t>{</a:t>
+            </a:r>
+            <a:r>
+              <a:rPr kumimoji="0" lang="fr-FR" altLang="fr-FR" sz="1000" b="0" i="0" u="none" strike="noStrike" cap="none" normalizeH="0" baseline="0" dirty="0">
+                <a:ln>
+                  <a:noFill/>
+                </a:ln>
+                <a:solidFill>
+                  <a:srgbClr val="000000"/>
+                </a:solidFill>
+                <a:effectLst/>
+                <a:latin typeface="Consolas" panose="020B0609020204030204" pitchFamily="49" charset="0"/>
+              </a:rPr>
+              <a:t>id</a:t>
+            </a:r>
+            <a:r>
+              <a:rPr kumimoji="0" lang="fr-FR" altLang="fr-FR" sz="1000" b="1" i="0" u="none" strike="noStrike" cap="none" normalizeH="0" baseline="0" dirty="0">
+                <a:ln>
+                  <a:noFill/>
+                </a:ln>
+                <a:solidFill>
+                  <a:srgbClr val="000080"/>
+                </a:solidFill>
+                <a:effectLst/>
+                <a:latin typeface="Consolas" panose="020B0609020204030204" pitchFamily="49" charset="0"/>
+              </a:rPr>
+              <a:t>}</a:t>
+            </a:r>
+            <a:r>
+              <a:rPr kumimoji="0" lang="fr-FR" altLang="fr-FR" sz="1000" b="1" i="0" u="none" strike="noStrike" cap="none" normalizeH="0" baseline="0" dirty="0">
+                <a:ln>
+                  <a:noFill/>
+                </a:ln>
+                <a:solidFill>
+                  <a:srgbClr val="008080"/>
+                </a:solidFill>
+                <a:effectLst/>
+                <a:latin typeface="Consolas" panose="020B0609020204030204" pitchFamily="49" charset="0"/>
+              </a:rPr>
+              <a:t>-</a:t>
+            </a:r>
+            <a:r>
+              <a:rPr kumimoji="0" lang="fr-FR" altLang="fr-FR" sz="1000" b="1" i="0" u="none" strike="noStrike" cap="none" normalizeH="0" baseline="0" dirty="0">
+                <a:ln>
+                  <a:noFill/>
+                </a:ln>
+                <a:solidFill>
+                  <a:srgbClr val="000080"/>
+                </a:solidFill>
+                <a:effectLst/>
+                <a:latin typeface="Consolas" panose="020B0609020204030204" pitchFamily="49" charset="0"/>
+              </a:rPr>
+              <a:t>{</a:t>
+            </a:r>
+            <a:r>
+              <a:rPr kumimoji="0" lang="fr-FR" altLang="fr-FR" sz="1000" b="0" i="0" u="none" strike="noStrike" cap="none" normalizeH="0" baseline="0" dirty="0">
+                <a:ln>
+                  <a:noFill/>
+                </a:ln>
+                <a:solidFill>
+                  <a:srgbClr val="000000"/>
+                </a:solidFill>
+                <a:effectLst/>
+                <a:latin typeface="Consolas" panose="020B0609020204030204" pitchFamily="49" charset="0"/>
+              </a:rPr>
+              <a:t>i</a:t>
+            </a:r>
+            <a:r>
+              <a:rPr kumimoji="0" lang="fr-FR" altLang="fr-FR" sz="1000" b="1" i="0" u="none" strike="noStrike" cap="none" normalizeH="0" baseline="0" dirty="0">
+                <a:ln>
+                  <a:noFill/>
+                </a:ln>
+                <a:solidFill>
+                  <a:srgbClr val="000080"/>
+                </a:solidFill>
+                <a:effectLst/>
+                <a:latin typeface="Consolas" panose="020B0609020204030204" pitchFamily="49" charset="0"/>
+              </a:rPr>
+              <a:t>}</a:t>
+            </a:r>
+            <a:r>
+              <a:rPr kumimoji="0" lang="fr-FR" altLang="fr-FR" sz="1000" b="1" i="0" u="none" strike="noStrike" cap="none" normalizeH="0" baseline="0" dirty="0">
+                <a:ln>
+                  <a:noFill/>
+                </a:ln>
+                <a:solidFill>
+                  <a:srgbClr val="008080"/>
+                </a:solidFill>
+                <a:effectLst/>
+                <a:latin typeface="Consolas" panose="020B0609020204030204" pitchFamily="49" charset="0"/>
+              </a:rPr>
+              <a:t>"</a:t>
+            </a:r>
+            <a:r>
+              <a:rPr kumimoji="0" lang="fr-FR" altLang="fr-FR" sz="1000" b="0" i="0" u="none" strike="noStrike" cap="none" normalizeH="0" baseline="0" dirty="0">
+                <a:ln>
+                  <a:noFill/>
+                </a:ln>
+                <a:solidFill>
+                  <a:srgbClr val="000000"/>
+                </a:solidFill>
+                <a:effectLst/>
+                <a:latin typeface="Consolas" panose="020B0609020204030204" pitchFamily="49" charset="0"/>
+              </a:rPr>
+              <a:t>, </a:t>
+            </a:r>
+            <a:r>
+              <a:rPr kumimoji="0" lang="fr-FR" altLang="fr-FR" sz="1000" b="1" i="0" u="none" strike="noStrike" cap="none" normalizeH="0" baseline="0" dirty="0">
+                <a:ln>
+                  <a:noFill/>
+                </a:ln>
+                <a:solidFill>
+                  <a:srgbClr val="000080"/>
+                </a:solidFill>
+                <a:effectLst/>
+                <a:latin typeface="Consolas" panose="020B0609020204030204" pitchFamily="49" charset="0"/>
+              </a:rPr>
+              <a:t>None</a:t>
+            </a:r>
+            <a:r>
+              <a:rPr kumimoji="0" lang="fr-FR" altLang="fr-FR" sz="1000" b="0" i="0" u="none" strike="noStrike" cap="none" normalizeH="0" baseline="0" dirty="0">
+                <a:ln>
+                  <a:noFill/>
+                </a:ln>
+                <a:solidFill>
+                  <a:srgbClr val="000000"/>
+                </a:solidFill>
+                <a:effectLst/>
+                <a:latin typeface="Consolas" panose="020B0609020204030204" pitchFamily="49" charset="0"/>
+              </a:rPr>
+              <a:t>, </a:t>
+            </a:r>
+            <a:r>
+              <a:rPr kumimoji="0" lang="fr-FR" altLang="fr-FR" sz="1000" b="0" i="0" u="none" strike="noStrike" cap="none" normalizeH="0" baseline="0" dirty="0" err="1">
+                <a:ln>
+                  <a:noFill/>
+                </a:ln>
+                <a:solidFill>
+                  <a:srgbClr val="000000"/>
+                </a:solidFill>
+                <a:effectLst/>
+                <a:latin typeface="Consolas" panose="020B0609020204030204" pitchFamily="49" charset="0"/>
+              </a:rPr>
+              <a:t>activationFn</a:t>
+            </a:r>
+            <a:r>
+              <a:rPr kumimoji="0" lang="fr-FR" altLang="fr-FR" sz="1000" b="0" i="0" u="none" strike="noStrike" cap="none" normalizeH="0" baseline="0" dirty="0">
+                <a:ln>
+                  <a:noFill/>
+                </a:ln>
+                <a:solidFill>
+                  <a:srgbClr val="000000"/>
+                </a:solidFill>
+                <a:effectLst/>
+                <a:latin typeface="Consolas" panose="020B0609020204030204" pitchFamily="49" charset="0"/>
+              </a:rPr>
+              <a:t>)</a:t>
+            </a:r>
+            <a:br>
+              <a:rPr kumimoji="0" lang="fr-FR" altLang="fr-FR" sz="1000" b="0" i="0" u="none" strike="noStrike" cap="none" normalizeH="0" baseline="0" dirty="0">
+                <a:ln>
+                  <a:noFill/>
+                </a:ln>
+                <a:solidFill>
+                  <a:srgbClr val="000000"/>
+                </a:solidFill>
+                <a:effectLst/>
+                <a:latin typeface="Consolas" panose="020B0609020204030204" pitchFamily="49" charset="0"/>
+              </a:rPr>
+            </a:br>
+            <a:r>
+              <a:rPr kumimoji="0" lang="fr-FR" altLang="fr-FR" sz="1000" b="0" i="0" u="none" strike="noStrike" cap="none" normalizeH="0" baseline="0" dirty="0">
+                <a:ln>
+                  <a:noFill/>
+                </a:ln>
+                <a:solidFill>
+                  <a:srgbClr val="000000"/>
+                </a:solidFill>
+                <a:effectLst/>
+                <a:latin typeface="Consolas" panose="020B0609020204030204" pitchFamily="49" charset="0"/>
+              </a:rPr>
+              <a:t>            </a:t>
+            </a:r>
+            <a:r>
+              <a:rPr kumimoji="0" lang="fr-FR" altLang="fr-FR" sz="1000" b="0" i="0" u="none" strike="noStrike" cap="none" normalizeH="0" baseline="0" dirty="0" err="1">
+                <a:ln>
+                  <a:noFill/>
+                </a:ln>
+                <a:solidFill>
+                  <a:srgbClr val="94558D"/>
+                </a:solidFill>
+                <a:effectLst/>
+                <a:latin typeface="Consolas" panose="020B0609020204030204" pitchFamily="49" charset="0"/>
+              </a:rPr>
+              <a:t>self</a:t>
+            </a:r>
+            <a:r>
+              <a:rPr kumimoji="0" lang="fr-FR" altLang="fr-FR" sz="1000" b="0" i="0" u="none" strike="noStrike" cap="none" normalizeH="0" baseline="0" dirty="0" err="1">
+                <a:ln>
+                  <a:noFill/>
+                </a:ln>
+                <a:solidFill>
+                  <a:srgbClr val="000000"/>
+                </a:solidFill>
+                <a:effectLst/>
+                <a:latin typeface="Consolas" panose="020B0609020204030204" pitchFamily="49" charset="0"/>
+              </a:rPr>
+              <a:t>.perceptrons.append</a:t>
+            </a:r>
+            <a:r>
+              <a:rPr kumimoji="0" lang="fr-FR" altLang="fr-FR" sz="1000" b="0" i="0" u="none" strike="noStrike" cap="none" normalizeH="0" baseline="0" dirty="0">
+                <a:ln>
+                  <a:noFill/>
+                </a:ln>
+                <a:solidFill>
+                  <a:srgbClr val="000000"/>
+                </a:solidFill>
+                <a:effectLst/>
+                <a:latin typeface="Consolas" panose="020B0609020204030204" pitchFamily="49" charset="0"/>
+              </a:rPr>
+              <a:t>(p)</a:t>
+            </a:r>
+            <a:endParaRPr kumimoji="0" lang="fr-FR" altLang="fr-FR" sz="1800" b="0" i="0" u="none" strike="noStrike" cap="none" normalizeH="0" baseline="0" dirty="0">
+              <a:ln>
+                <a:noFill/>
+              </a:ln>
+              <a:solidFill>
+                <a:schemeClr val="tx1"/>
+              </a:solidFill>
+              <a:effectLst/>
+              <a:latin typeface="Arial" panose="020B0604020202020204" pitchFamily="34" charset="0"/>
+            </a:endParaRPr>
           </a:p>
         </p:txBody>
       </p:sp>
     </p:spTree>
     <p:extLst>
       <p:ext uri="{BB962C8B-B14F-4D97-AF65-F5344CB8AC3E}">
-        <p14:creationId xmlns:p14="http://schemas.microsoft.com/office/powerpoint/2010/main" val="1994866782"/>
+        <p14:creationId xmlns:p14="http://schemas.microsoft.com/office/powerpoint/2010/main" val="654712396"/>
       </p:ext>
     </p:extLst>
   </p:cSld>
@@ -5153,23 +5195,50 @@
           <a:p>
             <a:r>
               <a:rPr lang="fr-FR" dirty="0"/>
-              <a:t>Exemple 2x2x2</a:t>
+              <a:t>MLP</a:t>
+            </a:r>
+          </a:p>
+        </p:txBody>
+      </p:sp>
+      <p:sp>
+        <p:nvSpPr>
+          <p:cNvPr id="3" name="Espace réservé du contenu 2"/>
+          <p:cNvSpPr>
+            <a:spLocks noGrp="1"/>
+          </p:cNvSpPr>
+          <p:nvPr>
+            <p:ph idx="1"/>
+          </p:nvPr>
+        </p:nvSpPr>
+        <p:spPr/>
+        <p:txBody>
+          <a:bodyPr/>
+          <a:lstStyle/>
+          <a:p>
+            <a:r>
+              <a:rPr lang="fr-FR" dirty="0"/>
+              <a:t>Multi Layer Perceptron</a:t>
+            </a:r>
+          </a:p>
+          <a:p>
+            <a:pPr lvl="1"/>
+            <a:r>
+              <a:rPr lang="fr-FR" dirty="0"/>
+              <a:t>Les perceptrons sont mis dans un graphe acyclique</a:t>
             </a:r>
           </a:p>
         </p:txBody>
       </p:sp>
       <p:pic>
         <p:nvPicPr>
-          <p:cNvPr id="4" name="Picture 2" descr="neural_network (7)"/>
+          <p:cNvPr id="4" name="Picture 12" descr="Résultat de recherche d'images pour &quot;mlp inference&quot;"/>
           <p:cNvPicPr>
-            <a:picLocks noGrp="1" noChangeAspect="1" noChangeArrowheads="1"/>
+            <a:picLocks noChangeAspect="1" noChangeArrowheads="1"/>
           </p:cNvPicPr>
-          <p:nvPr>
-            <p:ph idx="1"/>
-          </p:nvPr>
+          <p:nvPr/>
         </p:nvPicPr>
         <p:blipFill>
-          <a:blip r:embed="rId2">
+          <a:blip r:embed="rId3" cstate="print">
             <a:extLst>
               <a:ext uri="{28A0092B-C50C-407E-A947-70E740481C1C}">
                 <a14:useLocalDpi xmlns:a14="http://schemas.microsoft.com/office/drawing/2010/main" val="0"/>
@@ -5183,8 +5252,8 @@
         </p:blipFill>
         <p:spPr bwMode="auto">
           <a:xfrm>
-            <a:off x="2411760" y="1700808"/>
-            <a:ext cx="4152900" cy="3533775"/>
+            <a:off x="2051720" y="2852936"/>
+            <a:ext cx="4804506" cy="3164895"/>
           </a:xfrm>
           <a:prstGeom prst="rect">
             <a:avLst/>
@@ -5201,10 +5270,63 @@
           </a:extLst>
         </p:spPr>
       </p:pic>
+      <p:sp>
+        <p:nvSpPr>
+          <p:cNvPr id="5" name="ZoneTexte 4">
+            <a:extLst>
+              <a:ext uri="{FF2B5EF4-FFF2-40B4-BE49-F238E27FC236}">
+                <a16:creationId xmlns:a16="http://schemas.microsoft.com/office/drawing/2014/main" id="{A993503B-2ED5-4061-88B8-420B4BF6AFFF}"/>
+              </a:ext>
+            </a:extLst>
+          </p:cNvPr>
+          <p:cNvSpPr txBox="1"/>
+          <p:nvPr/>
+        </p:nvSpPr>
+        <p:spPr>
+          <a:xfrm>
+            <a:off x="1043608" y="3356992"/>
+            <a:ext cx="869149" cy="1938992"/>
+          </a:xfrm>
+          <a:prstGeom prst="rect">
+            <a:avLst/>
+          </a:prstGeom>
+          <a:noFill/>
+        </p:spPr>
+        <p:txBody>
+          <a:bodyPr wrap="none" rtlCol="0">
+            <a:spAutoFit/>
+          </a:bodyPr>
+          <a:lstStyle/>
+          <a:p>
+            <a:r>
+              <a:rPr lang="fr-FR" dirty="0"/>
+              <a:t>1 4 7</a:t>
+            </a:r>
+          </a:p>
+          <a:p>
+            <a:endParaRPr lang="fr-FR" dirty="0"/>
+          </a:p>
+          <a:p>
+            <a:r>
+              <a:rPr lang="fr-FR" dirty="0"/>
+              <a:t>2 5 8</a:t>
+            </a:r>
+          </a:p>
+          <a:p>
+            <a:endParaRPr lang="fr-FR" dirty="0"/>
+          </a:p>
+          <a:p>
+            <a:r>
+              <a:rPr lang="fr-FR" dirty="0"/>
+              <a:t>3 6 9</a:t>
+            </a:r>
+          </a:p>
+        </p:txBody>
+      </p:sp>
     </p:spTree>
     <p:extLst>
       <p:ext uri="{BB962C8B-B14F-4D97-AF65-F5344CB8AC3E}">
-        <p14:creationId xmlns:p14="http://schemas.microsoft.com/office/powerpoint/2010/main" val="1192764081"/>
+        <p14:creationId xmlns:p14="http://schemas.microsoft.com/office/powerpoint/2010/main" val="1994866782"/>
       </p:ext>
     </p:extLst>
   </p:cSld>
@@ -5248,114 +5370,20 @@
           <a:p>
             <a:r>
               <a:rPr lang="fr-FR" dirty="0"/>
-              <a:t>Exemple simple</a:t>
-            </a:r>
-          </a:p>
-        </p:txBody>
-      </p:sp>
-      <p:sp>
-        <p:nvSpPr>
-          <p:cNvPr id="3" name="Espace réservé du contenu 2"/>
-          <p:cNvSpPr>
-            <a:spLocks noGrp="1"/>
-          </p:cNvSpPr>
-          <p:nvPr>
-            <p:ph idx="1"/>
-          </p:nvPr>
-        </p:nvSpPr>
-        <p:spPr/>
-        <p:txBody>
-          <a:bodyPr/>
-          <a:lstStyle/>
-          <a:p>
-            <a:r>
-              <a:rPr lang="fr-FR" dirty="0"/>
-              <a:t>Réseau (2,2,2)</a:t>
-            </a:r>
-          </a:p>
-          <a:p>
-            <a:pPr lvl="1"/>
-            <a:r>
-              <a:rPr lang="fr-FR" dirty="0"/>
-              <a:t>2 inputs</a:t>
-            </a:r>
-          </a:p>
-          <a:p>
-            <a:pPr lvl="1"/>
-            <a:r>
-              <a:rPr lang="fr-FR" dirty="0"/>
-              <a:t>2 </a:t>
-            </a:r>
-            <a:r>
-              <a:rPr lang="fr-FR" dirty="0" err="1"/>
-              <a:t>hiddens</a:t>
-            </a:r>
-            <a:endParaRPr lang="fr-FR" dirty="0"/>
-          </a:p>
-          <a:p>
-            <a:pPr lvl="1"/>
-            <a:r>
-              <a:rPr lang="fr-FR" dirty="0"/>
-              <a:t>2 outputs</a:t>
-            </a:r>
-          </a:p>
-          <a:p>
-            <a:r>
-              <a:rPr lang="fr-FR" dirty="0"/>
-              <a:t>Input [0.05, 0.1]</a:t>
-            </a:r>
-          </a:p>
-          <a:p>
-            <a:r>
-              <a:rPr lang="fr-FR" dirty="0"/>
-              <a:t>Output </a:t>
-            </a:r>
-            <a:r>
-              <a:rPr lang="fr-FR" dirty="0" err="1"/>
-              <a:t>target</a:t>
-            </a:r>
-            <a:r>
-              <a:rPr lang="fr-FR" dirty="0"/>
-              <a:t> [0.01, 0.99]</a:t>
-            </a:r>
-          </a:p>
-          <a:p>
-            <a:r>
-              <a:rPr lang="fr-FR" dirty="0" err="1"/>
-              <a:t>wx</a:t>
-            </a:r>
-            <a:r>
-              <a:rPr lang="fr-FR" dirty="0"/>
-              <a:t> = Poids</a:t>
-            </a:r>
-          </a:p>
-          <a:p>
-            <a:r>
-              <a:rPr lang="fr-FR" dirty="0" err="1"/>
-              <a:t>bx</a:t>
-            </a:r>
-            <a:r>
-              <a:rPr lang="fr-FR" dirty="0"/>
-              <a:t> = </a:t>
-            </a:r>
-            <a:r>
-              <a:rPr lang="fr-FR" dirty="0" err="1"/>
-              <a:t>Bias</a:t>
-            </a:r>
-            <a:r>
-              <a:rPr lang="fr-FR" dirty="0"/>
-              <a:t> (seuils)</a:t>
+              <a:t>Exemple 2x2x2</a:t>
             </a:r>
           </a:p>
         </p:txBody>
       </p:sp>
       <p:pic>
         <p:nvPicPr>
-          <p:cNvPr id="1028" name="Picture 4" descr="neural_network (9)"/>
+          <p:cNvPr id="4" name="Picture 2" descr="neural_network (7)"/>
           <p:cNvPicPr>
-            <a:picLocks noChangeAspect="1" noChangeArrowheads="1"/>
+            <a:picLocks noGrp="1" noChangeAspect="1" noChangeArrowheads="1"/>
           </p:cNvPicPr>
-          <p:nvPr/>
+          <p:nvPr>
+            <p:ph idx="1"/>
+          </p:nvPr>
         </p:nvPicPr>
         <p:blipFill>
           <a:blip r:embed="rId2">
@@ -5372,8 +5400,8 @@
         </p:blipFill>
         <p:spPr bwMode="auto">
           <a:xfrm>
-            <a:off x="4562537" y="1556792"/>
-            <a:ext cx="4152900" cy="3533776"/>
+            <a:off x="2411760" y="1700808"/>
+            <a:ext cx="4152900" cy="3533775"/>
           </a:xfrm>
           <a:prstGeom prst="rect">
             <a:avLst/>
@@ -5393,7 +5421,7 @@
     </p:spTree>
     <p:extLst>
       <p:ext uri="{BB962C8B-B14F-4D97-AF65-F5344CB8AC3E}">
-        <p14:creationId xmlns:p14="http://schemas.microsoft.com/office/powerpoint/2010/main" val="3192940177"/>
+        <p14:creationId xmlns:p14="http://schemas.microsoft.com/office/powerpoint/2010/main" val="1192764081"/>
       </p:ext>
     </p:extLst>
   </p:cSld>
@@ -5437,14 +5465,110 @@
           <a:p>
             <a:r>
               <a:rPr lang="fr-FR" dirty="0"/>
-              <a:t>Inférence</a:t>
+              <a:t>Exemple simple</a:t>
+            </a:r>
+          </a:p>
+        </p:txBody>
+      </p:sp>
+      <p:sp>
+        <p:nvSpPr>
+          <p:cNvPr id="3" name="Espace réservé du contenu 2"/>
+          <p:cNvSpPr>
+            <a:spLocks noGrp="1"/>
+          </p:cNvSpPr>
+          <p:nvPr>
+            <p:ph idx="1"/>
+          </p:nvPr>
+        </p:nvSpPr>
+        <p:spPr/>
+        <p:txBody>
+          <a:bodyPr/>
+          <a:lstStyle/>
+          <a:p>
+            <a:r>
+              <a:rPr lang="fr-FR" dirty="0"/>
+              <a:t>Réseau (2,2,2)</a:t>
+            </a:r>
+          </a:p>
+          <a:p>
+            <a:pPr lvl="1"/>
+            <a:r>
+              <a:rPr lang="fr-FR" dirty="0"/>
+              <a:t>2 inputs</a:t>
+            </a:r>
+          </a:p>
+          <a:p>
+            <a:pPr lvl="1"/>
+            <a:r>
+              <a:rPr lang="fr-FR" dirty="0"/>
+              <a:t>2 </a:t>
+            </a:r>
+            <a:r>
+              <a:rPr lang="fr-FR" dirty="0" err="1"/>
+              <a:t>hiddens</a:t>
+            </a:r>
+            <a:endParaRPr lang="fr-FR" dirty="0"/>
+          </a:p>
+          <a:p>
+            <a:pPr lvl="1"/>
+            <a:r>
+              <a:rPr lang="fr-FR" dirty="0"/>
+              <a:t>2 outputs</a:t>
+            </a:r>
+          </a:p>
+          <a:p>
+            <a:r>
+              <a:rPr lang="fr-FR" dirty="0"/>
+              <a:t>Input [0.05, 0.1]</a:t>
+            </a:r>
+          </a:p>
+          <a:p>
+            <a:r>
+              <a:rPr lang="fr-FR" dirty="0"/>
+              <a:t>Output </a:t>
+            </a:r>
+            <a:r>
+              <a:rPr lang="fr-FR" dirty="0" err="1"/>
+              <a:t>target</a:t>
+            </a:r>
+            <a:r>
+              <a:rPr lang="fr-FR" dirty="0"/>
+              <a:t> [0.01, 0.99]</a:t>
+            </a:r>
+          </a:p>
+          <a:p>
+            <a:r>
+              <a:rPr lang="fr-FR" dirty="0" err="1"/>
+              <a:t>wx</a:t>
+            </a:r>
+            <a:r>
+              <a:rPr lang="fr-FR" dirty="0"/>
+              <a:t> = Poids</a:t>
+            </a:r>
+          </a:p>
+          <a:p>
+            <a:r>
+              <a:rPr lang="fr-FR" dirty="0" err="1"/>
+              <a:t>bx</a:t>
+            </a:r>
+            <a:r>
+              <a:rPr lang="fr-FR" dirty="0"/>
+              <a:t> = </a:t>
+            </a:r>
+            <a:r>
+              <a:rPr lang="fr-FR" dirty="0" err="1"/>
+              <a:t>Bias</a:t>
+            </a:r>
+            <a:r>
+              <a:rPr lang="fr-FR" dirty="0"/>
+              <a:t> (seuils)</a:t>
             </a:r>
           </a:p>
         </p:txBody>
       </p:sp>
       <p:pic>
         <p:nvPicPr>
-          <p:cNvPr id="4" name="Picture 4" descr="neural_network (9)"/>
+          <p:cNvPr id="1028" name="Picture 4" descr="neural_network (9)"/>
           <p:cNvPicPr>
             <a:picLocks noChangeAspect="1" noChangeArrowheads="1"/>
           </p:cNvPicPr>
@@ -5465,7 +5589,7 @@
         </p:blipFill>
         <p:spPr bwMode="auto">
           <a:xfrm>
-            <a:off x="2267744" y="2060848"/>
+            <a:off x="4562537" y="1556792"/>
             <a:ext cx="4152900" cy="3533776"/>
           </a:xfrm>
           <a:prstGeom prst="rect">
@@ -5486,7 +5610,7 @@
     </p:spTree>
     <p:extLst>
       <p:ext uri="{BB962C8B-B14F-4D97-AF65-F5344CB8AC3E}">
-        <p14:creationId xmlns:p14="http://schemas.microsoft.com/office/powerpoint/2010/main" val="1809103920"/>
+        <p14:creationId xmlns:p14="http://schemas.microsoft.com/office/powerpoint/2010/main" val="3192940177"/>
       </p:ext>
     </p:extLst>
   </p:cSld>
@@ -5530,77 +5654,56 @@
           <a:p>
             <a:r>
               <a:rPr lang="fr-FR" dirty="0"/>
-              <a:t>Calcul du </a:t>
-            </a:r>
-            <a:r>
-              <a:rPr lang="fr-FR" dirty="0" err="1"/>
-              <a:t>loss</a:t>
-            </a:r>
-            <a:endParaRPr lang="fr-FR" dirty="0"/>
+              <a:t>Inférence</a:t>
+            </a:r>
           </a:p>
         </p:txBody>
       </p:sp>
-      <p:sp>
-        <p:nvSpPr>
-          <p:cNvPr id="3" name="Espace réservé du contenu 2"/>
-          <p:cNvSpPr>
-            <a:spLocks noGrp="1"/>
-          </p:cNvSpPr>
-          <p:nvPr>
-            <p:ph idx="1"/>
-          </p:nvPr>
-        </p:nvSpPr>
-        <p:spPr/>
-        <p:txBody>
-          <a:bodyPr/>
-          <a:lstStyle/>
-          <a:p>
-            <a:r>
-              <a:rPr lang="fr-FR" dirty="0"/>
-              <a:t>Les résultats obtenus sont 0.75 et 0.77</a:t>
-            </a:r>
-          </a:p>
-          <a:p>
-            <a:r>
-              <a:rPr lang="fr-FR" dirty="0"/>
-              <a:t>Le résultat attendu est 0.01 et 0.99</a:t>
-            </a:r>
-          </a:p>
-          <a:p>
-            <a:r>
-              <a:rPr lang="fr-FR" dirty="0"/>
-              <a:t>Le </a:t>
-            </a:r>
-            <a:r>
-              <a:rPr lang="fr-FR" dirty="0" err="1"/>
-              <a:t>loss</a:t>
-            </a:r>
-            <a:r>
-              <a:rPr lang="fr-FR" dirty="0"/>
-              <a:t> (</a:t>
-            </a:r>
-            <a:r>
-              <a:rPr lang="fr-FR" dirty="0" err="1"/>
-              <a:t>mse</a:t>
-            </a:r>
-            <a:r>
-              <a:rPr lang="fr-FR" dirty="0"/>
-              <a:t>) est l’erreur quadratique soit</a:t>
-            </a:r>
-          </a:p>
-          <a:p>
-            <a:pPr lvl="1"/>
-            <a:r>
-              <a:rPr lang="fr-FR" dirty="0"/>
-              <a:t>(0.75-0.01)**2 + (0.77-0.99)**2 = 0.51</a:t>
-            </a:r>
-          </a:p>
-        </p:txBody>
-      </p:sp>
+      <p:pic>
+        <p:nvPicPr>
+          <p:cNvPr id="4" name="Picture 4" descr="neural_network (9)"/>
+          <p:cNvPicPr>
+            <a:picLocks noChangeAspect="1" noChangeArrowheads="1"/>
+          </p:cNvPicPr>
+          <p:nvPr/>
+        </p:nvPicPr>
+        <p:blipFill>
+          <a:blip r:embed="rId2">
+            <a:extLst>
+              <a:ext uri="{28A0092B-C50C-407E-A947-70E740481C1C}">
+                <a14:useLocalDpi xmlns:a14="http://schemas.microsoft.com/office/drawing/2010/main" val="0"/>
+              </a:ext>
+            </a:extLst>
+          </a:blip>
+          <a:srcRect/>
+          <a:stretch>
+            <a:fillRect/>
+          </a:stretch>
+        </p:blipFill>
+        <p:spPr bwMode="auto">
+          <a:xfrm>
+            <a:off x="2267744" y="2060848"/>
+            <a:ext cx="4152900" cy="3533776"/>
+          </a:xfrm>
+          <a:prstGeom prst="rect">
+            <a:avLst/>
+          </a:prstGeom>
+          <a:noFill/>
+          <a:extLst>
+            <a:ext uri="{909E8E84-426E-40DD-AFC4-6F175D3DCCD1}">
+              <a14:hiddenFill xmlns:a14="http://schemas.microsoft.com/office/drawing/2010/main">
+                <a:solidFill>
+                  <a:srgbClr val="FFFFFF"/>
+                </a:solidFill>
+              </a14:hiddenFill>
+            </a:ext>
+          </a:extLst>
+        </p:spPr>
+      </p:pic>
     </p:spTree>
     <p:extLst>
       <p:ext uri="{BB962C8B-B14F-4D97-AF65-F5344CB8AC3E}">
-        <p14:creationId xmlns:p14="http://schemas.microsoft.com/office/powerpoint/2010/main" val="1802245847"/>
+        <p14:creationId xmlns:p14="http://schemas.microsoft.com/office/powerpoint/2010/main" val="1809103920"/>
       </p:ext>
     </p:extLst>
   </p:cSld>
@@ -5643,8 +5746,12 @@
           <a:lstStyle/>
           <a:p>
             <a:r>
+              <a:rPr lang="fr-FR" dirty="0"/>
+              <a:t>Calcul du </a:t>
+            </a:r>
+            <a:r>
               <a:rPr lang="fr-FR" dirty="0" err="1"/>
-              <a:t>Backpropagation</a:t>
+              <a:t>loss</a:t>
             </a:r>
             <a:endParaRPr lang="fr-FR" dirty="0"/>
           </a:p>
@@ -5667,40 +5774,50 @@
           <a:p>
             <a:r>
               <a:rPr lang="fr-FR" dirty="0"/>
-              <a:t>Les réseaux de neurones sont souvent supervisé</a:t>
+              <a:t>Les résultats obtenus sont 0.75 et 0.77</a:t>
+            </a:r>
+          </a:p>
+          <a:p>
+            <a:r>
+              <a:rPr lang="fr-FR" dirty="0"/>
+              <a:t>Le résultat attendu est 0.01 et 0.99</a:t>
+            </a:r>
+          </a:p>
+          <a:p>
+            <a:r>
+              <a:rPr lang="fr-FR" dirty="0"/>
+              <a:t>Le </a:t>
+            </a:r>
+            <a:r>
+              <a:rPr lang="fr-FR" dirty="0" err="1"/>
+              <a:t>loss</a:t>
+            </a:r>
+            <a:r>
+              <a:rPr lang="fr-FR" dirty="0"/>
+              <a:t> (</a:t>
+            </a:r>
+            <a:r>
+              <a:rPr lang="fr-FR" dirty="0" err="1"/>
+              <a:t>mse</a:t>
+            </a:r>
+            <a:r>
+              <a:rPr lang="fr-FR" dirty="0"/>
+              <a:t>) est l’erreur quadratique soit</a:t>
             </a:r>
           </a:p>
           <a:p>
             <a:pPr lvl="1"/>
             <a:r>
               <a:rPr lang="fr-FR" dirty="0"/>
-              <a:t>Présence d’un feedback pour indiquer si le calcul est bon</a:t>
-            </a:r>
-          </a:p>
-          <a:p>
-            <a:r>
-              <a:rPr lang="fr-FR" dirty="0"/>
-              <a:t>Si le feedback est bon, le neurone se fige un peu plus</a:t>
-            </a:r>
-          </a:p>
-          <a:p>
-            <a:r>
-              <a:rPr lang="fr-FR" dirty="0"/>
-              <a:t>Sinon, le seuil et les poids changent un peu</a:t>
-            </a:r>
-          </a:p>
-          <a:p>
-            <a:endParaRPr lang="fr-FR" dirty="0"/>
-          </a:p>
-          <a:p>
-            <a:endParaRPr lang="fr-FR" dirty="0"/>
+              <a:t>(0.75-0.01)**2 + (0.77-0.99)**2 = 0.51</a:t>
+            </a:r>
           </a:p>
         </p:txBody>
       </p:sp>
     </p:spTree>
     <p:extLst>
       <p:ext uri="{BB962C8B-B14F-4D97-AF65-F5344CB8AC3E}">
-        <p14:creationId xmlns:p14="http://schemas.microsoft.com/office/powerpoint/2010/main" val="2263156246"/>
+        <p14:creationId xmlns:p14="http://schemas.microsoft.com/office/powerpoint/2010/main" val="1802245847"/>
       </p:ext>
     </p:extLst>
   </p:cSld>
@@ -5743,6 +5860,106 @@
           <a:lstStyle/>
           <a:p>
             <a:r>
+              <a:rPr lang="fr-FR" dirty="0" err="1"/>
+              <a:t>Backpropagation</a:t>
+            </a:r>
+            <a:endParaRPr lang="fr-FR" dirty="0"/>
+          </a:p>
+        </p:txBody>
+      </p:sp>
+      <p:sp>
+        <p:nvSpPr>
+          <p:cNvPr id="3" name="Espace réservé du contenu 2"/>
+          <p:cNvSpPr>
+            <a:spLocks noGrp="1"/>
+          </p:cNvSpPr>
+          <p:nvPr>
+            <p:ph idx="1"/>
+          </p:nvPr>
+        </p:nvSpPr>
+        <p:spPr/>
+        <p:txBody>
+          <a:bodyPr/>
+          <a:lstStyle/>
+          <a:p>
+            <a:r>
+              <a:rPr lang="fr-FR" dirty="0"/>
+              <a:t>Les réseaux de neurones sont souvent supervisé</a:t>
+            </a:r>
+          </a:p>
+          <a:p>
+            <a:pPr lvl="1"/>
+            <a:r>
+              <a:rPr lang="fr-FR" dirty="0"/>
+              <a:t>Présence d’un feedback pour indiquer si le calcul est bon</a:t>
+            </a:r>
+          </a:p>
+          <a:p>
+            <a:r>
+              <a:rPr lang="fr-FR" dirty="0"/>
+              <a:t>Si le feedback est bon, le neurone se fige un peu plus</a:t>
+            </a:r>
+          </a:p>
+          <a:p>
+            <a:r>
+              <a:rPr lang="fr-FR" dirty="0"/>
+              <a:t>Sinon, le seuil et les poids changent un peu</a:t>
+            </a:r>
+          </a:p>
+          <a:p>
+            <a:endParaRPr lang="fr-FR" dirty="0"/>
+          </a:p>
+          <a:p>
+            <a:endParaRPr lang="fr-FR" dirty="0"/>
+          </a:p>
+        </p:txBody>
+      </p:sp>
+    </p:spTree>
+    <p:extLst>
+      <p:ext uri="{BB962C8B-B14F-4D97-AF65-F5344CB8AC3E}">
+        <p14:creationId xmlns:p14="http://schemas.microsoft.com/office/powerpoint/2010/main" val="2263156246"/>
+      </p:ext>
+    </p:extLst>
+  </p:cSld>
+  <p:clrMapOvr>
+    <a:masterClrMapping/>
+  </p:clrMapOvr>
+</p:sld>
+</file>
+
+<file path=ppt/slides/slide19.xml><?xml version="1.0" encoding="utf-8"?>
+<p:sld xmlns:a="http://schemas.openxmlformats.org/drawingml/2006/main" xmlns:r="http://schemas.openxmlformats.org/officeDocument/2006/relationships" xmlns:p="http://schemas.openxmlformats.org/presentationml/2006/main">
+  <p:cSld>
+    <p:spTree>
+      <p:nvGrpSpPr>
+        <p:cNvPr id="1" name=""/>
+        <p:cNvGrpSpPr/>
+        <p:nvPr/>
+      </p:nvGrpSpPr>
+      <p:grpSpPr>
+        <a:xfrm>
+          <a:off x="0" y="0"/>
+          <a:ext cx="0" cy="0"/>
+          <a:chOff x="0" y="0"/>
+          <a:chExt cx="0" cy="0"/>
+        </a:xfrm>
+      </p:grpSpPr>
+      <p:sp>
+        <p:nvSpPr>
+          <p:cNvPr id="2" name="Titre 1"/>
+          <p:cNvSpPr>
+            <a:spLocks noGrp="1"/>
+          </p:cNvSpPr>
+          <p:nvPr>
+            <p:ph type="title"/>
+          </p:nvPr>
+        </p:nvSpPr>
+        <p:spPr/>
+        <p:txBody>
+          <a:bodyPr/>
+          <a:lstStyle/>
+          <a:p>
+            <a:r>
               <a:rPr lang="fr-FR" dirty="0"/>
               <a:t>Gradient d’erreur</a:t>
             </a:r>
@@ -5822,152 +6039,6 @@
     <p:extLst>
       <p:ext uri="{BB962C8B-B14F-4D97-AF65-F5344CB8AC3E}">
         <p14:creationId xmlns:p14="http://schemas.microsoft.com/office/powerpoint/2010/main" val="460024365"/>
-      </p:ext>
-    </p:extLst>
-  </p:cSld>
-  <p:clrMapOvr>
-    <a:masterClrMapping/>
-  </p:clrMapOvr>
-</p:sld>
-</file>
-
-<file path=ppt/slides/slide19.xml><?xml version="1.0" encoding="utf-8"?>
-<p:sld xmlns:a="http://schemas.openxmlformats.org/drawingml/2006/main" xmlns:r="http://schemas.openxmlformats.org/officeDocument/2006/relationships" xmlns:p="http://schemas.openxmlformats.org/presentationml/2006/main">
-  <p:cSld>
-    <p:spTree>
-      <p:nvGrpSpPr>
-        <p:cNvPr id="1" name=""/>
-        <p:cNvGrpSpPr/>
-        <p:nvPr/>
-      </p:nvGrpSpPr>
-      <p:grpSpPr>
-        <a:xfrm>
-          <a:off x="0" y="0"/>
-          <a:ext cx="0" cy="0"/>
-          <a:chOff x="0" y="0"/>
-          <a:chExt cx="0" cy="0"/>
-        </a:xfrm>
-      </p:grpSpPr>
-      <p:sp>
-        <p:nvSpPr>
-          <p:cNvPr id="2" name="Titre 1">
-            <a:extLst>
-              <a:ext uri="{FF2B5EF4-FFF2-40B4-BE49-F238E27FC236}">
-                <a16:creationId xmlns:a16="http://schemas.microsoft.com/office/drawing/2014/main" id="{ECFEC4C4-87EA-450C-B88A-6D762C879A24}"/>
-              </a:ext>
-            </a:extLst>
-          </p:cNvPr>
-          <p:cNvSpPr>
-            <a:spLocks noGrp="1"/>
-          </p:cNvSpPr>
-          <p:nvPr>
-            <p:ph type="title"/>
-          </p:nvPr>
-        </p:nvSpPr>
-        <p:spPr/>
-        <p:txBody>
-          <a:bodyPr/>
-          <a:lstStyle/>
-          <a:p>
-            <a:r>
-              <a:rPr lang="fr-FR" dirty="0" err="1"/>
-              <a:t>dW</a:t>
-            </a:r>
-            <a:endParaRPr lang="fr-FR" dirty="0"/>
-          </a:p>
-        </p:txBody>
-      </p:sp>
-      <p:sp>
-        <p:nvSpPr>
-          <p:cNvPr id="3" name="Espace réservé du contenu 2">
-            <a:extLst>
-              <a:ext uri="{FF2B5EF4-FFF2-40B4-BE49-F238E27FC236}">
-                <a16:creationId xmlns:a16="http://schemas.microsoft.com/office/drawing/2014/main" id="{7E8D1F86-3366-4C45-B5B1-F655AD1FDE6E}"/>
-              </a:ext>
-            </a:extLst>
-          </p:cNvPr>
-          <p:cNvSpPr>
-            <a:spLocks noGrp="1"/>
-          </p:cNvSpPr>
-          <p:nvPr>
-            <p:ph idx="1"/>
-          </p:nvPr>
-        </p:nvSpPr>
-        <p:spPr/>
-        <p:txBody>
-          <a:bodyPr/>
-          <a:lstStyle/>
-          <a:p>
-            <a:endParaRPr lang="fr-FR" dirty="0"/>
-          </a:p>
-          <a:p>
-            <a:endParaRPr lang="fr-FR" dirty="0"/>
-          </a:p>
-          <a:p>
-            <a:r>
-              <a:rPr lang="fr-FR" dirty="0"/>
-              <a:t>Neurone inputs (0.1 0.9) output = grosse erreur</a:t>
-            </a:r>
-          </a:p>
-          <a:p>
-            <a:endParaRPr lang="fr-FR" dirty="0"/>
-          </a:p>
-          <a:p>
-            <a:r>
-              <a:rPr lang="fr-FR" dirty="0" err="1"/>
-              <a:t>fdW</a:t>
-            </a:r>
-            <a:r>
-              <a:rPr lang="fr-FR" dirty="0"/>
-              <a:t> = (</a:t>
-            </a:r>
-            <a:r>
-              <a:rPr lang="fr-FR" dirty="0" err="1"/>
-              <a:t>loss</a:t>
-            </a:r>
-            <a:r>
-              <a:rPr lang="fr-FR" dirty="0"/>
-              <a:t> * </a:t>
-            </a:r>
-            <a:r>
-              <a:rPr lang="fr-FR" dirty="0" err="1"/>
-              <a:t>wi</a:t>
-            </a:r>
-            <a:r>
-              <a:rPr lang="fr-FR" dirty="0"/>
-              <a:t> * </a:t>
-            </a:r>
-            <a:r>
-              <a:rPr lang="fr-FR" dirty="0" err="1"/>
-              <a:t>learningrate</a:t>
-            </a:r>
-            <a:r>
-              <a:rPr lang="fr-FR" dirty="0"/>
-              <a:t>) / (</a:t>
-            </a:r>
-            <a:r>
-              <a:rPr lang="fr-FR" dirty="0" err="1"/>
-              <a:t>fdeceleration</a:t>
-            </a:r>
-            <a:r>
-              <a:rPr lang="fr-FR" dirty="0"/>
-              <a:t>(</a:t>
-            </a:r>
-            <a:r>
-              <a:rPr lang="fr-FR" dirty="0" err="1"/>
-              <a:t>momentum</a:t>
-            </a:r>
-            <a:r>
-              <a:rPr lang="fr-FR" dirty="0"/>
-              <a:t>) + </a:t>
-            </a:r>
-          </a:p>
-        </p:txBody>
-      </p:sp>
-    </p:spTree>
-    <p:extLst>
-      <p:ext uri="{BB962C8B-B14F-4D97-AF65-F5344CB8AC3E}">
-        <p14:creationId xmlns:p14="http://schemas.microsoft.com/office/powerpoint/2010/main" val="1665010655"/>
       </p:ext>
     </p:extLst>
   </p:cSld>
@@ -6121,7 +6192,13 @@
       </p:grpSpPr>
       <p:sp>
         <p:nvSpPr>
-          <p:cNvPr id="2" name="Titre 1"/>
+          <p:cNvPr id="2" name="Titre 1">
+            <a:extLst>
+              <a:ext uri="{FF2B5EF4-FFF2-40B4-BE49-F238E27FC236}">
+                <a16:creationId xmlns:a16="http://schemas.microsoft.com/office/drawing/2014/main" id="{ECFEC4C4-87EA-450C-B88A-6D762C879A24}"/>
+              </a:ext>
+            </a:extLst>
+          </p:cNvPr>
           <p:cNvSpPr>
             <a:spLocks noGrp="1"/>
           </p:cNvSpPr>
@@ -6135,15 +6212,22 @@
           <a:lstStyle/>
           <a:p>
             <a:r>
-              <a:rPr lang="fr-FR" dirty="0"/>
-              <a:t>Changement du poids</a:t>
-            </a:r>
+              <a:rPr lang="fr-FR" dirty="0" err="1"/>
+              <a:t>dW</a:t>
+            </a:r>
+            <a:endParaRPr lang="fr-FR" dirty="0"/>
           </a:p>
         </p:txBody>
       </p:sp>
       <p:sp>
         <p:nvSpPr>
-          <p:cNvPr id="3" name="Espace réservé du contenu 2"/>
+          <p:cNvPr id="3" name="Espace réservé du contenu 2">
+            <a:extLst>
+              <a:ext uri="{FF2B5EF4-FFF2-40B4-BE49-F238E27FC236}">
+                <a16:creationId xmlns:a16="http://schemas.microsoft.com/office/drawing/2014/main" id="{7E8D1F86-3366-4C45-B5B1-F655AD1FDE6E}"/>
+              </a:ext>
+            </a:extLst>
+          </p:cNvPr>
           <p:cNvSpPr>
             <a:spLocks noGrp="1"/>
           </p:cNvSpPr>
@@ -6156,39 +6240,82 @@
           <a:bodyPr/>
           <a:lstStyle/>
           <a:p>
-            <a:r>
-              <a:rPr lang="fr-FR" dirty="0"/>
-              <a:t>Changement du poids</a:t>
-            </a:r>
-          </a:p>
-          <a:p>
-            <a:pPr lvl="1"/>
-            <a:r>
-              <a:rPr lang="fr-FR" dirty="0"/>
-              <a:t>Algorithme RMS</a:t>
-            </a:r>
-          </a:p>
-          <a:p>
-            <a:pPr lvl="1"/>
+            <a:endParaRPr lang="fr-FR" dirty="0"/>
+          </a:p>
+          <a:p>
+            <a:endParaRPr lang="fr-FR" dirty="0"/>
+          </a:p>
+          <a:p>
+            <a:r>
+              <a:rPr lang="fr-FR" dirty="0"/>
+              <a:t>Neurone inputs (0.1 0.9) output = grosse erreur</a:t>
+            </a:r>
+          </a:p>
+          <a:p>
             <a:r>
               <a:rPr lang="fr-FR" dirty="0" err="1"/>
-              <a:t>dW</a:t>
-            </a:r>
-            <a:r>
-              <a:rPr lang="fr-FR" dirty="0"/>
-              <a:t> = </a:t>
-            </a:r>
+              <a:t>LearningRate</a:t>
+            </a:r>
+            <a:r>
+              <a:rPr lang="fr-FR" dirty="0"/>
+              <a:t> = [1</a:t>
+            </a:r>
+            <a:r>
+              <a:rPr lang="fr-FR" baseline="30000" dirty="0"/>
+              <a:t>e</a:t>
+            </a:r>
+            <a:r>
+              <a:rPr lang="fr-FR" dirty="0"/>
+              <a:t>-2; 1</a:t>
+            </a:r>
+            <a:r>
+              <a:rPr lang="fr-FR" baseline="30000" dirty="0"/>
+              <a:t>e</a:t>
+            </a:r>
+            <a:r>
+              <a:rPr lang="fr-FR" dirty="0"/>
+              <a:t>-4]</a:t>
+            </a:r>
+          </a:p>
+          <a:p>
+            <a:endParaRPr lang="fr-FR" dirty="0"/>
+          </a:p>
+          <a:p>
             <a:r>
               <a:rPr lang="fr-FR" dirty="0" err="1"/>
-              <a:t>learningrate</a:t>
-            </a:r>
-            <a:r>
-              <a:rPr lang="fr-FR" dirty="0"/>
-              <a:t> * gradient(</a:t>
+              <a:t>fdW</a:t>
+            </a:r>
+            <a:r>
+              <a:rPr lang="fr-FR" dirty="0"/>
+              <a:t> = (</a:t>
             </a:r>
             <a:r>
               <a:rPr lang="fr-FR" dirty="0" err="1"/>
-              <a:t>loss</a:t>
+              <a:t>Loss</a:t>
+            </a:r>
+            <a:r>
+              <a:rPr lang="fr-FR" dirty="0"/>
+              <a:t> * w * </a:t>
+            </a:r>
+            <a:r>
+              <a:rPr lang="fr-FR" dirty="0" err="1"/>
+              <a:t>LearningRate</a:t>
+            </a:r>
+            <a:r>
+              <a:rPr lang="fr-FR" dirty="0"/>
+              <a:t>) / (</a:t>
+            </a:r>
+            <a:r>
+              <a:rPr lang="fr-FR" dirty="0" err="1"/>
+              <a:t>momentum</a:t>
+            </a:r>
+            <a:r>
+              <a:rPr lang="fr-FR" dirty="0"/>
+              <a:t> * </a:t>
+            </a:r>
+            <a:r>
+              <a:rPr lang="fr-FR" dirty="0" err="1"/>
+              <a:t>dfactivation</a:t>
             </a:r>
             <a:r>
               <a:rPr lang="fr-FR" dirty="0"/>
@@ -6197,51 +6324,10 @@
           </a:p>
         </p:txBody>
       </p:sp>
-      <p:pic>
-        <p:nvPicPr>
-          <p:cNvPr id="7170" name="Picture 2" descr="https://miro.medium.com/max/1500/0*oqm7QVnI9-inFGCc.gif"/>
-          <p:cNvPicPr>
-            <a:picLocks noChangeAspect="1" noChangeArrowheads="1" noCrop="1"/>
-          </p:cNvPicPr>
-          <p:nvPr/>
-        </p:nvPicPr>
-        <p:blipFill>
-          <a:blip r:embed="rId2">
-            <a:extLst>
-              <a:ext uri="{28A0092B-C50C-407E-A947-70E740481C1C}">
-                <a14:useLocalDpi xmlns:a14="http://schemas.microsoft.com/office/drawing/2010/main" val="0"/>
-              </a:ext>
-            </a:extLst>
-          </a:blip>
-          <a:srcRect/>
-          <a:stretch>
-            <a:fillRect/>
-          </a:stretch>
-        </p:blipFill>
-        <p:spPr bwMode="auto">
-          <a:xfrm>
-            <a:off x="611560" y="3212976"/>
-            <a:ext cx="6768752" cy="2651095"/>
-          </a:xfrm>
-          <a:prstGeom prst="rect">
-            <a:avLst/>
-          </a:prstGeom>
-          <a:noFill/>
-          <a:extLst>
-            <a:ext uri="{909E8E84-426E-40DD-AFC4-6F175D3DCCD1}">
-              <a14:hiddenFill xmlns:a14="http://schemas.microsoft.com/office/drawing/2010/main">
-                <a:solidFill>
-                  <a:srgbClr val="FFFFFF"/>
-                </a:solidFill>
-              </a14:hiddenFill>
-            </a:ext>
-          </a:extLst>
-        </p:spPr>
-      </p:pic>
     </p:spTree>
     <p:extLst>
       <p:ext uri="{BB962C8B-B14F-4D97-AF65-F5344CB8AC3E}">
-        <p14:creationId xmlns:p14="http://schemas.microsoft.com/office/powerpoint/2010/main" val="540926501"/>
+        <p14:creationId xmlns:p14="http://schemas.microsoft.com/office/powerpoint/2010/main" val="1665010655"/>
       </p:ext>
     </p:extLst>
   </p:cSld>
@@ -6285,7 +6371,7 @@
           <a:p>
             <a:r>
               <a:rPr lang="fr-FR" dirty="0"/>
-              <a:t>Learning rate</a:t>
+              <a:t>Changement du poids</a:t>
             </a:r>
           </a:p>
         </p:txBody>
@@ -6307,23 +6393,50 @@
           <a:p>
             <a:r>
               <a:rPr lang="fr-FR" dirty="0"/>
-              <a:t>Le taux d’apprentissage résout le problème des minimums locaux</a:t>
+              <a:t>Changement du poids</a:t>
             </a:r>
           </a:p>
           <a:p>
             <a:pPr lvl="1"/>
             <a:r>
               <a:rPr lang="fr-FR" dirty="0"/>
-              <a:t>Entre 0.01 et 0.00001</a:t>
+              <a:t>Algorithme RMS</a:t>
+            </a:r>
+          </a:p>
+          <a:p>
+            <a:pPr lvl="1"/>
+            <a:r>
+              <a:rPr lang="fr-FR" dirty="0" err="1"/>
+              <a:t>dW</a:t>
+            </a:r>
+            <a:r>
+              <a:rPr lang="fr-FR" dirty="0"/>
+              <a:t> = </a:t>
+            </a:r>
+            <a:r>
+              <a:rPr lang="fr-FR" dirty="0" err="1"/>
+              <a:t>learningrate</a:t>
+            </a:r>
+            <a:r>
+              <a:rPr lang="fr-FR" dirty="0"/>
+              <a:t> * gradient(</a:t>
+            </a:r>
+            <a:r>
+              <a:rPr lang="fr-FR" dirty="0" err="1"/>
+              <a:t>loss</a:t>
+            </a:r>
+            <a:r>
+              <a:rPr lang="fr-FR" dirty="0"/>
+              <a:t>)</a:t>
             </a:r>
           </a:p>
         </p:txBody>
       </p:sp>
       <p:pic>
         <p:nvPicPr>
-          <p:cNvPr id="13314" name="Picture 2" descr="https://miro.medium.com/max/700/0*G8a4jCsMLJ7xNQNt.png"/>
+          <p:cNvPr id="7170" name="Picture 2" descr="https://miro.medium.com/max/1500/0*oqm7QVnI9-inFGCc.gif"/>
           <p:cNvPicPr>
-            <a:picLocks noChangeAspect="1" noChangeArrowheads="1"/>
+            <a:picLocks noChangeAspect="1" noChangeArrowheads="1" noCrop="1"/>
           </p:cNvPicPr>
           <p:nvPr/>
         </p:nvPicPr>
@@ -6342,8 +6455,8 @@
         </p:blipFill>
         <p:spPr bwMode="auto">
           <a:xfrm>
-            <a:off x="5825282" y="1772816"/>
-            <a:ext cx="3120281" cy="2340211"/>
+            <a:off x="611560" y="3212976"/>
+            <a:ext cx="6768752" cy="2651095"/>
           </a:xfrm>
           <a:prstGeom prst="rect">
             <a:avLst/>
@@ -6360,51 +6473,10 @@
           </a:extLst>
         </p:spPr>
       </p:pic>
-      <p:pic>
-        <p:nvPicPr>
-          <p:cNvPr id="13316" name="Picture 4" descr="Image result for gradient descent"/>
-          <p:cNvPicPr>
-            <a:picLocks noChangeAspect="1" noChangeArrowheads="1"/>
-          </p:cNvPicPr>
-          <p:nvPr/>
-        </p:nvPicPr>
-        <p:blipFill>
-          <a:blip r:embed="rId3" cstate="print">
-            <a:extLst>
-              <a:ext uri="{28A0092B-C50C-407E-A947-70E740481C1C}">
-                <a14:useLocalDpi xmlns:a14="http://schemas.microsoft.com/office/drawing/2010/main" val="0"/>
-              </a:ext>
-            </a:extLst>
-          </a:blip>
-          <a:srcRect/>
-          <a:stretch>
-            <a:fillRect/>
-          </a:stretch>
-        </p:blipFill>
-        <p:spPr bwMode="auto">
-          <a:xfrm>
-            <a:off x="899592" y="3501008"/>
-            <a:ext cx="4577354" cy="2141810"/>
-          </a:xfrm>
-          <a:prstGeom prst="rect">
-            <a:avLst/>
-          </a:prstGeom>
-          <a:noFill/>
-          <a:extLst>
-            <a:ext uri="{909E8E84-426E-40DD-AFC4-6F175D3DCCD1}">
-              <a14:hiddenFill xmlns:a14="http://schemas.microsoft.com/office/drawing/2010/main">
-                <a:solidFill>
-                  <a:srgbClr val="FFFFFF"/>
-                </a:solidFill>
-              </a14:hiddenFill>
-            </a:ext>
-          </a:extLst>
-        </p:spPr>
-      </p:pic>
     </p:spTree>
     <p:extLst>
       <p:ext uri="{BB962C8B-B14F-4D97-AF65-F5344CB8AC3E}">
-        <p14:creationId xmlns:p14="http://schemas.microsoft.com/office/powerpoint/2010/main" val="3830766788"/>
+        <p14:creationId xmlns:p14="http://schemas.microsoft.com/office/powerpoint/2010/main" val="540926501"/>
       </p:ext>
     </p:extLst>
   </p:cSld>
@@ -6448,7 +6520,7 @@
           <a:p>
             <a:r>
               <a:rPr lang="fr-FR" dirty="0"/>
-              <a:t>La descente du gradient</a:t>
+              <a:t>Learning rate</a:t>
             </a:r>
           </a:p>
         </p:txBody>
@@ -6470,29 +6542,21 @@
           <a:p>
             <a:r>
               <a:rPr lang="fr-FR" dirty="0"/>
-              <a:t>La descente du gradient</a:t>
+              <a:t>Le taux d’apprentissage résout le problème des minimums locaux</a:t>
             </a:r>
           </a:p>
           <a:p>
             <a:pPr lvl="1"/>
             <a:r>
               <a:rPr lang="fr-FR" dirty="0"/>
-              <a:t>Le changement de poids est alors effectué en remontant le réseaux</a:t>
-            </a:r>
-          </a:p>
-          <a:p>
-            <a:pPr lvl="1"/>
-            <a:r>
-              <a:rPr lang="fr-FR" dirty="0" err="1"/>
-              <a:t>Backpropagation</a:t>
-            </a:r>
-            <a:endParaRPr lang="fr-FR" dirty="0"/>
+              <a:t>Entre 0.01 et 0.00001</a:t>
+            </a:r>
           </a:p>
         </p:txBody>
       </p:sp>
       <p:pic>
         <p:nvPicPr>
-          <p:cNvPr id="5" name="Picture 8" descr="nn-calculation"/>
+          <p:cNvPr id="13314" name="Picture 2" descr="https://miro.medium.com/max/700/0*G8a4jCsMLJ7xNQNt.png"/>
           <p:cNvPicPr>
             <a:picLocks noChangeAspect="1" noChangeArrowheads="1"/>
           </p:cNvPicPr>
@@ -6513,8 +6577,8 @@
         </p:blipFill>
         <p:spPr bwMode="auto">
           <a:xfrm>
-            <a:off x="1067302" y="3284983"/>
-            <a:ext cx="3752373" cy="3030489"/>
+            <a:off x="5825282" y="1772816"/>
+            <a:ext cx="3120281" cy="2340211"/>
           </a:xfrm>
           <a:prstGeom prst="rect">
             <a:avLst/>
@@ -6533,7 +6597,7 @@
       </p:pic>
       <p:pic>
         <p:nvPicPr>
-          <p:cNvPr id="6" name="Picture 2" descr="https://miro.medium.com/max/2870/1*r_-1TKp8ylzWRl_ybjEhwA.png"/>
+          <p:cNvPr id="13316" name="Picture 4" descr="Image result for gradient descent"/>
           <p:cNvPicPr>
             <a:picLocks noChangeAspect="1" noChangeArrowheads="1"/>
           </p:cNvPicPr>
@@ -6554,8 +6618,8 @@
         </p:blipFill>
         <p:spPr bwMode="auto">
           <a:xfrm>
-            <a:off x="5018112" y="4440829"/>
-            <a:ext cx="4125888" cy="718796"/>
+            <a:off x="899592" y="3501008"/>
+            <a:ext cx="4577354" cy="2141810"/>
           </a:xfrm>
           <a:prstGeom prst="rect">
             <a:avLst/>
@@ -6575,7 +6639,7 @@
     </p:spTree>
     <p:extLst>
       <p:ext uri="{BB962C8B-B14F-4D97-AF65-F5344CB8AC3E}">
-        <p14:creationId xmlns:p14="http://schemas.microsoft.com/office/powerpoint/2010/main" val="2691581530"/>
+        <p14:creationId xmlns:p14="http://schemas.microsoft.com/office/powerpoint/2010/main" val="3830766788"/>
       </p:ext>
     </p:extLst>
   </p:cSld>
@@ -6618,6 +6682,42 @@
           <a:lstStyle/>
           <a:p>
             <a:r>
+              <a:rPr lang="fr-FR" dirty="0"/>
+              <a:t>La descente du gradient</a:t>
+            </a:r>
+          </a:p>
+        </p:txBody>
+      </p:sp>
+      <p:sp>
+        <p:nvSpPr>
+          <p:cNvPr id="3" name="Espace réservé du contenu 2"/>
+          <p:cNvSpPr>
+            <a:spLocks noGrp="1"/>
+          </p:cNvSpPr>
+          <p:nvPr>
+            <p:ph idx="1"/>
+          </p:nvPr>
+        </p:nvSpPr>
+        <p:spPr/>
+        <p:txBody>
+          <a:bodyPr/>
+          <a:lstStyle/>
+          <a:p>
+            <a:r>
+              <a:rPr lang="fr-FR" dirty="0"/>
+              <a:t>La descente du gradient</a:t>
+            </a:r>
+          </a:p>
+          <a:p>
+            <a:pPr lvl="1"/>
+            <a:r>
+              <a:rPr lang="fr-FR" dirty="0"/>
+              <a:t>Le changement de poids est alors effectué en remontant le réseaux</a:t>
+            </a:r>
+          </a:p>
+          <a:p>
+            <a:pPr lvl="1"/>
+            <a:r>
               <a:rPr lang="fr-FR" dirty="0" err="1"/>
               <a:t>Backpropagation</a:t>
             </a:r>
@@ -6627,13 +6727,11 @@
       </p:sp>
       <p:pic>
         <p:nvPicPr>
-          <p:cNvPr id="4098" name="Picture 2" descr="https://dpzbhybb2pdcj.cloudfront.net/allaire/Figures/01fig09.jpg"/>
+          <p:cNvPr id="5" name="Picture 8" descr="nn-calculation"/>
           <p:cNvPicPr>
-            <a:picLocks noGrp="1" noChangeAspect="1" noChangeArrowheads="1"/>
+            <a:picLocks noChangeAspect="1" noChangeArrowheads="1"/>
           </p:cNvPicPr>
-          <p:nvPr>
-            <p:ph idx="1"/>
-          </p:nvPr>
+          <p:nvPr/>
         </p:nvPicPr>
         <p:blipFill>
           <a:blip r:embed="rId2">
@@ -6650,8 +6748,8 @@
         </p:blipFill>
         <p:spPr bwMode="auto">
           <a:xfrm>
-            <a:off x="2798341" y="1772816"/>
-            <a:ext cx="4608512" cy="3657214"/>
+            <a:off x="1067302" y="3284983"/>
+            <a:ext cx="3752373" cy="3030489"/>
           </a:xfrm>
           <a:prstGeom prst="rect">
             <a:avLst/>
@@ -6668,10 +6766,51 @@
           </a:extLst>
         </p:spPr>
       </p:pic>
+      <p:pic>
+        <p:nvPicPr>
+          <p:cNvPr id="6" name="Picture 2" descr="https://miro.medium.com/max/2870/1*r_-1TKp8ylzWRl_ybjEhwA.png"/>
+          <p:cNvPicPr>
+            <a:picLocks noChangeAspect="1" noChangeArrowheads="1"/>
+          </p:cNvPicPr>
+          <p:nvPr/>
+        </p:nvPicPr>
+        <p:blipFill>
+          <a:blip r:embed="rId3" cstate="print">
+            <a:extLst>
+              <a:ext uri="{28A0092B-C50C-407E-A947-70E740481C1C}">
+                <a14:useLocalDpi xmlns:a14="http://schemas.microsoft.com/office/drawing/2010/main" val="0"/>
+              </a:ext>
+            </a:extLst>
+          </a:blip>
+          <a:srcRect/>
+          <a:stretch>
+            <a:fillRect/>
+          </a:stretch>
+        </p:blipFill>
+        <p:spPr bwMode="auto">
+          <a:xfrm>
+            <a:off x="5018112" y="4440829"/>
+            <a:ext cx="4125888" cy="718796"/>
+          </a:xfrm>
+          <a:prstGeom prst="rect">
+            <a:avLst/>
+          </a:prstGeom>
+          <a:noFill/>
+          <a:extLst>
+            <a:ext uri="{909E8E84-426E-40DD-AFC4-6F175D3DCCD1}">
+              <a14:hiddenFill xmlns:a14="http://schemas.microsoft.com/office/drawing/2010/main">
+                <a:solidFill>
+                  <a:srgbClr val="FFFFFF"/>
+                </a:solidFill>
+              </a14:hiddenFill>
+            </a:ext>
+          </a:extLst>
+        </p:spPr>
+      </p:pic>
     </p:spTree>
     <p:extLst>
       <p:ext uri="{BB962C8B-B14F-4D97-AF65-F5344CB8AC3E}">
-        <p14:creationId xmlns:p14="http://schemas.microsoft.com/office/powerpoint/2010/main" val="2578929874"/>
+        <p14:creationId xmlns:p14="http://schemas.microsoft.com/office/powerpoint/2010/main" val="2691581530"/>
       </p:ext>
     </p:extLst>
   </p:cSld>
@@ -6715,105 +6854,21 @@
           <a:p>
             <a:r>
               <a:rPr lang="fr-FR" dirty="0" err="1"/>
-              <a:t>Stochastic</a:t>
-            </a:r>
-            <a:r>
-              <a:rPr lang="fr-FR" dirty="0"/>
-              <a:t> Gradient </a:t>
-            </a:r>
-            <a:r>
-              <a:rPr lang="fr-FR" dirty="0" err="1"/>
-              <a:t>Based</a:t>
-            </a:r>
-            <a:r>
-              <a:rPr lang="fr-FR" dirty="0"/>
-              <a:t> </a:t>
-            </a:r>
-            <a:r>
-              <a:rPr lang="fr-FR" dirty="0" err="1"/>
-              <a:t>Optimizer</a:t>
+              <a:t>Backpropagation</a:t>
             </a:r>
             <a:endParaRPr lang="fr-FR" dirty="0"/>
-          </a:p>
-        </p:txBody>
-      </p:sp>
-      <p:sp>
-        <p:nvSpPr>
-          <p:cNvPr id="3" name="Espace réservé du contenu 2"/>
-          <p:cNvSpPr>
-            <a:spLocks noGrp="1"/>
-          </p:cNvSpPr>
-          <p:nvPr>
-            <p:ph idx="1"/>
-          </p:nvPr>
-        </p:nvSpPr>
-        <p:spPr/>
-        <p:txBody>
-          <a:bodyPr/>
-          <a:lstStyle/>
-          <a:p>
-            <a:r>
-              <a:rPr lang="fr-FR" dirty="0"/>
-              <a:t>Ajout d’un moment et de la dérivé de la fonction d’activation dans le calcul de </a:t>
-            </a:r>
-            <a:r>
-              <a:rPr lang="fr-FR" dirty="0" err="1"/>
-              <a:t>dW</a:t>
-            </a:r>
-            <a:endParaRPr lang="fr-FR" dirty="0"/>
-          </a:p>
-          <a:p>
-            <a:pPr lvl="1"/>
-            <a:r>
-              <a:rPr lang="fr-FR" dirty="0" err="1"/>
-              <a:t>dW</a:t>
-            </a:r>
-            <a:r>
-              <a:rPr lang="fr-FR" dirty="0"/>
-              <a:t> = (</a:t>
-            </a:r>
-            <a:r>
-              <a:rPr lang="fr-FR" dirty="0" err="1"/>
-              <a:t>learningrate</a:t>
-            </a:r>
-            <a:r>
-              <a:rPr lang="fr-FR" dirty="0"/>
-              <a:t> * gradient(</a:t>
-            </a:r>
-            <a:r>
-              <a:rPr lang="fr-FR" dirty="0" err="1"/>
-              <a:t>loss</a:t>
-            </a:r>
-            <a:r>
-              <a:rPr lang="fr-FR" dirty="0"/>
-              <a:t>)) / (</a:t>
-            </a:r>
-            <a:r>
-              <a:rPr lang="fr-FR" dirty="0" err="1"/>
-              <a:t>df</a:t>
-            </a:r>
-            <a:r>
-              <a:rPr lang="fr-FR" dirty="0"/>
-              <a:t>(x) * </a:t>
-            </a:r>
-            <a:r>
-              <a:rPr lang="fr-FR" dirty="0" err="1"/>
-              <a:t>momentum</a:t>
-            </a:r>
-            <a:r>
-              <a:rPr lang="fr-FR" dirty="0"/>
-              <a:t>)</a:t>
-            </a:r>
           </a:p>
         </p:txBody>
       </p:sp>
       <p:pic>
         <p:nvPicPr>
-          <p:cNvPr id="6" name="Picture 2" descr="https://dpzbhybb2pdcj.cloudfront.net/allaire/Figures/02fig10.jpg"/>
+          <p:cNvPr id="4098" name="Picture 2" descr="https://dpzbhybb2pdcj.cloudfront.net/allaire/Figures/01fig09.jpg"/>
           <p:cNvPicPr>
-            <a:picLocks noChangeAspect="1" noChangeArrowheads="1"/>
+            <a:picLocks noGrp="1" noChangeAspect="1" noChangeArrowheads="1"/>
           </p:cNvPicPr>
-          <p:nvPr/>
+          <p:nvPr>
+            <p:ph idx="1"/>
+          </p:nvPr>
         </p:nvPicPr>
         <p:blipFill>
           <a:blip r:embed="rId2">
@@ -6830,16 +6885,13 @@
         </p:blipFill>
         <p:spPr bwMode="auto">
           <a:xfrm>
-            <a:off x="3203848" y="3212976"/>
-            <a:ext cx="2869743" cy="2189416"/>
+            <a:off x="2798341" y="1772816"/>
+            <a:ext cx="4608512" cy="3657214"/>
           </a:xfrm>
           <a:prstGeom prst="rect">
             <a:avLst/>
           </a:prstGeom>
           <a:noFill/>
-          <a:ln>
-            <a:noFill/>
-          </a:ln>
           <a:extLst>
             <a:ext uri="{909E8E84-426E-40DD-AFC4-6F175D3DCCD1}">
               <a14:hiddenFill xmlns:a14="http://schemas.microsoft.com/office/drawing/2010/main">
@@ -6847,16 +6899,6 @@
                   <a:srgbClr val="FFFFFF"/>
                 </a:solidFill>
               </a14:hiddenFill>
-            </a:ext>
-            <a:ext uri="{91240B29-F687-4F45-9708-019B960494DF}">
-              <a14:hiddenLine xmlns:a14="http://schemas.microsoft.com/office/drawing/2010/main" w="9525">
-                <a:solidFill>
-                  <a:srgbClr val="000000"/>
-                </a:solidFill>
-                <a:miter lim="800000"/>
-                <a:headEnd/>
-                <a:tailEnd/>
-              </a14:hiddenLine>
             </a:ext>
           </a:extLst>
         </p:spPr>
@@ -6864,7 +6906,7 @@
     </p:spTree>
     <p:extLst>
       <p:ext uri="{BB962C8B-B14F-4D97-AF65-F5344CB8AC3E}">
-        <p14:creationId xmlns:p14="http://schemas.microsoft.com/office/powerpoint/2010/main" val="4230464150"/>
+        <p14:creationId xmlns:p14="http://schemas.microsoft.com/office/powerpoint/2010/main" val="2578929874"/>
       </p:ext>
     </p:extLst>
   </p:cSld>
@@ -6907,9 +6949,26 @@
           <a:lstStyle/>
           <a:p>
             <a:r>
-              <a:rPr lang="fr-FR" dirty="0"/>
-              <a:t>MLP Complexes</a:t>
-            </a:r>
+              <a:rPr lang="fr-FR" dirty="0" err="1"/>
+              <a:t>Stochastic</a:t>
+            </a:r>
+            <a:r>
+              <a:rPr lang="fr-FR" dirty="0"/>
+              <a:t> Gradient </a:t>
+            </a:r>
+            <a:r>
+              <a:rPr lang="fr-FR" dirty="0" err="1"/>
+              <a:t>Based</a:t>
+            </a:r>
+            <a:r>
+              <a:rPr lang="fr-FR" dirty="0"/>
+              <a:t> </a:t>
+            </a:r>
+            <a:r>
+              <a:rPr lang="fr-FR" dirty="0" err="1"/>
+              <a:t>Optimizer</a:t>
+            </a:r>
+            <a:endParaRPr lang="fr-FR" dirty="0"/>
           </a:p>
         </p:txBody>
       </p:sp>
@@ -6930,14 +6989,62 @@
           <a:p>
             <a:r>
               <a:rPr lang="fr-FR" dirty="0"/>
-              <a:t>Les réseaux peuvent être complexes</a:t>
+              <a:t>Ajout d’un moment et de la dérivé de la fonction d’activation dans le calcul de </a:t>
+            </a:r>
+            <a:r>
+              <a:rPr lang="fr-FR" dirty="0" err="1"/>
+              <a:t>dW</a:t>
+            </a:r>
+            <a:endParaRPr lang="fr-FR" dirty="0"/>
+          </a:p>
+          <a:p>
+            <a:pPr lvl="1"/>
+            <a:r>
+              <a:rPr lang="fr-FR" dirty="0" err="1"/>
+              <a:t>dW</a:t>
+            </a:r>
+            <a:r>
+              <a:rPr lang="fr-FR" dirty="0"/>
+              <a:t> = (</a:t>
+            </a:r>
+            <a:r>
+              <a:rPr lang="fr-FR" dirty="0" err="1"/>
+              <a:t>learningrate</a:t>
+            </a:r>
+            <a:r>
+              <a:rPr lang="fr-FR" dirty="0"/>
+              <a:t> * gradient(</a:t>
+            </a:r>
+            <a:r>
+              <a:rPr lang="fr-FR" dirty="0" err="1"/>
+              <a:t>loss</a:t>
+            </a:r>
+            <a:r>
+              <a:rPr lang="fr-FR" dirty="0"/>
+              <a:t>)) / (</a:t>
+            </a:r>
+            <a:r>
+              <a:rPr lang="fr-FR" dirty="0" err="1"/>
+              <a:t>df</a:t>
+            </a:r>
+            <a:r>
+              <a:rPr lang="fr-FR" dirty="0"/>
+              <a:t>(x) * </a:t>
+            </a:r>
+            <a:r>
+              <a:rPr lang="fr-FR" dirty="0" err="1"/>
+              <a:t>momentum</a:t>
+            </a:r>
+            <a:r>
+              <a:rPr lang="fr-FR" dirty="0"/>
+              <a:t>)</a:t>
             </a:r>
           </a:p>
         </p:txBody>
       </p:sp>
       <p:pic>
         <p:nvPicPr>
-          <p:cNvPr id="4" name="Picture 16" descr="Résultat de recherche d'images pour &quot;multi layer perceptron inference animated gif&quot;"/>
+          <p:cNvPr id="6" name="Picture 2" descr="https://dpzbhybb2pdcj.cloudfront.net/allaire/Figures/02fig10.jpg"/>
           <p:cNvPicPr>
             <a:picLocks noChangeAspect="1" noChangeArrowheads="1"/>
           </p:cNvPicPr>
@@ -6958,13 +7065,16 @@
         </p:blipFill>
         <p:spPr bwMode="auto">
           <a:xfrm>
-            <a:off x="1979712" y="1916832"/>
-            <a:ext cx="5273934" cy="4428753"/>
+            <a:off x="3203848" y="3212976"/>
+            <a:ext cx="2869743" cy="2189416"/>
           </a:xfrm>
           <a:prstGeom prst="rect">
             <a:avLst/>
           </a:prstGeom>
           <a:noFill/>
+          <a:ln>
+            <a:noFill/>
+          </a:ln>
           <a:extLst>
             <a:ext uri="{909E8E84-426E-40DD-AFC4-6F175D3DCCD1}">
               <a14:hiddenFill xmlns:a14="http://schemas.microsoft.com/office/drawing/2010/main">
@@ -6972,6 +7082,16 @@
                   <a:srgbClr val="FFFFFF"/>
                 </a:solidFill>
               </a14:hiddenFill>
+            </a:ext>
+            <a:ext uri="{91240B29-F687-4F45-9708-019B960494DF}">
+              <a14:hiddenLine xmlns:a14="http://schemas.microsoft.com/office/drawing/2010/main" w="9525">
+                <a:solidFill>
+                  <a:srgbClr val="000000"/>
+                </a:solidFill>
+                <a:miter lim="800000"/>
+                <a:headEnd/>
+                <a:tailEnd/>
+              </a14:hiddenLine>
             </a:ext>
           </a:extLst>
         </p:spPr>
@@ -6979,7 +7099,7 @@
     </p:spTree>
     <p:extLst>
       <p:ext uri="{BB962C8B-B14F-4D97-AF65-F5344CB8AC3E}">
-        <p14:creationId xmlns:p14="http://schemas.microsoft.com/office/powerpoint/2010/main" val="651947342"/>
+        <p14:creationId xmlns:p14="http://schemas.microsoft.com/office/powerpoint/2010/main" val="4230464150"/>
       </p:ext>
     </p:extLst>
   </p:cSld>
@@ -7023,7 +7143,7 @@
           <a:p>
             <a:r>
               <a:rPr lang="fr-FR" dirty="0"/>
-              <a:t>Coût</a:t>
+              <a:t>MLP Complexes</a:t>
             </a:r>
           </a:p>
         </p:txBody>
@@ -7038,47 +7158,28 @@
             <p:ph idx="1"/>
           </p:nvPr>
         </p:nvSpPr>
-        <p:spPr>
-          <a:xfrm>
-            <a:off x="179513" y="1412776"/>
-            <a:ext cx="7056784" cy="5040560"/>
-          </a:xfrm>
-        </p:spPr>
+        <p:spPr/>
         <p:txBody>
           <a:bodyPr/>
           <a:lstStyle/>
           <a:p>
             <a:r>
               <a:rPr lang="fr-FR" dirty="0"/>
-              <a:t>Très couteux</a:t>
-            </a:r>
-          </a:p>
-          <a:p>
-            <a:pPr lvl="1"/>
-            <a:r>
-              <a:rPr lang="fr-FR" dirty="0"/>
-              <a:t>Mais donne de très bon résultats</a:t>
-            </a:r>
-          </a:p>
-          <a:p>
-            <a:pPr lvl="1"/>
-            <a:r>
-              <a:rPr lang="fr-FR" dirty="0"/>
-              <a:t>Maitrise l’addition sur 4 bits avec 145 neurones et 100 itérations</a:t>
+              <a:t>Les réseaux peuvent être complexes</a:t>
             </a:r>
           </a:p>
         </p:txBody>
       </p:sp>
       <p:pic>
         <p:nvPicPr>
-          <p:cNvPr id="3074" name="Picture 2" descr="../_images/multilayerperceptron_network.png"/>
+          <p:cNvPr id="4" name="Picture 16" descr="Résultat de recherche d'images pour &quot;multi layer perceptron inference animated gif&quot;"/>
           <p:cNvPicPr>
             <a:picLocks noChangeAspect="1" noChangeArrowheads="1"/>
           </p:cNvPicPr>
           <p:nvPr/>
         </p:nvPicPr>
         <p:blipFill>
-          <a:blip r:embed="rId2" cstate="print">
+          <a:blip r:embed="rId2">
             <a:extLst>
               <a:ext uri="{28A0092B-C50C-407E-A947-70E740481C1C}">
                 <a14:useLocalDpi xmlns:a14="http://schemas.microsoft.com/office/drawing/2010/main" val="0"/>
@@ -7092,8 +7193,8 @@
         </p:blipFill>
         <p:spPr bwMode="auto">
           <a:xfrm>
-            <a:off x="6863081" y="2132856"/>
-            <a:ext cx="2088232" cy="2269585"/>
+            <a:off x="1979712" y="1916832"/>
+            <a:ext cx="5273934" cy="4428753"/>
           </a:xfrm>
           <a:prstGeom prst="rect">
             <a:avLst/>
@@ -7113,7 +7214,7 @@
     </p:spTree>
     <p:extLst>
       <p:ext uri="{BB962C8B-B14F-4D97-AF65-F5344CB8AC3E}">
-        <p14:creationId xmlns:p14="http://schemas.microsoft.com/office/powerpoint/2010/main" val="1268887621"/>
+        <p14:creationId xmlns:p14="http://schemas.microsoft.com/office/powerpoint/2010/main" val="651947342"/>
       </p:ext>
     </p:extLst>
   </p:cSld>
@@ -7157,6 +7258,140 @@
           <a:p>
             <a:r>
               <a:rPr lang="fr-FR" dirty="0"/>
+              <a:t>Coût</a:t>
+            </a:r>
+          </a:p>
+        </p:txBody>
+      </p:sp>
+      <p:sp>
+        <p:nvSpPr>
+          <p:cNvPr id="3" name="Espace réservé du contenu 2"/>
+          <p:cNvSpPr>
+            <a:spLocks noGrp="1"/>
+          </p:cNvSpPr>
+          <p:nvPr>
+            <p:ph idx="1"/>
+          </p:nvPr>
+        </p:nvSpPr>
+        <p:spPr>
+          <a:xfrm>
+            <a:off x="179513" y="1412776"/>
+            <a:ext cx="7056784" cy="5040560"/>
+          </a:xfrm>
+        </p:spPr>
+        <p:txBody>
+          <a:bodyPr/>
+          <a:lstStyle/>
+          <a:p>
+            <a:r>
+              <a:rPr lang="fr-FR" dirty="0"/>
+              <a:t>Très couteux</a:t>
+            </a:r>
+          </a:p>
+          <a:p>
+            <a:pPr lvl="1"/>
+            <a:r>
+              <a:rPr lang="fr-FR" dirty="0"/>
+              <a:t>Mais donne de très bon résultats</a:t>
+            </a:r>
+          </a:p>
+          <a:p>
+            <a:pPr lvl="1"/>
+            <a:r>
+              <a:rPr lang="fr-FR" dirty="0"/>
+              <a:t>Maitrise l’addition sur 4 bits avec 145 neurones et 100 itérations</a:t>
+            </a:r>
+          </a:p>
+        </p:txBody>
+      </p:sp>
+      <p:pic>
+        <p:nvPicPr>
+          <p:cNvPr id="3074" name="Picture 2" descr="../_images/multilayerperceptron_network.png"/>
+          <p:cNvPicPr>
+            <a:picLocks noChangeAspect="1" noChangeArrowheads="1"/>
+          </p:cNvPicPr>
+          <p:nvPr/>
+        </p:nvPicPr>
+        <p:blipFill>
+          <a:blip r:embed="rId2" cstate="print">
+            <a:extLst>
+              <a:ext uri="{28A0092B-C50C-407E-A947-70E740481C1C}">
+                <a14:useLocalDpi xmlns:a14="http://schemas.microsoft.com/office/drawing/2010/main" val="0"/>
+              </a:ext>
+            </a:extLst>
+          </a:blip>
+          <a:srcRect/>
+          <a:stretch>
+            <a:fillRect/>
+          </a:stretch>
+        </p:blipFill>
+        <p:spPr bwMode="auto">
+          <a:xfrm>
+            <a:off x="6863081" y="2132856"/>
+            <a:ext cx="2088232" cy="2269585"/>
+          </a:xfrm>
+          <a:prstGeom prst="rect">
+            <a:avLst/>
+          </a:prstGeom>
+          <a:noFill/>
+          <a:extLst>
+            <a:ext uri="{909E8E84-426E-40DD-AFC4-6F175D3DCCD1}">
+              <a14:hiddenFill xmlns:a14="http://schemas.microsoft.com/office/drawing/2010/main">
+                <a:solidFill>
+                  <a:srgbClr val="FFFFFF"/>
+                </a:solidFill>
+              </a14:hiddenFill>
+            </a:ext>
+          </a:extLst>
+        </p:spPr>
+      </p:pic>
+    </p:spTree>
+    <p:extLst>
+      <p:ext uri="{BB962C8B-B14F-4D97-AF65-F5344CB8AC3E}">
+        <p14:creationId xmlns:p14="http://schemas.microsoft.com/office/powerpoint/2010/main" val="1268887621"/>
+      </p:ext>
+    </p:extLst>
+  </p:cSld>
+  <p:clrMapOvr>
+    <a:masterClrMapping/>
+  </p:clrMapOvr>
+</p:sld>
+</file>
+
+<file path=ppt/slides/slide28.xml><?xml version="1.0" encoding="utf-8"?>
+<p:sld xmlns:a="http://schemas.openxmlformats.org/drawingml/2006/main" xmlns:r="http://schemas.openxmlformats.org/officeDocument/2006/relationships" xmlns:p="http://schemas.openxmlformats.org/presentationml/2006/main">
+  <p:cSld>
+    <p:spTree>
+      <p:nvGrpSpPr>
+        <p:cNvPr id="1" name=""/>
+        <p:cNvGrpSpPr/>
+        <p:nvPr/>
+      </p:nvGrpSpPr>
+      <p:grpSpPr>
+        <a:xfrm>
+          <a:off x="0" y="0"/>
+          <a:ext cx="0" cy="0"/>
+          <a:chOff x="0" y="0"/>
+          <a:chExt cx="0" cy="0"/>
+        </a:xfrm>
+      </p:grpSpPr>
+      <p:sp>
+        <p:nvSpPr>
+          <p:cNvPr id="2" name="Titre 1"/>
+          <p:cNvSpPr>
+            <a:spLocks noGrp="1"/>
+          </p:cNvSpPr>
+          <p:nvPr>
+            <p:ph type="title"/>
+          </p:nvPr>
+        </p:nvSpPr>
+        <p:spPr/>
+        <p:txBody>
+          <a:bodyPr/>
+          <a:lstStyle/>
+          <a:p>
+            <a:r>
+              <a:rPr lang="fr-FR" dirty="0"/>
               <a:t>Asymétrie</a:t>
             </a:r>
           </a:p>
@@ -7223,7 +7458,7 @@
 </p:sld>
 </file>
 
-<file path=ppt/slides/slide28.xml><?xml version="1.0" encoding="utf-8"?>
+<file path=ppt/slides/slide29.xml><?xml version="1.0" encoding="utf-8"?>
 <p:sld xmlns:a="http://schemas.openxmlformats.org/drawingml/2006/main" xmlns:r="http://schemas.openxmlformats.org/officeDocument/2006/relationships" xmlns:p="http://schemas.openxmlformats.org/presentationml/2006/main">
   <p:cSld>
     <p:spTree>
@@ -8545,7 +8780,13 @@
       </p:grpSpPr>
       <p:sp>
         <p:nvSpPr>
-          <p:cNvPr id="2" name="Titre 1"/>
+          <p:cNvPr id="2" name="Titre 1">
+            <a:extLst>
+              <a:ext uri="{FF2B5EF4-FFF2-40B4-BE49-F238E27FC236}">
+                <a16:creationId xmlns:a16="http://schemas.microsoft.com/office/drawing/2014/main" id="{8F70621C-8133-4AF8-9F36-D6FE8A0E5231}"/>
+              </a:ext>
+            </a:extLst>
+          </p:cNvPr>
           <p:cNvSpPr>
             <a:spLocks noGrp="1"/>
           </p:cNvSpPr>
@@ -8558,17 +8799,19 @@
           <a:bodyPr/>
           <a:lstStyle/>
           <a:p>
-            <a:r>
-              <a:rPr lang="fr-FR" dirty="0" err="1"/>
-              <a:t>Bias</a:t>
-            </a:r>
-            <a:endParaRPr lang="fr-FR" dirty="0"/>
+            <a:endParaRPr lang="fr-FR"/>
           </a:p>
         </p:txBody>
       </p:sp>
       <p:sp>
         <p:nvSpPr>
-          <p:cNvPr id="3" name="Espace réservé du contenu 2"/>
+          <p:cNvPr id="3" name="Espace réservé du contenu 2">
+            <a:extLst>
+              <a:ext uri="{FF2B5EF4-FFF2-40B4-BE49-F238E27FC236}">
+                <a16:creationId xmlns:a16="http://schemas.microsoft.com/office/drawing/2014/main" id="{0906E2D9-7FC5-4ADF-989D-3CBC34B19002}"/>
+              </a:ext>
+            </a:extLst>
+          </p:cNvPr>
           <p:cNvSpPr>
             <a:spLocks noGrp="1"/>
           </p:cNvSpPr>
@@ -8581,34 +8824,61 @@
           <a:bodyPr/>
           <a:lstStyle/>
           <a:p>
-            <a:r>
-              <a:rPr lang="fr-FR" dirty="0"/>
-              <a:t>Présence ou non d’un seuil</a:t>
-            </a:r>
-          </a:p>
-          <a:p>
-            <a:pPr lvl="1"/>
-            <a:r>
-              <a:rPr lang="fr-FR" dirty="0"/>
-              <a:t>Seuil à 0</a:t>
-            </a:r>
-          </a:p>
-          <a:p>
-            <a:pPr lvl="1"/>
-            <a:r>
-              <a:rPr lang="fr-FR" dirty="0">
-                <a:sym typeface="Wingdings" panose="05000000000000000000" pitchFamily="2" charset="2"/>
-              </a:rPr>
-              <a:t>Ou équivalent à un poids avec une entrée à 1</a:t>
-            </a:r>
-            <a:endParaRPr lang="fr-FR" dirty="0"/>
+            <a:endParaRPr lang="fr-FR"/>
           </a:p>
         </p:txBody>
       </p:sp>
+      <p:cxnSp>
+        <p:nvCxnSpPr>
+          <p:cNvPr id="5" name="Connecteur : en angle 4">
+            <a:extLst>
+              <a:ext uri="{FF2B5EF4-FFF2-40B4-BE49-F238E27FC236}">
+                <a16:creationId xmlns:a16="http://schemas.microsoft.com/office/drawing/2014/main" id="{3303298C-DFEE-4E8C-9806-5BC6013AC13E}"/>
+              </a:ext>
+            </a:extLst>
+          </p:cNvPr>
+          <p:cNvCxnSpPr>
+            <a:cxnSpLocks/>
+          </p:cNvCxnSpPr>
+          <p:nvPr/>
+        </p:nvCxnSpPr>
+        <p:spPr bwMode="auto">
+          <a:xfrm rot="10800000" flipV="1">
+            <a:off x="2483768" y="2348880"/>
+            <a:ext cx="3744416" cy="3312368"/>
+          </a:xfrm>
+          <a:prstGeom prst="bentConnector3">
+            <a:avLst>
+              <a:gd name="adj1" fmla="val 50000"/>
+            </a:avLst>
+          </a:prstGeom>
+          <a:gradFill rotWithShape="0">
+            <a:gsLst>
+              <a:gs pos="0">
+                <a:schemeClr val="accent1"/>
+              </a:gs>
+              <a:gs pos="100000">
+                <a:schemeClr val="bg1"/>
+              </a:gs>
+            </a:gsLst>
+            <a:lin ang="5400000" scaled="1"/>
+          </a:gradFill>
+          <a:ln w="9525" cap="flat" cmpd="sng" algn="ctr">
+            <a:solidFill>
+              <a:schemeClr val="tx1"/>
+            </a:solidFill>
+            <a:prstDash val="solid"/>
+            <a:round/>
+            <a:headEnd type="none" w="med" len="med"/>
+            <a:tailEnd type="none" w="med" len="med"/>
+          </a:ln>
+          <a:effectLst/>
+        </p:spPr>
+      </p:cxnSp>
     </p:spTree>
     <p:extLst>
       <p:ext uri="{BB962C8B-B14F-4D97-AF65-F5344CB8AC3E}">
-        <p14:creationId xmlns:p14="http://schemas.microsoft.com/office/powerpoint/2010/main" val="3568667684"/>
+        <p14:creationId xmlns:p14="http://schemas.microsoft.com/office/powerpoint/2010/main" val="60975076"/>
       </p:ext>
     </p:extLst>
   </p:cSld>

--- a/PPT/DeepLearning08-MLP.pptx
+++ b/PPT/DeepLearning08-MLP.pptx
@@ -5,10 +5,10 @@
     <p:sldMasterId id="2147483653" r:id="rId1"/>
   </p:sldMasterIdLst>
   <p:notesMasterIdLst>
-    <p:notesMasterId r:id="rId31"/>
+    <p:notesMasterId r:id="rId32"/>
   </p:notesMasterIdLst>
   <p:handoutMasterIdLst>
-    <p:handoutMasterId r:id="rId32"/>
+    <p:handoutMasterId r:id="rId33"/>
   </p:handoutMasterIdLst>
   <p:sldIdLst>
     <p:sldId id="264" r:id="rId2"/>
@@ -28,18 +28,19 @@
     <p:sldId id="325" r:id="rId16"/>
     <p:sldId id="317" r:id="rId17"/>
     <p:sldId id="319" r:id="rId18"/>
-    <p:sldId id="329" r:id="rId19"/>
-    <p:sldId id="320" r:id="rId20"/>
-    <p:sldId id="334" r:id="rId21"/>
-    <p:sldId id="321" r:id="rId22"/>
-    <p:sldId id="323" r:id="rId23"/>
-    <p:sldId id="324" r:id="rId24"/>
-    <p:sldId id="326" r:id="rId25"/>
-    <p:sldId id="322" r:id="rId26"/>
-    <p:sldId id="318" r:id="rId27"/>
-    <p:sldId id="331" r:id="rId28"/>
-    <p:sldId id="333" r:id="rId29"/>
-    <p:sldId id="332" r:id="rId30"/>
+    <p:sldId id="336" r:id="rId19"/>
+    <p:sldId id="329" r:id="rId20"/>
+    <p:sldId id="320" r:id="rId21"/>
+    <p:sldId id="334" r:id="rId22"/>
+    <p:sldId id="321" r:id="rId23"/>
+    <p:sldId id="323" r:id="rId24"/>
+    <p:sldId id="324" r:id="rId25"/>
+    <p:sldId id="326" r:id="rId26"/>
+    <p:sldId id="322" r:id="rId27"/>
+    <p:sldId id="318" r:id="rId28"/>
+    <p:sldId id="331" r:id="rId29"/>
+    <p:sldId id="333" r:id="rId30"/>
+    <p:sldId id="332" r:id="rId31"/>
   </p:sldIdLst>
   <p:sldSz cx="9144000" cy="6858000" type="screen4x3"/>
   <p:notesSz cx="6648450" cy="9782175"/>
@@ -5846,7 +5847,13 @@
       </p:grpSpPr>
       <p:sp>
         <p:nvSpPr>
-          <p:cNvPr id="2" name="Titre 1"/>
+          <p:cNvPr id="2" name="Titre 1">
+            <a:extLst>
+              <a:ext uri="{FF2B5EF4-FFF2-40B4-BE49-F238E27FC236}">
+                <a16:creationId xmlns:a16="http://schemas.microsoft.com/office/drawing/2014/main" id="{7F120E3D-21C9-416C-96C9-8368F624E636}"/>
+              </a:ext>
+            </a:extLst>
+          </p:cNvPr>
           <p:cNvSpPr>
             <a:spLocks noGrp="1"/>
           </p:cNvSpPr>
@@ -5859,17 +5866,19 @@
           <a:bodyPr/>
           <a:lstStyle/>
           <a:p>
-            <a:r>
-              <a:rPr lang="fr-FR" dirty="0" err="1"/>
-              <a:t>Backpropagation</a:t>
-            </a:r>
             <a:endParaRPr lang="fr-FR" dirty="0"/>
           </a:p>
         </p:txBody>
       </p:sp>
       <p:sp>
         <p:nvSpPr>
-          <p:cNvPr id="3" name="Espace réservé du contenu 2"/>
+          <p:cNvPr id="3" name="Espace réservé du contenu 2">
+            <a:extLst>
+              <a:ext uri="{FF2B5EF4-FFF2-40B4-BE49-F238E27FC236}">
+                <a16:creationId xmlns:a16="http://schemas.microsoft.com/office/drawing/2014/main" id="{303B3979-55A8-45D3-9A85-72BBA0FECF50}"/>
+              </a:ext>
+            </a:extLst>
+          </p:cNvPr>
           <p:cNvSpPr>
             <a:spLocks noGrp="1"/>
           </p:cNvSpPr>
@@ -5884,26 +5893,33 @@
           <a:p>
             <a:r>
               <a:rPr lang="fr-FR" dirty="0"/>
-              <a:t>Les réseaux de neurones sont souvent supervisé</a:t>
-            </a:r>
-          </a:p>
-          <a:p>
-            <a:pPr lvl="1"/>
-            <a:r>
-              <a:rPr lang="fr-FR" dirty="0"/>
-              <a:t>Présence d’un feedback pour indiquer si le calcul est bon</a:t>
-            </a:r>
-          </a:p>
-          <a:p>
-            <a:r>
-              <a:rPr lang="fr-FR" dirty="0"/>
-              <a:t>Si le feedback est bon, le neurone se fige un peu plus</a:t>
-            </a:r>
-          </a:p>
-          <a:p>
-            <a:r>
-              <a:rPr lang="fr-FR" dirty="0"/>
-              <a:t>Sinon, le seuil et les poids changent un peu</a:t>
+              <a:t>Descente du gradient</a:t>
+            </a:r>
+          </a:p>
+          <a:p>
+            <a:r>
+              <a:rPr lang="fr-FR" dirty="0" err="1"/>
+              <a:t>lr</a:t>
+            </a:r>
+            <a:r>
+              <a:rPr lang="fr-FR" dirty="0"/>
+              <a:t> = Learning Rate (1</a:t>
+            </a:r>
+            <a:r>
+              <a:rPr lang="fr-FR" baseline="30000" dirty="0"/>
+              <a:t>e</a:t>
+            </a:r>
+            <a:r>
+              <a:rPr lang="fr-FR" dirty="0"/>
+              <a:t>-3 1</a:t>
+            </a:r>
+            <a:r>
+              <a:rPr lang="fr-FR" baseline="30000" dirty="0"/>
+              <a:t>e</a:t>
+            </a:r>
+            <a:r>
+              <a:rPr lang="fr-FR" dirty="0"/>
+              <a:t>-5)</a:t>
             </a:r>
           </a:p>
           <a:p>
@@ -5911,13 +5927,58 @@
           </a:p>
           <a:p>
             <a:endParaRPr lang="fr-FR" dirty="0"/>
+          </a:p>
+          <a:p>
+            <a:endParaRPr lang="fr-FR" dirty="0"/>
+          </a:p>
+          <a:p>
+            <a:r>
+              <a:rPr lang="fr-FR" dirty="0" err="1"/>
+              <a:t>fdW</a:t>
+            </a:r>
+            <a:r>
+              <a:rPr lang="fr-FR" dirty="0"/>
+              <a:t>(x) = (</a:t>
+            </a:r>
+            <a:r>
+              <a:rPr lang="fr-FR" dirty="0" err="1"/>
+              <a:t>loss</a:t>
+            </a:r>
+            <a:r>
+              <a:rPr lang="fr-FR" dirty="0"/>
+              <a:t> * W(x) * </a:t>
+            </a:r>
+            <a:r>
+              <a:rPr lang="fr-FR" dirty="0" err="1"/>
+              <a:t>lr</a:t>
+            </a:r>
+            <a:r>
+              <a:rPr lang="fr-FR" dirty="0"/>
+              <a:t>) / (</a:t>
+            </a:r>
+            <a:r>
+              <a:rPr lang="fr-FR" dirty="0" err="1"/>
+              <a:t>momentum</a:t>
+            </a:r>
+            <a:r>
+              <a:rPr lang="fr-FR" dirty="0"/>
+              <a:t> * </a:t>
+            </a:r>
+            <a:r>
+              <a:rPr lang="fr-FR" dirty="0" err="1"/>
+              <a:t>dfactivation</a:t>
+            </a:r>
+            <a:r>
+              <a:rPr lang="fr-FR" dirty="0"/>
+              <a:t>)</a:t>
+            </a:r>
           </a:p>
         </p:txBody>
       </p:sp>
     </p:spTree>
     <p:extLst>
       <p:ext uri="{BB962C8B-B14F-4D97-AF65-F5344CB8AC3E}">
-        <p14:creationId xmlns:p14="http://schemas.microsoft.com/office/powerpoint/2010/main" val="2263156246"/>
+        <p14:creationId xmlns:p14="http://schemas.microsoft.com/office/powerpoint/2010/main" val="1947084656"/>
       </p:ext>
     </p:extLst>
   </p:cSld>
@@ -5960,9 +6021,10 @@
           <a:lstStyle/>
           <a:p>
             <a:r>
-              <a:rPr lang="fr-FR" dirty="0"/>
-              <a:t>Gradient d’erreur</a:t>
-            </a:r>
+              <a:rPr lang="fr-FR" dirty="0" err="1"/>
+              <a:t>Backpropagation</a:t>
+            </a:r>
+            <a:endParaRPr lang="fr-FR" dirty="0"/>
           </a:p>
         </p:txBody>
       </p:sp>
@@ -5983,62 +6045,40 @@
           <a:p>
             <a:r>
               <a:rPr lang="fr-FR" dirty="0"/>
-              <a:t>L’erreur est reportée à la couche précédente en fonction des poids</a:t>
-            </a:r>
-          </a:p>
-          <a:p>
-            <a:r>
-              <a:rPr lang="fr-FR" dirty="0"/>
-              <a:t>Plus le poids est important plus il est responsable de l’erreur</a:t>
-            </a:r>
+              <a:t>Les réseaux de neurones sont souvent supervisé</a:t>
+            </a:r>
+          </a:p>
+          <a:p>
+            <a:pPr lvl="1"/>
+            <a:r>
+              <a:rPr lang="fr-FR" dirty="0"/>
+              <a:t>Présence d’un feedback pour indiquer si le calcul est bon</a:t>
+            </a:r>
+          </a:p>
+          <a:p>
+            <a:r>
+              <a:rPr lang="fr-FR" dirty="0"/>
+              <a:t>Si le feedback est bon, le neurone se fige un peu plus</a:t>
+            </a:r>
+          </a:p>
+          <a:p>
+            <a:r>
+              <a:rPr lang="fr-FR" dirty="0"/>
+              <a:t>Sinon, le seuil et les poids changent un peu</a:t>
+            </a:r>
+          </a:p>
+          <a:p>
+            <a:endParaRPr lang="fr-FR" dirty="0"/>
+          </a:p>
+          <a:p>
+            <a:endParaRPr lang="fr-FR" dirty="0"/>
           </a:p>
         </p:txBody>
       </p:sp>
-      <p:pic>
-        <p:nvPicPr>
-          <p:cNvPr id="4" name="Picture 6" descr="output_1_backprop (4)"/>
-          <p:cNvPicPr>
-            <a:picLocks noChangeAspect="1" noChangeArrowheads="1"/>
-          </p:cNvPicPr>
-          <p:nvPr/>
-        </p:nvPicPr>
-        <p:blipFill>
-          <a:blip r:embed="rId2">
-            <a:extLst>
-              <a:ext uri="{28A0092B-C50C-407E-A947-70E740481C1C}">
-                <a14:useLocalDpi xmlns:a14="http://schemas.microsoft.com/office/drawing/2010/main" val="0"/>
-              </a:ext>
-            </a:extLst>
-          </a:blip>
-          <a:srcRect/>
-          <a:stretch>
-            <a:fillRect/>
-          </a:stretch>
-        </p:blipFill>
-        <p:spPr bwMode="auto">
-          <a:xfrm>
-            <a:off x="1115616" y="3356992"/>
-            <a:ext cx="5000625" cy="2447926"/>
-          </a:xfrm>
-          <a:prstGeom prst="rect">
-            <a:avLst/>
-          </a:prstGeom>
-          <a:noFill/>
-          <a:extLst>
-            <a:ext uri="{909E8E84-426E-40DD-AFC4-6F175D3DCCD1}">
-              <a14:hiddenFill xmlns:a14="http://schemas.microsoft.com/office/drawing/2010/main">
-                <a:solidFill>
-                  <a:srgbClr val="FFFFFF"/>
-                </a:solidFill>
-              </a14:hiddenFill>
-            </a:ext>
-          </a:extLst>
-        </p:spPr>
-      </p:pic>
     </p:spTree>
     <p:extLst>
       <p:ext uri="{BB962C8B-B14F-4D97-AF65-F5344CB8AC3E}">
-        <p14:creationId xmlns:p14="http://schemas.microsoft.com/office/powerpoint/2010/main" val="460024365"/>
+        <p14:creationId xmlns:p14="http://schemas.microsoft.com/office/powerpoint/2010/main" val="2263156246"/>
       </p:ext>
     </p:extLst>
   </p:cSld>
@@ -6192,13 +6232,7 @@
       </p:grpSpPr>
       <p:sp>
         <p:nvSpPr>
-          <p:cNvPr id="2" name="Titre 1">
-            <a:extLst>
-              <a:ext uri="{FF2B5EF4-FFF2-40B4-BE49-F238E27FC236}">
-                <a16:creationId xmlns:a16="http://schemas.microsoft.com/office/drawing/2014/main" id="{ECFEC4C4-87EA-450C-B88A-6D762C879A24}"/>
-              </a:ext>
-            </a:extLst>
-          </p:cNvPr>
+          <p:cNvPr id="2" name="Titre 1"/>
           <p:cNvSpPr>
             <a:spLocks noGrp="1"/>
           </p:cNvSpPr>
@@ -6212,22 +6246,15 @@
           <a:lstStyle/>
           <a:p>
             <a:r>
-              <a:rPr lang="fr-FR" dirty="0" err="1"/>
-              <a:t>dW</a:t>
-            </a:r>
-            <a:endParaRPr lang="fr-FR" dirty="0"/>
+              <a:rPr lang="fr-FR" dirty="0"/>
+              <a:t>Gradient d’erreur</a:t>
+            </a:r>
           </a:p>
         </p:txBody>
       </p:sp>
       <p:sp>
         <p:nvSpPr>
-          <p:cNvPr id="3" name="Espace réservé du contenu 2">
-            <a:extLst>
-              <a:ext uri="{FF2B5EF4-FFF2-40B4-BE49-F238E27FC236}">
-                <a16:creationId xmlns:a16="http://schemas.microsoft.com/office/drawing/2014/main" id="{7E8D1F86-3366-4C45-B5B1-F655AD1FDE6E}"/>
-              </a:ext>
-            </a:extLst>
-          </p:cNvPr>
+          <p:cNvPr id="3" name="Espace réservé du contenu 2"/>
           <p:cNvSpPr>
             <a:spLocks noGrp="1"/>
           </p:cNvSpPr>
@@ -6240,94 +6267,64 @@
           <a:bodyPr/>
           <a:lstStyle/>
           <a:p>
-            <a:endParaRPr lang="fr-FR" dirty="0"/>
-          </a:p>
-          <a:p>
-            <a:endParaRPr lang="fr-FR" dirty="0"/>
-          </a:p>
-          <a:p>
-            <a:r>
-              <a:rPr lang="fr-FR" dirty="0"/>
-              <a:t>Neurone inputs (0.1 0.9) output = grosse erreur</a:t>
-            </a:r>
-          </a:p>
-          <a:p>
-            <a:r>
-              <a:rPr lang="fr-FR" dirty="0" err="1"/>
-              <a:t>LearningRate</a:t>
-            </a:r>
-            <a:r>
-              <a:rPr lang="fr-FR" dirty="0"/>
-              <a:t> = [1</a:t>
-            </a:r>
-            <a:r>
-              <a:rPr lang="fr-FR" baseline="30000" dirty="0"/>
-              <a:t>e</a:t>
-            </a:r>
-            <a:r>
-              <a:rPr lang="fr-FR" dirty="0"/>
-              <a:t>-2; 1</a:t>
-            </a:r>
-            <a:r>
-              <a:rPr lang="fr-FR" baseline="30000" dirty="0"/>
-              <a:t>e</a:t>
-            </a:r>
-            <a:r>
-              <a:rPr lang="fr-FR" dirty="0"/>
-              <a:t>-4]</a:t>
-            </a:r>
-          </a:p>
-          <a:p>
-            <a:endParaRPr lang="fr-FR" dirty="0"/>
-          </a:p>
-          <a:p>
-            <a:r>
-              <a:rPr lang="fr-FR" dirty="0" err="1"/>
-              <a:t>fdW</a:t>
-            </a:r>
-            <a:r>
-              <a:rPr lang="fr-FR" dirty="0"/>
-              <a:t> = (</a:t>
-            </a:r>
-            <a:r>
-              <a:rPr lang="fr-FR" dirty="0" err="1"/>
-              <a:t>Loss</a:t>
-            </a:r>
-            <a:r>
-              <a:rPr lang="fr-FR" dirty="0"/>
-              <a:t> * w * </a:t>
-            </a:r>
-            <a:r>
-              <a:rPr lang="fr-FR" dirty="0" err="1"/>
-              <a:t>LearningRate</a:t>
-            </a:r>
-            <a:r>
-              <a:rPr lang="fr-FR" dirty="0"/>
-              <a:t>) / (</a:t>
-            </a:r>
-            <a:r>
-              <a:rPr lang="fr-FR" dirty="0" err="1"/>
-              <a:t>momentum</a:t>
-            </a:r>
-            <a:r>
-              <a:rPr lang="fr-FR" dirty="0"/>
-              <a:t> * </a:t>
-            </a:r>
-            <a:r>
-              <a:rPr lang="fr-FR" dirty="0" err="1"/>
-              <a:t>dfactivation</a:t>
-            </a:r>
-            <a:r>
-              <a:rPr lang="fr-FR" dirty="0"/>
-              <a:t>)</a:t>
+            <a:r>
+              <a:rPr lang="fr-FR" dirty="0"/>
+              <a:t>L’erreur est reportée à la couche précédente en fonction des poids</a:t>
+            </a:r>
+          </a:p>
+          <a:p>
+            <a:r>
+              <a:rPr lang="fr-FR" dirty="0"/>
+              <a:t>Plus le poids est important plus il est responsable de l’erreur</a:t>
             </a:r>
           </a:p>
         </p:txBody>
       </p:sp>
+      <p:pic>
+        <p:nvPicPr>
+          <p:cNvPr id="4" name="Picture 6" descr="output_1_backprop (4)"/>
+          <p:cNvPicPr>
+            <a:picLocks noChangeAspect="1" noChangeArrowheads="1"/>
+          </p:cNvPicPr>
+          <p:nvPr/>
+        </p:nvPicPr>
+        <p:blipFill>
+          <a:blip r:embed="rId2">
+            <a:extLst>
+              <a:ext uri="{28A0092B-C50C-407E-A947-70E740481C1C}">
+                <a14:useLocalDpi xmlns:a14="http://schemas.microsoft.com/office/drawing/2010/main" val="0"/>
+              </a:ext>
+            </a:extLst>
+          </a:blip>
+          <a:srcRect/>
+          <a:stretch>
+            <a:fillRect/>
+          </a:stretch>
+        </p:blipFill>
+        <p:spPr bwMode="auto">
+          <a:xfrm>
+            <a:off x="1115616" y="3356992"/>
+            <a:ext cx="5000625" cy="2447926"/>
+          </a:xfrm>
+          <a:prstGeom prst="rect">
+            <a:avLst/>
+          </a:prstGeom>
+          <a:noFill/>
+          <a:extLst>
+            <a:ext uri="{909E8E84-426E-40DD-AFC4-6F175D3DCCD1}">
+              <a14:hiddenFill xmlns:a14="http://schemas.microsoft.com/office/drawing/2010/main">
+                <a:solidFill>
+                  <a:srgbClr val="FFFFFF"/>
+                </a:solidFill>
+              </a14:hiddenFill>
+            </a:ext>
+          </a:extLst>
+        </p:spPr>
+      </p:pic>
     </p:spTree>
     <p:extLst>
       <p:ext uri="{BB962C8B-B14F-4D97-AF65-F5344CB8AC3E}">
-        <p14:creationId xmlns:p14="http://schemas.microsoft.com/office/powerpoint/2010/main" val="1665010655"/>
+        <p14:creationId xmlns:p14="http://schemas.microsoft.com/office/powerpoint/2010/main" val="460024365"/>
       </p:ext>
     </p:extLst>
   </p:cSld>
@@ -6356,7 +6353,13 @@
       </p:grpSpPr>
       <p:sp>
         <p:nvSpPr>
-          <p:cNvPr id="2" name="Titre 1"/>
+          <p:cNvPr id="2" name="Titre 1">
+            <a:extLst>
+              <a:ext uri="{FF2B5EF4-FFF2-40B4-BE49-F238E27FC236}">
+                <a16:creationId xmlns:a16="http://schemas.microsoft.com/office/drawing/2014/main" id="{ECFEC4C4-87EA-450C-B88A-6D762C879A24}"/>
+              </a:ext>
+            </a:extLst>
+          </p:cNvPr>
           <p:cNvSpPr>
             <a:spLocks noGrp="1"/>
           </p:cNvSpPr>
@@ -6370,15 +6373,22 @@
           <a:lstStyle/>
           <a:p>
             <a:r>
-              <a:rPr lang="fr-FR" dirty="0"/>
-              <a:t>Changement du poids</a:t>
-            </a:r>
+              <a:rPr lang="fr-FR" dirty="0" err="1"/>
+              <a:t>dW</a:t>
+            </a:r>
+            <a:endParaRPr lang="fr-FR" dirty="0"/>
           </a:p>
         </p:txBody>
       </p:sp>
       <p:sp>
         <p:nvSpPr>
-          <p:cNvPr id="3" name="Espace réservé du contenu 2"/>
+          <p:cNvPr id="3" name="Espace réservé du contenu 2">
+            <a:extLst>
+              <a:ext uri="{FF2B5EF4-FFF2-40B4-BE49-F238E27FC236}">
+                <a16:creationId xmlns:a16="http://schemas.microsoft.com/office/drawing/2014/main" id="{7E8D1F86-3366-4C45-B5B1-F655AD1FDE6E}"/>
+              </a:ext>
+            </a:extLst>
+          </p:cNvPr>
           <p:cNvSpPr>
             <a:spLocks noGrp="1"/>
           </p:cNvSpPr>
@@ -6391,39 +6401,82 @@
           <a:bodyPr/>
           <a:lstStyle/>
           <a:p>
-            <a:r>
-              <a:rPr lang="fr-FR" dirty="0"/>
-              <a:t>Changement du poids</a:t>
-            </a:r>
-          </a:p>
-          <a:p>
-            <a:pPr lvl="1"/>
-            <a:r>
-              <a:rPr lang="fr-FR" dirty="0"/>
-              <a:t>Algorithme RMS</a:t>
-            </a:r>
-          </a:p>
-          <a:p>
-            <a:pPr lvl="1"/>
+            <a:endParaRPr lang="fr-FR" dirty="0"/>
+          </a:p>
+          <a:p>
+            <a:endParaRPr lang="fr-FR" dirty="0"/>
+          </a:p>
+          <a:p>
+            <a:r>
+              <a:rPr lang="fr-FR" dirty="0"/>
+              <a:t>Neurone inputs (0.1 0.9) output = grosse erreur</a:t>
+            </a:r>
+          </a:p>
+          <a:p>
             <a:r>
               <a:rPr lang="fr-FR" dirty="0" err="1"/>
-              <a:t>dW</a:t>
-            </a:r>
-            <a:r>
-              <a:rPr lang="fr-FR" dirty="0"/>
-              <a:t> = </a:t>
-            </a:r>
+              <a:t>LearningRate</a:t>
+            </a:r>
+            <a:r>
+              <a:rPr lang="fr-FR" dirty="0"/>
+              <a:t> = [1</a:t>
+            </a:r>
+            <a:r>
+              <a:rPr lang="fr-FR" baseline="30000" dirty="0"/>
+              <a:t>e</a:t>
+            </a:r>
+            <a:r>
+              <a:rPr lang="fr-FR" dirty="0"/>
+              <a:t>-2; 1</a:t>
+            </a:r>
+            <a:r>
+              <a:rPr lang="fr-FR" baseline="30000" dirty="0"/>
+              <a:t>e</a:t>
+            </a:r>
+            <a:r>
+              <a:rPr lang="fr-FR" dirty="0"/>
+              <a:t>-4]</a:t>
+            </a:r>
+          </a:p>
+          <a:p>
+            <a:endParaRPr lang="fr-FR" dirty="0"/>
+          </a:p>
+          <a:p>
             <a:r>
               <a:rPr lang="fr-FR" dirty="0" err="1"/>
-              <a:t>learningrate</a:t>
-            </a:r>
-            <a:r>
-              <a:rPr lang="fr-FR" dirty="0"/>
-              <a:t> * gradient(</a:t>
+              <a:t>fdW</a:t>
+            </a:r>
+            <a:r>
+              <a:rPr lang="fr-FR" dirty="0"/>
+              <a:t> = (</a:t>
             </a:r>
             <a:r>
               <a:rPr lang="fr-FR" dirty="0" err="1"/>
-              <a:t>loss</a:t>
+              <a:t>Loss</a:t>
+            </a:r>
+            <a:r>
+              <a:rPr lang="fr-FR" dirty="0"/>
+              <a:t> * w * </a:t>
+            </a:r>
+            <a:r>
+              <a:rPr lang="fr-FR" dirty="0" err="1"/>
+              <a:t>LearningRate</a:t>
+            </a:r>
+            <a:r>
+              <a:rPr lang="fr-FR" dirty="0"/>
+              <a:t>) / (</a:t>
+            </a:r>
+            <a:r>
+              <a:rPr lang="fr-FR" dirty="0" err="1"/>
+              <a:t>momentum</a:t>
+            </a:r>
+            <a:r>
+              <a:rPr lang="fr-FR" dirty="0"/>
+              <a:t> * </a:t>
+            </a:r>
+            <a:r>
+              <a:rPr lang="fr-FR" dirty="0" err="1"/>
+              <a:t>dfactivation</a:t>
             </a:r>
             <a:r>
               <a:rPr lang="fr-FR" dirty="0"/>
@@ -6432,51 +6485,10 @@
           </a:p>
         </p:txBody>
       </p:sp>
-      <p:pic>
-        <p:nvPicPr>
-          <p:cNvPr id="7170" name="Picture 2" descr="https://miro.medium.com/max/1500/0*oqm7QVnI9-inFGCc.gif"/>
-          <p:cNvPicPr>
-            <a:picLocks noChangeAspect="1" noChangeArrowheads="1" noCrop="1"/>
-          </p:cNvPicPr>
-          <p:nvPr/>
-        </p:nvPicPr>
-        <p:blipFill>
-          <a:blip r:embed="rId2">
-            <a:extLst>
-              <a:ext uri="{28A0092B-C50C-407E-A947-70E740481C1C}">
-                <a14:useLocalDpi xmlns:a14="http://schemas.microsoft.com/office/drawing/2010/main" val="0"/>
-              </a:ext>
-            </a:extLst>
-          </a:blip>
-          <a:srcRect/>
-          <a:stretch>
-            <a:fillRect/>
-          </a:stretch>
-        </p:blipFill>
-        <p:spPr bwMode="auto">
-          <a:xfrm>
-            <a:off x="611560" y="3212976"/>
-            <a:ext cx="6768752" cy="2651095"/>
-          </a:xfrm>
-          <a:prstGeom prst="rect">
-            <a:avLst/>
-          </a:prstGeom>
-          <a:noFill/>
-          <a:extLst>
-            <a:ext uri="{909E8E84-426E-40DD-AFC4-6F175D3DCCD1}">
-              <a14:hiddenFill xmlns:a14="http://schemas.microsoft.com/office/drawing/2010/main">
-                <a:solidFill>
-                  <a:srgbClr val="FFFFFF"/>
-                </a:solidFill>
-              </a14:hiddenFill>
-            </a:ext>
-          </a:extLst>
-        </p:spPr>
-      </p:pic>
     </p:spTree>
     <p:extLst>
       <p:ext uri="{BB962C8B-B14F-4D97-AF65-F5344CB8AC3E}">
-        <p14:creationId xmlns:p14="http://schemas.microsoft.com/office/powerpoint/2010/main" val="540926501"/>
+        <p14:creationId xmlns:p14="http://schemas.microsoft.com/office/powerpoint/2010/main" val="1665010655"/>
       </p:ext>
     </p:extLst>
   </p:cSld>
@@ -6520,7 +6532,7 @@
           <a:p>
             <a:r>
               <a:rPr lang="fr-FR" dirty="0"/>
-              <a:t>Learning rate</a:t>
+              <a:t>Changement du poids</a:t>
             </a:r>
           </a:p>
         </p:txBody>
@@ -6542,23 +6554,50 @@
           <a:p>
             <a:r>
               <a:rPr lang="fr-FR" dirty="0"/>
-              <a:t>Le taux d’apprentissage résout le problème des minimums locaux</a:t>
+              <a:t>Changement du poids</a:t>
             </a:r>
           </a:p>
           <a:p>
             <a:pPr lvl="1"/>
             <a:r>
               <a:rPr lang="fr-FR" dirty="0"/>
-              <a:t>Entre 0.01 et 0.00001</a:t>
+              <a:t>Algorithme RMS</a:t>
+            </a:r>
+          </a:p>
+          <a:p>
+            <a:pPr lvl="1"/>
+            <a:r>
+              <a:rPr lang="fr-FR" dirty="0" err="1"/>
+              <a:t>dW</a:t>
+            </a:r>
+            <a:r>
+              <a:rPr lang="fr-FR" dirty="0"/>
+              <a:t> = </a:t>
+            </a:r>
+            <a:r>
+              <a:rPr lang="fr-FR" dirty="0" err="1"/>
+              <a:t>learningrate</a:t>
+            </a:r>
+            <a:r>
+              <a:rPr lang="fr-FR" dirty="0"/>
+              <a:t> * gradient(</a:t>
+            </a:r>
+            <a:r>
+              <a:rPr lang="fr-FR" dirty="0" err="1"/>
+              <a:t>loss</a:t>
+            </a:r>
+            <a:r>
+              <a:rPr lang="fr-FR" dirty="0"/>
+              <a:t>)</a:t>
             </a:r>
           </a:p>
         </p:txBody>
       </p:sp>
       <p:pic>
         <p:nvPicPr>
-          <p:cNvPr id="13314" name="Picture 2" descr="https://miro.medium.com/max/700/0*G8a4jCsMLJ7xNQNt.png"/>
+          <p:cNvPr id="7170" name="Picture 2" descr="https://miro.medium.com/max/1500/0*oqm7QVnI9-inFGCc.gif"/>
           <p:cNvPicPr>
-            <a:picLocks noChangeAspect="1" noChangeArrowheads="1"/>
+            <a:picLocks noChangeAspect="1" noChangeArrowheads="1" noCrop="1"/>
           </p:cNvPicPr>
           <p:nvPr/>
         </p:nvPicPr>
@@ -6577,8 +6616,8 @@
         </p:blipFill>
         <p:spPr bwMode="auto">
           <a:xfrm>
-            <a:off x="5825282" y="1772816"/>
-            <a:ext cx="3120281" cy="2340211"/>
+            <a:off x="611560" y="3212976"/>
+            <a:ext cx="6768752" cy="2651095"/>
           </a:xfrm>
           <a:prstGeom prst="rect">
             <a:avLst/>
@@ -6595,51 +6634,10 @@
           </a:extLst>
         </p:spPr>
       </p:pic>
-      <p:pic>
-        <p:nvPicPr>
-          <p:cNvPr id="13316" name="Picture 4" descr="Image result for gradient descent"/>
-          <p:cNvPicPr>
-            <a:picLocks noChangeAspect="1" noChangeArrowheads="1"/>
-          </p:cNvPicPr>
-          <p:nvPr/>
-        </p:nvPicPr>
-        <p:blipFill>
-          <a:blip r:embed="rId3" cstate="print">
-            <a:extLst>
-              <a:ext uri="{28A0092B-C50C-407E-A947-70E740481C1C}">
-                <a14:useLocalDpi xmlns:a14="http://schemas.microsoft.com/office/drawing/2010/main" val="0"/>
-              </a:ext>
-            </a:extLst>
-          </a:blip>
-          <a:srcRect/>
-          <a:stretch>
-            <a:fillRect/>
-          </a:stretch>
-        </p:blipFill>
-        <p:spPr bwMode="auto">
-          <a:xfrm>
-            <a:off x="899592" y="3501008"/>
-            <a:ext cx="4577354" cy="2141810"/>
-          </a:xfrm>
-          <a:prstGeom prst="rect">
-            <a:avLst/>
-          </a:prstGeom>
-          <a:noFill/>
-          <a:extLst>
-            <a:ext uri="{909E8E84-426E-40DD-AFC4-6F175D3DCCD1}">
-              <a14:hiddenFill xmlns:a14="http://schemas.microsoft.com/office/drawing/2010/main">
-                <a:solidFill>
-                  <a:srgbClr val="FFFFFF"/>
-                </a:solidFill>
-              </a14:hiddenFill>
-            </a:ext>
-          </a:extLst>
-        </p:spPr>
-      </p:pic>
     </p:spTree>
     <p:extLst>
       <p:ext uri="{BB962C8B-B14F-4D97-AF65-F5344CB8AC3E}">
-        <p14:creationId xmlns:p14="http://schemas.microsoft.com/office/powerpoint/2010/main" val="3830766788"/>
+        <p14:creationId xmlns:p14="http://schemas.microsoft.com/office/powerpoint/2010/main" val="540926501"/>
       </p:ext>
     </p:extLst>
   </p:cSld>
@@ -6683,7 +6681,7 @@
           <a:p>
             <a:r>
               <a:rPr lang="fr-FR" dirty="0"/>
-              <a:t>La descente du gradient</a:t>
+              <a:t>Learning rate</a:t>
             </a:r>
           </a:p>
         </p:txBody>
@@ -6705,29 +6703,21 @@
           <a:p>
             <a:r>
               <a:rPr lang="fr-FR" dirty="0"/>
-              <a:t>La descente du gradient</a:t>
+              <a:t>Le taux d’apprentissage résout le problème des minimums locaux</a:t>
             </a:r>
           </a:p>
           <a:p>
             <a:pPr lvl="1"/>
             <a:r>
               <a:rPr lang="fr-FR" dirty="0"/>
-              <a:t>Le changement de poids est alors effectué en remontant le réseaux</a:t>
-            </a:r>
-          </a:p>
-          <a:p>
-            <a:pPr lvl="1"/>
-            <a:r>
-              <a:rPr lang="fr-FR" dirty="0" err="1"/>
-              <a:t>Backpropagation</a:t>
-            </a:r>
-            <a:endParaRPr lang="fr-FR" dirty="0"/>
+              <a:t>Entre 0.01 et 0.00001</a:t>
+            </a:r>
           </a:p>
         </p:txBody>
       </p:sp>
       <p:pic>
         <p:nvPicPr>
-          <p:cNvPr id="5" name="Picture 8" descr="nn-calculation"/>
+          <p:cNvPr id="13314" name="Picture 2" descr="https://miro.medium.com/max/700/0*G8a4jCsMLJ7xNQNt.png"/>
           <p:cNvPicPr>
             <a:picLocks noChangeAspect="1" noChangeArrowheads="1"/>
           </p:cNvPicPr>
@@ -6748,8 +6738,8 @@
         </p:blipFill>
         <p:spPr bwMode="auto">
           <a:xfrm>
-            <a:off x="1067302" y="3284983"/>
-            <a:ext cx="3752373" cy="3030489"/>
+            <a:off x="5825282" y="1772816"/>
+            <a:ext cx="3120281" cy="2340211"/>
           </a:xfrm>
           <a:prstGeom prst="rect">
             <a:avLst/>
@@ -6768,7 +6758,7 @@
       </p:pic>
       <p:pic>
         <p:nvPicPr>
-          <p:cNvPr id="6" name="Picture 2" descr="https://miro.medium.com/max/2870/1*r_-1TKp8ylzWRl_ybjEhwA.png"/>
+          <p:cNvPr id="13316" name="Picture 4" descr="Image result for gradient descent"/>
           <p:cNvPicPr>
             <a:picLocks noChangeAspect="1" noChangeArrowheads="1"/>
           </p:cNvPicPr>
@@ -6789,8 +6779,8 @@
         </p:blipFill>
         <p:spPr bwMode="auto">
           <a:xfrm>
-            <a:off x="5018112" y="4440829"/>
-            <a:ext cx="4125888" cy="718796"/>
+            <a:off x="899592" y="3501008"/>
+            <a:ext cx="4577354" cy="2141810"/>
           </a:xfrm>
           <a:prstGeom prst="rect">
             <a:avLst/>
@@ -6810,7 +6800,7 @@
     </p:spTree>
     <p:extLst>
       <p:ext uri="{BB962C8B-B14F-4D97-AF65-F5344CB8AC3E}">
-        <p14:creationId xmlns:p14="http://schemas.microsoft.com/office/powerpoint/2010/main" val="2691581530"/>
+        <p14:creationId xmlns:p14="http://schemas.microsoft.com/office/powerpoint/2010/main" val="3830766788"/>
       </p:ext>
     </p:extLst>
   </p:cSld>
@@ -6853,6 +6843,42 @@
           <a:lstStyle/>
           <a:p>
             <a:r>
+              <a:rPr lang="fr-FR" dirty="0"/>
+              <a:t>La descente du gradient</a:t>
+            </a:r>
+          </a:p>
+        </p:txBody>
+      </p:sp>
+      <p:sp>
+        <p:nvSpPr>
+          <p:cNvPr id="3" name="Espace réservé du contenu 2"/>
+          <p:cNvSpPr>
+            <a:spLocks noGrp="1"/>
+          </p:cNvSpPr>
+          <p:nvPr>
+            <p:ph idx="1"/>
+          </p:nvPr>
+        </p:nvSpPr>
+        <p:spPr/>
+        <p:txBody>
+          <a:bodyPr/>
+          <a:lstStyle/>
+          <a:p>
+            <a:r>
+              <a:rPr lang="fr-FR" dirty="0"/>
+              <a:t>La descente du gradient</a:t>
+            </a:r>
+          </a:p>
+          <a:p>
+            <a:pPr lvl="1"/>
+            <a:r>
+              <a:rPr lang="fr-FR" dirty="0"/>
+              <a:t>Le changement de poids est alors effectué en remontant le réseaux</a:t>
+            </a:r>
+          </a:p>
+          <a:p>
+            <a:pPr lvl="1"/>
+            <a:r>
               <a:rPr lang="fr-FR" dirty="0" err="1"/>
               <a:t>Backpropagation</a:t>
             </a:r>
@@ -6862,13 +6888,11 @@
       </p:sp>
       <p:pic>
         <p:nvPicPr>
-          <p:cNvPr id="4098" name="Picture 2" descr="https://dpzbhybb2pdcj.cloudfront.net/allaire/Figures/01fig09.jpg"/>
+          <p:cNvPr id="5" name="Picture 8" descr="nn-calculation"/>
           <p:cNvPicPr>
-            <a:picLocks noGrp="1" noChangeAspect="1" noChangeArrowheads="1"/>
+            <a:picLocks noChangeAspect="1" noChangeArrowheads="1"/>
           </p:cNvPicPr>
-          <p:nvPr>
-            <p:ph idx="1"/>
-          </p:nvPr>
+          <p:nvPr/>
         </p:nvPicPr>
         <p:blipFill>
           <a:blip r:embed="rId2">
@@ -6885,8 +6909,8 @@
         </p:blipFill>
         <p:spPr bwMode="auto">
           <a:xfrm>
-            <a:off x="2798341" y="1772816"/>
-            <a:ext cx="4608512" cy="3657214"/>
+            <a:off x="1067302" y="3284983"/>
+            <a:ext cx="3752373" cy="3030489"/>
           </a:xfrm>
           <a:prstGeom prst="rect">
             <a:avLst/>
@@ -6903,10 +6927,51 @@
           </a:extLst>
         </p:spPr>
       </p:pic>
+      <p:pic>
+        <p:nvPicPr>
+          <p:cNvPr id="6" name="Picture 2" descr="https://miro.medium.com/max/2870/1*r_-1TKp8ylzWRl_ybjEhwA.png"/>
+          <p:cNvPicPr>
+            <a:picLocks noChangeAspect="1" noChangeArrowheads="1"/>
+          </p:cNvPicPr>
+          <p:nvPr/>
+        </p:nvPicPr>
+        <p:blipFill>
+          <a:blip r:embed="rId3" cstate="print">
+            <a:extLst>
+              <a:ext uri="{28A0092B-C50C-407E-A947-70E740481C1C}">
+                <a14:useLocalDpi xmlns:a14="http://schemas.microsoft.com/office/drawing/2010/main" val="0"/>
+              </a:ext>
+            </a:extLst>
+          </a:blip>
+          <a:srcRect/>
+          <a:stretch>
+            <a:fillRect/>
+          </a:stretch>
+        </p:blipFill>
+        <p:spPr bwMode="auto">
+          <a:xfrm>
+            <a:off x="5018112" y="4440829"/>
+            <a:ext cx="4125888" cy="718796"/>
+          </a:xfrm>
+          <a:prstGeom prst="rect">
+            <a:avLst/>
+          </a:prstGeom>
+          <a:noFill/>
+          <a:extLst>
+            <a:ext uri="{909E8E84-426E-40DD-AFC4-6F175D3DCCD1}">
+              <a14:hiddenFill xmlns:a14="http://schemas.microsoft.com/office/drawing/2010/main">
+                <a:solidFill>
+                  <a:srgbClr val="FFFFFF"/>
+                </a:solidFill>
+              </a14:hiddenFill>
+            </a:ext>
+          </a:extLst>
+        </p:spPr>
+      </p:pic>
     </p:spTree>
     <p:extLst>
       <p:ext uri="{BB962C8B-B14F-4D97-AF65-F5344CB8AC3E}">
-        <p14:creationId xmlns:p14="http://schemas.microsoft.com/office/powerpoint/2010/main" val="2578929874"/>
+        <p14:creationId xmlns:p14="http://schemas.microsoft.com/office/powerpoint/2010/main" val="2691581530"/>
       </p:ext>
     </p:extLst>
   </p:cSld>
@@ -6950,105 +7015,21 @@
           <a:p>
             <a:r>
               <a:rPr lang="fr-FR" dirty="0" err="1"/>
-              <a:t>Stochastic</a:t>
-            </a:r>
-            <a:r>
-              <a:rPr lang="fr-FR" dirty="0"/>
-              <a:t> Gradient </a:t>
-            </a:r>
-            <a:r>
-              <a:rPr lang="fr-FR" dirty="0" err="1"/>
-              <a:t>Based</a:t>
-            </a:r>
-            <a:r>
-              <a:rPr lang="fr-FR" dirty="0"/>
-              <a:t> </a:t>
-            </a:r>
-            <a:r>
-              <a:rPr lang="fr-FR" dirty="0" err="1"/>
-              <a:t>Optimizer</a:t>
+              <a:t>Backpropagation</a:t>
             </a:r>
             <a:endParaRPr lang="fr-FR" dirty="0"/>
-          </a:p>
-        </p:txBody>
-      </p:sp>
-      <p:sp>
-        <p:nvSpPr>
-          <p:cNvPr id="3" name="Espace réservé du contenu 2"/>
-          <p:cNvSpPr>
-            <a:spLocks noGrp="1"/>
-          </p:cNvSpPr>
-          <p:nvPr>
-            <p:ph idx="1"/>
-          </p:nvPr>
-        </p:nvSpPr>
-        <p:spPr/>
-        <p:txBody>
-          <a:bodyPr/>
-          <a:lstStyle/>
-          <a:p>
-            <a:r>
-              <a:rPr lang="fr-FR" dirty="0"/>
-              <a:t>Ajout d’un moment et de la dérivé de la fonction d’activation dans le calcul de </a:t>
-            </a:r>
-            <a:r>
-              <a:rPr lang="fr-FR" dirty="0" err="1"/>
-              <a:t>dW</a:t>
-            </a:r>
-            <a:endParaRPr lang="fr-FR" dirty="0"/>
-          </a:p>
-          <a:p>
-            <a:pPr lvl="1"/>
-            <a:r>
-              <a:rPr lang="fr-FR" dirty="0" err="1"/>
-              <a:t>dW</a:t>
-            </a:r>
-            <a:r>
-              <a:rPr lang="fr-FR" dirty="0"/>
-              <a:t> = (</a:t>
-            </a:r>
-            <a:r>
-              <a:rPr lang="fr-FR" dirty="0" err="1"/>
-              <a:t>learningrate</a:t>
-            </a:r>
-            <a:r>
-              <a:rPr lang="fr-FR" dirty="0"/>
-              <a:t> * gradient(</a:t>
-            </a:r>
-            <a:r>
-              <a:rPr lang="fr-FR" dirty="0" err="1"/>
-              <a:t>loss</a:t>
-            </a:r>
-            <a:r>
-              <a:rPr lang="fr-FR" dirty="0"/>
-              <a:t>)) / (</a:t>
-            </a:r>
-            <a:r>
-              <a:rPr lang="fr-FR" dirty="0" err="1"/>
-              <a:t>df</a:t>
-            </a:r>
-            <a:r>
-              <a:rPr lang="fr-FR" dirty="0"/>
-              <a:t>(x) * </a:t>
-            </a:r>
-            <a:r>
-              <a:rPr lang="fr-FR" dirty="0" err="1"/>
-              <a:t>momentum</a:t>
-            </a:r>
-            <a:r>
-              <a:rPr lang="fr-FR" dirty="0"/>
-              <a:t>)</a:t>
-            </a:r>
           </a:p>
         </p:txBody>
       </p:sp>
       <p:pic>
         <p:nvPicPr>
-          <p:cNvPr id="6" name="Picture 2" descr="https://dpzbhybb2pdcj.cloudfront.net/allaire/Figures/02fig10.jpg"/>
+          <p:cNvPr id="4098" name="Picture 2" descr="https://dpzbhybb2pdcj.cloudfront.net/allaire/Figures/01fig09.jpg"/>
           <p:cNvPicPr>
-            <a:picLocks noChangeAspect="1" noChangeArrowheads="1"/>
+            <a:picLocks noGrp="1" noChangeAspect="1" noChangeArrowheads="1"/>
           </p:cNvPicPr>
-          <p:nvPr/>
+          <p:nvPr>
+            <p:ph idx="1"/>
+          </p:nvPr>
         </p:nvPicPr>
         <p:blipFill>
           <a:blip r:embed="rId2">
@@ -7065,16 +7046,13 @@
         </p:blipFill>
         <p:spPr bwMode="auto">
           <a:xfrm>
-            <a:off x="3203848" y="3212976"/>
-            <a:ext cx="2869743" cy="2189416"/>
+            <a:off x="2798341" y="1772816"/>
+            <a:ext cx="4608512" cy="3657214"/>
           </a:xfrm>
           <a:prstGeom prst="rect">
             <a:avLst/>
           </a:prstGeom>
           <a:noFill/>
-          <a:ln>
-            <a:noFill/>
-          </a:ln>
           <a:extLst>
             <a:ext uri="{909E8E84-426E-40DD-AFC4-6F175D3DCCD1}">
               <a14:hiddenFill xmlns:a14="http://schemas.microsoft.com/office/drawing/2010/main">
@@ -7082,16 +7060,6 @@
                   <a:srgbClr val="FFFFFF"/>
                 </a:solidFill>
               </a14:hiddenFill>
-            </a:ext>
-            <a:ext uri="{91240B29-F687-4F45-9708-019B960494DF}">
-              <a14:hiddenLine xmlns:a14="http://schemas.microsoft.com/office/drawing/2010/main" w="9525">
-                <a:solidFill>
-                  <a:srgbClr val="000000"/>
-                </a:solidFill>
-                <a:miter lim="800000"/>
-                <a:headEnd/>
-                <a:tailEnd/>
-              </a14:hiddenLine>
             </a:ext>
           </a:extLst>
         </p:spPr>
@@ -7099,7 +7067,7 @@
     </p:spTree>
     <p:extLst>
       <p:ext uri="{BB962C8B-B14F-4D97-AF65-F5344CB8AC3E}">
-        <p14:creationId xmlns:p14="http://schemas.microsoft.com/office/powerpoint/2010/main" val="4230464150"/>
+        <p14:creationId xmlns:p14="http://schemas.microsoft.com/office/powerpoint/2010/main" val="2578929874"/>
       </p:ext>
     </p:extLst>
   </p:cSld>
@@ -7142,9 +7110,26 @@
           <a:lstStyle/>
           <a:p>
             <a:r>
-              <a:rPr lang="fr-FR" dirty="0"/>
-              <a:t>MLP Complexes</a:t>
-            </a:r>
+              <a:rPr lang="fr-FR" dirty="0" err="1"/>
+              <a:t>Stochastic</a:t>
+            </a:r>
+            <a:r>
+              <a:rPr lang="fr-FR" dirty="0"/>
+              <a:t> Gradient </a:t>
+            </a:r>
+            <a:r>
+              <a:rPr lang="fr-FR" dirty="0" err="1"/>
+              <a:t>Based</a:t>
+            </a:r>
+            <a:r>
+              <a:rPr lang="fr-FR" dirty="0"/>
+              <a:t> </a:t>
+            </a:r>
+            <a:r>
+              <a:rPr lang="fr-FR" dirty="0" err="1"/>
+              <a:t>Optimizer</a:t>
+            </a:r>
+            <a:endParaRPr lang="fr-FR" dirty="0"/>
           </a:p>
         </p:txBody>
       </p:sp>
@@ -7165,14 +7150,62 @@
           <a:p>
             <a:r>
               <a:rPr lang="fr-FR" dirty="0"/>
-              <a:t>Les réseaux peuvent être complexes</a:t>
+              <a:t>Ajout d’un moment et de la dérivé de la fonction d’activation dans le calcul de </a:t>
+            </a:r>
+            <a:r>
+              <a:rPr lang="fr-FR" dirty="0" err="1"/>
+              <a:t>dW</a:t>
+            </a:r>
+            <a:endParaRPr lang="fr-FR" dirty="0"/>
+          </a:p>
+          <a:p>
+            <a:pPr lvl="1"/>
+            <a:r>
+              <a:rPr lang="fr-FR" dirty="0" err="1"/>
+              <a:t>dW</a:t>
+            </a:r>
+            <a:r>
+              <a:rPr lang="fr-FR" dirty="0"/>
+              <a:t> = (</a:t>
+            </a:r>
+            <a:r>
+              <a:rPr lang="fr-FR" dirty="0" err="1"/>
+              <a:t>learningrate</a:t>
+            </a:r>
+            <a:r>
+              <a:rPr lang="fr-FR" dirty="0"/>
+              <a:t> * gradient(</a:t>
+            </a:r>
+            <a:r>
+              <a:rPr lang="fr-FR" dirty="0" err="1"/>
+              <a:t>loss</a:t>
+            </a:r>
+            <a:r>
+              <a:rPr lang="fr-FR" dirty="0"/>
+              <a:t>)) / (</a:t>
+            </a:r>
+            <a:r>
+              <a:rPr lang="fr-FR" dirty="0" err="1"/>
+              <a:t>df</a:t>
+            </a:r>
+            <a:r>
+              <a:rPr lang="fr-FR" dirty="0"/>
+              <a:t>(x) * </a:t>
+            </a:r>
+            <a:r>
+              <a:rPr lang="fr-FR" dirty="0" err="1"/>
+              <a:t>momentum</a:t>
+            </a:r>
+            <a:r>
+              <a:rPr lang="fr-FR" dirty="0"/>
+              <a:t>)</a:t>
             </a:r>
           </a:p>
         </p:txBody>
       </p:sp>
       <p:pic>
         <p:nvPicPr>
-          <p:cNvPr id="4" name="Picture 16" descr="Résultat de recherche d'images pour &quot;multi layer perceptron inference animated gif&quot;"/>
+          <p:cNvPr id="6" name="Picture 2" descr="https://dpzbhybb2pdcj.cloudfront.net/allaire/Figures/02fig10.jpg"/>
           <p:cNvPicPr>
             <a:picLocks noChangeAspect="1" noChangeArrowheads="1"/>
           </p:cNvPicPr>
@@ -7193,13 +7226,16 @@
         </p:blipFill>
         <p:spPr bwMode="auto">
           <a:xfrm>
-            <a:off x="1979712" y="1916832"/>
-            <a:ext cx="5273934" cy="4428753"/>
+            <a:off x="3203848" y="3212976"/>
+            <a:ext cx="2869743" cy="2189416"/>
           </a:xfrm>
           <a:prstGeom prst="rect">
             <a:avLst/>
           </a:prstGeom>
           <a:noFill/>
+          <a:ln>
+            <a:noFill/>
+          </a:ln>
           <a:extLst>
             <a:ext uri="{909E8E84-426E-40DD-AFC4-6F175D3DCCD1}">
               <a14:hiddenFill xmlns:a14="http://schemas.microsoft.com/office/drawing/2010/main">
@@ -7207,6 +7243,16 @@
                   <a:srgbClr val="FFFFFF"/>
                 </a:solidFill>
               </a14:hiddenFill>
+            </a:ext>
+            <a:ext uri="{91240B29-F687-4F45-9708-019B960494DF}">
+              <a14:hiddenLine xmlns:a14="http://schemas.microsoft.com/office/drawing/2010/main" w="9525">
+                <a:solidFill>
+                  <a:srgbClr val="000000"/>
+                </a:solidFill>
+                <a:miter lim="800000"/>
+                <a:headEnd/>
+                <a:tailEnd/>
+              </a14:hiddenLine>
             </a:ext>
           </a:extLst>
         </p:spPr>
@@ -7214,7 +7260,7 @@
     </p:spTree>
     <p:extLst>
       <p:ext uri="{BB962C8B-B14F-4D97-AF65-F5344CB8AC3E}">
-        <p14:creationId xmlns:p14="http://schemas.microsoft.com/office/powerpoint/2010/main" val="651947342"/>
+        <p14:creationId xmlns:p14="http://schemas.microsoft.com/office/powerpoint/2010/main" val="4230464150"/>
       </p:ext>
     </p:extLst>
   </p:cSld>
@@ -7258,7 +7304,7 @@
           <a:p>
             <a:r>
               <a:rPr lang="fr-FR" dirty="0"/>
-              <a:t>Coût</a:t>
+              <a:t>MLP Complexes</a:t>
             </a:r>
           </a:p>
         </p:txBody>
@@ -7273,47 +7319,28 @@
             <p:ph idx="1"/>
           </p:nvPr>
         </p:nvSpPr>
-        <p:spPr>
-          <a:xfrm>
-            <a:off x="179513" y="1412776"/>
-            <a:ext cx="7056784" cy="5040560"/>
-          </a:xfrm>
-        </p:spPr>
+        <p:spPr/>
         <p:txBody>
           <a:bodyPr/>
           <a:lstStyle/>
           <a:p>
             <a:r>
               <a:rPr lang="fr-FR" dirty="0"/>
-              <a:t>Très couteux</a:t>
-            </a:r>
-          </a:p>
-          <a:p>
-            <a:pPr lvl="1"/>
-            <a:r>
-              <a:rPr lang="fr-FR" dirty="0"/>
-              <a:t>Mais donne de très bon résultats</a:t>
-            </a:r>
-          </a:p>
-          <a:p>
-            <a:pPr lvl="1"/>
-            <a:r>
-              <a:rPr lang="fr-FR" dirty="0"/>
-              <a:t>Maitrise l’addition sur 4 bits avec 145 neurones et 100 itérations</a:t>
+              <a:t>Les réseaux peuvent être complexes</a:t>
             </a:r>
           </a:p>
         </p:txBody>
       </p:sp>
       <p:pic>
         <p:nvPicPr>
-          <p:cNvPr id="3074" name="Picture 2" descr="../_images/multilayerperceptron_network.png"/>
+          <p:cNvPr id="4" name="Picture 16" descr="Résultat de recherche d'images pour &quot;multi layer perceptron inference animated gif&quot;"/>
           <p:cNvPicPr>
             <a:picLocks noChangeAspect="1" noChangeArrowheads="1"/>
           </p:cNvPicPr>
           <p:nvPr/>
         </p:nvPicPr>
         <p:blipFill>
-          <a:blip r:embed="rId2" cstate="print">
+          <a:blip r:embed="rId2">
             <a:extLst>
               <a:ext uri="{28A0092B-C50C-407E-A947-70E740481C1C}">
                 <a14:useLocalDpi xmlns:a14="http://schemas.microsoft.com/office/drawing/2010/main" val="0"/>
@@ -7327,8 +7354,8 @@
         </p:blipFill>
         <p:spPr bwMode="auto">
           <a:xfrm>
-            <a:off x="6863081" y="2132856"/>
-            <a:ext cx="2088232" cy="2269585"/>
+            <a:off x="1979712" y="1916832"/>
+            <a:ext cx="5273934" cy="4428753"/>
           </a:xfrm>
           <a:prstGeom prst="rect">
             <a:avLst/>
@@ -7348,7 +7375,7 @@
     </p:spTree>
     <p:extLst>
       <p:ext uri="{BB962C8B-B14F-4D97-AF65-F5344CB8AC3E}">
-        <p14:creationId xmlns:p14="http://schemas.microsoft.com/office/powerpoint/2010/main" val="1268887621"/>
+        <p14:creationId xmlns:p14="http://schemas.microsoft.com/office/powerpoint/2010/main" val="651947342"/>
       </p:ext>
     </p:extLst>
   </p:cSld>
@@ -7392,7 +7419,7 @@
           <a:p>
             <a:r>
               <a:rPr lang="fr-FR" dirty="0"/>
-              <a:t>Asymétrie</a:t>
+              <a:t>Coût</a:t>
             </a:r>
           </a:p>
         </p:txBody>
@@ -7407,48 +7434,82 @@
             <p:ph idx="1"/>
           </p:nvPr>
         </p:nvSpPr>
-        <p:spPr/>
+        <p:spPr>
+          <a:xfrm>
+            <a:off x="179513" y="1412776"/>
+            <a:ext cx="7056784" cy="5040560"/>
+          </a:xfrm>
+        </p:spPr>
         <p:txBody>
           <a:bodyPr/>
           <a:lstStyle/>
           <a:p>
             <a:r>
               <a:rPr lang="fr-FR" dirty="0"/>
-              <a:t>Les réseaux neuronaux sont </a:t>
-            </a:r>
-            <a:r>
-              <a:rPr lang="fr-FR"/>
-              <a:t>des modèles asymétriques</a:t>
-            </a:r>
-            <a:endParaRPr lang="fr-FR" dirty="0"/>
+              <a:t>Très couteux</a:t>
+            </a:r>
           </a:p>
           <a:p>
             <a:pPr lvl="1"/>
             <a:r>
               <a:rPr lang="fr-FR" dirty="0"/>
-              <a:t>Apprentissage couteux</a:t>
+              <a:t>Mais donne de très bon résultats</a:t>
             </a:r>
           </a:p>
           <a:p>
             <a:pPr lvl="1"/>
             <a:r>
               <a:rPr lang="fr-FR" dirty="0"/>
-              <a:t>Prédiction rapide</a:t>
-            </a:r>
-          </a:p>
-          <a:p>
-            <a:pPr lvl="1"/>
-            <a:r>
-              <a:rPr lang="fr-FR" dirty="0"/>
-              <a:t>Très utile</a:t>
+              <a:t>Maitrise l’addition sur 4 bits avec 145 neurones et 100 itérations</a:t>
             </a:r>
           </a:p>
         </p:txBody>
       </p:sp>
+      <p:pic>
+        <p:nvPicPr>
+          <p:cNvPr id="3074" name="Picture 2" descr="../_images/multilayerperceptron_network.png"/>
+          <p:cNvPicPr>
+            <a:picLocks noChangeAspect="1" noChangeArrowheads="1"/>
+          </p:cNvPicPr>
+          <p:nvPr/>
+        </p:nvPicPr>
+        <p:blipFill>
+          <a:blip r:embed="rId2" cstate="print">
+            <a:extLst>
+              <a:ext uri="{28A0092B-C50C-407E-A947-70E740481C1C}">
+                <a14:useLocalDpi xmlns:a14="http://schemas.microsoft.com/office/drawing/2010/main" val="0"/>
+              </a:ext>
+            </a:extLst>
+          </a:blip>
+          <a:srcRect/>
+          <a:stretch>
+            <a:fillRect/>
+          </a:stretch>
+        </p:blipFill>
+        <p:spPr bwMode="auto">
+          <a:xfrm>
+            <a:off x="6863081" y="2132856"/>
+            <a:ext cx="2088232" cy="2269585"/>
+          </a:xfrm>
+          <a:prstGeom prst="rect">
+            <a:avLst/>
+          </a:prstGeom>
+          <a:noFill/>
+          <a:extLst>
+            <a:ext uri="{909E8E84-426E-40DD-AFC4-6F175D3DCCD1}">
+              <a14:hiddenFill xmlns:a14="http://schemas.microsoft.com/office/drawing/2010/main">
+                <a:solidFill>
+                  <a:srgbClr val="FFFFFF"/>
+                </a:solidFill>
+              </a14:hiddenFill>
+            </a:ext>
+          </a:extLst>
+        </p:spPr>
+      </p:pic>
     </p:spTree>
     <p:extLst>
       <p:ext uri="{BB962C8B-B14F-4D97-AF65-F5344CB8AC3E}">
-        <p14:creationId xmlns:p14="http://schemas.microsoft.com/office/powerpoint/2010/main" val="1946835064"/>
+        <p14:creationId xmlns:p14="http://schemas.microsoft.com/office/powerpoint/2010/main" val="1268887621"/>
       </p:ext>
     </p:extLst>
   </p:cSld>
@@ -7492,7 +7553,7 @@
           <a:p>
             <a:r>
               <a:rPr lang="fr-FR" dirty="0"/>
-              <a:t>Topologie</a:t>
+              <a:t>Asymétrie</a:t>
             </a:r>
           </a:p>
         </p:txBody>
@@ -7514,48 +7575,33 @@
           <a:p>
             <a:r>
               <a:rPr lang="fr-FR" dirty="0"/>
-              <a:t>Plus réseau est profond plus il nécessite de données</a:t>
-            </a:r>
+              <a:t>Les réseaux neuronaux sont </a:t>
+            </a:r>
+            <a:r>
+              <a:rPr lang="fr-FR"/>
+              <a:t>des modèles asymétriques</a:t>
+            </a:r>
+            <a:endParaRPr lang="fr-FR" dirty="0"/>
           </a:p>
           <a:p>
             <a:pPr lvl="1"/>
             <a:r>
               <a:rPr lang="fr-FR" dirty="0"/>
-              <a:t>Pas de goulot d’étranglement</a:t>
+              <a:t>Apprentissage couteux</a:t>
             </a:r>
           </a:p>
           <a:p>
             <a:pPr lvl="1"/>
             <a:r>
               <a:rPr lang="fr-FR" dirty="0"/>
-              <a:t>Largeur inférieur aux inputs et outputs (sauf </a:t>
-            </a:r>
-            <a:r>
-              <a:rPr lang="fr-FR" dirty="0" err="1"/>
-              <a:t>DropOut</a:t>
-            </a:r>
-            <a:r>
-              <a:rPr lang="fr-FR" dirty="0"/>
-              <a:t>)</a:t>
+              <a:t>Prédiction rapide</a:t>
             </a:r>
           </a:p>
           <a:p>
             <a:pPr lvl="1"/>
             <a:r>
-              <a:rPr lang="fr-FR" dirty="0" err="1"/>
-              <a:t>Nb_max_hidden_layer</a:t>
-            </a:r>
-            <a:r>
-              <a:rPr lang="fr-FR" dirty="0"/>
-              <a:t> ~= log(</a:t>
-            </a:r>
-            <a:r>
-              <a:rPr lang="fr-FR" dirty="0" err="1"/>
-              <a:t>len</a:t>
-            </a:r>
-            <a:r>
-              <a:rPr lang="fr-FR" dirty="0"/>
-              <a:t>(dataset))</a:t>
+              <a:rPr lang="fr-FR" dirty="0"/>
+              <a:t>Très utile</a:t>
             </a:r>
           </a:p>
         </p:txBody>
@@ -7563,7 +7609,7 @@
     </p:spTree>
     <p:extLst>
       <p:ext uri="{BB962C8B-B14F-4D97-AF65-F5344CB8AC3E}">
-        <p14:creationId xmlns:p14="http://schemas.microsoft.com/office/powerpoint/2010/main" val="1975527777"/>
+        <p14:creationId xmlns:p14="http://schemas.microsoft.com/office/powerpoint/2010/main" val="1946835064"/>
       </p:ext>
     </p:extLst>
   </p:cSld>
@@ -7682,6 +7728,121 @@
     <p:extLst>
       <p:ext uri="{BB962C8B-B14F-4D97-AF65-F5344CB8AC3E}">
         <p14:creationId xmlns:p14="http://schemas.microsoft.com/office/powerpoint/2010/main" val="2196385036"/>
+      </p:ext>
+    </p:extLst>
+  </p:cSld>
+  <p:clrMapOvr>
+    <a:masterClrMapping/>
+  </p:clrMapOvr>
+</p:sld>
+</file>
+
+<file path=ppt/slides/slide30.xml><?xml version="1.0" encoding="utf-8"?>
+<p:sld xmlns:a="http://schemas.openxmlformats.org/drawingml/2006/main" xmlns:r="http://schemas.openxmlformats.org/officeDocument/2006/relationships" xmlns:p="http://schemas.openxmlformats.org/presentationml/2006/main">
+  <p:cSld>
+    <p:spTree>
+      <p:nvGrpSpPr>
+        <p:cNvPr id="1" name=""/>
+        <p:cNvGrpSpPr/>
+        <p:nvPr/>
+      </p:nvGrpSpPr>
+      <p:grpSpPr>
+        <a:xfrm>
+          <a:off x="0" y="0"/>
+          <a:ext cx="0" cy="0"/>
+          <a:chOff x="0" y="0"/>
+          <a:chExt cx="0" cy="0"/>
+        </a:xfrm>
+      </p:grpSpPr>
+      <p:sp>
+        <p:nvSpPr>
+          <p:cNvPr id="2" name="Titre 1"/>
+          <p:cNvSpPr>
+            <a:spLocks noGrp="1"/>
+          </p:cNvSpPr>
+          <p:nvPr>
+            <p:ph type="title"/>
+          </p:nvPr>
+        </p:nvSpPr>
+        <p:spPr/>
+        <p:txBody>
+          <a:bodyPr/>
+          <a:lstStyle/>
+          <a:p>
+            <a:r>
+              <a:rPr lang="fr-FR" dirty="0"/>
+              <a:t>Topologie</a:t>
+            </a:r>
+          </a:p>
+        </p:txBody>
+      </p:sp>
+      <p:sp>
+        <p:nvSpPr>
+          <p:cNvPr id="3" name="Espace réservé du contenu 2"/>
+          <p:cNvSpPr>
+            <a:spLocks noGrp="1"/>
+          </p:cNvSpPr>
+          <p:nvPr>
+            <p:ph idx="1"/>
+          </p:nvPr>
+        </p:nvSpPr>
+        <p:spPr/>
+        <p:txBody>
+          <a:bodyPr/>
+          <a:lstStyle/>
+          <a:p>
+            <a:r>
+              <a:rPr lang="fr-FR" dirty="0"/>
+              <a:t>Plus réseau est profond plus il nécessite de données</a:t>
+            </a:r>
+          </a:p>
+          <a:p>
+            <a:pPr lvl="1"/>
+            <a:r>
+              <a:rPr lang="fr-FR" dirty="0"/>
+              <a:t>Pas de goulot d’étranglement</a:t>
+            </a:r>
+          </a:p>
+          <a:p>
+            <a:pPr lvl="1"/>
+            <a:r>
+              <a:rPr lang="fr-FR" dirty="0"/>
+              <a:t>Largeur inférieur aux inputs et outputs (sauf </a:t>
+            </a:r>
+            <a:r>
+              <a:rPr lang="fr-FR" dirty="0" err="1"/>
+              <a:t>DropOut</a:t>
+            </a:r>
+            <a:r>
+              <a:rPr lang="fr-FR" dirty="0"/>
+              <a:t>)</a:t>
+            </a:r>
+          </a:p>
+          <a:p>
+            <a:pPr lvl="1"/>
+            <a:r>
+              <a:rPr lang="fr-FR" dirty="0" err="1"/>
+              <a:t>Nb_max_hidden_layer</a:t>
+            </a:r>
+            <a:r>
+              <a:rPr lang="fr-FR" dirty="0"/>
+              <a:t> ~= log(</a:t>
+            </a:r>
+            <a:r>
+              <a:rPr lang="fr-FR" dirty="0" err="1"/>
+              <a:t>len</a:t>
+            </a:r>
+            <a:r>
+              <a:rPr lang="fr-FR" dirty="0"/>
+              <a:t>(dataset))</a:t>
+            </a:r>
+          </a:p>
+        </p:txBody>
+      </p:sp>
+    </p:spTree>
+    <p:extLst>
+      <p:ext uri="{BB962C8B-B14F-4D97-AF65-F5344CB8AC3E}">
+        <p14:creationId xmlns:p14="http://schemas.microsoft.com/office/powerpoint/2010/main" val="1975527777"/>
       </p:ext>
     </p:extLst>
   </p:cSld>

--- a/PPT/DeepLearning08-MLP.pptx
+++ b/PPT/DeepLearning08-MLP.pptx
@@ -5866,7 +5866,10 @@
           <a:bodyPr/>
           <a:lstStyle/>
           <a:p>
-            <a:endParaRPr lang="fr-FR" dirty="0"/>
+            <a:r>
+              <a:rPr lang="fr-FR" dirty="0"/>
+              <a:t>Descente du gradient</a:t>
+            </a:r>
           </a:p>
         </p:txBody>
       </p:sp>
@@ -5891,19 +5894,76 @@
           <a:bodyPr/>
           <a:lstStyle/>
           <a:p>
-            <a:r>
-              <a:rPr lang="fr-FR" dirty="0"/>
-              <a:t>Descente du gradient</a:t>
-            </a:r>
-          </a:p>
-          <a:p>
+            <a:endParaRPr lang="fr-FR" dirty="0"/>
+          </a:p>
+          <a:p>
+            <a:endParaRPr lang="fr-FR" dirty="0"/>
+          </a:p>
+          <a:p>
+            <a:endParaRPr lang="fr-FR" dirty="0"/>
+          </a:p>
+          <a:p>
+            <a:r>
+              <a:rPr lang="fr-FR" dirty="0" err="1"/>
+              <a:t>fdW</a:t>
+            </a:r>
+            <a:r>
+              <a:rPr lang="fr-FR" dirty="0"/>
+              <a:t>(x) = (w * </a:t>
+            </a:r>
+            <a:r>
+              <a:rPr lang="fr-FR" dirty="0" err="1"/>
+              <a:t>loss</a:t>
+            </a:r>
+            <a:r>
+              <a:rPr lang="fr-FR" dirty="0"/>
+              <a:t> * </a:t>
+            </a:r>
             <a:r>
               <a:rPr lang="fr-FR" dirty="0" err="1"/>
               <a:t>lr</a:t>
             </a:r>
             <a:r>
               <a:rPr lang="fr-FR" dirty="0"/>
-              <a:t> = Learning Rate (1</a:t>
+              <a:t>) / (</a:t>
+            </a:r>
+            <a:r>
+              <a:rPr lang="fr-FR" dirty="0" err="1"/>
+              <a:t>faccel</a:t>
+            </a:r>
+            <a:r>
+              <a:rPr lang="fr-FR" dirty="0"/>
+              <a:t>(</a:t>
+            </a:r>
+            <a:r>
+              <a:rPr lang="fr-FR" dirty="0" err="1"/>
+              <a:t>momentum</a:t>
+            </a:r>
+            <a:r>
+              <a:rPr lang="fr-FR" dirty="0"/>
+              <a:t>) * </a:t>
+            </a:r>
+            <a:r>
+              <a:rPr lang="fr-FR" dirty="0" err="1"/>
+              <a:t>df</a:t>
+            </a:r>
+            <a:r>
+              <a:rPr lang="fr-FR"/>
+              <a:t>(x)) </a:t>
+            </a:r>
+            <a:endParaRPr lang="fr-FR" dirty="0"/>
+          </a:p>
+          <a:p>
+            <a:endParaRPr lang="fr-FR" dirty="0"/>
+          </a:p>
+          <a:p>
+            <a:r>
+              <a:rPr lang="fr-FR" dirty="0" err="1"/>
+              <a:t>lr</a:t>
+            </a:r>
+            <a:r>
+              <a:rPr lang="fr-FR" dirty="0"/>
+              <a:t> = Learning Rate [1</a:t>
             </a:r>
             <a:r>
               <a:rPr lang="fr-FR" baseline="30000" dirty="0"/>
@@ -5911,7 +5971,7 @@
             </a:r>
             <a:r>
               <a:rPr lang="fr-FR" dirty="0"/>
-              <a:t>-3 1</a:t>
+              <a:t>-2, 1</a:t>
             </a:r>
             <a:r>
               <a:rPr lang="fr-FR" baseline="30000" dirty="0"/>
@@ -5919,59 +5979,23 @@
             </a:r>
             <a:r>
               <a:rPr lang="fr-FR" dirty="0"/>
-              <a:t>-5)</a:t>
-            </a:r>
-          </a:p>
-          <a:p>
-            <a:endParaRPr lang="fr-FR" dirty="0"/>
-          </a:p>
-          <a:p>
-            <a:endParaRPr lang="fr-FR" dirty="0"/>
-          </a:p>
-          <a:p>
-            <a:endParaRPr lang="fr-FR" dirty="0"/>
-          </a:p>
-          <a:p>
-            <a:r>
-              <a:rPr lang="fr-FR" dirty="0" err="1"/>
-              <a:t>fdW</a:t>
-            </a:r>
-            <a:r>
-              <a:rPr lang="fr-FR" dirty="0"/>
-              <a:t>(x) = (</a:t>
-            </a:r>
-            <a:r>
-              <a:rPr lang="fr-FR" dirty="0" err="1"/>
-              <a:t>loss</a:t>
-            </a:r>
-            <a:r>
-              <a:rPr lang="fr-FR" dirty="0"/>
-              <a:t> * W(x) * </a:t>
-            </a:r>
-            <a:r>
-              <a:rPr lang="fr-FR" dirty="0" err="1"/>
-              <a:t>lr</a:t>
-            </a:r>
-            <a:r>
-              <a:rPr lang="fr-FR" dirty="0"/>
-              <a:t>) / (</a:t>
-            </a:r>
+              <a:t>-5]</a:t>
+            </a:r>
+          </a:p>
+          <a:p>
             <a:r>
               <a:rPr lang="fr-FR" dirty="0" err="1"/>
               <a:t>momentum</a:t>
             </a:r>
             <a:r>
               <a:rPr lang="fr-FR" dirty="0"/>
-              <a:t> * </a:t>
+              <a:t> = </a:t>
             </a:r>
             <a:r>
               <a:rPr lang="fr-FR" dirty="0" err="1"/>
-              <a:t>dfactivation</a:t>
-            </a:r>
-            <a:r>
-              <a:rPr lang="fr-FR" dirty="0"/>
-              <a:t>)</a:t>
-            </a:r>
+              <a:t>Nesterov</a:t>
+            </a:r>
+            <a:endParaRPr lang="fr-FR" dirty="0"/>
           </a:p>
         </p:txBody>
       </p:sp>

--- a/PPT/DeepLearning08-MLP.pptx
+++ b/PPT/DeepLearning08-MLP.pptx
@@ -3974,7 +3974,7 @@
               <a:rPr lang="fr-FR" dirty="0">
                 <a:sym typeface="Wingdings" panose="05000000000000000000" pitchFamily="2" charset="2"/>
               </a:rPr>
-              <a:t>Ou équivalent à un poids avec une entrée à 1</a:t>
+              <a:t>Ou équivalent à perceptron avec une entrée à 1</a:t>
             </a:r>
             <a:endParaRPr lang="fr-FR" dirty="0"/>
           </a:p>
@@ -5775,13 +5775,13 @@
           <a:p>
             <a:r>
               <a:rPr lang="fr-FR" dirty="0"/>
-              <a:t>Les résultats obtenus sont 0.75 et 0.77</a:t>
-            </a:r>
-          </a:p>
-          <a:p>
-            <a:r>
-              <a:rPr lang="fr-FR" dirty="0"/>
-              <a:t>Le résultat attendu est 0.01 et 0.99</a:t>
+              <a:t>Les résultats attendus sont 0.75 et 0.77</a:t>
+            </a:r>
+          </a:p>
+          <a:p>
+            <a:r>
+              <a:rPr lang="fr-FR" dirty="0"/>
+              <a:t>Le résultat obtenus est 0.01 et 0.99</a:t>
             </a:r>
           </a:p>
           <a:p>
@@ -5948,10 +5948,23 @@
               <a:t>df</a:t>
             </a:r>
             <a:r>
-              <a:rPr lang="fr-FR"/>
-              <a:t>(x)) </a:t>
-            </a:r>
-            <a:endParaRPr lang="fr-FR" dirty="0"/>
+              <a:rPr lang="fr-FR" dirty="0"/>
+              <a:t>(x))</a:t>
+            </a:r>
+          </a:p>
+          <a:p>
+            <a:r>
+              <a:rPr lang="fr-FR" dirty="0"/>
+              <a:t>Stochastique = </a:t>
+            </a:r>
+            <a:r>
+              <a:rPr lang="fr-FR" dirty="0" err="1"/>
+              <a:t>random</a:t>
+            </a:r>
+            <a:r>
+              <a:rPr lang="fr-FR" dirty="0"/>
+              <a:t> </a:t>
+            </a:r>
           </a:p>
           <a:p>
             <a:endParaRPr lang="fr-FR" dirty="0"/>

--- a/PPT/DeepLearning08-MLP.pptx
+++ b/PPT/DeepLearning08-MLP.pptx
@@ -5,10 +5,10 @@
     <p:sldMasterId id="2147483653" r:id="rId1"/>
   </p:sldMasterIdLst>
   <p:notesMasterIdLst>
-    <p:notesMasterId r:id="rId32"/>
+    <p:notesMasterId r:id="rId33"/>
   </p:notesMasterIdLst>
   <p:handoutMasterIdLst>
-    <p:handoutMasterId r:id="rId33"/>
+    <p:handoutMasterId r:id="rId34"/>
   </p:handoutMasterIdLst>
   <p:sldIdLst>
     <p:sldId id="264" r:id="rId2"/>
@@ -28,19 +28,20 @@
     <p:sldId id="325" r:id="rId16"/>
     <p:sldId id="317" r:id="rId17"/>
     <p:sldId id="319" r:id="rId18"/>
-    <p:sldId id="336" r:id="rId19"/>
-    <p:sldId id="329" r:id="rId20"/>
-    <p:sldId id="320" r:id="rId21"/>
-    <p:sldId id="334" r:id="rId22"/>
-    <p:sldId id="321" r:id="rId23"/>
-    <p:sldId id="323" r:id="rId24"/>
-    <p:sldId id="324" r:id="rId25"/>
-    <p:sldId id="326" r:id="rId26"/>
-    <p:sldId id="322" r:id="rId27"/>
-    <p:sldId id="318" r:id="rId28"/>
-    <p:sldId id="331" r:id="rId29"/>
-    <p:sldId id="333" r:id="rId30"/>
-    <p:sldId id="332" r:id="rId31"/>
+    <p:sldId id="337" r:id="rId19"/>
+    <p:sldId id="336" r:id="rId20"/>
+    <p:sldId id="329" r:id="rId21"/>
+    <p:sldId id="320" r:id="rId22"/>
+    <p:sldId id="334" r:id="rId23"/>
+    <p:sldId id="321" r:id="rId24"/>
+    <p:sldId id="323" r:id="rId25"/>
+    <p:sldId id="324" r:id="rId26"/>
+    <p:sldId id="326" r:id="rId27"/>
+    <p:sldId id="322" r:id="rId28"/>
+    <p:sldId id="318" r:id="rId29"/>
+    <p:sldId id="331" r:id="rId30"/>
+    <p:sldId id="333" r:id="rId31"/>
+    <p:sldId id="332" r:id="rId32"/>
   </p:sldIdLst>
   <p:sldSz cx="9144000" cy="6858000" type="screen4x3"/>
   <p:notesSz cx="6648450" cy="9782175"/>
@@ -5850,7 +5851,7 @@
           <p:cNvPr id="2" name="Titre 1">
             <a:extLst>
               <a:ext uri="{FF2B5EF4-FFF2-40B4-BE49-F238E27FC236}">
-                <a16:creationId xmlns:a16="http://schemas.microsoft.com/office/drawing/2014/main" id="{7F120E3D-21C9-416C-96C9-8368F624E636}"/>
+                <a16:creationId xmlns:a16="http://schemas.microsoft.com/office/drawing/2014/main" id="{586C02CC-BC16-B66C-24D8-72F35DC6C29B}"/>
               </a:ext>
             </a:extLst>
           </p:cNvPr>
@@ -5866,10 +5867,7 @@
           <a:bodyPr/>
           <a:lstStyle/>
           <a:p>
-            <a:r>
-              <a:rPr lang="fr-FR" dirty="0"/>
-              <a:t>Descente du gradient</a:t>
-            </a:r>
+            <a:endParaRPr lang="fr-FR"/>
           </a:p>
         </p:txBody>
       </p:sp>
@@ -5878,7 +5876,7 @@
           <p:cNvPr id="3" name="Espace réservé du contenu 2">
             <a:extLst>
               <a:ext uri="{FF2B5EF4-FFF2-40B4-BE49-F238E27FC236}">
-                <a16:creationId xmlns:a16="http://schemas.microsoft.com/office/drawing/2014/main" id="{303B3979-55A8-45D3-9A85-72BBA0FECF50}"/>
+                <a16:creationId xmlns:a16="http://schemas.microsoft.com/office/drawing/2014/main" id="{A92D70FE-B4CA-1B03-71B3-68075624154E}"/>
               </a:ext>
             </a:extLst>
           </p:cNvPr>
@@ -5905,11 +5903,19 @@
           <a:p>
             <a:r>
               <a:rPr lang="fr-FR" dirty="0" err="1"/>
-              <a:t>fdW</a:t>
-            </a:r>
-            <a:r>
-              <a:rPr lang="fr-FR" dirty="0"/>
-              <a:t>(x) = (w * </a:t>
+              <a:t>Fdwi</a:t>
+            </a:r>
+            <a:r>
+              <a:rPr lang="fr-FR" dirty="0"/>
+              <a:t> = </a:t>
+            </a:r>
+            <a:r>
+              <a:rPr lang="fr-FR" dirty="0" err="1"/>
+              <a:t>wi</a:t>
+            </a:r>
+            <a:r>
+              <a:rPr lang="fr-FR" dirty="0"/>
+              <a:t> * </a:t>
             </a:r>
             <a:r>
               <a:rPr lang="fr-FR" dirty="0" err="1"/>
@@ -5921,101 +5927,82 @@
             </a:r>
             <a:r>
               <a:rPr lang="fr-FR" dirty="0" err="1"/>
-              <a:t>lr</a:t>
-            </a:r>
-            <a:r>
-              <a:rPr lang="fr-FR" dirty="0"/>
-              <a:t>) / (</a:t>
+              <a:t>learning_rate</a:t>
+            </a:r>
+            <a:r>
+              <a:rPr lang="fr-FR" dirty="0"/>
+              <a:t> * </a:t>
             </a:r>
             <a:r>
               <a:rPr lang="fr-FR" dirty="0" err="1"/>
-              <a:t>faccel</a:t>
-            </a:r>
-            <a:r>
-              <a:rPr lang="fr-FR" dirty="0"/>
-              <a:t>(</a:t>
+              <a:t>rnd</a:t>
+            </a:r>
+            <a:endParaRPr lang="fr-FR" dirty="0"/>
+          </a:p>
+          <a:p>
+            <a:r>
+              <a:rPr lang="fr-FR" dirty="0"/>
+              <a:t>            --------------------------------------</a:t>
+            </a:r>
+          </a:p>
+          <a:p>
+            <a:r>
+              <a:rPr lang="fr-FR" dirty="0"/>
+              <a:t>                         </a:t>
             </a:r>
             <a:r>
               <a:rPr lang="fr-FR" dirty="0" err="1"/>
-              <a:t>momentum</a:t>
-            </a:r>
-            <a:r>
-              <a:rPr lang="fr-FR" dirty="0"/>
-              <a:t>) * </a:t>
+              <a:t>dfa</a:t>
+            </a:r>
+            <a:r>
+              <a:rPr lang="fr-FR" dirty="0"/>
+              <a:t>(i) * d’’(</a:t>
             </a:r>
             <a:r>
               <a:rPr lang="fr-FR" dirty="0" err="1"/>
-              <a:t>df</a:t>
-            </a:r>
-            <a:r>
-              <a:rPr lang="fr-FR" dirty="0"/>
-              <a:t>(x))</a:t>
-            </a:r>
-          </a:p>
-          <a:p>
-            <a:r>
-              <a:rPr lang="fr-FR" dirty="0"/>
-              <a:t>Stochastique = </a:t>
-            </a:r>
+              <a:t>losses</a:t>
+            </a:r>
+            <a:r>
+              <a:rPr lang="fr-FR" dirty="0"/>
+              <a:t>)</a:t>
+            </a:r>
+          </a:p>
+          <a:p>
+            <a:endParaRPr lang="fr-FR" dirty="0"/>
+          </a:p>
+          <a:p>
+            <a:endParaRPr lang="fr-FR" dirty="0"/>
+          </a:p>
+          <a:p>
             <a:r>
               <a:rPr lang="fr-FR" dirty="0" err="1"/>
-              <a:t>random</a:t>
+              <a:t>Learning_rate</a:t>
+            </a:r>
+            <a:r>
+              <a:rPr lang="fr-FR" dirty="0"/>
+              <a:t> = 0.01 et 0.00001 </a:t>
+            </a:r>
+          </a:p>
+          <a:p>
+            <a:r>
+              <a:rPr lang="fr-FR" dirty="0"/>
+              <a:t>D’’ = moment de </a:t>
+            </a:r>
+            <a:r>
+              <a:rPr lang="fr-FR" dirty="0" err="1"/>
+              <a:t>nesterov</a:t>
             </a:r>
             <a:r>
               <a:rPr lang="fr-FR" dirty="0"/>
               <a:t> </a:t>
             </a:r>
-          </a:p>
-          <a:p>
-            <a:endParaRPr lang="fr-FR" dirty="0"/>
-          </a:p>
-          <a:p>
-            <a:r>
-              <a:rPr lang="fr-FR" dirty="0" err="1"/>
-              <a:t>lr</a:t>
-            </a:r>
-            <a:r>
-              <a:rPr lang="fr-FR" dirty="0"/>
-              <a:t> = Learning Rate [1</a:t>
-            </a:r>
-            <a:r>
-              <a:rPr lang="fr-FR" baseline="30000" dirty="0"/>
-              <a:t>e</a:t>
-            </a:r>
-            <a:r>
-              <a:rPr lang="fr-FR" dirty="0"/>
-              <a:t>-2, 1</a:t>
-            </a:r>
-            <a:r>
-              <a:rPr lang="fr-FR" baseline="30000" dirty="0"/>
-              <a:t>e</a:t>
-            </a:r>
-            <a:r>
-              <a:rPr lang="fr-FR" dirty="0"/>
-              <a:t>-5]</a:t>
-            </a:r>
-          </a:p>
-          <a:p>
-            <a:r>
-              <a:rPr lang="fr-FR" dirty="0" err="1"/>
-              <a:t>momentum</a:t>
-            </a:r>
-            <a:r>
-              <a:rPr lang="fr-FR" dirty="0"/>
-              <a:t> = </a:t>
-            </a:r>
-            <a:r>
-              <a:rPr lang="fr-FR" dirty="0" err="1"/>
-              <a:t>Nesterov</a:t>
-            </a:r>
-            <a:endParaRPr lang="fr-FR" dirty="0"/>
           </a:p>
         </p:txBody>
       </p:sp>
     </p:spTree>
     <p:extLst>
       <p:ext uri="{BB962C8B-B14F-4D97-AF65-F5344CB8AC3E}">
-        <p14:creationId xmlns:p14="http://schemas.microsoft.com/office/powerpoint/2010/main" val="1947084656"/>
+        <p14:creationId xmlns:p14="http://schemas.microsoft.com/office/powerpoint/2010/main" val="3708222283"/>
       </p:ext>
     </p:extLst>
   </p:cSld>
@@ -6044,7 +6031,13 @@
       </p:grpSpPr>
       <p:sp>
         <p:nvSpPr>
-          <p:cNvPr id="2" name="Titre 1"/>
+          <p:cNvPr id="2" name="Titre 1">
+            <a:extLst>
+              <a:ext uri="{FF2B5EF4-FFF2-40B4-BE49-F238E27FC236}">
+                <a16:creationId xmlns:a16="http://schemas.microsoft.com/office/drawing/2014/main" id="{7F120E3D-21C9-416C-96C9-8368F624E636}"/>
+              </a:ext>
+            </a:extLst>
+          </p:cNvPr>
           <p:cNvSpPr>
             <a:spLocks noGrp="1"/>
           </p:cNvSpPr>
@@ -6058,16 +6051,21 @@
           <a:lstStyle/>
           <a:p>
             <a:r>
-              <a:rPr lang="fr-FR" dirty="0" err="1"/>
-              <a:t>Backpropagation</a:t>
-            </a:r>
-            <a:endParaRPr lang="fr-FR" dirty="0"/>
+              <a:rPr lang="fr-FR" dirty="0"/>
+              <a:t>Descente du gradient</a:t>
+            </a:r>
           </a:p>
         </p:txBody>
       </p:sp>
       <p:sp>
         <p:nvSpPr>
-          <p:cNvPr id="3" name="Espace réservé du contenu 2"/>
+          <p:cNvPr id="3" name="Espace réservé du contenu 2">
+            <a:extLst>
+              <a:ext uri="{FF2B5EF4-FFF2-40B4-BE49-F238E27FC236}">
+                <a16:creationId xmlns:a16="http://schemas.microsoft.com/office/drawing/2014/main" id="{303B3979-55A8-45D3-9A85-72BBA0FECF50}"/>
+              </a:ext>
+            </a:extLst>
+          </p:cNvPr>
           <p:cNvSpPr>
             <a:spLocks noGrp="1"/>
           </p:cNvSpPr>
@@ -6080,34 +6078,120 @@
           <a:bodyPr/>
           <a:lstStyle/>
           <a:p>
-            <a:r>
-              <a:rPr lang="fr-FR" dirty="0"/>
-              <a:t>Les réseaux de neurones sont souvent supervisé</a:t>
-            </a:r>
-          </a:p>
-          <a:p>
-            <a:pPr lvl="1"/>
-            <a:r>
-              <a:rPr lang="fr-FR" dirty="0"/>
-              <a:t>Présence d’un feedback pour indiquer si le calcul est bon</a:t>
-            </a:r>
-          </a:p>
-          <a:p>
-            <a:r>
-              <a:rPr lang="fr-FR" dirty="0"/>
-              <a:t>Si le feedback est bon, le neurone se fige un peu plus</a:t>
-            </a:r>
-          </a:p>
-          <a:p>
-            <a:r>
-              <a:rPr lang="fr-FR" dirty="0"/>
-              <a:t>Sinon, le seuil et les poids changent un peu</a:t>
-            </a:r>
-          </a:p>
-          <a:p>
             <a:endParaRPr lang="fr-FR" dirty="0"/>
           </a:p>
           <a:p>
+            <a:endParaRPr lang="fr-FR" dirty="0"/>
+          </a:p>
+          <a:p>
+            <a:endParaRPr lang="fr-FR" dirty="0"/>
+          </a:p>
+          <a:p>
+            <a:r>
+              <a:rPr lang="fr-FR" dirty="0" err="1"/>
+              <a:t>fdW</a:t>
+            </a:r>
+            <a:r>
+              <a:rPr lang="fr-FR" dirty="0"/>
+              <a:t>(x) = (w * </a:t>
+            </a:r>
+            <a:r>
+              <a:rPr lang="fr-FR" dirty="0" err="1"/>
+              <a:t>loss</a:t>
+            </a:r>
+            <a:r>
+              <a:rPr lang="fr-FR" dirty="0"/>
+              <a:t> * </a:t>
+            </a:r>
+            <a:r>
+              <a:rPr lang="fr-FR" dirty="0" err="1"/>
+              <a:t>lr</a:t>
+            </a:r>
+            <a:r>
+              <a:rPr lang="fr-FR" dirty="0"/>
+              <a:t>) / (</a:t>
+            </a:r>
+            <a:r>
+              <a:rPr lang="fr-FR" dirty="0" err="1"/>
+              <a:t>faccel</a:t>
+            </a:r>
+            <a:r>
+              <a:rPr lang="fr-FR" dirty="0"/>
+              <a:t>(</a:t>
+            </a:r>
+            <a:r>
+              <a:rPr lang="fr-FR" dirty="0" err="1"/>
+              <a:t>momentum</a:t>
+            </a:r>
+            <a:r>
+              <a:rPr lang="fr-FR" dirty="0"/>
+              <a:t>) * </a:t>
+            </a:r>
+            <a:r>
+              <a:rPr lang="fr-FR" dirty="0" err="1"/>
+              <a:t>df</a:t>
+            </a:r>
+            <a:r>
+              <a:rPr lang="fr-FR" dirty="0"/>
+              <a:t>(x))</a:t>
+            </a:r>
+          </a:p>
+          <a:p>
+            <a:r>
+              <a:rPr lang="fr-FR" dirty="0"/>
+              <a:t>Stochastique = </a:t>
+            </a:r>
+            <a:r>
+              <a:rPr lang="fr-FR" dirty="0" err="1"/>
+              <a:t>random</a:t>
+            </a:r>
+            <a:r>
+              <a:rPr lang="fr-FR" dirty="0"/>
+              <a:t> </a:t>
+            </a:r>
+          </a:p>
+          <a:p>
+            <a:endParaRPr lang="fr-FR" dirty="0"/>
+          </a:p>
+          <a:p>
+            <a:r>
+              <a:rPr lang="fr-FR" dirty="0" err="1"/>
+              <a:t>lr</a:t>
+            </a:r>
+            <a:r>
+              <a:rPr lang="fr-FR" dirty="0"/>
+              <a:t> = Learning Rate [1</a:t>
+            </a:r>
+            <a:r>
+              <a:rPr lang="fr-FR" baseline="30000" dirty="0"/>
+              <a:t>e</a:t>
+            </a:r>
+            <a:r>
+              <a:rPr lang="fr-FR" dirty="0"/>
+              <a:t>-2, 1</a:t>
+            </a:r>
+            <a:r>
+              <a:rPr lang="fr-FR" baseline="30000" dirty="0"/>
+              <a:t>e</a:t>
+            </a:r>
+            <a:r>
+              <a:rPr lang="fr-FR" dirty="0"/>
+              <a:t>-5]</a:t>
+            </a:r>
+          </a:p>
+          <a:p>
+            <a:r>
+              <a:rPr lang="fr-FR" dirty="0" err="1"/>
+              <a:t>momentum</a:t>
+            </a:r>
+            <a:r>
+              <a:rPr lang="fr-FR" dirty="0"/>
+              <a:t> = </a:t>
+            </a:r>
+            <a:r>
+              <a:rPr lang="fr-FR" dirty="0" err="1"/>
+              <a:t>Nesterov</a:t>
+            </a:r>
             <a:endParaRPr lang="fr-FR" dirty="0"/>
           </a:p>
         </p:txBody>
@@ -6115,7 +6199,7 @@
     </p:spTree>
     <p:extLst>
       <p:ext uri="{BB962C8B-B14F-4D97-AF65-F5344CB8AC3E}">
-        <p14:creationId xmlns:p14="http://schemas.microsoft.com/office/powerpoint/2010/main" val="2263156246"/>
+        <p14:creationId xmlns:p14="http://schemas.microsoft.com/office/powerpoint/2010/main" val="1947084656"/>
       </p:ext>
     </p:extLst>
   </p:cSld>
@@ -6283,6 +6367,106 @@
           <a:lstStyle/>
           <a:p>
             <a:r>
+              <a:rPr lang="fr-FR" dirty="0" err="1"/>
+              <a:t>Backpropagation</a:t>
+            </a:r>
+            <a:endParaRPr lang="fr-FR" dirty="0"/>
+          </a:p>
+        </p:txBody>
+      </p:sp>
+      <p:sp>
+        <p:nvSpPr>
+          <p:cNvPr id="3" name="Espace réservé du contenu 2"/>
+          <p:cNvSpPr>
+            <a:spLocks noGrp="1"/>
+          </p:cNvSpPr>
+          <p:nvPr>
+            <p:ph idx="1"/>
+          </p:nvPr>
+        </p:nvSpPr>
+        <p:spPr/>
+        <p:txBody>
+          <a:bodyPr/>
+          <a:lstStyle/>
+          <a:p>
+            <a:r>
+              <a:rPr lang="fr-FR" dirty="0"/>
+              <a:t>Les réseaux de neurones sont souvent supervisé</a:t>
+            </a:r>
+          </a:p>
+          <a:p>
+            <a:pPr lvl="1"/>
+            <a:r>
+              <a:rPr lang="fr-FR" dirty="0"/>
+              <a:t>Présence d’un feedback pour indiquer si le calcul est bon</a:t>
+            </a:r>
+          </a:p>
+          <a:p>
+            <a:r>
+              <a:rPr lang="fr-FR" dirty="0"/>
+              <a:t>Si le feedback est bon, le neurone se fige un peu plus</a:t>
+            </a:r>
+          </a:p>
+          <a:p>
+            <a:r>
+              <a:rPr lang="fr-FR" dirty="0"/>
+              <a:t>Sinon, le seuil et les poids changent un peu</a:t>
+            </a:r>
+          </a:p>
+          <a:p>
+            <a:endParaRPr lang="fr-FR" dirty="0"/>
+          </a:p>
+          <a:p>
+            <a:endParaRPr lang="fr-FR" dirty="0"/>
+          </a:p>
+        </p:txBody>
+      </p:sp>
+    </p:spTree>
+    <p:extLst>
+      <p:ext uri="{BB962C8B-B14F-4D97-AF65-F5344CB8AC3E}">
+        <p14:creationId xmlns:p14="http://schemas.microsoft.com/office/powerpoint/2010/main" val="2263156246"/>
+      </p:ext>
+    </p:extLst>
+  </p:cSld>
+  <p:clrMapOvr>
+    <a:masterClrMapping/>
+  </p:clrMapOvr>
+</p:sld>
+</file>
+
+<file path=ppt/slides/slide21.xml><?xml version="1.0" encoding="utf-8"?>
+<p:sld xmlns:a="http://schemas.openxmlformats.org/drawingml/2006/main" xmlns:r="http://schemas.openxmlformats.org/officeDocument/2006/relationships" xmlns:p="http://schemas.openxmlformats.org/presentationml/2006/main">
+  <p:cSld>
+    <p:spTree>
+      <p:nvGrpSpPr>
+        <p:cNvPr id="1" name=""/>
+        <p:cNvGrpSpPr/>
+        <p:nvPr/>
+      </p:nvGrpSpPr>
+      <p:grpSpPr>
+        <a:xfrm>
+          <a:off x="0" y="0"/>
+          <a:ext cx="0" cy="0"/>
+          <a:chOff x="0" y="0"/>
+          <a:chExt cx="0" cy="0"/>
+        </a:xfrm>
+      </p:grpSpPr>
+      <p:sp>
+        <p:nvSpPr>
+          <p:cNvPr id="2" name="Titre 1"/>
+          <p:cNvSpPr>
+            <a:spLocks noGrp="1"/>
+          </p:cNvSpPr>
+          <p:nvPr>
+            <p:ph type="title"/>
+          </p:nvPr>
+        </p:nvSpPr>
+        <p:spPr/>
+        <p:txBody>
+          <a:bodyPr/>
+          <a:lstStyle/>
+          <a:p>
+            <a:r>
               <a:rPr lang="fr-FR" dirty="0"/>
               <a:t>Gradient d’erreur</a:t>
             </a:r>
@@ -6371,7 +6555,7 @@
 </p:sld>
 </file>
 
-<file path=ppt/slides/slide21.xml><?xml version="1.0" encoding="utf-8"?>
+<file path=ppt/slides/slide22.xml><?xml version="1.0" encoding="utf-8"?>
 <p:sld xmlns:a="http://schemas.openxmlformats.org/drawingml/2006/main" xmlns:r="http://schemas.openxmlformats.org/officeDocument/2006/relationships" xmlns:p="http://schemas.openxmlformats.org/presentationml/2006/main">
   <p:cSld>
     <p:spTree>
@@ -6526,155 +6710,6 @@
     <p:extLst>
       <p:ext uri="{BB962C8B-B14F-4D97-AF65-F5344CB8AC3E}">
         <p14:creationId xmlns:p14="http://schemas.microsoft.com/office/powerpoint/2010/main" val="1665010655"/>
-      </p:ext>
-    </p:extLst>
-  </p:cSld>
-  <p:clrMapOvr>
-    <a:masterClrMapping/>
-  </p:clrMapOvr>
-</p:sld>
-</file>
-
-<file path=ppt/slides/slide22.xml><?xml version="1.0" encoding="utf-8"?>
-<p:sld xmlns:a="http://schemas.openxmlformats.org/drawingml/2006/main" xmlns:r="http://schemas.openxmlformats.org/officeDocument/2006/relationships" xmlns:p="http://schemas.openxmlformats.org/presentationml/2006/main">
-  <p:cSld>
-    <p:spTree>
-      <p:nvGrpSpPr>
-        <p:cNvPr id="1" name=""/>
-        <p:cNvGrpSpPr/>
-        <p:nvPr/>
-      </p:nvGrpSpPr>
-      <p:grpSpPr>
-        <a:xfrm>
-          <a:off x="0" y="0"/>
-          <a:ext cx="0" cy="0"/>
-          <a:chOff x="0" y="0"/>
-          <a:chExt cx="0" cy="0"/>
-        </a:xfrm>
-      </p:grpSpPr>
-      <p:sp>
-        <p:nvSpPr>
-          <p:cNvPr id="2" name="Titre 1"/>
-          <p:cNvSpPr>
-            <a:spLocks noGrp="1"/>
-          </p:cNvSpPr>
-          <p:nvPr>
-            <p:ph type="title"/>
-          </p:nvPr>
-        </p:nvSpPr>
-        <p:spPr/>
-        <p:txBody>
-          <a:bodyPr/>
-          <a:lstStyle/>
-          <a:p>
-            <a:r>
-              <a:rPr lang="fr-FR" dirty="0"/>
-              <a:t>Changement du poids</a:t>
-            </a:r>
-          </a:p>
-        </p:txBody>
-      </p:sp>
-      <p:sp>
-        <p:nvSpPr>
-          <p:cNvPr id="3" name="Espace réservé du contenu 2"/>
-          <p:cNvSpPr>
-            <a:spLocks noGrp="1"/>
-          </p:cNvSpPr>
-          <p:nvPr>
-            <p:ph idx="1"/>
-          </p:nvPr>
-        </p:nvSpPr>
-        <p:spPr/>
-        <p:txBody>
-          <a:bodyPr/>
-          <a:lstStyle/>
-          <a:p>
-            <a:r>
-              <a:rPr lang="fr-FR" dirty="0"/>
-              <a:t>Changement du poids</a:t>
-            </a:r>
-          </a:p>
-          <a:p>
-            <a:pPr lvl="1"/>
-            <a:r>
-              <a:rPr lang="fr-FR" dirty="0"/>
-              <a:t>Algorithme RMS</a:t>
-            </a:r>
-          </a:p>
-          <a:p>
-            <a:pPr lvl="1"/>
-            <a:r>
-              <a:rPr lang="fr-FR" dirty="0" err="1"/>
-              <a:t>dW</a:t>
-            </a:r>
-            <a:r>
-              <a:rPr lang="fr-FR" dirty="0"/>
-              <a:t> = </a:t>
-            </a:r>
-            <a:r>
-              <a:rPr lang="fr-FR" dirty="0" err="1"/>
-              <a:t>learningrate</a:t>
-            </a:r>
-            <a:r>
-              <a:rPr lang="fr-FR" dirty="0"/>
-              <a:t> * gradient(</a:t>
-            </a:r>
-            <a:r>
-              <a:rPr lang="fr-FR" dirty="0" err="1"/>
-              <a:t>loss</a:t>
-            </a:r>
-            <a:r>
-              <a:rPr lang="fr-FR" dirty="0"/>
-              <a:t>)</a:t>
-            </a:r>
-          </a:p>
-        </p:txBody>
-      </p:sp>
-      <p:pic>
-        <p:nvPicPr>
-          <p:cNvPr id="7170" name="Picture 2" descr="https://miro.medium.com/max/1500/0*oqm7QVnI9-inFGCc.gif"/>
-          <p:cNvPicPr>
-            <a:picLocks noChangeAspect="1" noChangeArrowheads="1" noCrop="1"/>
-          </p:cNvPicPr>
-          <p:nvPr/>
-        </p:nvPicPr>
-        <p:blipFill>
-          <a:blip r:embed="rId2">
-            <a:extLst>
-              <a:ext uri="{28A0092B-C50C-407E-A947-70E740481C1C}">
-                <a14:useLocalDpi xmlns:a14="http://schemas.microsoft.com/office/drawing/2010/main" val="0"/>
-              </a:ext>
-            </a:extLst>
-          </a:blip>
-          <a:srcRect/>
-          <a:stretch>
-            <a:fillRect/>
-          </a:stretch>
-        </p:blipFill>
-        <p:spPr bwMode="auto">
-          <a:xfrm>
-            <a:off x="611560" y="3212976"/>
-            <a:ext cx="6768752" cy="2651095"/>
-          </a:xfrm>
-          <a:prstGeom prst="rect">
-            <a:avLst/>
-          </a:prstGeom>
-          <a:noFill/>
-          <a:extLst>
-            <a:ext uri="{909E8E84-426E-40DD-AFC4-6F175D3DCCD1}">
-              <a14:hiddenFill xmlns:a14="http://schemas.microsoft.com/office/drawing/2010/main">
-                <a:solidFill>
-                  <a:srgbClr val="FFFFFF"/>
-                </a:solidFill>
-              </a14:hiddenFill>
-            </a:ext>
-          </a:extLst>
-        </p:spPr>
-      </p:pic>
-    </p:spTree>
-    <p:extLst>
-      <p:ext uri="{BB962C8B-B14F-4D97-AF65-F5344CB8AC3E}">
-        <p14:creationId xmlns:p14="http://schemas.microsoft.com/office/powerpoint/2010/main" val="540926501"/>
       </p:ext>
     </p:extLst>
   </p:cSld>
@@ -6718,7 +6753,7 @@
           <a:p>
             <a:r>
               <a:rPr lang="fr-FR" dirty="0"/>
-              <a:t>Learning rate</a:t>
+              <a:t>Changement du poids</a:t>
             </a:r>
           </a:p>
         </p:txBody>
@@ -6740,23 +6775,50 @@
           <a:p>
             <a:r>
               <a:rPr lang="fr-FR" dirty="0"/>
-              <a:t>Le taux d’apprentissage résout le problème des minimums locaux</a:t>
+              <a:t>Changement du poids</a:t>
             </a:r>
           </a:p>
           <a:p>
             <a:pPr lvl="1"/>
             <a:r>
               <a:rPr lang="fr-FR" dirty="0"/>
-              <a:t>Entre 0.01 et 0.00001</a:t>
+              <a:t>Algorithme RMS</a:t>
+            </a:r>
+          </a:p>
+          <a:p>
+            <a:pPr lvl="1"/>
+            <a:r>
+              <a:rPr lang="fr-FR" dirty="0" err="1"/>
+              <a:t>dW</a:t>
+            </a:r>
+            <a:r>
+              <a:rPr lang="fr-FR" dirty="0"/>
+              <a:t> = </a:t>
+            </a:r>
+            <a:r>
+              <a:rPr lang="fr-FR" dirty="0" err="1"/>
+              <a:t>learningrate</a:t>
+            </a:r>
+            <a:r>
+              <a:rPr lang="fr-FR" dirty="0"/>
+              <a:t> * gradient(</a:t>
+            </a:r>
+            <a:r>
+              <a:rPr lang="fr-FR" dirty="0" err="1"/>
+              <a:t>loss</a:t>
+            </a:r>
+            <a:r>
+              <a:rPr lang="fr-FR" dirty="0"/>
+              <a:t>)</a:t>
             </a:r>
           </a:p>
         </p:txBody>
       </p:sp>
       <p:pic>
         <p:nvPicPr>
-          <p:cNvPr id="13314" name="Picture 2" descr="https://miro.medium.com/max/700/0*G8a4jCsMLJ7xNQNt.png"/>
+          <p:cNvPr id="7170" name="Picture 2" descr="https://miro.medium.com/max/1500/0*oqm7QVnI9-inFGCc.gif"/>
           <p:cNvPicPr>
-            <a:picLocks noChangeAspect="1" noChangeArrowheads="1"/>
+            <a:picLocks noChangeAspect="1" noChangeArrowheads="1" noCrop="1"/>
           </p:cNvPicPr>
           <p:nvPr/>
         </p:nvPicPr>
@@ -6775,8 +6837,8 @@
         </p:blipFill>
         <p:spPr bwMode="auto">
           <a:xfrm>
-            <a:off x="5825282" y="1772816"/>
-            <a:ext cx="3120281" cy="2340211"/>
+            <a:off x="611560" y="3212976"/>
+            <a:ext cx="6768752" cy="2651095"/>
           </a:xfrm>
           <a:prstGeom prst="rect">
             <a:avLst/>
@@ -6793,51 +6855,10 @@
           </a:extLst>
         </p:spPr>
       </p:pic>
-      <p:pic>
-        <p:nvPicPr>
-          <p:cNvPr id="13316" name="Picture 4" descr="Image result for gradient descent"/>
-          <p:cNvPicPr>
-            <a:picLocks noChangeAspect="1" noChangeArrowheads="1"/>
-          </p:cNvPicPr>
-          <p:nvPr/>
-        </p:nvPicPr>
-        <p:blipFill>
-          <a:blip r:embed="rId3" cstate="print">
-            <a:extLst>
-              <a:ext uri="{28A0092B-C50C-407E-A947-70E740481C1C}">
-                <a14:useLocalDpi xmlns:a14="http://schemas.microsoft.com/office/drawing/2010/main" val="0"/>
-              </a:ext>
-            </a:extLst>
-          </a:blip>
-          <a:srcRect/>
-          <a:stretch>
-            <a:fillRect/>
-          </a:stretch>
-        </p:blipFill>
-        <p:spPr bwMode="auto">
-          <a:xfrm>
-            <a:off x="899592" y="3501008"/>
-            <a:ext cx="4577354" cy="2141810"/>
-          </a:xfrm>
-          <a:prstGeom prst="rect">
-            <a:avLst/>
-          </a:prstGeom>
-          <a:noFill/>
-          <a:extLst>
-            <a:ext uri="{909E8E84-426E-40DD-AFC4-6F175D3DCCD1}">
-              <a14:hiddenFill xmlns:a14="http://schemas.microsoft.com/office/drawing/2010/main">
-                <a:solidFill>
-                  <a:srgbClr val="FFFFFF"/>
-                </a:solidFill>
-              </a14:hiddenFill>
-            </a:ext>
-          </a:extLst>
-        </p:spPr>
-      </p:pic>
     </p:spTree>
     <p:extLst>
       <p:ext uri="{BB962C8B-B14F-4D97-AF65-F5344CB8AC3E}">
-        <p14:creationId xmlns:p14="http://schemas.microsoft.com/office/powerpoint/2010/main" val="3830766788"/>
+        <p14:creationId xmlns:p14="http://schemas.microsoft.com/office/powerpoint/2010/main" val="540926501"/>
       </p:ext>
     </p:extLst>
   </p:cSld>
@@ -6881,7 +6902,7 @@
           <a:p>
             <a:r>
               <a:rPr lang="fr-FR" dirty="0"/>
-              <a:t>La descente du gradient</a:t>
+              <a:t>Learning rate</a:t>
             </a:r>
           </a:p>
         </p:txBody>
@@ -6903,29 +6924,21 @@
           <a:p>
             <a:r>
               <a:rPr lang="fr-FR" dirty="0"/>
-              <a:t>La descente du gradient</a:t>
+              <a:t>Le taux d’apprentissage résout le problème des minimums locaux</a:t>
             </a:r>
           </a:p>
           <a:p>
             <a:pPr lvl="1"/>
             <a:r>
               <a:rPr lang="fr-FR" dirty="0"/>
-              <a:t>Le changement de poids est alors effectué en remontant le réseaux</a:t>
-            </a:r>
-          </a:p>
-          <a:p>
-            <a:pPr lvl="1"/>
-            <a:r>
-              <a:rPr lang="fr-FR" dirty="0" err="1"/>
-              <a:t>Backpropagation</a:t>
-            </a:r>
-            <a:endParaRPr lang="fr-FR" dirty="0"/>
+              <a:t>Entre 0.01 et 0.00001</a:t>
+            </a:r>
           </a:p>
         </p:txBody>
       </p:sp>
       <p:pic>
         <p:nvPicPr>
-          <p:cNvPr id="5" name="Picture 8" descr="nn-calculation"/>
+          <p:cNvPr id="13314" name="Picture 2" descr="https://miro.medium.com/max/700/0*G8a4jCsMLJ7xNQNt.png"/>
           <p:cNvPicPr>
             <a:picLocks noChangeAspect="1" noChangeArrowheads="1"/>
           </p:cNvPicPr>
@@ -6946,8 +6959,8 @@
         </p:blipFill>
         <p:spPr bwMode="auto">
           <a:xfrm>
-            <a:off x="1067302" y="3284983"/>
-            <a:ext cx="3752373" cy="3030489"/>
+            <a:off x="5825282" y="1772816"/>
+            <a:ext cx="3120281" cy="2340211"/>
           </a:xfrm>
           <a:prstGeom prst="rect">
             <a:avLst/>
@@ -6966,7 +6979,7 @@
       </p:pic>
       <p:pic>
         <p:nvPicPr>
-          <p:cNvPr id="6" name="Picture 2" descr="https://miro.medium.com/max/2870/1*r_-1TKp8ylzWRl_ybjEhwA.png"/>
+          <p:cNvPr id="13316" name="Picture 4" descr="Image result for gradient descent"/>
           <p:cNvPicPr>
             <a:picLocks noChangeAspect="1" noChangeArrowheads="1"/>
           </p:cNvPicPr>
@@ -6987,8 +7000,8 @@
         </p:blipFill>
         <p:spPr bwMode="auto">
           <a:xfrm>
-            <a:off x="5018112" y="4440829"/>
-            <a:ext cx="4125888" cy="718796"/>
+            <a:off x="899592" y="3501008"/>
+            <a:ext cx="4577354" cy="2141810"/>
           </a:xfrm>
           <a:prstGeom prst="rect">
             <a:avLst/>
@@ -7008,7 +7021,7 @@
     </p:spTree>
     <p:extLst>
       <p:ext uri="{BB962C8B-B14F-4D97-AF65-F5344CB8AC3E}">
-        <p14:creationId xmlns:p14="http://schemas.microsoft.com/office/powerpoint/2010/main" val="2691581530"/>
+        <p14:creationId xmlns:p14="http://schemas.microsoft.com/office/powerpoint/2010/main" val="3830766788"/>
       </p:ext>
     </p:extLst>
   </p:cSld>
@@ -7051,6 +7064,42 @@
           <a:lstStyle/>
           <a:p>
             <a:r>
+              <a:rPr lang="fr-FR" dirty="0"/>
+              <a:t>La descente du gradient</a:t>
+            </a:r>
+          </a:p>
+        </p:txBody>
+      </p:sp>
+      <p:sp>
+        <p:nvSpPr>
+          <p:cNvPr id="3" name="Espace réservé du contenu 2"/>
+          <p:cNvSpPr>
+            <a:spLocks noGrp="1"/>
+          </p:cNvSpPr>
+          <p:nvPr>
+            <p:ph idx="1"/>
+          </p:nvPr>
+        </p:nvSpPr>
+        <p:spPr/>
+        <p:txBody>
+          <a:bodyPr/>
+          <a:lstStyle/>
+          <a:p>
+            <a:r>
+              <a:rPr lang="fr-FR" dirty="0"/>
+              <a:t>La descente du gradient</a:t>
+            </a:r>
+          </a:p>
+          <a:p>
+            <a:pPr lvl="1"/>
+            <a:r>
+              <a:rPr lang="fr-FR" dirty="0"/>
+              <a:t>Le changement de poids est alors effectué en remontant le réseaux</a:t>
+            </a:r>
+          </a:p>
+          <a:p>
+            <a:pPr lvl="1"/>
+            <a:r>
               <a:rPr lang="fr-FR" dirty="0" err="1"/>
               <a:t>Backpropagation</a:t>
             </a:r>
@@ -7060,13 +7109,11 @@
       </p:sp>
       <p:pic>
         <p:nvPicPr>
-          <p:cNvPr id="4098" name="Picture 2" descr="https://dpzbhybb2pdcj.cloudfront.net/allaire/Figures/01fig09.jpg"/>
+          <p:cNvPr id="5" name="Picture 8" descr="nn-calculation"/>
           <p:cNvPicPr>
-            <a:picLocks noGrp="1" noChangeAspect="1" noChangeArrowheads="1"/>
+            <a:picLocks noChangeAspect="1" noChangeArrowheads="1"/>
           </p:cNvPicPr>
-          <p:nvPr>
-            <p:ph idx="1"/>
-          </p:nvPr>
+          <p:nvPr/>
         </p:nvPicPr>
         <p:blipFill>
           <a:blip r:embed="rId2">
@@ -7083,8 +7130,8 @@
         </p:blipFill>
         <p:spPr bwMode="auto">
           <a:xfrm>
-            <a:off x="2798341" y="1772816"/>
-            <a:ext cx="4608512" cy="3657214"/>
+            <a:off x="1067302" y="3284983"/>
+            <a:ext cx="3752373" cy="3030489"/>
           </a:xfrm>
           <a:prstGeom prst="rect">
             <a:avLst/>
@@ -7101,10 +7148,51 @@
           </a:extLst>
         </p:spPr>
       </p:pic>
+      <p:pic>
+        <p:nvPicPr>
+          <p:cNvPr id="6" name="Picture 2" descr="https://miro.medium.com/max/2870/1*r_-1TKp8ylzWRl_ybjEhwA.png"/>
+          <p:cNvPicPr>
+            <a:picLocks noChangeAspect="1" noChangeArrowheads="1"/>
+          </p:cNvPicPr>
+          <p:nvPr/>
+        </p:nvPicPr>
+        <p:blipFill>
+          <a:blip r:embed="rId3" cstate="print">
+            <a:extLst>
+              <a:ext uri="{28A0092B-C50C-407E-A947-70E740481C1C}">
+                <a14:useLocalDpi xmlns:a14="http://schemas.microsoft.com/office/drawing/2010/main" val="0"/>
+              </a:ext>
+            </a:extLst>
+          </a:blip>
+          <a:srcRect/>
+          <a:stretch>
+            <a:fillRect/>
+          </a:stretch>
+        </p:blipFill>
+        <p:spPr bwMode="auto">
+          <a:xfrm>
+            <a:off x="5018112" y="4440829"/>
+            <a:ext cx="4125888" cy="718796"/>
+          </a:xfrm>
+          <a:prstGeom prst="rect">
+            <a:avLst/>
+          </a:prstGeom>
+          <a:noFill/>
+          <a:extLst>
+            <a:ext uri="{909E8E84-426E-40DD-AFC4-6F175D3DCCD1}">
+              <a14:hiddenFill xmlns:a14="http://schemas.microsoft.com/office/drawing/2010/main">
+                <a:solidFill>
+                  <a:srgbClr val="FFFFFF"/>
+                </a:solidFill>
+              </a14:hiddenFill>
+            </a:ext>
+          </a:extLst>
+        </p:spPr>
+      </p:pic>
     </p:spTree>
     <p:extLst>
       <p:ext uri="{BB962C8B-B14F-4D97-AF65-F5344CB8AC3E}">
-        <p14:creationId xmlns:p14="http://schemas.microsoft.com/office/powerpoint/2010/main" val="2578929874"/>
+        <p14:creationId xmlns:p14="http://schemas.microsoft.com/office/powerpoint/2010/main" val="2691581530"/>
       </p:ext>
     </p:extLst>
   </p:cSld>
@@ -7148,105 +7236,21 @@
           <a:p>
             <a:r>
               <a:rPr lang="fr-FR" dirty="0" err="1"/>
-              <a:t>Stochastic</a:t>
-            </a:r>
-            <a:r>
-              <a:rPr lang="fr-FR" dirty="0"/>
-              <a:t> Gradient </a:t>
-            </a:r>
-            <a:r>
-              <a:rPr lang="fr-FR" dirty="0" err="1"/>
-              <a:t>Based</a:t>
-            </a:r>
-            <a:r>
-              <a:rPr lang="fr-FR" dirty="0"/>
-              <a:t> </a:t>
-            </a:r>
-            <a:r>
-              <a:rPr lang="fr-FR" dirty="0" err="1"/>
-              <a:t>Optimizer</a:t>
+              <a:t>Backpropagation</a:t>
             </a:r>
             <a:endParaRPr lang="fr-FR" dirty="0"/>
-          </a:p>
-        </p:txBody>
-      </p:sp>
-      <p:sp>
-        <p:nvSpPr>
-          <p:cNvPr id="3" name="Espace réservé du contenu 2"/>
-          <p:cNvSpPr>
-            <a:spLocks noGrp="1"/>
-          </p:cNvSpPr>
-          <p:nvPr>
-            <p:ph idx="1"/>
-          </p:nvPr>
-        </p:nvSpPr>
-        <p:spPr/>
-        <p:txBody>
-          <a:bodyPr/>
-          <a:lstStyle/>
-          <a:p>
-            <a:r>
-              <a:rPr lang="fr-FR" dirty="0"/>
-              <a:t>Ajout d’un moment et de la dérivé de la fonction d’activation dans le calcul de </a:t>
-            </a:r>
-            <a:r>
-              <a:rPr lang="fr-FR" dirty="0" err="1"/>
-              <a:t>dW</a:t>
-            </a:r>
-            <a:endParaRPr lang="fr-FR" dirty="0"/>
-          </a:p>
-          <a:p>
-            <a:pPr lvl="1"/>
-            <a:r>
-              <a:rPr lang="fr-FR" dirty="0" err="1"/>
-              <a:t>dW</a:t>
-            </a:r>
-            <a:r>
-              <a:rPr lang="fr-FR" dirty="0"/>
-              <a:t> = (</a:t>
-            </a:r>
-            <a:r>
-              <a:rPr lang="fr-FR" dirty="0" err="1"/>
-              <a:t>learningrate</a:t>
-            </a:r>
-            <a:r>
-              <a:rPr lang="fr-FR" dirty="0"/>
-              <a:t> * gradient(</a:t>
-            </a:r>
-            <a:r>
-              <a:rPr lang="fr-FR" dirty="0" err="1"/>
-              <a:t>loss</a:t>
-            </a:r>
-            <a:r>
-              <a:rPr lang="fr-FR" dirty="0"/>
-              <a:t>)) / (</a:t>
-            </a:r>
-            <a:r>
-              <a:rPr lang="fr-FR" dirty="0" err="1"/>
-              <a:t>df</a:t>
-            </a:r>
-            <a:r>
-              <a:rPr lang="fr-FR" dirty="0"/>
-              <a:t>(x) * </a:t>
-            </a:r>
-            <a:r>
-              <a:rPr lang="fr-FR" dirty="0" err="1"/>
-              <a:t>momentum</a:t>
-            </a:r>
-            <a:r>
-              <a:rPr lang="fr-FR" dirty="0"/>
-              <a:t>)</a:t>
-            </a:r>
           </a:p>
         </p:txBody>
       </p:sp>
       <p:pic>
         <p:nvPicPr>
-          <p:cNvPr id="6" name="Picture 2" descr="https://dpzbhybb2pdcj.cloudfront.net/allaire/Figures/02fig10.jpg"/>
+          <p:cNvPr id="4098" name="Picture 2" descr="https://dpzbhybb2pdcj.cloudfront.net/allaire/Figures/01fig09.jpg"/>
           <p:cNvPicPr>
-            <a:picLocks noChangeAspect="1" noChangeArrowheads="1"/>
+            <a:picLocks noGrp="1" noChangeAspect="1" noChangeArrowheads="1"/>
           </p:cNvPicPr>
-          <p:nvPr/>
+          <p:nvPr>
+            <p:ph idx="1"/>
+          </p:nvPr>
         </p:nvPicPr>
         <p:blipFill>
           <a:blip r:embed="rId2">
@@ -7263,16 +7267,13 @@
         </p:blipFill>
         <p:spPr bwMode="auto">
           <a:xfrm>
-            <a:off x="3203848" y="3212976"/>
-            <a:ext cx="2869743" cy="2189416"/>
+            <a:off x="2798341" y="1772816"/>
+            <a:ext cx="4608512" cy="3657214"/>
           </a:xfrm>
           <a:prstGeom prst="rect">
             <a:avLst/>
           </a:prstGeom>
           <a:noFill/>
-          <a:ln>
-            <a:noFill/>
-          </a:ln>
           <a:extLst>
             <a:ext uri="{909E8E84-426E-40DD-AFC4-6F175D3DCCD1}">
               <a14:hiddenFill xmlns:a14="http://schemas.microsoft.com/office/drawing/2010/main">
@@ -7280,16 +7281,6 @@
                   <a:srgbClr val="FFFFFF"/>
                 </a:solidFill>
               </a14:hiddenFill>
-            </a:ext>
-            <a:ext uri="{91240B29-F687-4F45-9708-019B960494DF}">
-              <a14:hiddenLine xmlns:a14="http://schemas.microsoft.com/office/drawing/2010/main" w="9525">
-                <a:solidFill>
-                  <a:srgbClr val="000000"/>
-                </a:solidFill>
-                <a:miter lim="800000"/>
-                <a:headEnd/>
-                <a:tailEnd/>
-              </a14:hiddenLine>
             </a:ext>
           </a:extLst>
         </p:spPr>
@@ -7297,7 +7288,7 @@
     </p:spTree>
     <p:extLst>
       <p:ext uri="{BB962C8B-B14F-4D97-AF65-F5344CB8AC3E}">
-        <p14:creationId xmlns:p14="http://schemas.microsoft.com/office/powerpoint/2010/main" val="4230464150"/>
+        <p14:creationId xmlns:p14="http://schemas.microsoft.com/office/powerpoint/2010/main" val="2578929874"/>
       </p:ext>
     </p:extLst>
   </p:cSld>
@@ -7340,9 +7331,26 @@
           <a:lstStyle/>
           <a:p>
             <a:r>
-              <a:rPr lang="fr-FR" dirty="0"/>
-              <a:t>MLP Complexes</a:t>
-            </a:r>
+              <a:rPr lang="fr-FR" dirty="0" err="1"/>
+              <a:t>Stochastic</a:t>
+            </a:r>
+            <a:r>
+              <a:rPr lang="fr-FR" dirty="0"/>
+              <a:t> Gradient </a:t>
+            </a:r>
+            <a:r>
+              <a:rPr lang="fr-FR" dirty="0" err="1"/>
+              <a:t>Based</a:t>
+            </a:r>
+            <a:r>
+              <a:rPr lang="fr-FR" dirty="0"/>
+              <a:t> </a:t>
+            </a:r>
+            <a:r>
+              <a:rPr lang="fr-FR" dirty="0" err="1"/>
+              <a:t>Optimizer</a:t>
+            </a:r>
+            <a:endParaRPr lang="fr-FR" dirty="0"/>
           </a:p>
         </p:txBody>
       </p:sp>
@@ -7363,14 +7371,62 @@
           <a:p>
             <a:r>
               <a:rPr lang="fr-FR" dirty="0"/>
-              <a:t>Les réseaux peuvent être complexes</a:t>
+              <a:t>Ajout d’un moment et de la dérivé de la fonction d’activation dans le calcul de </a:t>
+            </a:r>
+            <a:r>
+              <a:rPr lang="fr-FR" dirty="0" err="1"/>
+              <a:t>dW</a:t>
+            </a:r>
+            <a:endParaRPr lang="fr-FR" dirty="0"/>
+          </a:p>
+          <a:p>
+            <a:pPr lvl="1"/>
+            <a:r>
+              <a:rPr lang="fr-FR" dirty="0" err="1"/>
+              <a:t>dW</a:t>
+            </a:r>
+            <a:r>
+              <a:rPr lang="fr-FR" dirty="0"/>
+              <a:t> = (</a:t>
+            </a:r>
+            <a:r>
+              <a:rPr lang="fr-FR" dirty="0" err="1"/>
+              <a:t>learningrate</a:t>
+            </a:r>
+            <a:r>
+              <a:rPr lang="fr-FR" dirty="0"/>
+              <a:t> * gradient(</a:t>
+            </a:r>
+            <a:r>
+              <a:rPr lang="fr-FR" dirty="0" err="1"/>
+              <a:t>loss</a:t>
+            </a:r>
+            <a:r>
+              <a:rPr lang="fr-FR" dirty="0"/>
+              <a:t>)) / (</a:t>
+            </a:r>
+            <a:r>
+              <a:rPr lang="fr-FR" dirty="0" err="1"/>
+              <a:t>df</a:t>
+            </a:r>
+            <a:r>
+              <a:rPr lang="fr-FR" dirty="0"/>
+              <a:t>(x) * </a:t>
+            </a:r>
+            <a:r>
+              <a:rPr lang="fr-FR" dirty="0" err="1"/>
+              <a:t>momentum</a:t>
+            </a:r>
+            <a:r>
+              <a:rPr lang="fr-FR" dirty="0"/>
+              <a:t>)</a:t>
             </a:r>
           </a:p>
         </p:txBody>
       </p:sp>
       <p:pic>
         <p:nvPicPr>
-          <p:cNvPr id="4" name="Picture 16" descr="Résultat de recherche d'images pour &quot;multi layer perceptron inference animated gif&quot;"/>
+          <p:cNvPr id="6" name="Picture 2" descr="https://dpzbhybb2pdcj.cloudfront.net/allaire/Figures/02fig10.jpg"/>
           <p:cNvPicPr>
             <a:picLocks noChangeAspect="1" noChangeArrowheads="1"/>
           </p:cNvPicPr>
@@ -7391,13 +7447,16 @@
         </p:blipFill>
         <p:spPr bwMode="auto">
           <a:xfrm>
-            <a:off x="1979712" y="1916832"/>
-            <a:ext cx="5273934" cy="4428753"/>
+            <a:off x="3203848" y="3212976"/>
+            <a:ext cx="2869743" cy="2189416"/>
           </a:xfrm>
           <a:prstGeom prst="rect">
             <a:avLst/>
           </a:prstGeom>
           <a:noFill/>
+          <a:ln>
+            <a:noFill/>
+          </a:ln>
           <a:extLst>
             <a:ext uri="{909E8E84-426E-40DD-AFC4-6F175D3DCCD1}">
               <a14:hiddenFill xmlns:a14="http://schemas.microsoft.com/office/drawing/2010/main">
@@ -7405,6 +7464,16 @@
                   <a:srgbClr val="FFFFFF"/>
                 </a:solidFill>
               </a14:hiddenFill>
+            </a:ext>
+            <a:ext uri="{91240B29-F687-4F45-9708-019B960494DF}">
+              <a14:hiddenLine xmlns:a14="http://schemas.microsoft.com/office/drawing/2010/main" w="9525">
+                <a:solidFill>
+                  <a:srgbClr val="000000"/>
+                </a:solidFill>
+                <a:miter lim="800000"/>
+                <a:headEnd/>
+                <a:tailEnd/>
+              </a14:hiddenLine>
             </a:ext>
           </a:extLst>
         </p:spPr>
@@ -7412,7 +7481,7 @@
     </p:spTree>
     <p:extLst>
       <p:ext uri="{BB962C8B-B14F-4D97-AF65-F5344CB8AC3E}">
-        <p14:creationId xmlns:p14="http://schemas.microsoft.com/office/powerpoint/2010/main" val="651947342"/>
+        <p14:creationId xmlns:p14="http://schemas.microsoft.com/office/powerpoint/2010/main" val="4230464150"/>
       </p:ext>
     </p:extLst>
   </p:cSld>
@@ -7456,7 +7525,7 @@
           <a:p>
             <a:r>
               <a:rPr lang="fr-FR" dirty="0"/>
-              <a:t>Coût</a:t>
+              <a:t>MLP Complexes</a:t>
             </a:r>
           </a:p>
         </p:txBody>
@@ -7471,47 +7540,28 @@
             <p:ph idx="1"/>
           </p:nvPr>
         </p:nvSpPr>
-        <p:spPr>
-          <a:xfrm>
-            <a:off x="179513" y="1412776"/>
-            <a:ext cx="7056784" cy="5040560"/>
-          </a:xfrm>
-        </p:spPr>
+        <p:spPr/>
         <p:txBody>
           <a:bodyPr/>
           <a:lstStyle/>
           <a:p>
             <a:r>
               <a:rPr lang="fr-FR" dirty="0"/>
-              <a:t>Très couteux</a:t>
-            </a:r>
-          </a:p>
-          <a:p>
-            <a:pPr lvl="1"/>
-            <a:r>
-              <a:rPr lang="fr-FR" dirty="0"/>
-              <a:t>Mais donne de très bon résultats</a:t>
-            </a:r>
-          </a:p>
-          <a:p>
-            <a:pPr lvl="1"/>
-            <a:r>
-              <a:rPr lang="fr-FR" dirty="0"/>
-              <a:t>Maitrise l’addition sur 4 bits avec 145 neurones et 100 itérations</a:t>
+              <a:t>Les réseaux peuvent être complexes</a:t>
             </a:r>
           </a:p>
         </p:txBody>
       </p:sp>
       <p:pic>
         <p:nvPicPr>
-          <p:cNvPr id="3074" name="Picture 2" descr="../_images/multilayerperceptron_network.png"/>
+          <p:cNvPr id="4" name="Picture 16" descr="Résultat de recherche d'images pour &quot;multi layer perceptron inference animated gif&quot;"/>
           <p:cNvPicPr>
             <a:picLocks noChangeAspect="1" noChangeArrowheads="1"/>
           </p:cNvPicPr>
           <p:nvPr/>
         </p:nvPicPr>
         <p:blipFill>
-          <a:blip r:embed="rId2" cstate="print">
+          <a:blip r:embed="rId2">
             <a:extLst>
               <a:ext uri="{28A0092B-C50C-407E-A947-70E740481C1C}">
                 <a14:useLocalDpi xmlns:a14="http://schemas.microsoft.com/office/drawing/2010/main" val="0"/>
@@ -7525,8 +7575,8 @@
         </p:blipFill>
         <p:spPr bwMode="auto">
           <a:xfrm>
-            <a:off x="6863081" y="2132856"/>
-            <a:ext cx="2088232" cy="2269585"/>
+            <a:off x="1979712" y="1916832"/>
+            <a:ext cx="5273934" cy="4428753"/>
           </a:xfrm>
           <a:prstGeom prst="rect">
             <a:avLst/>
@@ -7546,7 +7596,7 @@
     </p:spTree>
     <p:extLst>
       <p:ext uri="{BB962C8B-B14F-4D97-AF65-F5344CB8AC3E}">
-        <p14:creationId xmlns:p14="http://schemas.microsoft.com/office/powerpoint/2010/main" val="1268887621"/>
+        <p14:creationId xmlns:p14="http://schemas.microsoft.com/office/powerpoint/2010/main" val="651947342"/>
       </p:ext>
     </p:extLst>
   </p:cSld>
@@ -7590,7 +7640,7 @@
           <a:p>
             <a:r>
               <a:rPr lang="fr-FR" dirty="0"/>
-              <a:t>Asymétrie</a:t>
+              <a:t>Coût</a:t>
             </a:r>
           </a:p>
         </p:txBody>
@@ -7605,48 +7655,82 @@
             <p:ph idx="1"/>
           </p:nvPr>
         </p:nvSpPr>
-        <p:spPr/>
+        <p:spPr>
+          <a:xfrm>
+            <a:off x="179513" y="1412776"/>
+            <a:ext cx="7056784" cy="5040560"/>
+          </a:xfrm>
+        </p:spPr>
         <p:txBody>
           <a:bodyPr/>
           <a:lstStyle/>
           <a:p>
             <a:r>
               <a:rPr lang="fr-FR" dirty="0"/>
-              <a:t>Les réseaux neuronaux sont </a:t>
-            </a:r>
-            <a:r>
-              <a:rPr lang="fr-FR"/>
-              <a:t>des modèles asymétriques</a:t>
-            </a:r>
-            <a:endParaRPr lang="fr-FR" dirty="0"/>
+              <a:t>Très couteux</a:t>
+            </a:r>
           </a:p>
           <a:p>
             <a:pPr lvl="1"/>
             <a:r>
               <a:rPr lang="fr-FR" dirty="0"/>
-              <a:t>Apprentissage couteux</a:t>
+              <a:t>Mais donne de très bon résultats</a:t>
             </a:r>
           </a:p>
           <a:p>
             <a:pPr lvl="1"/>
             <a:r>
               <a:rPr lang="fr-FR" dirty="0"/>
-              <a:t>Prédiction rapide</a:t>
-            </a:r>
-          </a:p>
-          <a:p>
-            <a:pPr lvl="1"/>
-            <a:r>
-              <a:rPr lang="fr-FR" dirty="0"/>
-              <a:t>Très utile</a:t>
+              <a:t>Maitrise l’addition sur 4 bits avec 145 neurones et 100 itérations</a:t>
             </a:r>
           </a:p>
         </p:txBody>
       </p:sp>
+      <p:pic>
+        <p:nvPicPr>
+          <p:cNvPr id="3074" name="Picture 2" descr="../_images/multilayerperceptron_network.png"/>
+          <p:cNvPicPr>
+            <a:picLocks noChangeAspect="1" noChangeArrowheads="1"/>
+          </p:cNvPicPr>
+          <p:nvPr/>
+        </p:nvPicPr>
+        <p:blipFill>
+          <a:blip r:embed="rId2" cstate="print">
+            <a:extLst>
+              <a:ext uri="{28A0092B-C50C-407E-A947-70E740481C1C}">
+                <a14:useLocalDpi xmlns:a14="http://schemas.microsoft.com/office/drawing/2010/main" val="0"/>
+              </a:ext>
+            </a:extLst>
+          </a:blip>
+          <a:srcRect/>
+          <a:stretch>
+            <a:fillRect/>
+          </a:stretch>
+        </p:blipFill>
+        <p:spPr bwMode="auto">
+          <a:xfrm>
+            <a:off x="6863081" y="2132856"/>
+            <a:ext cx="2088232" cy="2269585"/>
+          </a:xfrm>
+          <a:prstGeom prst="rect">
+            <a:avLst/>
+          </a:prstGeom>
+          <a:noFill/>
+          <a:extLst>
+            <a:ext uri="{909E8E84-426E-40DD-AFC4-6F175D3DCCD1}">
+              <a14:hiddenFill xmlns:a14="http://schemas.microsoft.com/office/drawing/2010/main">
+                <a:solidFill>
+                  <a:srgbClr val="FFFFFF"/>
+                </a:solidFill>
+              </a14:hiddenFill>
+            </a:ext>
+          </a:extLst>
+        </p:spPr>
+      </p:pic>
     </p:spTree>
     <p:extLst>
       <p:ext uri="{BB962C8B-B14F-4D97-AF65-F5344CB8AC3E}">
-        <p14:creationId xmlns:p14="http://schemas.microsoft.com/office/powerpoint/2010/main" val="1946835064"/>
+        <p14:creationId xmlns:p14="http://schemas.microsoft.com/office/powerpoint/2010/main" val="1268887621"/>
       </p:ext>
     </p:extLst>
   </p:cSld>
@@ -7808,6 +7892,106 @@
           <a:p>
             <a:r>
               <a:rPr lang="fr-FR" dirty="0"/>
+              <a:t>Asymétrie</a:t>
+            </a:r>
+          </a:p>
+        </p:txBody>
+      </p:sp>
+      <p:sp>
+        <p:nvSpPr>
+          <p:cNvPr id="3" name="Espace réservé du contenu 2"/>
+          <p:cNvSpPr>
+            <a:spLocks noGrp="1"/>
+          </p:cNvSpPr>
+          <p:nvPr>
+            <p:ph idx="1"/>
+          </p:nvPr>
+        </p:nvSpPr>
+        <p:spPr/>
+        <p:txBody>
+          <a:bodyPr/>
+          <a:lstStyle/>
+          <a:p>
+            <a:r>
+              <a:rPr lang="fr-FR" dirty="0"/>
+              <a:t>Les réseaux neuronaux sont </a:t>
+            </a:r>
+            <a:r>
+              <a:rPr lang="fr-FR"/>
+              <a:t>des modèles asymétriques</a:t>
+            </a:r>
+            <a:endParaRPr lang="fr-FR" dirty="0"/>
+          </a:p>
+          <a:p>
+            <a:pPr lvl="1"/>
+            <a:r>
+              <a:rPr lang="fr-FR" dirty="0"/>
+              <a:t>Apprentissage couteux</a:t>
+            </a:r>
+          </a:p>
+          <a:p>
+            <a:pPr lvl="1"/>
+            <a:r>
+              <a:rPr lang="fr-FR" dirty="0"/>
+              <a:t>Prédiction rapide</a:t>
+            </a:r>
+          </a:p>
+          <a:p>
+            <a:pPr lvl="1"/>
+            <a:r>
+              <a:rPr lang="fr-FR" dirty="0"/>
+              <a:t>Très utile</a:t>
+            </a:r>
+          </a:p>
+        </p:txBody>
+      </p:sp>
+    </p:spTree>
+    <p:extLst>
+      <p:ext uri="{BB962C8B-B14F-4D97-AF65-F5344CB8AC3E}">
+        <p14:creationId xmlns:p14="http://schemas.microsoft.com/office/powerpoint/2010/main" val="1946835064"/>
+      </p:ext>
+    </p:extLst>
+  </p:cSld>
+  <p:clrMapOvr>
+    <a:masterClrMapping/>
+  </p:clrMapOvr>
+</p:sld>
+</file>
+
+<file path=ppt/slides/slide31.xml><?xml version="1.0" encoding="utf-8"?>
+<p:sld xmlns:a="http://schemas.openxmlformats.org/drawingml/2006/main" xmlns:r="http://schemas.openxmlformats.org/officeDocument/2006/relationships" xmlns:p="http://schemas.openxmlformats.org/presentationml/2006/main">
+  <p:cSld>
+    <p:spTree>
+      <p:nvGrpSpPr>
+        <p:cNvPr id="1" name=""/>
+        <p:cNvGrpSpPr/>
+        <p:nvPr/>
+      </p:nvGrpSpPr>
+      <p:grpSpPr>
+        <a:xfrm>
+          <a:off x="0" y="0"/>
+          <a:ext cx="0" cy="0"/>
+          <a:chOff x="0" y="0"/>
+          <a:chExt cx="0" cy="0"/>
+        </a:xfrm>
+      </p:grpSpPr>
+      <p:sp>
+        <p:nvSpPr>
+          <p:cNvPr id="2" name="Titre 1"/>
+          <p:cNvSpPr>
+            <a:spLocks noGrp="1"/>
+          </p:cNvSpPr>
+          <p:nvPr>
+            <p:ph type="title"/>
+          </p:nvPr>
+        </p:nvSpPr>
+        <p:spPr/>
+        <p:txBody>
+          <a:bodyPr/>
+          <a:lstStyle/>
+          <a:p>
+            <a:r>
+              <a:rPr lang="fr-FR" dirty="0"/>
               <a:t>Topologie</a:t>
             </a:r>
           </a:p>
@@ -8736,7 +8920,7 @@
           <a:p>
             <a:r>
               <a:rPr lang="fr-FR" dirty="0"/>
-              <a:t>Si f(signal) &gt; seuil (ou biais) alors le signal passe dans le sortie</a:t>
+              <a:t>Si f(signal) &gt; seuil (ou biais) alors le signal passe dans la sortie</a:t>
             </a:r>
           </a:p>
           <a:p>
